--- a/Week3/Week 3.pptx
+++ b/Week3/Week 3.pptx
@@ -5,7 +5,7 @@
     <p:sldMasterId id="2147483648" r:id="rId1"/>
   </p:sldMasterIdLst>
   <p:notesMasterIdLst>
-    <p:notesMasterId r:id="rId28"/>
+    <p:notesMasterId r:id="rId35"/>
   </p:notesMasterIdLst>
   <p:sldIdLst>
     <p:sldId id="256" r:id="rId2"/>
@@ -34,6 +34,13 @@
     <p:sldId id="279" r:id="rId25"/>
     <p:sldId id="280" r:id="rId26"/>
     <p:sldId id="281" r:id="rId27"/>
+    <p:sldId id="284" r:id="rId28"/>
+    <p:sldId id="285" r:id="rId29"/>
+    <p:sldId id="282" r:id="rId30"/>
+    <p:sldId id="283" r:id="rId31"/>
+    <p:sldId id="288" r:id="rId32"/>
+    <p:sldId id="286" r:id="rId33"/>
+    <p:sldId id="287" r:id="rId34"/>
   </p:sldIdLst>
   <p:sldSz cx="12192000" cy="6858000"/>
   <p:notesSz cx="6858000" cy="9144000"/>
@@ -132,6 +139,11 @@
       </a:defRPr>
     </a:lvl9pPr>
   </p:defaultTextStyle>
+  <p:extLst>
+    <p:ext uri="{EFAFB233-063F-42B5-8137-9DF3F51BA10A}">
+      <p15:sldGuideLst xmlns:p15="http://schemas.microsoft.com/office/powerpoint/2012/main"/>
+    </p:ext>
+  </p:extLst>
 </p:presentation>
 </file>
 
@@ -404,11 +416,11 @@
               </emma:one-of>
             </emma:emma>
           </inkml:annotationXML>
-          <inkml:trace contextRef="#ctx0" brushRef="#br0">8813 13055 9728,'-19'0'4864,"19"-19"-5248,0 38 7167,0-19-6655,0 40 0,0-20 0,0 19 128,0 0-640,0 1 128,0-1-896,0 1 128,-20-1-1663,20 0-1</inkml:trace>
-          <inkml:trace contextRef="#ctx0" brushRef="#br0" timeOffset="1017">9364 12780 7680,'-19'0'3840,"-1"19"-4992,20-19 7551,-19 0-6399,-21 0 0,20 20 0,-19 0 128,0 19 128,0-19 0,-1 20 256,1-21 0,0 20 0,-1 1 0,20-20 0,1 19 128,-1 1-384,20-20 0,20-1-256,-1 1 128,41-1-384,-21-19 0,20 0-640,20 0 0,-21-19-1791,2 19 127</inkml:trace>
-          <inkml:trace contextRef="#ctx0" brushRef="#br0" timeOffset="165">8783 12632 10112,'-29'-29'4992,"29"29"-6656,0 29 8575,0-58-7423,29 58 128,1-29-2432,-1 59 1,30 0 1919,-29 30 0</inkml:trace>
-          <inkml:trace contextRef="#ctx0" brushRef="#br0" timeOffset="383">9127 13055 10880,'-39'0'5376,"39"-39"-7552,0 39 10239,19-20-8063,1 20 128,20-19-128,-1 19 0,0 0-256,21 0 0,-21 0-640,-19 0 0,19 0-1792,-19 0 129,19 0-129,-19 0 0</inkml:trace>
-          <inkml:trace contextRef="#ctx0" brushRef="#br0" timeOffset="2096">9916 12682 10752,'0'-39'5376,"-39"19"-6528,39 20 9215,-20 0-7807,20 0 0,-20 20 128,1-20 0,-20 19-640,19 21 128,-20-20 256,20 19 0,1-19-128,-1 19 0,20 0-128,0 1 0,20-21 0,-1 20 0,1-19 128,20-20 0,-1 20 0,-19 0 128,19 19-128,1-19 128,-1-1-128,-20 1 128,1 19-128,-20-19 0,0 0-256,0-1 128,-20 1-384,-19-1 128,0 1-1152,-20 0 0,0-20-1536,-20 0 129</inkml:trace>
+          <inkml:trace contextRef="#ctx0" brushRef="#br0">8812 13055 9728,'-19'0'4864,"19"-19"-5248,0 38 7167,0-19-6655,0 40 0,0-20 0,0 19 128,0 0-640,0 1 128,0-1-896,0 1 128,-19-1-1663,19 0-1</inkml:trace>
+          <inkml:trace contextRef="#ctx0" brushRef="#br0" timeOffset="1017">9354 12780 7680,'-18'0'3840,"-2"19"-4992,20-19 7551,-19 0-6399,-20 0 0,19 20 0,-18 0 128,-1 19 128,1-19 0,-1 20 256,0-21 0,1 20 0,-1 1 0,19-20 0,1 19 128,-1 1-384,20-20 0,20-1-256,-1 1 128,40-1-384,-21-19 0,20 0-640,20 0 0,-21-19-1791,2 19 127</inkml:trace>
+          <inkml:trace contextRef="#ctx0" brushRef="#br0" timeOffset="165">8783 12632 10112,'-29'-29'4992,"29"29"-6656,0 29 8575,0-58-7423,29 58 128,0-29-2432,0 59 1,29 0 1919,-29 30 0</inkml:trace>
+          <inkml:trace contextRef="#ctx0" brushRef="#br0" timeOffset="383">9121 13055 10880,'-38'0'5376,"38"-39"-7552,0 39 10239,18-20-8063,2 20 128,19-19-128,0 19 0,-1 0-256,21 0 0,-20 0-640,-20 0 0,20 0-1792,-20 0 129,20 0-129,-20 0 0</inkml:trace>
+          <inkml:trace contextRef="#ctx0" brushRef="#br0" timeOffset="2096">9897 12682 10752,'0'-39'5376,"-38"19"-6528,38 20 9215,-20 0-7807,20 0 0,-19 20 128,0-20 0,-19 19-640,18 21 128,-19-20 256,19 19 0,1-19-128,0 19 0,19 0-128,0 1 0,19-21 0,0 20 0,1-19 128,19-20 0,-1 20 0,-18 0 128,18 19-128,2-19 128,-2-1-128,-19 1 128,0 19-128,-19-19 0,0 0-256,0-1 128,-19 1-384,-20-1 128,1 1-1152,-20 0 0,0-20-1536,-20 0 129</inkml:trace>
         </inkml:traceGroup>
         <inkml:traceGroup>
           <inkml:annotationXML>
@@ -435,9 +447,9 @@
               </emma:one-of>
             </emma:emma>
           </inkml:annotationXML>
-          <inkml:trace contextRef="#ctx0" brushRef="#br0" timeOffset="2629">10408 11913 7808,'-40'0'3840,"40"20"-3584,0-20 5631,0-20-5631,0 20 128,0 0 0,0 0 128,0 0-768,0 0 128,0 0 512,0 20 0,0-20-128,-20 0 0,20 20 0,0 19 0,0-19 0,-19 20 128,19-21-256,0 20 128,0 1-128,0 0 0,0-1-128,19-20 0,-19 21 0,0-1 0,20 1 0,-20-1 128,20 1-128,-20-1 0,0-19 0,20 0 0,-1 19 0,1-19 0,-20 0-128,40-1 128,-21 1 0,20-1 0,-19-19 0,20-19 128,-1-1-128,1-19 128,-1-20 0,0-1 0,21-38-128,-41-1 128,21 21-384,-20-2 128,0 22-640,-1-2 0,1 21-1280,-20 19 128,19 0-1023,-19 1 127</inkml:trace>
-          <inkml:trace contextRef="#ctx0" brushRef="#br0" timeOffset="3266">11196 12485 9216,'-20'0'4608,"40"-20"-5376,-20 20 8703,0 20-7935,0-20 128,0 19 0,0 1 0,0 20-256,0-21 0,0 20-384,0 1 0,0 19-1408,0-39 129,0 19-897,0-39 128</inkml:trace>
-          <inkml:trace contextRef="#ctx0" brushRef="#br0" timeOffset="3416">11166 12051 11776,'-30'0'5887,"30"0"-8958,0 0 11774,30 0-10495,-30 29 0,30-29-3967,29 30-1</inkml:trace>
+          <inkml:trace contextRef="#ctx0" brushRef="#br0" timeOffset="2629">10382 11913 7808,'-40'0'3840,"40"20"-3584,0-20 5631,0-20-5631,0 20 128,0 0 0,0 0 128,0 0-768,0 0 128,0 0 512,0 20 0,0-20-128,-19 0 0,19 20 0,0 19 0,0-19 0,-19 20 128,19-21-256,0 20 128,0 1-128,0 0 0,0-1-128,19-20 0,-19 21 0,0-1 0,19 1 0,-19-1 128,20 1-128,-20-1 0,0-19 0,20 0 0,-2 19 0,2-19 0,-20 0-128,39-1 128,-20 1 0,19-1 0,-18-19 0,19-19 128,0-1-128,0-19 128,0-20 0,-1-1 0,21-38-128,-40-1 128,20 21-384,-19-2 128,-1 22-640,0-2 0,1 21-1280,-20 19 128,18 0-1023,-18 1 127</inkml:trace>
+          <inkml:trace contextRef="#ctx0" brushRef="#br0" timeOffset="3266">11157 12485 9216,'-20'0'4608,"40"-20"-5376,-20 20 8703,0 20-7935,0-20 128,0 19 0,0 1 0,0 20-256,0-21 0,0 20-384,0 1 0,0 19-1408,0-39 129,0 19-897,0-39 128</inkml:trace>
+          <inkml:trace contextRef="#ctx0" brushRef="#br0" timeOffset="3416">11127 12051 11776,'-29'0'5887,"29"0"-8958,0 0 11774,29 0-10495,-29 29 0,30-29-3967,28 30-1</inkml:trace>
         </inkml:traceGroup>
       </inkml:traceGroup>
     </inkml:traceGroup>
@@ -810,8 +822,8 @@
             <emma:emma xmlns:emma="http://www.w3.org/2003/04/emma" version="1.0">
               <emma:interpretation id="{8E5A3624-D96A-4B07-B816-4FA8735A4BE4}" emma:medium="tactile" emma:mode="ink">
                 <msink:context xmlns:msink="http://schemas.microsoft.com/ink/2010/main" type="inkWord" rotatedBoundingBox="6974,4028 8542,3974 8607,5836 7039,5890">
+                  <msink:destinationLink direction="with" ref="{A2BD7F45-119C-4AFE-ABA0-A2E89A4B0C99}"/>
                   <msink:destinationLink direction="with" ref="{2198EC8D-64BF-4220-843F-D86D58A7EA36}"/>
-                  <msink:destinationLink direction="with" ref="{A2BD7F45-119C-4AFE-ABA0-A2E89A4B0C99}"/>
                 </msink:context>
               </emma:interpretation>
               <emma:one-of disjunction-type="recognition" id="oneOf1">
@@ -2024,8 +2036,8 @@
           <emma:emma xmlns:emma="http://www.w3.org/2003/04/emma" version="1.0">
             <emma:interpretation id="{FC32F715-8826-4C50-81AE-C0486ED06D80}" emma:medium="tactile" emma:mode="ink">
               <msink:context xmlns:msink="http://schemas.microsoft.com/ink/2010/main" type="line" rotatedBoundingBox="10113,8396 17383,6888 17698,8405 10428,9913">
+                <msink:destinationLink direction="with" ref="{ED0C8ED1-0814-4C12-B28D-38F925D31987}"/>
                 <msink:destinationLink direction="with" ref="{DEFA3F66-C015-4558-9594-E78B48BEA9D3}"/>
-                <msink:destinationLink direction="with" ref="{ED0C8ED1-0814-4C12-B28D-38F925D31987}"/>
               </msink:context>
             </emma:interpretation>
           </emma:emma>
@@ -2126,8 +2138,6 @@
       <emma:emma xmlns:emma="http://www.w3.org/2003/04/emma" version="1.0">
         <emma:interpretation id="{ED0C8ED1-0814-4C12-B28D-38F925D31987}" emma:medium="tactile" emma:mode="ink">
           <msink:context xmlns:msink="http://schemas.microsoft.com/ink/2010/main" type="inkDrawing" rotatedBoundingBox="8898,6930 8905,10099 8865,10100 8858,6930" semanticType="verticalRange" shapeName="Other">
-            <msink:sourceLink direction="with" ref="{0B6E8DCA-A881-4A28-8360-363863DD2B27}"/>
-            <msink:sourceLink direction="with" ref="{456575C0-07BD-4980-A4C6-32DB1DF33B2E}"/>
             <msink:sourceLink direction="with" ref="{0AB44EA2-ED96-480E-B362-6A9D3946AD2A}"/>
             <msink:sourceLink direction="with" ref="{FC32F715-8826-4C50-81AE-C0486ED06D80}"/>
           </msink:context>
@@ -3300,8 +3310,8 @@
             <emma:emma xmlns:emma="http://www.w3.org/2003/04/emma" version="1.0">
               <emma:interpretation id="{3476F6C1-27DE-4EEC-A7D1-AEA987B37A1D}" emma:medium="tactile" emma:mode="ink">
                 <msink:context xmlns:msink="http://schemas.microsoft.com/ink/2010/main" type="inkWord" rotatedBoundingBox="7311,10773 11123,10639 11207,13009 7394,13143">
+                  <msink:destinationLink direction="with" ref="{86166496-BA03-432D-BAFE-2C9256B887F7}"/>
                   <msink:destinationLink direction="with" ref="{4A96CCA8-AD46-42F2-9F02-29684D65A991}"/>
-                  <msink:destinationLink direction="with" ref="{86166496-BA03-432D-BAFE-2C9256B887F7}"/>
                   <msink:destinationLink direction="with" ref="{72021D74-6E70-401C-BB73-FCE05B67749E}"/>
                   <msink:destinationLink direction="with" ref="{904E62B6-97FB-4961-971A-E133BC281BD3}"/>
                 </msink:context>
@@ -3771,8 +3781,8 @@
             <emma:emma xmlns:emma="http://www.w3.org/2003/04/emma" version="1.0">
               <emma:interpretation id="{233E7A73-A2D0-424F-9DCF-FCB87F9DC50F}" emma:medium="tactile" emma:mode="ink">
                 <msink:context xmlns:msink="http://schemas.microsoft.com/ink/2010/main" type="inkWord" rotatedBoundingBox="12896,12148 13862,12148 13862,12817 12896,12817">
+                  <msink:destinationLink direction="with" ref="{4155B8DE-9DE0-4B65-873C-CBA6D8812EDE}"/>
                   <msink:destinationLink direction="with" ref="{88F59049-BE7B-4E1D-919F-EEACE82AF4B1}"/>
-                  <msink:destinationLink direction="with" ref="{4155B8DE-9DE0-4B65-873C-CBA6D8812EDE}"/>
                   <msink:destinationLink direction="with" ref="{021179E2-0356-4A51-B947-140FCEB84822}"/>
                 </msink:context>
               </emma:interpretation>
@@ -4811,9 +4821,9 @@
     <inkml:annotationXML>
       <emma:emma xmlns:emma="http://www.w3.org/2003/04/emma" version="1.0">
         <emma:interpretation id="{97FBC313-B7E2-4EF8-A5D3-2F408B309003}" emma:medium="tactile" emma:mode="ink">
-          <msink:context xmlns:msink="http://schemas.microsoft.com/ink/2010/main" type="inkDrawing" rotatedBoundingBox="15943,10663 21494,10642 21513,15769 15962,15790" semanticType="connector" shapeName="Other">
+          <msink:context xmlns:msink="http://schemas.microsoft.com/ink/2010/main" type="inkDrawing" rotatedBoundingBox="15943,10663 21494,10642 21513,15769 15962,15790" semanticType="10" shapeName="Other">
+            <msink:sourceLink direction="with" ref="{EE77CA88-CE7A-4C7C-B99C-99650551A575}"/>
             <msink:sourceLink direction="with" ref="{C21D6B72-AB36-4F12-B7BF-D7B2D98EFE83}"/>
-            <msink:sourceLink direction="with" ref="{EE77CA88-CE7A-4C7C-B99C-99650551A575}"/>
             <msink:sourceLink direction="with" ref="{B1935A1F-6B97-401C-BAE4-BE8887C1F875}"/>
           </msink:context>
         </emma:interpretation>
@@ -4921,8 +4931,8 @@
       <emma:emma xmlns:emma="http://www.w3.org/2003/04/emma" version="1.0">
         <emma:interpretation id="{8F8CE2B1-E74A-4770-93D9-EEEFD457B177}" emma:medium="tactile" emma:mode="ink">
           <msink:context xmlns:msink="http://schemas.microsoft.com/ink/2010/main" type="inkDrawing" rotatedBoundingBox="18657,9916 19961,7918 19988,7936 18684,9934" semanticType="callout" shapeName="Other">
+            <msink:sourceLink direction="with" ref="{38A3B187-7178-430B-A1F4-E83DC13B97B1}"/>
             <msink:sourceLink direction="with" ref="{EE77CA88-CE7A-4C7C-B99C-99650551A575}"/>
-            <msink:sourceLink direction="with" ref="{38A3B187-7178-430B-A1F4-E83DC13B97B1}"/>
           </msink:context>
         </emma:interpretation>
       </emma:emma>
@@ -6691,12 +6701,12 @@
               </emma:one-of>
             </emma:emma>
           </inkml:annotationXML>
-          <inkml:trace contextRef="#ctx0" brushRef="#br0">7640 3181 9984,'-40'0'4992,"-39"-20"-6400,79 20 8831,-19 0-7167,-20 0 128,0 0 0,-1 0 0,1 20-512,-1-20 0,1 20 256,-1 19 128,1 40-384,0-20 128,19 20-128,-19 39 128,39-20-128,-20 0 0,40 20 0,-1-19 0,1-21 0,39-38 128,0 19 0,0-20 0,20-19 0,0-60 0,19-18 0,-19-21 128,0 0 0,-21-39 0,2 0 0,-21 0 128,0 19-128,-58-19 0,-1 40-384,-39-1 128,-20 20-768,0 19 0,-19 21-2048,19 38 129</inkml:trace>
-          <inkml:trace contextRef="#ctx0" brushRef="#br0" timeOffset="-452">6183 1055 7552,'-20'0'3712,"40"20"-3072,-20-1 5119,20 1-5375,-1 40 128,21 18 128,-1 20 128,20 1-1024,0 19 128,39 59 512,1-20 0,19 1-256,0 19 128,0-19-128,-20 19 0,20-40-384,0-18 128,1-1-1152,-41-20 0,1-39-1407,-20 0 127</inkml:trace>
-          <inkml:trace contextRef="#ctx0" brushRef="#br0" timeOffset="2973">3190 5268 7296,'-20'0'3584,"-19"0"-3584,39 0 5887,-39 19-5375,19-19 128,-20 0 0,1 0 0,0 40-896,-20 0 0,-1-1 512,1 0 128,20 20-384,-20 1 0,20-2-256,19 22 0,-20-2-128,21 1 128,19 20-128,-20-1 0,40-19-128,-1 0 128,1-20 1,20 0-1,18-19 0,-18-1 0,19-20 0,-20-19 128,21-19 128,-1-1 128,-20-39 128,0 0 128,1-20 128,0 0 128,-21 1-128,1-1 128,-1-20-129,-19 20 1,0-19-256,-19 19 0,-1 20-768,20 19 1,-19 1-1537,19-1 128</inkml:trace>
-          <inkml:trace contextRef="#ctx0" brushRef="#br0" timeOffset="2552">4232 3771 5760,'20'0'2816,"-40"0"-896,20 0 2688,0 0-4224,0-19 128,0 19 383,0 0 129,-20 19-1152,1-19 0,19 20 768,-39 20 0,19-1-256,-39 0 0,20 40-256,-20 0 128,-1 19-256,2 1 0,-2 19 0,2 0 0,-21 20 0,0-40 0,20 1-128,-19 19 128,38-19-256,-19-21 0,0 1-384,20-20 0,19 0-640,-19-19 129,19-21-1281,20 1 0</inkml:trace>
-          <inkml:trace contextRef="#ctx0" brushRef="#br0">7640 3181 9984,'-40'0'4992,"-39"-20"-6400,79 20 8831,-19 0-7167,-20 0 128,0 0 0,-1 0 0,1 20-512,-1-20 0,1 20 256,-1 19 128,1 40-384,0-20 128,19 20-128,-19 39 128,39-20-128,-20 0 0,40 20 0,-1-19 0,1-21 0,39-38 128,0 19 0,0-20 0,20-19 0,0-60 0,19-18 0,-19-21 128,0 0 0,-21-39 0,2 0 0,-21 0 128,0 19-128,-58-19 0,-1 40-384,-39-1 128,-20 20-768,0 19 0,-19 21-2048,19 38 129</inkml:trace>
-          <inkml:trace contextRef="#ctx0" brushRef="#br0" timeOffset="-452">6183 1055 7552,'-20'0'3712,"40"20"-3072,-20-1 5119,20 1-5375,-1 40 128,21 18 128,-1 20 128,20 1-1024,0 19 128,39 59 512,1-20 0,19 1-256,0 19 128,0-19-128,-20 19 0,20-40-384,0-18 128,1-1-1152,-41-20 0,1-39-1407,-20 0 127</inkml:trace>
+          <inkml:trace contextRef="#ctx0" brushRef="#br0">7640 3799 9984,'-40'0'4992,"-39"-24"-6400,79 24 8831,-19 0-7167,-20 0 128,0 0 0,-1 0 0,1 24-512,-1-24 0,1 24 256,-1 23 128,1 48-384,0-24 128,19 24-128,-19 47 128,39-24-128,-20 0 0,40 24 0,-1-23 0,1-25 0,39-46 128,0 23 0,0-24 0,20-23 0,0-72 0,19-22 0,-19-25 128,0 0 0,-21-47 0,2 0 0,-21 0 128,0 23-128,-58-23 0,-1 48-384,-39-1 128,-20 24-768,0 23 0,-19 25-2048,19 46 129</inkml:trace>
+          <inkml:trace contextRef="#ctx0" brushRef="#br0" timeOffset="-452">6183 1240 7552,'-20'0'3712,"40"24"-3072,-20-1 5119,20 1-5375,-1 48 128,21 22 128,-1 24 128,20 1-1024,0 23 128,39 71 512,1-24 0,19 1-256,0 23 128,0-23-128,-20 23 0,20-48-384,0-21 128,1-2-1152,-41-24 0,1-47-1407,-20 0 127</inkml:trace>
+          <inkml:trace contextRef="#ctx0" brushRef="#br0" timeOffset="2973">3190 6311 7296,'-20'0'3584,"-19"0"-3584,39 0 5887,-39 23-5375,19-23 128,-20 0 0,1 0 0,0 48-896,-20 0 0,-1-1 512,1 0 128,20 24-384,-20 1 0,20-2-256,19 26 0,-20-2-128,21 1 128,19 25-128,-20-2 0,40-23-128,-1 0 128,1-24 1,20 0-1,18-23 0,-18-1 0,19-24 0,-20-23 128,21-23 128,-1-1 128,-20-47 128,0 0 128,1-24 128,0 0 128,-21 1-128,1-1 128,-1-25-129,-19 25 1,0-23-256,-19 23 0,-1 24-768,20 23 1,-19 1-1537,19-1 128</inkml:trace>
+          <inkml:trace contextRef="#ctx0" brushRef="#br0" timeOffset="2552">4232 4509 5760,'20'0'2816,"-40"0"-896,20 0 2688,0 0-4224,0-23 128,0 23 383,0 0 129,-20 23-1152,1-23 0,19 24 768,-39 24 0,19-1-256,-39 0 0,20 48-256,-20 0 128,-1 23-256,2 1 0,-2 24 0,2-1 0,-21 24 0,0-48 0,20 1-128,-19 23 128,38-23-256,-19-25 0,0 1-384,20-24 0,19 0-640,-19-23 129,19-25-1281,20 1 0</inkml:trace>
+          <inkml:trace contextRef="#ctx0" brushRef="#br0">7640 3799 9984,'-40'0'4992,"-39"-24"-6400,79 24 8831,-19 0-7167,-20 0 128,0 0 0,-1 0 0,1 24-512,-1-24 0,1 24 256,-1 23 128,1 48-384,0-24 128,19 24-128,-19 47 128,39-24-128,-20 0 0,40 24 0,-1-23 0,1-25 0,39-46 128,0 23 0,0-24 0,20-23 0,0-72 0,19-22 0,-19-25 128,0 0 0,-21-47 0,2 0 0,-21 0 128,0 23-128,-58-23 0,-1 48-384,-39-1 128,-20 24-768,0 23 0,-19 25-2048,19 46 129</inkml:trace>
+          <inkml:trace contextRef="#ctx0" brushRef="#br0" timeOffset="-452">6183 1240 7552,'-20'0'3712,"40"24"-3072,-20-1 5119,20 1-5375,-1 48 128,21 22 128,-1 24 128,20 1-1024,0 23 128,39 71 512,1-24 0,19 1-256,0 23 128,0-23-128,-20 23 0,20-48-384,0-21 128,1-2-1152,-41-24 0,1-47-1407,-20 0 127</inkml:trace>
         </inkml:traceGroup>
       </inkml:traceGroup>
     </inkml:traceGroup>
@@ -6741,11 +6751,11 @@
               </emma:one-of>
             </emma:emma>
           </inkml:annotationXML>
-          <inkml:trace contextRef="#ctx0" brushRef="#br0" timeOffset="2552">4232 3771 5760,'20'0'2816,"-40"0"-896,20 0 2688,0 0-4224,0-19 128,0 19 383,0 0 129,-20 19-1152,1-19 0,19 20 768,-39 20 0,19-1-256,-39 0 0,20 40-256,-20 0 128,-1 19-256,2 1 0,-2 19 0,2 0 0,-21 20 0,0-40 0,20 1-128,-19 19 128,38-19-256,-19-21 0,0 1-384,20-20 0,19 0-640,-19-19 129,19-21-1281,20 1 0</inkml:trace>
-          <inkml:trace contextRef="#ctx0" brushRef="#br0" timeOffset="2973">3190 5268 7296,'-20'0'3584,"-19"0"-3584,39 0 5887,-39 19-5375,19-19 128,-20 0 0,1 0 0,0 40-896,-20 0 0,-1-1 512,1 0 128,20 20-384,-20 1 0,20-2-256,19 22 0,-20-2-128,21 1 128,19 20-128,-20-1 0,40-19-128,-1 0 128,1-20 1,20 0-1,18-19 0,-18-1 0,19-20 0,-20-19 128,21-19 128,-1-1 128,-20-39 128,0 0 128,1-20 128,0 0 128,-21 1-128,1-1 128,-1-20-129,-19 20 1,0-19-256,-19 19 0,-1 20-768,20 19 1,-19 1-1537,19-1 128</inkml:trace>
-          <inkml:trace contextRef="#ctx0" brushRef="#br0" timeOffset="-2271">6102 326 8448,'-39'-39'4224,"19"-1"-2560,1 40 4223,-1-19-5631,20 19 128,-20-20 256,0 0 0,-19 0-896,19 1 128,-19 19 384,-1 0 128,-18 19-256,-41 21 0,21-1-128,-1 20 0,0 20-128,20 0 128,0 19 0,39 1 0,-19-1 0,39-18 0,0 18-128,19 0 0,1 1 0,40-20 128,-2-40-128,21 0 0,0-39 0,19-20 128,1-19 0,-1 0 0,20-40 0,-39 20 128,0-39 0,-1-20 0,-18 19-128,-41 0 128,1 0-128,-1 1 0,-38 20-256,-20-1 0,-21 20-768,1 39 128,-20 0-1920,1 40 1</inkml:trace>
-          <inkml:trace contextRef="#ctx0" brushRef="#br0" timeOffset="-1476">5650 1212 6144,'0'0'3072,"0"-20"-1280,0 20 3328,0 0-4353,0 0 129,0 0 384,0-19 0,0 38-1664,-20-19 0,20 20 1152,-20 0 128,1 0-512,-20 38 0,-1-18-256,1 39 128,-20-20-128,0 19 0,0 21-128,0-20 128,0 39-128,-20-19 128,20-1-128,-20 0 0,20-19 0,1 0 0,-2-20-128,21 0 128,19 0-384,-19 0 128,19-19-640,0-20 128,1-1-1152,19 20 0,-20-39-895,20 20-1</inkml:trace>
-          <inkml:trace contextRef="#ctx0" brushRef="#br0" timeOffset="-1059">4667 2551 8448,'-59'-19'4224,"19"19"-4736,21 0 7679,-1 19-6911,-20-19 0,1 40 0,0-1 128,-21 40-512,-18-1 128,-1 2 128,0-2 128,20 20-128,20 1 0,-1 19-128,1-19 128,39-20-256,0-1 128,39 21-128,1-20 128,38-1-128,-18 1 0,18-40-128,1-19 128,20-20 0,19-59 0,-19 0 128,-1-39 0,0-1 128,-19-19 0,-20 20 128,0-1 0,-39 0 0,-1-19 128,-38 20-128,19 0 0,-20 38-128,-19-18 0,-1 38-256,1 1 0,0 19-1024,-20 1 0,19 19-1664,1 19 129</inkml:trace>
+          <inkml:trace contextRef="#ctx0" brushRef="#br0" timeOffset="2552">4232 4509 5760,'20'0'2816,"-40"0"-896,20 0 2688,0 0-4224,0-23 128,0 23 383,0 0 129,-20 23-1152,1-23 0,19 24 768,-39 24 0,19-1-256,-39 0 0,20 48-256,-20 0 128,-1 23-256,2 1 0,-2 24 0,2-1 0,-21 24 0,0-48 0,20 1-128,-19 23 128,38-23-256,-19-25 0,0 1-384,20-24 0,19 0-640,-19-23 129,19-25-1281,20 1 0</inkml:trace>
+          <inkml:trace contextRef="#ctx0" brushRef="#br0" timeOffset="2973">3190 6311 7296,'-20'0'3584,"-19"0"-3584,39 0 5887,-39 23-5375,19-23 128,-20 0 0,1 0 0,0 48-896,-20 0 0,-1-1 512,1 0 128,20 24-384,-20 1 0,20-2-256,19 26 0,-20-2-128,21 1 128,19 25-128,-20-2 0,40-23-128,-1 0 128,1-24 1,20 0-1,18-23 0,-18-1 0,19-24 0,-20-23 128,21-23 128,-1-1 128,-20-47 128,0 0 128,1-24 128,0 0 128,-21 1-128,1-1 128,-1-25-129,-19 25 1,0-23-256,-19 23 0,-1 24-768,20 23 1,-19 1-1537,19-1 128</inkml:trace>
+          <inkml:trace contextRef="#ctx0" brushRef="#br0" timeOffset="-2271">6102 362 8448,'-39'-47'4224,"19"-1"-2560,1 48 4223,-1-23-5631,20 23 128,-20-24 256,0 0 0,-19 0-896,19 1 128,-19 23 384,-1 0 128,-18 23-256,-41 25 0,21-1-128,-1 24 0,0 24-128,20 0 128,0 23 0,39 1 0,-19-1 0,39-21 0,0 21-128,19 0 0,1 1 0,40-24 128,-2-48-128,21 0 0,0-47 0,19-24 128,1-23 0,-1 0 0,20-48 0,-39 24 128,0-47 0,-1-24 0,-18 22-128,-41 1 128,1 0-128,-1 1 0,-38 24-256,-20-1 0,-21 24-768,1 47 128,-20 0-1920,1 48 1</inkml:trace>
+          <inkml:trace contextRef="#ctx0" brushRef="#br0" timeOffset="-1476">5650 1429 6144,'0'0'3072,"0"-24"-1280,0 24 3328,0 0-4353,0 0 129,0 0 384,0-23 0,0 46-1664,-20-23 0,20 24 1152,-20 0 128,1 0-512,-20 46 0,-1-22-256,1 47 128,-20-24-128,0 23 0,0 25-128,0-24 128,0 47-128,-20-23 128,20-1-128,-20 0 0,20-23 0,1 0 0,-2-24-128,21 0 128,19 0-384,-19 0 128,19-22-640,0-25 128,1-1-1152,19 23 0,-20-46-895,20 25-1</inkml:trace>
+          <inkml:trace contextRef="#ctx0" brushRef="#br0" timeOffset="-1059">4667 3040 8448,'-59'-22'4224,"19"22"-4736,21 0 7679,-1 22-6911,-20-22 0,1 49 0,0-2 128,-21 48-512,-18-1 128,-1 2 128,0-2 128,20 24-128,20 1 0,-1 23-128,1-23 128,39-24-256,0-1 128,39 25-128,1-24 128,38-1-128,-18 1 0,18-48-128,1-23 128,20-24 0,19-71 0,-19 0 128,-1-47 0,0-1 128,-19-23 0,-20 24 128,0-1 0,-39 0 0,-1-23 128,-38 24-128,19 0 0,-20 46-128,-19-22 0,-1 46-256,1 1 0,0 23-1024,-20 1 0,19 23-1664,1 23 129</inkml:trace>
         </inkml:traceGroup>
       </inkml:traceGroup>
     </inkml:traceGroup>
@@ -7203,8 +7213,8 @@
       <emma:emma xmlns:emma="http://www.w3.org/2003/04/emma" version="1.0">
         <emma:interpretation id="{BFC11C75-699E-4B32-9ED8-412EF0D87BDC}" emma:medium="tactile" emma:mode="ink">
           <msink:context xmlns:msink="http://schemas.microsoft.com/ink/2010/main" type="inkDrawing" rotatedBoundingBox="20924,13538 22132,16571 19406,17656 18199,14623" semanticType="enclosure" shapeName="Other">
+            <msink:destinationLink direction="with" ref="{83A54E4A-2B6B-491E-944B-CEECD0C83846}"/>
             <msink:destinationLink direction="with" ref="{576B6423-BD34-4EB5-8635-411ECA968D58}"/>
-            <msink:destinationLink direction="with" ref="{83A54E4A-2B6B-491E-944B-CEECD0C83846}"/>
           </msink:context>
         </emma:interpretation>
       </emma:emma>
@@ -7384,9 +7394,9 @@
             <emma:emma xmlns:emma="http://www.w3.org/2003/04/emma" version="1.0">
               <emma:interpretation id="{DEC45792-646A-4AF7-8094-99D353D444F7}" emma:medium="tactile" emma:mode="ink">
                 <msink:context xmlns:msink="http://schemas.microsoft.com/ink/2010/main" type="inkWord" rotatedBoundingBox="20485,16376 21435,17686 21119,17916 20169,16605">
-                  <msink:destinationLink direction="with" ref="{71DD0386-4955-4F3F-B7D8-D1CE8C2ACFA1}"/>
                   <msink:destinationLink direction="with" ref="{576B6423-BD34-4EB5-8635-411ECA968D58}"/>
                   <msink:destinationLink direction="with" ref="{83A54E4A-2B6B-491E-944B-CEECD0C83846}"/>
+                  <msink:destinationLink direction="with" ref="{71DD0386-4955-4F3F-B7D8-D1CE8C2ACFA1}"/>
                 </msink:context>
               </emma:interpretation>
               <emma:one-of disjunction-type="recognition" id="oneOf0">
@@ -7620,7 +7630,7 @@
       <inkml:brushProperty name="color" value="#ED1C24"/>
     </inkml:brush>
   </inkml:definitions>
-  <inkml:trace contextRef="#ctx0" brushRef="#br0">7807 7739 2688,'0'0'1280,"30"-29"-768,-30 29 128,29 29-1920,-29-29 128</inkml:trace>
+  <inkml:trace contextRef="#ctx0" brushRef="#br0">7807 7730 2688,'0'0'1280,"20"-20"-768,-20 20 128,19 20-1920,-19-20 128</inkml:trace>
 </inkml:ink>
 </file>
 
@@ -7810,15 +7820,15 @@
               </emma:one-of>
             </emma:emma>
           </inkml:annotationXML>
-          <inkml:trace contextRef="#ctx0" brushRef="#br0">9130 5702 7424,'0'-14'3712,"15"28"-4096,1-1 6016,0 1-5377,-1 26 129,16 0 256,16 14 0,0 14-768,16-1 0,-17 14 640,16-1 0,-15 1-256,16 0 128,-1 0-128,-15 13 0,0-27-128,16 0 0,-32-13-640,15-13 0,-15-1-768,-15-27 0,0 14-1279,-16-13-1</inkml:trace>
-          <inkml:trace contextRef="#ctx0" brushRef="#br0" timeOffset="1459">8318 7935 9472,'0'13'4736,"0"-13"-5504,0 0 7551,0 0-6655,0 0 128,16 27 128,-1 0 128,16-1-640,0 29 0,1-15 384,15 14 0,0-14-256,15 14 128,-15-14-640,16 14 0,-32-14-1024,15 1 128,-14-14-1407,-17-14 127</inkml:trace>
-          <inkml:trace contextRef="#ctx0" brushRef="#br0" timeOffset="1638">8630 8043 10752,'-32'0'5376,"1"0"-6272,31 0 9855,-16 13-8831,1 14 0,-1 0-128,1 13 128,-16 1-384,15 12 128,-15 1-256,15 14 0,-16-15-1152,17 1 0,-1 0-1536,1-13 1</inkml:trace>
-          <inkml:trace contextRef="#ctx0" brushRef="#br0" timeOffset="-2575">8286 4236 7552,'0'0'3712,"-16"-14"-4480,32 14 6783,-16 0-6015,0 0 0,15 14 512,1 13 0,0-14-384,-1 27 0,1-13 384,15 27 0,-16 0 0,16 13 128,1 14-256,15-1 128,0-12-384,-1 13 128,1-28-128,15 15 0,1-28-128,-16 14 128,-16-14-128,16 1 0,-16-14-256,0-1 128,-15 1-512,0-13 128,-1-1-768,1 1 0,-16-1-1407,0-13-1</inkml:trace>
-          <inkml:trace contextRef="#ctx0" brushRef="#br0" timeOffset="-2080">9051 5271 7808,'-16'-14'3840,"1"14"-3840,15 0 6271,-16 0-5759,0-13 128,1 13 0,-1-14 128,-15 28-1152,16-1 128,-32 14 512,16 0 128,-16 14-384,31 12 128,-15-12-128,15 13 0,1 13-128,30 0 128,1 0-128,-1-13 0,17 0 0,-1-14 0,0-13 0,16 0 0,0-27 0,-16 0 128,16-14 128,0-26 0,-1 0 0,1 0 128,-16-15-128,0 2 128,0 13-128,-15-14 0,-16 0-128,0 0 128,-16 14-256,1-14 0,-16 14-512,15 13 128,-15 0-1024,0 27 0,0 13-1023,15 14-1</inkml:trace>
-          <inkml:trace contextRef="#ctx0" brushRef="#br0" timeOffset="-1107">8973 5944 8320,'-16'-13'4096,"16"13"-4608,0 0 7295,0 0-6783,0 0 128,0 13 0,-15 14 128,15 0-256,-16 0 0,0 27 128,1 0 128,-17 13-128,1 14 0,-16-1 0,1 14 0,14 1-128,-15-15 0,16 1 0,-16-14 128,16 0-128,0-12 128,15-15-128,1-13 128,-1-14-640,0 0 128,16-13-896,0 0 128,0 0-1407,0-13-1</inkml:trace>
-          <inkml:trace contextRef="#ctx0" brushRef="#br0" timeOffset="-684">8551 6926 7040,'-15'0'3456,"-16"13"-2688,31-26 5375,-16 13-5503,1 0 0,-1 0 256,0 0 0,1 0-1280,-16 0 128,0 13 768,-1 0 0,-15 1-384,16 13 0,0 13-256,0 0 128,15 1-256,1 13 128,-1-1-384,32 15 0,-1-1-128,1 0 128,15 1 0,16-1 0,-16-27 128,0 1 128,1-28 384,14-13 128,-15-27 128,1-13 128,-1-14 0,0 0 128,0-27-256,0 14 128,-15 0-384,0 13 128,-16 14-256,0 13 0,-16-13-512,0 26 0,-15-13-896,15 13 128,-15 1-1279,31-1 127</inkml:trace>
-          <inkml:trace contextRef="#ctx0" brushRef="#br0" timeOffset="96241">7778 12408 7424,'-19'0'3712,"19"20"-4864,0-20 7935,0 0-6271,-20 0 0,0 0 128,0 0 128,0 0-1024,1 19 0,-1 1 640,-19 0 0,19 0-384,0 19 128,1-19-128,-1 39 0,20-20-128,0 0 0,0 21 0,0-21 0,20 20 0,-1-20 0,21 1-128,-20-21 0,19 20 128,-20-39 0,21 20 0,0-40 0,-21 1 128,1-1 128,19-19 0,-19-1 128,0-18-128,-1 18 128,1-19-128,-20 20 128,19-20-256,-19 0 128,20 20-128,-20-21 128,-20 1-128,20 1 128,-19 18 0,-1 1 0,1 19-256,-21 0 128,20 20-640,-19 0 128,20 20-1535,-21 0-1,20-1-512,0 21 128</inkml:trace>
-          <inkml:trace contextRef="#ctx0" brushRef="#br0" timeOffset="95794">8230 11404 6912,'-19'20'3456,"-1"-20"-4480,1 19 6400,19-19-5376,0 0 0,-20 20 128,20-20 128,-20 20-256,20 0 128,-20-1 0,1 20 0,-1 1 0,1 19 128,-1 0-128,0 0 0,-19 0-128,19 0 128,-20 1-128,20-1 128,1-20-128,-20 20 127,39-20-127,-20 1 0,0-20-127,20 19 127,-20-19-384,20 19 128,0-19-512,0 0 0,-19-1-1152,19-19 0,0 20 0,19-1 0</inkml:trace>
+          <inkml:trace contextRef="#ctx0" brushRef="#br0">9610 5795 7424,'0'-15'3712,"17"30"-4096,0-2 6016,1 2-5377,-1 28 129,18-1 256,17 16 0,1 14-768,17-1 0,-18 15 640,17-1 0,-17 1-256,19 0 128,-2 0-128,-16 14 0,-1-28-128,18-1 0,-35-14-640,16-13 0,-16-2-768,-17-28 0,0 15-1279,-18-14-1</inkml:trace>
+          <inkml:trace contextRef="#ctx0" brushRef="#br0" timeOffset="1459">8703 8167 9472,'0'14'4736,"0"-14"-5504,0 0 7551,0 0-6655,0 0 128,17 29 128,0 0 128,18-2-640,-1 32 0,2-17 384,17 16 0,-1-16-256,18 15 128,-18-14-640,18 14 0,-35-14-1024,16 0 128,-15-14-1407,-19-15 127</inkml:trace>
+          <inkml:trace contextRef="#ctx0" brushRef="#br0" timeOffset="1638">9051 8282 10752,'-36'0'5376,"2"0"-6272,34 0 9855,-18 14-8831,1 15 0,-1-1-128,1 15 128,-17 0-384,16 14 128,-17 0-256,17 15 0,-17-15-1152,18 0 0,-1 1-1536,1-15 1</inkml:trace>
+          <inkml:trace contextRef="#ctx0" brushRef="#br0" timeOffset="-2575">8667 4237 7552,'0'0'3712,"-18"-15"-4480,36 15 6783,-18 0-6015,0 0 0,17 15 512,0 14 0,1-16-384,-1 30 0,1-14 384,17 28 0,-19 0 0,19 15 128,1 14-256,16-1 128,1-13-384,-2 14 128,2-30-128,16 17 0,1-31-128,-17 15 128,-18-14-128,17 0 0,-17-14-256,-1-1 128,-16 0-512,0-13 128,-1-1-768,1 1 0,-18-1-1407,0-14-1</inkml:trace>
+          <inkml:trace contextRef="#ctx0" brushRef="#br0" timeOffset="-2080">9522 5337 7808,'-18'-15'3840,"1"15"-3840,17 0 6271,-18 0-5759,0-14 128,1 14 0,0-15 128,-18 30-1152,18-1 128,-35 14 512,17 1 128,-18 15-384,36 12 128,-18-12-128,17 13 0,1 14-128,34 0 128,1 1-128,-1-15 0,18 0 0,0-14 0,0-14 0,17-1 0,1-28 0,-19 0 128,19-15 128,-1-27 0,0-1 0,0 1 128,-17-17-128,0 3 128,-1 14-128,-16-16 0,-18 1-128,0-1 128,-18 16-256,2-15 0,-19 14-512,17 14 128,-17 1-1024,1 28 0,-1 13-1023,17 16-1</inkml:trace>
+          <inkml:trace contextRef="#ctx0" brushRef="#br0" timeOffset="-1107">9434 6052 8320,'-17'-14'4096,"17"14"-4608,0 0 7295,0 0-6783,0 0 128,0 14 0,-17 14 128,17 1-256,-18 0 0,0 28 128,1 1 128,-18 13-128,0 15 0,-18-1 0,2 15 0,15 1-128,-16-16 0,17 1 0,-17-15 128,17 0-128,0-12 128,17-17-128,2-13 128,-2-15-640,0-1 128,18-13-896,0 0 128,0 0-1407,0-13-1</inkml:trace>
+          <inkml:trace contextRef="#ctx0" brushRef="#br0" timeOffset="-684">8963 7095 7040,'-17'0'3456,"-18"14"-2688,35-28 5375,-17 14-5503,0 0 0,-1 0 256,0 0 0,1 0-1280,-17 0 128,-1 14 768,-1 0 0,-16 1-384,17 13 0,1 15-256,-1-1 128,17 2-256,1 13 128,-1 0-384,36 15 0,-1-1-128,1 0 128,17 2 0,17-2 0,-17-29 128,-1 2 128,2-30 384,15-14 128,-16-29 128,1-13 128,-2-16 0,1 1 128,0-29-256,-1 15 128,-16-1-384,0 15 128,-18 14-256,0 15 0,-18-15-512,0 28 0,-16-13-896,16 13 128,-17 1-1279,35-1 127</inkml:trace>
+          <inkml:trace contextRef="#ctx0" brushRef="#br0" timeOffset="96241">8099 12920 7424,'-21'0'3712,"21"22"-4864,0-22 7935,0 0-6271,-22 0 0,-1 0 128,1 0 128,0 0-1024,0 20 0,0 1 640,-22 0 0,22 1-384,0 19 128,0-20-128,0 42 0,22-21-128,0-1 0,0 23 0,0-23 0,22 22 0,0-22 0,22 2-128,-21-23 0,20 21 128,-21-41 0,22 22 0,1-44 0,-24 2 128,2-1 128,20-20 0,-21-2 128,1-19-128,-2 20 128,1-21-128,-22 22 128,22-22-256,-22 0 128,22 22-128,-22-23 128,-22 1-128,22 2 128,-22 18 0,0 2 0,1 20-256,-24-1 128,23 22-640,-22 0 128,23 22-1535,-24-1-1,23-1-512,0 23 128</inkml:trace>
+          <inkml:trace contextRef="#ctx0" brushRef="#br0" timeOffset="95794">8604 11854 6912,'-21'21'3456,"-1"-21"-4480,0 20 6400,22-20-5376,0 0 0,-22 21 128,22-21 128,-22 22-256,22-1 128,-23-1 0,2 21 0,-1 2 0,1 20 128,-2-1-128,1 1 0,-22 0-128,22-1 128,-23 2-128,23-1 128,1-22-128,-23 22 127,44-22-127,-22 2 0,-1-22-127,23 21 127,-22-21-384,22 20 128,0-19-512,0-1 0,-21-1-1152,21-20 0,0 21 0,21-1 0</inkml:trace>
         </inkml:traceGroup>
         <inkml:traceGroup>
           <inkml:annotationXML>
@@ -7845,12 +7855,12 @@
               </emma:one-of>
             </emma:emma>
           </inkml:annotationXML>
-          <inkml:trace contextRef="#ctx0" brushRef="#br0" timeOffset="95794">8230 11404 6912,'-19'20'3456,"-1"-20"-4480,1 19 6400,19-19-5376,0 0 0,-20 20 128,20-20 128,-20 20-256,20 0 128,-20-1 0,1 20 0,-1 1 0,1 19 128,-1 0-128,0 0 0,-19 0-128,19 0 128,-20 1-128,20-1 128,1-20-128,-20 20 127,39-20-127,-20 1 0,0-20-127,20 19 127,-20-19-384,20 19 128,0-19-512,0 0 0,-19-1-1152,19-19 0,0 20 0,19-1 0</inkml:trace>
-          <inkml:trace contextRef="#ctx0" brushRef="#br0" timeOffset="96241">7778 12408 7424,'-19'0'3712,"19"20"-4864,0-20 7935,0 0-6271,-20 0 0,0 0 128,0 0 128,0 0-1024,1 19 0,-1 1 640,-19 0 0,19 0-384,0 19 128,1-19-128,-1 39 0,20-20-128,0 0 0,0 21 0,0-21 0,20 20 0,-1-20 0,21 1-128,-20-21 0,19 20 128,-20-39 0,21 20 0,0-40 0,-21 1 128,1-1 128,19-19 0,-19-1 128,0-18-128,-1 18 128,1-19-128,-20 20 128,19-20-256,-19 0 128,20 20-128,-20-21 128,-20 1-128,20 1 128,-19 18 0,-1 1 0,1 19-256,-21 0 128,20 20-640,-19 0 128,20 20-1535,-21 0-1,20-1-512,0 21 128</inkml:trace>
-          <inkml:trace contextRef="#ctx0" brushRef="#br0" timeOffset="96812">8447 11306 6784,'-19'0'3328,"19"0"-4224,0 20 6272,0-20-5248,0 19 128,19 1 128,1 0 0,0 20-384,0-1 128,19 0 384,0 40-1,1-20-127,19 0 128,-20 20-256,20-20 128,0 0-384,0 0 0,0 1-640,-20-21 128,1 0-1791,-1 1 127,1-21-256,-1 20 128</inkml:trace>
-          <inkml:trace contextRef="#ctx0" brushRef="#br0" timeOffset="97305">9255 12368 6656,'-19'-19'3328,"-1"-1"-4224,20 20 6656,0-19-5504,-19-1 0,19 0 256,-20 20 0,20-19-512,-20-21 127,0 40 513,1-20 0,19 20-128,-40-19 128,20 19-256,-19 19 128,19 21-384,1-1 0,-21 20-256,20-20 128,1 21-128,19 18 0,0-19-128,0 0 128,19-20-128,1 21 128,20-21 0,-21 0 0,20-19-128,1-1 0,0 1 128,-1-20 0,1-20 0,-1 1 0,0-1 128,-19-19 128,19-20 128,-19-20 0,-20 0 0,19 1 0,-38-1-128,19 20 128,-20 0-512,-19 20 0,19-1-512,0 21 128,-19-1-1791,39 40 127</inkml:trace>
-          <inkml:trace contextRef="#ctx0" brushRef="#br0" timeOffset="95014">6833 12329 6912,'-39'0'3456,"20"-19"-3840,19-1 5504,-20 20-4736,0-19 0,20-1 255,-20 20 1,1-20-768,-1 0 128,1 20 512,-1 0 0,0 0-256,0 40 0,1-20-128,-1 38 128,0-18-384,20 19 128,0 0-256,0 0 0,20 1 0,0 18 0,-1-19 0,21 0 0,-1 1 0,0-21 0,1-20 128,-1 1 128,0-20 0,1 0 0,-21 0 0,21-39 128,-20 19 128,-1-19 0,1-21 0,-1 21 128,-19-20-128,20 0 0,-20 0 0,0 0 0,-20 19-384,1 1 0,-1 0-512,-19-1 128,-1-19-1279,-19 20-1,20-1-640,0 1 128</inkml:trace>
-          <inkml:trace contextRef="#ctx0" brushRef="#br0" timeOffset="94503">6380 11188 6784,'-19'20'3328,"19"-20"-3456,0 0 4992,0 19-4864,0 1 128,19 20-128,-19-21 128,20 40-128,20 1 0,-21-2 0,20 21 128,1 0-128,0 0 0,-1 0 0,1-1 128,-1-19-128,0 0 0,1 1-128,-21-2 0,1-18-512,-1-1 0,-19-19-1280,20-1 128</inkml:trace>
+          <inkml:trace contextRef="#ctx0" brushRef="#br0" timeOffset="95794">8604 11854 6912,'-21'21'3456,"-1"-21"-4480,0 20 6400,22-20-5376,0 0 0,-22 21 128,22-21 128,-22 22-256,22-1 128,-23-1 0,2 21 0,-1 2 0,1 20 128,-2-1-128,1 1 0,-22 0-128,22-1 128,-23 2-128,23-1 128,1-22-128,-23 22 127,44-22-127,-22 2 0,-1-22-127,23 21 127,-22-21-384,22 20 128,0-19-512,0-1 0,-21-1-1152,21-20 0,0 21 0,21-1 0</inkml:trace>
+          <inkml:trace contextRef="#ctx0" brushRef="#br0" timeOffset="96241">8099 12920 7424,'-21'0'3712,"21"22"-4864,0-22 7935,0 0-6271,-22 0 0,-1 0 128,1 0 128,0 0-1024,0 20 0,0 1 640,-22 0 0,22 1-384,0 19 128,0-20-128,0 42 0,22-21-128,0-1 0,0 23 0,0-23 0,22 22 0,0-22 0,22 2-128,-21-23 0,20 21 128,-21-41 0,22 22 0,1-44 0,-24 2 128,2-1 128,20-20 0,-21-2 128,1-19-128,-2 20 128,1-21-128,-22 22 128,22-22-256,-22 0 128,22 22-128,-22-23 128,-22 1-128,22 2 128,-22 18 0,0 2 0,1 20-256,-24-1 128,23 22-640,-22 0 128,23 22-1535,-24-1-1,23-1-512,0 23 128</inkml:trace>
+          <inkml:trace contextRef="#ctx0" brushRef="#br0" timeOffset="96812">8847 11750 6784,'-22'0'3328,"22"0"-4224,0 21 6272,0-21-5248,0 20 128,22 1 128,0 0 0,0 22-384,1-2 128,20 1 384,1 42-1,1-22-127,20 1 128,-21 21-256,22-21 128,0 0-384,0-1 0,0 2-640,-23-23 128,2 1-1791,-1 0 127,0-21-256,0 20 128</inkml:trace>
+          <inkml:trace contextRef="#ctx0" brushRef="#br0" timeOffset="97305">9750 12878 6656,'-22'-20'3328,"0"-1"-4224,22 21 6656,0-21-5504,-21 0 0,21 0 256,-23 21 0,23-20-512,-22-23 127,0 43 513,0-21 0,22 21-128,-44-20 128,21 20-256,-20 20 128,20 22-384,2 0 0,-23 21-256,21-22 128,2 23-128,21 19 0,0-21-128,0 1 128,21-22-128,2 23 128,21-22 0,-23-1 0,23-20-128,1 0 0,-1 0 128,0-21 0,1-21 0,-2 0 0,1 0 128,-22-20 128,22-22 128,-22-21 0,-22 0 0,21 1 0,-42-1-128,21 22 128,-22-1-512,-22 21 0,22 0-512,0 22 128,-22-2-1791,44 44 127</inkml:trace>
+          <inkml:trace contextRef="#ctx0" brushRef="#br0" timeOffset="95014">7043 12837 6912,'-43'0'3456,"21"-21"-3840,22 0 5504,-22 21-4736,0-20 0,22-1 255,-23 21 1,2-22-768,-1 1 128,1 21 512,-2 0 0,1 0-256,0 43 0,0-22-128,0 41 128,0-20-384,22 21 128,0-1-256,0 1 0,22 1 0,0 19 0,0-21 0,22 1 0,0 1 0,-1-23 0,2-20 128,-1 0 128,-1-21 0,2 0 0,-24 0 0,24-42 128,-23 21 128,-1-20 0,2-23 0,-2 22 128,-21-20-128,22-1 0,-22 0 0,0 1 0,-22 19-384,1 2 0,-2-1-512,-20 0 128,-2-21-1279,-21 22-1,23-2-640,-1 2 128</inkml:trace>
+          <inkml:trace contextRef="#ctx0" brushRef="#br0" timeOffset="94503">6537 11624 6784,'-21'21'3328,"21"-21"-3456,0 0 4992,0 21-4864,0 0 128,21 21-128,-21-21 128,22 41-128,23 2 0,-24-2 0,23 22 128,1-1-128,-1 1 0,0 0 0,1-1 128,-2-20-128,1 0 0,0 0-128,-22-1 0,0-19-512,-1-2 0,-21-20-1280,23-1 128</inkml:trace>
         </inkml:traceGroup>
       </inkml:traceGroup>
     </inkml:traceGroup>
@@ -7895,11 +7905,11 @@
               </emma:one-of>
             </emma:emma>
           </inkml:annotationXML>
-          <inkml:trace contextRef="#ctx0" brushRef="#br0" timeOffset="85257">6282 10755 7040,'-20'-20'3456,"0"20"-3456,20 0 6015,-20 0-5759,20 0 128,-20-20 256,1 20 128,-20 0-896,19 0 0,0 20 512,-19-20 128,19 0-384,1 0 128,-1 20-256,0 19 128,0-19-256,0 39 128,20 0-128,-19 0 128,19-19-128,0 18 128,0-18-128,19 19 128,-19-20-128,20 1 128,-20-20-128,40-1 128,-1 1 0,20-1 0,-19 1 0,18-20 0,-18 0 0,19-20 0,-19 1 0,19-20 128,-20-1 0,1-19 128,-1 0-128,-20 0 0,1-20 0,0 20 128,-20 0-256,0 20 128,0-20-128,-20 19 0,0-19-384,1 20 0,-1-1-768,1 21 128,19-1-1535,-20 20 127</inkml:trace>
-          <inkml:trace contextRef="#ctx0" brushRef="#br0" timeOffset="70922">7325 9455 4608,'0'0'2304,"20"-19"-1024,-20 19 2432,0-20-3072,0 20 128,-20-20 256,20 0 0,0 20-1152,-20-20 0,20 1 1024,-19 19 127,-1-20-255,1 20 0,-20 0-128,19 0 0,0 0-256,-19 0 128,19 0-384,-19 39 128,19 1-384,-20 0 128,21 38-128,19-19 0,0 0-128,0 20 128,19-19-128,1-2 128,0-18 0,0-1 0,-1 0 0,21-19 128,-1-20 0,1-20 0,-1-19 0,0 0 0,0-20 0,20 0 128,-39-1-128,0 1 128,-1 0-128,-19 20 128,0-1-640,0 1 128,-19 20-1152,-21-21 1,1 40-1025,19-20 128</inkml:trace>
-          <inkml:trace contextRef="#ctx0" brushRef="#br0" timeOffset="84697">7049 9888 5760,'0'0'2816,"0"0"-1536,0 0 2816,0-20-3584,0 20 0,0-19 384,0 19-1,0 0-1023,0-20 128,0 20 640,0 0 128,0 0-256,0 0 128,-19 20-128,19-20 0,0 19-256,-20-19 128,20 20-256,-19 0 128,-1 0-128,0-1 0,0 1-128,-19 19 128,20 1-128,-21-20 0,20 38 0,-19-18 0,0-1 0,19 20 0,-19-19-128,-1 19 128,1-20-128,0 1 128,-1-1-256,20 20 0,-19-19-384,20-21 128,-1 20-512,0-19 0,0 20-511,20-21-1,-19 1-896,-1-1 0</inkml:trace>
-          <inkml:trace contextRef="#ctx0" brushRef="#br0" timeOffset="88541">6085 11207 5504,'-19'0'2688,"-1"0"-1280,20 0 3200,-19 0-4096,19 0 128,0 0 384,0 0-1,0 0-1279,0 0 128,-20 0 640,20 0 128,0 0-384,0 19 128,-20 1-384,20 0 128,-20 0-128,20 19 0,-20-20 0,20 21 128,-19 0-128,-1-21 128,0 20-128,0-19 128,1 20 0,19-21 0,-20 1-128,1 19 128,19-19-256,-20 20 128,0-1 0,20 0 0,-20 1 0,1-1 0,-1 1 0,0-21 0,1 20 0,19 1 0,-21-20 0,2 19 0,19-19 0,-20-1 0,20 1 0,-19-20 0,19 20 0,-20 0 0,20-1 0,0-19 0,0 20-128,-20-1 128,20 1 0,0 0 0,0-20 0,-20 20 0,20-20 0,0 20 0,0-20 0,0 0 128,0 19-128,-19-19 0,19 0 0,0 20 0,0-20 0,0 0 0,0 0 0,0 0 0,0 0-128,0 0 128,0 19-512,0-19 0,0 0-1152,0 0 1,19 0-769,-19 0 0</inkml:trace>
-          <inkml:trace contextRef="#ctx0" brushRef="#br0" timeOffset="93830">5395 12291 7168,'-39'-20'3584,"19"-20"-2944,20 40 3584,0-19-3456,-20 19 127,20 0 257,-19-20 128,-1 20-1792,20 0 128,-19 20 1024,-1-20 0,-20 39-640,21 1 128,-21-1-256,21 20 0,-1 0 0,0 0 0,0 1 0,1-2 0,19 1 0,0 0 128,0 0-128,19 1 128,1-21 0,20 20 0,-1-20-128,0-19 128,40-1-256,-20-19 128,20-19 0,-20-20 128,0-1-256,-20-19 128,21-20 128,-21 1 0,-20-1 128,1 1 0,-20 18-128,0-18 0,-20 38 128,1 1 128,-20 0-512,-21-1 0,21 20-640,-20 20 0,20 0-1407,-20 0-1</inkml:trace>
+          <inkml:trace contextRef="#ctx0" brushRef="#br0" timeOffset="85257">6428 11164 7040,'-23'-21'3456,"1"21"-3456,22 0 6015,-22 0-5759,22 0 128,-23-21 256,2 21 128,-23 0-896,22 0 0,0 21 512,-22-21 128,22 0-384,1 0 128,-2 21-256,1 20 128,0-19-256,-1 40 128,23 1-128,-21 0 128,21-21-128,0 20 128,0-20-128,21 21 128,-21-21-128,23 0 128,-23-21-128,44 0 128,0 0 0,22-1 0,-22 1 0,21-21 0,-20 0 0,21-21 0,-21 1 0,20-22 128,-21 0 0,1-21 128,-2 0-128,-21 1 0,0-22 0,0 21 128,-22 0-256,0 22 128,0-22-128,-22 21 0,0-21-384,0 22 0,0-2-768,1 23 128,21-1-1535,-23 21 127</inkml:trace>
+          <inkml:trace contextRef="#ctx0" brushRef="#br0" timeOffset="70922">7593 9783 4608,'0'0'2304,"22"-21"-1024,-22 21 2432,0-21-3072,0 21 128,-22-21 256,22 0 0,0 21-1152,-22-22 0,22 2 1024,-22 20 127,0-21-255,1 21 0,-23 0-128,22 0 0,0 0-256,-22 0 128,22 0-384,-22 41 128,22 2-384,-23-1 128,24 41-128,21-20 0,0 0-128,0 21 128,21-21-128,1-1 128,1-19 0,-1-2 0,-1 0 0,24-19 128,-1-22 0,0-22 0,0-19 0,-1 0 0,1-22 0,22 0 128,-44-1-128,1 2 128,-2-1-128,-21 22 128,0-2-640,0 2 128,-21 20-1152,-24-21 1,1 42-1025,22-21 128</inkml:trace>
+          <inkml:trace contextRef="#ctx0" brushRef="#br0" timeOffset="84697">7285 10243 5760,'0'0'2816,"0"0"-1536,0 0 2816,0-22-3584,0 22 0,0-20 384,0 20-1,0 0-1023,0-21 128,0 21 640,0 0 128,0 0-256,0 0 128,-22 21-128,22-21 0,0 20-256,-22-20 128,22 22-256,-21-1 128,-2 0-128,1-1 0,0 2-128,-22 19 128,23 2-128,-24-22 0,23 41 0,-22-20 0,1-1 0,20 22 0,-20-20-128,-2 19 128,2-20-128,-1 0 128,-1 0-256,23 20 0,-22-19-384,23-23 128,-1 22-512,-1-21 0,1 21-511,22-21-1,-21 0-896,-1-1 0</inkml:trace>
+          <inkml:trace contextRef="#ctx0" brushRef="#br0" timeOffset="88541">6208 11644 5504,'-22'0'2688,"0"0"-1280,22 0 3200,-21 0-4096,21 0 128,0 0 384,0 0-1,0 0-1279,0 0 128,-23 0 640,23 0 128,0 0-384,0 20 128,-22 2-384,22-1 128,-22 0-128,22 21 0,-23-22 0,23 22 128,-21 1-128,-1-23 128,-1 22-128,1-21 128,1 21 0,21-22 0,-23 2-128,2 19 128,21-20-256,-22 22 128,0-2 0,22 1 0,-23 0 0,2 0 0,-1 0 0,-1-22 0,2 22 0,21 0 0,-23-20 0,1 19 0,22-20 0,-22 0 0,22 0 0,-21-21 0,21 21 0,-23 0 0,23-1 0,0-20 0,0 22-128,-22-2 128,22 1 0,0 0 0,0-21 0,-22 22 0,22-22 0,0 21 0,0-21 0,0 0 128,0 20-128,-21-20 0,21 0 0,0 21 0,0-21 0,0 0 0,0 0 0,0 0 0,0 0-128,0 0 128,0 21-512,0-21 0,0 0-1152,0 0 1,21 0-769,-21 0 0</inkml:trace>
+          <inkml:trace contextRef="#ctx0" brushRef="#br0" timeOffset="93830">5437 12796 7168,'-44'-21'3584,"22"-22"-2944,22 43 3584,0-20-3456,-23 20 127,23 0 257,-21-21 128,-1 21-1792,22 0 128,-22 21 1024,0-21 0,-23 42-640,24 0 128,-23 0-256,22 20 0,0 1 0,0 0 0,-1 0 0,2-1 0,21 1 0,0-1 128,0 1-128,21 1 128,2-23 0,21 22 0,0-22-128,-1-19 128,46-2-256,-23-20 128,22-20 0,-22-22 128,0 0-256,-23-21 128,24-21 128,-23 1 0,-23-1 128,2 1 0,-23 20-128,0-20 0,-23 40 128,2 2 128,-23-1-512,-23 0 0,24 21-640,-23 21 0,22 0-1407,-22 0-1</inkml:trace>
         </inkml:traceGroup>
       </inkml:traceGroup>
     </inkml:traceGroup>
@@ -7980,12 +7990,12 @@
               </emma:one-of>
             </emma:emma>
           </inkml:annotationXML>
-          <inkml:trace contextRef="#ctx0" brushRef="#br0">5928 6462 4992,'-20'0'2432,"20"19"-1920,0-19 3200,0 20-3328,0-20 128,0 0 0,0 20 128,0-20-896,0 20 0,0-1 512,20 1 0,-20 19-384,19-19 0,-19 20-384,20-1 0,-20-19-384,0 19 128,19 0-1024,-19-19 128</inkml:trace>
-          <inkml:trace contextRef="#ctx0" brushRef="#br0" timeOffset="-73731">5898 6737 6528,'0'-13'3200,"-16"26"-2560,16-26 4992,0 13-4865,0 0 1,-16-14 384,16 14 0,-15 0-1536,-1 0 128,1 0 896,-16 0 128,15 14-512,-15-1 128,15 14-384,16 14 128,-15-14-256,-1 13 128,16 0-128,0 1 0,16-1-256,-1 0 128,1 14-128,15-27 128,-15 0-128,30-13 128,-15-14 128,16 0 0,-15-14 128,14-13 128,-14 0 128,-1-13 0,-16 0 128,16-1 0,-15 14-128,-16-13 128,0 13-128,0 13 0,-16-12-384,-15-1 0,-15 13-512,14-13 0,-14 27-1536,-1-13 1,15 13-513,17 13 0</inkml:trace>
-          <inkml:trace contextRef="#ctx0" brushRef="#br0">5928 6462 4992,'-20'0'2432,"20"19"-1920,0-19 3200,0 20-3328,0-20 128,0 0 0,0 20 128,0-20-896,0 20 0,0-1 512,20 1 0,-20 19-384,19-19 0,-19 20-384,20-1 0,-20-19-384,0 19 128,19 0-1024,-19-19 128</inkml:trace>
-          <inkml:trace contextRef="#ctx0" brushRef="#br0">5928 6462 4992,'-20'0'2432,"20"19"-1920,0-19 3200,0 20-3328,0-20 128,0 0 0,0 20 128,0-20-896,0 20 0,0-1 512,20 1 0,-20 19-384,19-19 0,-19 20-384,20-1 0,-20-19-384,0 19 128,19 0-1024,-19-19 128</inkml:trace>
-          <inkml:trace contextRef="#ctx0" brushRef="#br0" timeOffset="-73731">5898 6737 6528,'0'-13'3200,"-16"26"-2560,16-26 4992,0 13-4865,0 0 1,-16-14 384,16 14 0,-15 0-1536,-1 0 128,1 0 896,-16 0 128,15 14-512,-15-1 128,15 14-384,16 14 128,-15-14-256,-1 13 128,16 0-128,0 1 0,16-1-256,-1 0 128,1 14-128,15-27 128,-15 0-128,30-13 128,-15-14 128,16 0 0,-15-14 128,14-13 128,-14 0 128,-1-13 0,-16 0 128,16-1 0,-15 14-128,-16-13 128,0 13-128,0 13 0,-16-12-384,-15-1 0,-15 13-512,14-13 0,-14 27-1536,-1-13 1,15 13-513,17 13 0</inkml:trace>
-          <inkml:trace contextRef="#ctx0" brushRef="#br0" timeOffset="-76375">6865 5405 6656,'0'-13'3328,"-15"13"-2816,15-14 5248,0 1-4993,0 0 1,-16 13 384,16-14 128,-15 1-1664,-1-1 128,1 14 896,-16 0 0,0 0-384,-1 27 0,1-13-256,0 12 128,15 1-384,0 14 128,1 13-128,15-14 128,15 14-128,17 0 128,-1-1-128,-15-12 128,15-1 0,16-13 128,-16-14 0,15-13 0,-15-13 128,17-27 128,-17-1 0,16 1 0,-16 0-128,-16-1 128,1-13-256,-16 14 128,-16 13-640,1 0 128,-32 0-1152,16 14 128,-32 13-1279,16 0-1</inkml:trace>
+          <inkml:trace contextRef="#ctx0" brushRef="#br0">6289 6999 4992,'-51'0'2432,"51"28"-1920,0-28 3200,0 29-3328,0-29 128,0 0 0,0 30 128,0-30-896,0 29 0,0-1 512,51 1 0,-51 28-384,49-27 0,-49 28-384,51 0 0,-51-29-384,0 28 128,48 0-1024,-48-27 128</inkml:trace>
+          <inkml:trace contextRef="#ctx0" brushRef="#br0" timeOffset="-73731">6213 7402 6528,'0'-19'3200,"-41"38"-2560,41-38 4992,0 19-4865,0 0 1,-41-20 384,41 20 0,-38 0-1536,-3 0 128,3 0 896,-41 0 128,38 20-512,-38-1 128,38 21-384,41 20 128,-38-20-256,-3 18 128,41 1-128,0 1 0,41-1-256,-3 0 128,3 20-128,38-40 128,-38 1-128,76-19 128,-38-21 128,41 0 0,-38-21 128,35-19 128,-35 1 128,-3-20 0,-41 0 128,41-1 0,-38 21-128,-41-20 128,0 19-128,0 20 0,-41-18-384,-38-2 0,-38 20-512,35-20 0,-35 40-1536,-3-19 1,38 19-513,44 19 0</inkml:trace>
+          <inkml:trace contextRef="#ctx0" brushRef="#br0">6289 6999 4992,'-51'0'2432,"51"28"-1920,0-28 3200,0 29-3328,0-29 128,0 0 0,0 30 128,0-30-896,0 29 0,0-1 512,51 1 0,-51 28-384,49-27 0,-49 28-384,51 0 0,-51-29-384,0 28 128,48 0-1024,-48-27 128</inkml:trace>
+          <inkml:trace contextRef="#ctx0" brushRef="#br0">6289 6999 4992,'-51'0'2432,"51"28"-1920,0-28 3200,0 29-3328,0-29 128,0 0 0,0 30 128,0-30-896,0 29 0,0-1 512,51 1 0,-51 28-384,49-27 0,-49 28-384,51 0 0,-51-29-384,0 28 128,48 0-1024,-48-27 128</inkml:trace>
+          <inkml:trace contextRef="#ctx0" brushRef="#br0" timeOffset="-73731">6213 7402 6528,'0'-19'3200,"-41"38"-2560,41-38 4992,0 19-4865,0 0 1,-41-20 384,41 20 0,-38 0-1536,-3 0 128,3 0 896,-41 0 128,38 20-512,-38-1 128,38 21-384,41 20 128,-38-20-256,-3 18 128,41 1-128,0 1 0,41-1-256,-3 0 128,3 20-128,38-40 128,-38 1-128,76-19 128,-38-21 128,41 0 0,-38-21 128,35-19 128,-35 1 128,-3-20 0,-41 0 128,41-1 0,-38 21-128,-41-20 128,0 19-128,0 20 0,-41-18-384,-38-2 0,-38 20-512,35-20 0,-35 40-1536,-3-19 1,38 19-513,44 19 0</inkml:trace>
+          <inkml:trace contextRef="#ctx0" brushRef="#br0" timeOffset="-76375">8679 5449 6656,'0'-19'3328,"-38"19"-2816,38-21 5248,0 2-4993,0 0 1,-41 19 384,41-20 128,-38 1-1664,-3-2 128,3 21 896,-41 0 0,-1 0-384,-1 40 0,2-20-256,0 18 128,38 2-384,0 20 128,3 19-128,38-20 128,38 20-128,44 0 128,-3-1-128,-38-18 128,38-1 0,41-20 128,-41-20 0,38-19 0,-38-19 128,43-39 128,-43-2 0,41 1 0,-41 0-128,-40-1 128,1-19-256,-40 20 128,-40 20-640,1-1 128,-80 0-1152,39 21 128,-80 19-1279,40 0-1</inkml:trace>
         </inkml:traceGroup>
       </inkml:traceGroup>
     </inkml:traceGroup>
@@ -8021,18 +8031,18 @@
     <inkml:annotationXML>
       <emma:emma xmlns:emma="http://www.w3.org/2003/04/emma" version="1.0">
         <emma:interpretation id="{3339466F-63E9-484A-AFFA-CB1396F8488A}" emma:medium="tactile" emma:mode="ink">
-          <msink:context xmlns:msink="http://schemas.microsoft.com/ink/2010/main" type="inkDrawing" rotatedBoundingBox="19348,12274 21024,13064 20379,14433 18703,13644" semanticType="connector" shapeName="Other">
+          <msink:context xmlns:msink="http://schemas.microsoft.com/ink/2010/main" type="inkDrawing" rotatedBoundingBox="19348,12274 21024,13064 20379,14433 18703,13644" semanticType="10" shapeName="Other">
+            <msink:sourceLink direction="with" ref="{26116CB2-22BB-4001-A4AA-B2B5364BC34E}"/>
             <msink:sourceLink direction="with" ref="{092FCAF2-ACF2-4148-A863-466F8B75434A}"/>
             <msink:sourceLink direction="with" ref="{C9C32584-3F15-427F-9FFD-ED0917FED13D}"/>
-            <msink:sourceLink direction="with" ref="{26116CB2-22BB-4001-A4AA-B2B5364BC34E}"/>
           </msink:context>
         </emma:interpretation>
       </emma:emma>
     </inkml:annotationXML>
-    <inkml:trace contextRef="#ctx0" brushRef="#br0">11520 9896 4736,'0'0'2304,"0"0"-2048,0 0 3840,0 0-4096,0 0 128,0 30-128,0-30 128,30 29-896,-1 1 0,1 29-640,29-30 0</inkml:trace>
-    <inkml:trace contextRef="#ctx0" brushRef="#br0" timeOffset="-425">11401 10013 4480,'0'-30'2176,"30"1"-2560,-30 29 3584,0 0-3328,0 0 128,0 0-128,0 0 128,29 0 0,-29 0 0,30 29 0,-1-29 0,1 30-128,-30-1 128,29-29-384,1 30 128,-30-30-896,29 29 128</inkml:trace>
-    <inkml:trace contextRef="#ctx0" brushRef="#br0" timeOffset="-425">11401 10013 4480,'0'-30'2176,"30"1"-2560,-30 29 3584,0 0-3328,0 0 128,0 0-128,0 0 128,29 0 0,-29 0 0,30 29 0,-1-29 0,1 30-128,-30-1 128,29-29-384,1 30 128,-30-30-896,29 29 128</inkml:trace>
-    <inkml:trace contextRef="#ctx0" brushRef="#br0">11520 9896 4736,'0'0'2304,"0"0"-2048,0 0 3840,0 0-4096,0 0 128,0 30-128,0-30 128,30 29-896,-1 1 0,1 29-640,29-30 0</inkml:trace>
+    <inkml:trace contextRef="#ctx0" brushRef="#br0">12298 9896 4736,'0'0'2304,"0"0"-2048,0 0 3840,0 0-4096,0 0 128,0 188-128,0-188 128,226 181-896,-7 7 0,7 182-640,218-189 0</inkml:trace>
+    <inkml:trace contextRef="#ctx0" brushRef="#br0" timeOffset="-425">11401 10629 4480,'0'-188'2176,"226"6"-2560,-226 182 3584,0 0-3328,0 0 128,0 0-128,0 0 128,219 0 0,-219 0 0,226 182 0,-8-182 0,9 188-128,-227-7 128,218-181-384,8 188 128,-226-188-896,219 182 128</inkml:trace>
+    <inkml:trace contextRef="#ctx0" brushRef="#br0" timeOffset="-425">11401 10629 4480,'0'-188'2176,"226"6"-2560,-226 182 3584,0 0-3328,0 0 128,0 0-128,0 0 128,219 0 0,-219 0 0,226 182 0,-8-182 0,9 188-128,-227-7 128,218-181-384,8 188 128,-226-188-896,219 182 128</inkml:trace>
+    <inkml:trace contextRef="#ctx0" brushRef="#br0">12298 9896 4736,'0'0'2304,"0"0"-2048,0 0 3840,0 0-4096,0 0 128,0 188-128,0-188 128,226 181-896,-7 7 0,7 182-640,218-189 0</inkml:trace>
   </inkml:traceGroup>
 </inkml:ink>
 </file>
@@ -8687,7 +8697,7 @@
       <inkml:brushProperty name="color" value="#ED1C24"/>
     </inkml:brush>
   </inkml:definitions>
-  <inkml:trace contextRef="#ctx0" brushRef="#br0">6853 5022 3456,'-29'0'1664,"29"0"-1280,0-30 1792,0 30-2048,0 0 128,0 0-128,0 0 128,0 0-384,0 30 128,0-30 0,0 29 128,-30 1-128,30 29 128,0-30-128,-30 1 0,30 29-1024,0-29 0</inkml:trace>
+  <inkml:trace contextRef="#ctx0" brushRef="#br0">6823 5012 3456,'-19'0'1664,"19"0"-1280,0-20 1792,0 20-2048,0 0 128,0 0-128,0 0 128,0 0-384,0 20 128,0-20 0,0 19 128,-20 1-128,20 19 128,0-20-128,-20 1 0,20 19-1024,0-19 0</inkml:trace>
 </inkml:ink>
 </file>
 
@@ -11189,8 +11199,8 @@
       <emma:emma xmlns:emma="http://www.w3.org/2003/04/emma" version="1.0">
         <emma:interpretation id="{76BB9CE8-63BE-4DE1-B221-0853B414DDEB}" emma:medium="tactile" emma:mode="ink">
           <msink:context xmlns:msink="http://schemas.microsoft.com/ink/2010/main" type="inkDrawing" rotatedBoundingBox="19216,8847 20191,10051 20152,10083 19176,8878" semanticType="callout" shapeName="Other">
+            <msink:sourceLink direction="with" ref="{F350FB6D-BE29-4937-AE67-B1FF84EC94DE}"/>
             <msink:sourceLink direction="with" ref="{A4A20CAC-06A7-46E6-9141-6758F7AEEF65}"/>
-            <msink:sourceLink direction="with" ref="{F350FB6D-BE29-4937-AE67-B1FF84EC94DE}"/>
           </msink:context>
         </emma:interpretation>
       </emma:emma>
@@ -11232,7 +11242,7 @@
         </emma:interpretation>
       </emma:emma>
     </inkml:annotationXML>
-    <inkml:trace contextRef="#ctx0" brushRef="#br0">3594 7640 640,'0'0'256,"0"-30"1280,0 30-2560,0 0 640,0 0 128</inkml:trace>
+    <inkml:trace contextRef="#ctx0" brushRef="#br0">3594 7630 640,'0'0'256,"0"-20"1280,0 20-2560,0 0 640,0 0 128</inkml:trace>
   </inkml:traceGroup>
 </inkml:ink>
 </file>
@@ -11994,10 +12004,10 @@
               </emma:one-of>
             </emma:emma>
           </inkml:annotationXML>
-          <inkml:trace contextRef="#ctx0" brushRef="#br0">3240 4254 10240,'20'-20'5120,"-1"20"-6272,-19 0 8319,20-19-7039,0 19 0,19 0 0,0 0 0,1 0-256,-1 19 128,0-38 128,-19 38 0,19 1-128,-19 0 0,-20 20 0,0 18 128,0-18-128,-20 19 128,1-20-128,-21-19 128,1 0-128,20 0 0,-21 19 0,20-39 128,1 20-128,-1 0 0,1-1 0,19 1 0,0-1 0,0 21 128,19-20 0,1 39 0,-1-40-128,21 1 128,-20-20-512,19 20 128,0 0-1536,20-1 0,-19 1-1151,18 19-1</inkml:trace>
-          <inkml:trace contextRef="#ctx0" brushRef="#br0" timeOffset="-394">3299 4275 7680,'-19'-20'3840,"-1"20"-1664,20-20 3967,0 40-6143,0 0 128,0 19 0,0 20 128,0 0-256,0 0 0,-19 40 128,19-21 0,0 1-128,0 19 0,-20-19-640,20 0 0,0-1-1920,0-38 1</inkml:trace>
-          <inkml:trace contextRef="#ctx0" brushRef="#br0" timeOffset="516">3969 4688 10624,'-20'0'5248,"1"0"-6144,19 0 9215,39 0-8447,1 0 128,-1-20-1664,20 20 128,0 0-512,0 0 1</inkml:trace>
-          <inkml:trace contextRef="#ctx0" brushRef="#br0" timeOffset="301">4008 4511 9856,'0'0'4864,"0"-20"-5632,0 20 8703,19-19-7935,1 19 0,0-20 0,0 20 0,19 0-384,-19 0 128,20 0-896,-21 0 128,1 0-1663,19 0-1</inkml:trace>
+          <inkml:trace contextRef="#ctx0" brushRef="#br0">3240 4292 10240,'20'-21'5120,"-1"21"-6272,-19 0 8319,20-21-7039,0 21 0,19 0 0,0 0 0,1 0-256,-1 21 128,0-42 128,-19 42 0,19 0-128,-19 1 0,-20 21 0,0 19 128,0-19-128,-20 20 128,1-21-128,-21-20 128,1-1-128,20 1 0,-21 20 0,20-42 128,1 21-128,-1 1 0,1-2 0,19 2 0,0-2 0,0 23 128,19-21 0,1 41 0,-1-43-128,21 2 128,-20-22-512,19 21 128,0 1-1536,20-2 0,-19 2-1151,18 20-1</inkml:trace>
+          <inkml:trace contextRef="#ctx0" brushRef="#br0" timeOffset="-394">3299 4315 7680,'-19'-22'3840,"-1"22"-1664,20-21 3967,0 42-6143,0 1 128,0 20 0,0 21 128,0 1-256,0-1 0,-19 43 128,19-22 0,0 1-128,0 20 0,-20-20-640,20 0 0,0-1-1920,0-41 1</inkml:trace>
+          <inkml:trace contextRef="#ctx0" brushRef="#br0" timeOffset="516">3969 4759 10624,'-20'0'5248,"1"0"-6144,19 0 9215,39 0-8447,1 0 128,-1-22-1664,20 22 128,0 0-512,0 0 1</inkml:trace>
+          <inkml:trace contextRef="#ctx0" brushRef="#br0" timeOffset="301">4008 4568 9856,'0'0'4864,"0"-21"-5632,0 21 8703,19-20-7935,1 20 0,0-22 0,0 22 0,19 0-384,-19 0 128,20 0-896,-21 0 128,1 0-1663,19 0-1</inkml:trace>
         </inkml:traceGroup>
         <inkml:traceGroup>
           <inkml:annotationXML>
@@ -12007,7 +12017,7 @@
               </emma:interpretation>
             </emma:emma>
           </inkml:annotationXML>
-          <inkml:trace contextRef="#ctx0" brushRef="#br0" timeOffset="1414">5328 3959 10880,'0'0'5376,"0"0"-6400,0 0 8575,0 0-7679,0 0 128,-20 0-128,1 20 128,-20 19 0,19 1 0,0-1-128,-20-20 128,21 21-128,-21-1 128,20-19 0,1 19 0,-1-19-256,20 0 128,0 0 0,20-20 0,-20 0-128,19 0 128,1 19 0,0-19 0,0 0 128,-1 20 128,-19-20-128,20 19 128,-20 1-128,0 0 0,0 0 0,0-1 128,-20 1-128,20 19 128,-19-19-128,-1 0 0,20-20 0,-20 39 0,20-39 0,-20 20 0,1-20 0,19 0 128,0 0-128,-20 19 128,20-19-128,-19 20 0,-1 0 0,20 19 0,0-19 0,-20 19 0,20-19 0,-20 0 128,20 0 0,0-1 0,-19 1 0,19-1 0,0-19 0,19 20 0,-19 0-128,40 19 128,-1 0-128,0 1 0,21-1-896,-21 1 128,21-21-2176,-2-19 129</inkml:trace>
+          <inkml:trace contextRef="#ctx0" brushRef="#br0" timeOffset="1414">5328 3975 10880,'0'0'5376,"0"0"-6400,0 0 8575,0 0-7679,0 0 128,-20 0-128,1 22 128,-20 20 0,19 1 0,0-2-128,-20-20 128,21 22-128,-21-1 128,20-21 0,1 21 0,-1-20-256,20-1 128,0 1 0,20-22 0,-20 0-128,19 0 128,1 20 0,0-20 0,0 0 128,-1 22 128,-19-22-128,20 20 128,-20 2-128,0-1 0,0 1 0,0-2 128,-20 1-128,20 21 128,-19-20-128,-1-1 0,20-21 0,-20 42 0,20-42 0,-20 22 0,1-22 0,19 0 128,0 0-128,-20 20 128,20-20-128,-19 22 0,-1-1 0,20 21 0,0-20 0,-20 20 0,20-21 0,-20 1 128,20-1 0,0-1 0,-19 2 0,19-2 0,0-20 0,19 22 0,-19-1-128,40 21 128,-1 0-128,0 1 0,21-1-896,-21 1 128,21-22-2176,-2-21 129</inkml:trace>
         </inkml:traceGroup>
         <inkml:traceGroup>
           <inkml:annotationXML>
@@ -12017,8 +12027,8 @@
               </emma:interpretation>
             </emma:emma>
           </inkml:annotationXML>
-          <inkml:trace contextRef="#ctx0" brushRef="#br0" timeOffset="34787">13244 5337 7936,'-20'39'3968,"40"-78"-3712,-20 59 6399,19-1-6399,-19 21 128,20 0 0,0-1 128,19-19-640,-19 0 128,-1 19 384,21-39 0,-20 19-128,19 1 128,0-20-256,0-39 128,1 0-256,-1-1 0,20-19-768,-19 19 128,-1-19-1280,-19 20 128,-1-1-1023,1 21 127</inkml:trace>
-          <inkml:trace contextRef="#ctx0" brushRef="#br0" timeOffset="34515">13282 4963 9472,'0'0'4736,"19"-39"-4096,-19 39 4735,20 20-5375,0 19 128,19 1-128,-19 18 128,0-17-256,20-2 128,-21 20-384,1-39 0,-1-1-640,-19 1 0,20-1-1535,-20 1 127</inkml:trace>
+          <inkml:trace contextRef="#ctx0" brushRef="#br0" timeOffset="34787">13244 5456 7936,'-20'42'3968,"40"-84"-3712,-20 64 6399,19-2-6399,-19 23 128,20 0 0,0-1 128,19-20-640,-19-1 128,-1 21 384,21-42 0,-20 20-128,19 2 128,0-22-256,0-42 128,1 0-256,-1-1 0,20-20-768,-19 20 128,-1-21-1280,-19 22 128,-1-1-1023,1 23 127</inkml:trace>
+          <inkml:trace contextRef="#ctx0" brushRef="#br0" timeOffset="34515">13282 5054 9472,'0'0'4736,"19"-42"-4096,-19 42 4735,20 22-5375,0 20 128,19 1-128,-19 19 128,0-18-256,20-2 128,-21 22-384,1-43 0,-1-1-640,-19 2 0,20-2-1535,-20 2 127</inkml:trace>
         </inkml:traceGroup>
         <inkml:traceGroup>
           <inkml:annotationXML>
@@ -12028,9 +12038,9 @@
               </emma:interpretation>
             </emma:emma>
           </inkml:annotationXML>
-          <inkml:trace contextRef="#ctx0" brushRef="#br0" timeOffset="35299">13007 5652 5760,'-19'0'2816,"-1"0"-1024,1 0 4224,19 0-5889,-20 0 129,0 0 0,0 20 128,1 39-384,-21 0 128,21-20 128,-21 20 128,20 0-128,1 0 128,-1 0-128,20 0 0,20 0-512,19-20 128,-19-19-640,19 0 128,20-20-1791,1-20 127</inkml:trace>
-          <inkml:trace contextRef="#ctx0" brushRef="#br0" timeOffset="35653">13380 5731 9728,'-58'0'4864,"18"20"-6016,40-20 8319,0 39-7167,-20-19 0,1 0 0,19 19 0,-20 0-128,1 1 128,-1-21-128,20-19 128,0 20-128,0 0 128,0-20 0,20 19 0,-1-19 0,1 0 128,19 0 0,1 0 0,-1 0-128,0 0 128,-19 0-128,-1 20 0,1-20 128,-20 0 0,0 19-128,0 1 128,-39-20-384,19 40 0,-19-21-896,0 1 128,-1-20-1663,20 19 127</inkml:trace>
-          <inkml:trace contextRef="#ctx0" brushRef="#br0" timeOffset="35995">13597 6046 7552,'0'19'3712,"-19"21"-3456,19-40 5631,0 20-5887,0-20 128,0 19 128,0 1 0,0 0-384,-20 0 0,20-1 256,0-19 0,0 0 0,0 0 0,0 0-128,0 0 0,20-19 0,-1-1 128,1 0-256,0 0 0,0 1 128,-1-1 128,1 0 0,0 20 0,-1-20 0,1 20 128,-20 0 0,19 0 128,-19 20-640,20-20 0,-20 40-896,0-21 128,-20 21-1407,40-1-1</inkml:trace>
+          <inkml:trace contextRef="#ctx0" brushRef="#br0" timeOffset="35299">13007 5795 5760,'-19'0'2816,"-1"0"-1024,1 0 4224,19 0-5889,-20 0 129,0 0 0,0 21 128,1 43-384,-21-1 128,21-21 128,-21 22 128,20-1-128,1 0 128,-1 1-128,20-1 0,20 1-512,19-22 128,-19-21-640,19 1 128,20-22-1791,1-22 127</inkml:trace>
+          <inkml:trace contextRef="#ctx0" brushRef="#br0" timeOffset="35653">13380 5880 9728,'-58'0'4864,"18"21"-6016,40-21 8319,0 42-7167,-20-20 0,1-1 0,19 21 0,-20 0-128,1 1 128,-1-23-128,20-20 128,0 22-128,0-1 128,0-21 0,20 21 0,-1-21 0,1 0 128,19 0 0,1 0 0,-1 0-128,0 0 128,-19 0-128,-1 21 0,1-21 128,-20 0 0,0 21-128,0 0 128,-39-21-384,19 43 0,-19-22-896,0 0 128,-1-21-1663,20 21 127</inkml:trace>
+          <inkml:trace contextRef="#ctx0" brushRef="#br0" timeOffset="35995">13597 6218 7552,'0'21'3712,"-19"22"-3456,19-43 5631,0 21-5887,0-21 128,0 21 128,0 0 0,0 1-384,-20-1 0,20 0 256,0-21 0,0 0 0,0 0 0,0 0-128,0 0 0,20-21 0,-1 0 128,1-1-256,0 1 0,0 0 128,-1 0 128,1-1 0,0 22 0,-1-21 0,1 21 128,-20 0 0,19 0 128,-19 21-640,20-21 0,-20 43-896,0-22 128,-20 22-1407,40-1-1</inkml:trace>
         </inkml:traceGroup>
         <inkml:traceGroup>
           <inkml:annotationXML>
@@ -12040,9 +12050,9 @@
               </emma:interpretation>
             </emma:emma>
           </inkml:annotationXML>
-          <inkml:trace contextRef="#ctx0" brushRef="#br0" timeOffset="36213">14110 6125 8192,'0'0'4096,"0"0"-4096,0 0 6783,0 29-6783,0 1 128,0-1-256,0 1 0,-29-1-640,-1 31 128,1-60-1663,-1 29-1</inkml:trace>
-          <inkml:trace contextRef="#ctx0" brushRef="#br0" timeOffset="36842">14149 6066 8832,'-59'0'4352,"78"-20"-4608,-19 20 7935,0 0-7679,40 0 0,-20 0 0,-1 0 0,20 20-640,21-20 128,-1 0-1536,0-20 129,-20 20-641,20 20 0</inkml:trace>
-          <inkml:trace contextRef="#ctx0" brushRef="#br0" timeOffset="36631">14483 5652 7680,'-39'0'3840,"19"0"-2688,20 20 5759,-20-40-6783,20 20 128,-19 20 0,19-1 0,-20 21-384,20 19 0,-20 0 256,20-20 0,0 0-256,-20 21 128,20-1-128,0-19 0,-19 18-512,19-18 0,0-1-768,0-19 1,0 0-1153,19-1 128</inkml:trace>
+          <inkml:trace contextRef="#ctx0" brushRef="#br0" timeOffset="36213">14110 6303 8192,'0'0'4096,"0"0"-4096,0 0 6783,0 31-6783,0 2 128,0-2-256,0 1 0,-29-1-640,-1 34 128,1-65-1663,-1 31-1</inkml:trace>
+          <inkml:trace contextRef="#ctx0" brushRef="#br0" timeOffset="36842">14149 6240 8832,'-59'0'4352,"78"-22"-4608,-19 22 7935,0 0-7679,40 0 0,-20 0 0,-1 0 0,20 22-640,21-22 128,-1 0-1536,0-22 129,-20 22-641,20 22 0</inkml:trace>
+          <inkml:trace contextRef="#ctx0" brushRef="#br0" timeOffset="36631">14483 5795 7680,'-39'0'3840,"19"0"-2688,20 21 5759,-20-42-6783,20 21 128,-19 21 0,19 0 0,-20 22-384,20 20 0,-20 1 256,20-22 0,0-1-256,-20 24 128,20-2-128,0-20 0,-19 20-512,19-20 0,0-1-768,0-21 1,0 1-1153,19-2 128</inkml:trace>
         </inkml:traceGroup>
         <inkml:traceGroup>
           <inkml:annotationXML>
@@ -12052,7 +12062,7 @@
               </emma:interpretation>
             </emma:emma>
           </inkml:annotationXML>
-          <inkml:trace contextRef="#ctx0" brushRef="#br0" timeOffset="37562">14641 6066 7296,'0'0'3584,"0"39"-3840,0-39 6655,0 20-5887,0 0 0,0 0 0,0 19 128,0-20-896,0 1 0,0-20 512,0 20 128,0-1-384,0-19 128,0 0-128,0 0 128,0 0-128,19-19 0,-19-1 0,20 0 128,20 1-128,-21-20 0,1 19 0,19 0 0,-19 0 0,0 20 128,0 0-128,-1 20 128,-19-20-384,20 40 0,-20-1-640,0-20 128,0 1-1663,19 0-1</inkml:trace>
+          <inkml:trace contextRef="#ctx0" brushRef="#br0" timeOffset="37562">14641 6240 7296,'0'0'3584,"0"42"-3840,0-42 6655,0 21-5887,0 1 0,0-1 0,0 21 128,0-21-896,0 0 0,0-21 512,0 22 128,0-2-384,0-20 128,0 0-128,0 0 128,0 0-128,19-20 0,-19-2 0,20 1 128,20 0-128,-21-21 0,1 21 0,19-1 0,-19 1 0,0 21 128,0 0-128,-1 21 128,-19-21-384,20 43 0,-20-1-640,0-21 128,0 0-1663,19 1-1</inkml:trace>
         </inkml:traceGroup>
         <inkml:traceGroup>
           <inkml:annotationXML>
@@ -12062,9 +12072,9 @@
               </emma:interpretation>
             </emma:emma>
           </inkml:annotationXML>
-          <inkml:trace contextRef="#ctx0" brushRef="#br0" timeOffset="37786">15074 5652 8064,'20'0'3968,"20"0"-2944,-40 0 6271,20 0-6911,-1 0 0,-19 0 128,20 39 128,-1 1-896,-19 38 0,0-38 384,0 38 128,-19 2-1024,-1-2 128,1-19-1920,-21 0 129,0 20-385,1-1 128</inkml:trace>
-          <inkml:trace contextRef="#ctx0" brushRef="#br0" timeOffset="15957">5052 5653 5248,'-39'-20'2560,"-1"60"-768,40-40 2688,0-20-4224,-19 20 0,19 20 128,0-20 128,-20-20-640,20 20 128,-20 0 256,0 20 128,20-1-128,-20 21 127,1 19-255,19-20 0,0 20 0,0-20 0,0 20-128,19-19 128,1-1-512,0 0 128,20-19-767,-1-20-1,1 0-1152,18 0 0</inkml:trace>
-          <inkml:trace contextRef="#ctx0" brushRef="#br0" timeOffset="77436">13913 3822 5632,'-20'-20'2816,"20"0"-1024,0 20 2816,0 0-4352,0-19 0,0 19 128,0 0 0,20-20-512,-1 20 128,1 0 256,20 20 127,-1-1-127,20-19 0,-20 20-128,1 0 0,-21 0 0,20 19 128,-19-20-128,-20 1 0,20 0 0,-40 20 0,0-21-128,1 20 128,-20-19-128,19 20 0,-20-21 0,1 1 0,20-1 0,-1 1 0,1-20 0,19 0 0,-20 20 0,40-20 0,-1 20 128,1-1 0,19 1-128,-20 0 128,21-1 0,-20 1 0,-1 20 0,1-21 0,-20-19-128,0 40 0,0-20 0,0-1 0,-20 1 0,1-1 128,-1 1-128,0 0 0,0-20 0,1 20 0,19 0 0,-20-1 0,20-19 0,0 20 0,20-20 0,-20 19 128,19 1 0,1 0 0,0 0 0,-20-1 128,20 20-128,-20-19 128,19 20-256,-19-1 128,0-39-128,-19 20 128,-1 19-128,0-19 0,-19 0-512,-20 19 0,20-20-2176,-1-19 129</inkml:trace>
+          <inkml:trace contextRef="#ctx0" brushRef="#br0" timeOffset="37786">15074 5795 8064,'20'0'3968,"20"0"-2944,-40 0 6271,20 0-6911,-1 0 0,-19 0 128,20 42 128,-1 1-896,-19 41 0,0-41 384,0 40 128,-19 3-1024,-1-2 128,1-20-1920,-21-1 129,0 22-385,1-1 128</inkml:trace>
+          <inkml:trace contextRef="#ctx0" brushRef="#br0" timeOffset="15957">5052 5796 5248,'-39'-22'2560,"-1"65"-768,40-43 2688,0-21-4224,-19 21 0,19 21 128,0-21 128,-20-21-640,20 21 128,-20 0 256,0 21 128,20 0-128,-20 22 127,1 20-255,19-21 0,0 22 0,0-22 0,0 21-128,19-20 128,1-1-512,0 0 128,20-21-767,-1-21-1,1 0-1152,18 0 0</inkml:trace>
+          <inkml:trace contextRef="#ctx0" brushRef="#br0" timeOffset="77436">13913 3828 5632,'-20'-22'2816,"20"1"-1024,0 21 2816,0 0-4352,0-21 0,0 21 128,0 0 0,20-21-512,-1 21 128,1 0 256,20 21 127,-1 0-127,20-21 0,-20 21-128,1 1 0,-21-1 0,20 21 128,-19-21-128,-20 0 0,20 1 0,-40 21 0,0-23-128,1 22 128,-20-20-128,19 21 0,-20-23 0,1 1 0,20 0 0,-1 0 0,1-21 0,19 0 0,-20 22 0,40-22 0,-1 21 128,1 0 0,19 0-128,-20 1 128,21-2 0,-20 2 0,-1 21 0,1-23 0,-20-20-128,0 43 0,0-21 0,0-2 0,-20 2 0,1-2 128,-1 1-128,0 1 0,0-22 0,1 21 0,19 1 0,-20-2 0,20-20 0,0 22 0,20-22 0,-20 20 128,19 2 0,1-1 0,0 1 0,-20-2 128,20 22-128,-20-20 128,19 21-256,-19-1 128,0-42-128,-19 21 128,-1 21-128,0-21 0,-19 1-512,-20 20 0,20-22-2176,-1-20 129</inkml:trace>
         </inkml:traceGroup>
       </inkml:traceGroup>
     </inkml:traceGroup>
@@ -12109,14 +12119,14 @@
               </emma:one-of>
             </emma:emma>
           </inkml:annotationXML>
-          <inkml:trace contextRef="#ctx0" brushRef="#br0" timeOffset="14707">6135 5022 7168,'0'-39'3584,"19"39"-2816,-19 0 3712,0 0-4096,0 0-1,0 0 513,0 0 128,0 19-1152,-19-19 128,19 40 640,0-20 0,0-1-128,-20 21 0,20 0-384,-20-1 0,20 1-384,-20-21 0,20 1-640,0-1 0,-20 2-1024,20-2 129,-19 1-897,19-1 128</inkml:trace>
-          <inkml:trace contextRef="#ctx0" brushRef="#br0" timeOffset="15061">5919 5258 9472,'-20'-19'4736,"20"38"-5888,0-19 9471,0 0-8319,0 0 128,0 20 0,0-20 128,0 20-256,0-20 0,0 20 128,20-20 0,-20 19-128,0 1 128,0-1-128,19 21 128,-19-20-128,0 0 0,20-1 0,-20 1 0,0-20 0,20 19 0,0-38 0,-20 19 0,39-39-256,-20 19 128,21 0-640,0 0 0,-1 0-2048,0 1 1</inkml:trace>
-          <inkml:trace contextRef="#ctx0" brushRef="#br0" timeOffset="77436">13913 3822 5632,'-20'-20'2816,"20"0"-1024,0 20 2816,0 0-4352,0-19 0,0 19 128,0 0 0,20-20-512,-1 20 128,1 0 256,20 20 127,-1-1-127,20-19 0,-20 20-128,1 0 0,-21 0 0,20 19 128,-19-20-128,-20 1 0,20 0 0,-40 20 0,0-21-128,1 20 128,-20-19-128,19 20 0,-20-21 0,1 1 0,20-1 0,-1 1 0,1-20 0,19 0 0,-20 20 0,40-20 0,-1 20 128,1-1 0,19 1-128,-20 0 128,21-1 0,-20 1 0,-1 20 0,1-21 0,-20-19-128,0 40 0,0-20 0,0-1 0,-20 1 0,1-1 128,-1 1-128,0 0 0,0-20 0,1 20 0,19 0 0,-20-1 0,20-19 0,0 20 0,20-20 0,-20 19 128,19 1 0,1 0 0,0 0 0,-20-1 128,20 20-128,-20-19 128,19 20-256,-19-1 128,0-39-128,-19 20 128,-1 19-128,0-19 0,-19 0-512,-20 19 0,20-20-2176,-1-19 129</inkml:trace>
-          <inkml:trace contextRef="#ctx0" brushRef="#br0" timeOffset="29765">8891 5888 8704,'-19'0'4352,"19"-19"-5760,0-1 8575,19 20-7167,1-20 0,0 0-512,20 20 128,-1-19-256,0 19 0,20 0-1663,-20 0-1</inkml:trace>
-          <inkml:trace contextRef="#ctx0" brushRef="#br0" timeOffset="29325">8892 6027 9344,'-29'30'4608,"-1"-1"-6016,30-29 8319,-29 0-7551,29 0 0,0 0-1663,0 0 127,-30 0 1152,30 0 128</inkml:trace>
-          <inkml:trace contextRef="#ctx0" brushRef="#br0" timeOffset="30096">9344 5790 8448,'0'19'4224,"0"-38"-4480,19 19 6911,-19 0-6655,20 0 0,0 19 0,0-19 0,-20 20 0,19 0 0,1 0 0,-20-1 128,0 21-128,0-20 128,0 0-128,0-20 128,-20 19 0,20-19 0,-19 20 0,-1-20 0,20 0 0,-20 0 0,20 0 0,0 0 0,0 19-128,0-19 128,20 0-256,0 0 0,-20 20-640,19-20 128,1-20-1024,0 40 129,-1-40-1025,1 20 0</inkml:trace>
-          <inkml:trace contextRef="#ctx0" brushRef="#br0" timeOffset="30344">9619 5515 9728,'-19'0'4864,"19"0"-5632,0 0 9343,0 0-8575,0 0 128,19 20 0,-19-1 0,0 1-256,20 0 128,-20 39-128,-20 0 128,20 0-896,0 0 128,-19-20-1792,-1 1 129,20 19-385,-19-40 0</inkml:trace>
-          <inkml:trace contextRef="#ctx0" brushRef="#br0" timeOffset="17221">6253 5632 8576,'-20'-19'4224,"1"58"-4480,19-39 7679,-20-20-7295,20 20 0,-19 20-128,19 0 128,-20 0-256,0 19 128,20 20 0,-20-19 0,1 18-128,19 2 128,-20-1-512,20-19 128,0 18-256,0-18 0,0-1-895,0 0-1,0-39-896,20 20 0</inkml:trace>
+          <inkml:trace contextRef="#ctx0" brushRef="#br0" timeOffset="14707">6135 5118 7168,'0'-42'3584,"19"42"-2816,-19 0 3712,0 0-4096,0 0-1,0 0 513,0 0 128,0 20-1152,-19-20 128,19 43 640,0-21 0,0-2-128,-20 23 0,20 0-384,-20-1 0,20 1-384,-20-23 0,20 2-640,0-2 0,-20 3-1024,20-3 129,-19 2-897,19-2 128</inkml:trace>
+          <inkml:trace contextRef="#ctx0" brushRef="#br0" timeOffset="15061">5919 5371 9472,'-20'-20'4736,"20"40"-5888,0-20 9471,0 0-8319,0 0 128,0 22 0,0-22 128,0 21-256,0-21 0,0 22 128,20-22 0,-20 20-128,0 2 128,0-2-128,19 23 128,-19-21-128,0-1 0,20 0 0,-20 0 0,0-21 0,20 21 0,0-42 0,-20 21 0,39-42-256,-20 21 128,21-1-640,0 1 0,-1-1-2048,0 2 1</inkml:trace>
+          <inkml:trace contextRef="#ctx0" brushRef="#br0" timeOffset="77436">13913 3828 5632,'-20'-22'2816,"20"1"-1024,0 21 2816,0 0-4352,0-21 0,0 21 128,0 0 0,20-21-512,-1 21 128,1 0 256,20 21 127,-1 0-127,20-21 0,-20 21-128,1 1 0,-21-1 0,20 21 128,-19-21-128,-20 0 0,20 1 0,-40 21 0,0-23-128,1 22 128,-20-20-128,19 21 0,-20-23 0,1 1 0,20 0 0,-1 0 0,1-21 0,19 0 0,-20 22 0,40-22 0,-1 21 128,1 0 0,19 0-128,-20 1 128,21-2 0,-20 2 0,-1 21 0,1-23 0,-20-20-128,0 43 0,0-21 0,0-2 0,-20 2 0,1-2 128,-1 1-128,0 1 0,0-22 0,1 21 0,19 1 0,-20-2 0,20-20 0,0 22 0,20-22 0,-20 20 128,19 2 0,1-1 0,0 1 0,-20-2 128,20 22-128,-20-20 128,19 21-256,-19-1 128,0-42-128,-19 21 128,-1 21-128,0-21 0,-19 1-512,-20 20 0,20-22-2176,-1-20 129</inkml:trace>
+          <inkml:trace contextRef="#ctx0" brushRef="#br0" timeOffset="29765">8891 6049 8704,'-19'0'4352,"19"-21"-5760,0 0 8575,19 21-7167,1-22 0,0 1-512,20 21 128,-1-21-256,0 21 0,20 0-1663,-20 0-1</inkml:trace>
+          <inkml:trace contextRef="#ctx0" brushRef="#br0" timeOffset="29325">8892 6198 9344,'-29'32'4608,"-1"-1"-6016,30-31 8319,-29 0-7551,29 0 0,0 0-1663,0 0 127,-30 0 1152,30 0 128</inkml:trace>
+          <inkml:trace contextRef="#ctx0" brushRef="#br0" timeOffset="30096">9344 5943 8448,'0'21'4224,"0"-42"-4480,19 21 6911,-19 0-6655,20 0 0,0 21 0,0-21 0,-20 21 0,19 1 0,1-1 0,-20 0 128,0 22-128,0-22 128,0 1-128,0-22 128,-20 20 0,20-20 0,-19 21 0,-1-21 0,20 0 0,-20 0 0,20 0 0,0 0 0,0 21-128,0-21 128,20 0-256,0 0 0,-20 21-640,19-21 128,1-21-1024,0 42 129,-1-42-1025,1 21 0</inkml:trace>
+          <inkml:trace contextRef="#ctx0" brushRef="#br0" timeOffset="30344">9619 5648 9728,'-19'0'4864,"19"0"-5632,0 0 9343,0 0-8575,0 0 128,19 21 0,-19 0 0,0 0-256,20 1 128,-20 41-128,-20 0 128,20 1-896,0-1 128,-19-21-1792,-1 1 129,20 21-385,-19-44 0</inkml:trace>
+          <inkml:trace contextRef="#ctx0" brushRef="#br0" timeOffset="17221">6253 5773 8576,'-20'-20'4224,"1"62"-4480,19-42 7679,-20-22-7295,20 22 0,-19 22-128,19-1 128,-20 1-256,0 20 128,20 21 0,-20-20 0,1 20-128,19 1 128,-20-1-512,20-20 128,0 20-256,0-20 0,0-1-895,0 0-1,0-42-896,20 21 0</inkml:trace>
         </inkml:traceGroup>
         <inkml:traceGroup>
           <inkml:annotationXML>
@@ -12126,21 +12136,21 @@
               </emma:interpretation>
             </emma:emma>
           </inkml:annotationXML>
-          <inkml:trace contextRef="#ctx0" brushRef="#br0" timeOffset="28399">8103 5574 4608,'-19'-20'2304,"-1"1"-1024,20 19 2304,0 0-3072,-20-20 128,20 20 128,-19 0 128,19 0-1152,-20 20 0,1-1 768,19 1 128,-20-20-384,0 0 0,0 19-128,20 21 128,-19 0-128,19-1 0,0 19-256,19 2 128,-19-2-256,20-38 0,0 19-768,19-19 128,-19-20-1152,19 0 0</inkml:trace>
-          <inkml:trace contextRef="#ctx0" brushRef="#br0" timeOffset="27506">8144 5239 6656,'0'0'3328,"0"0"-3584,0 19 5760,0-19-5248,0 20 0,0-20 0,0 20 128,20 0-512,-20-20 0,19 19 384,1-19-1,0 20-255,0-20 128,-1 0-128,1 0 128,19 0-256,-19-20 0,19 20-511,1-19 127,-21-21-1664,20 20 128</inkml:trace>
-          <inkml:trace contextRef="#ctx0" brushRef="#br0" timeOffset="28792">8341 5613 5888,'-40'0'2944,"21"-20"-1792,19 20 4608,-20 0-5760,20 20 128,0-20-128,-20 19 128,20-19-128,-20 20 0,1-40 0,19 40 0,0-20 0,-20 0 0,20 20 0,0-20 0,20 20-128,-20-20 128,0 19 0,19-19 0,-19 20 0,20 0 0,0-20 0,0 19 0,-1 1 0,1-20 0,-20 19 0,20 1 0,-1 0 0,-19 0 128,0-1-128,-19 1 0,19 19-256,-20-19 128,0-1-896,1 1 128,-1-20-1152,20 0 128</inkml:trace>
-          <inkml:trace contextRef="#ctx0" brushRef="#br0" timeOffset="27176">8320 4924 5120,'-20'0'2560,"20"20"-1792,0-20 2560,0 0-3200,20 19 128,-20-19 384,0 0 128,0 0-896,0 0 128,0 20 512,0 0 0,0 0-128,0 19 0,-20 0-256,20 0 128,0 1-512,0-20 0,-19 19-768,19-39 0,0 19-896,19 1 0</inkml:trace>
-          <inkml:trace contextRef="#ctx0" brushRef="#br0" timeOffset="29143">8458 5770 7680,'0'20'3840,"39"-59"-5376,-19 39 6912,0 0-5376,-1-20 128,20 40-384,-19-20 128,-20 19 0,20 1 128,-20 0-128,0 0 0,0 19 0,-20-20 128,0 1 128,1 20 128,-20-20 0,19-1 128,20-19 128,-20 20 127,0-1-255,20-19 128,0 0-256,20 20 128,0-20-512,-20 0 128,39 0-1024,-19 0 1,19-20-1281,0 20 0</inkml:trace>
-          <inkml:trace contextRef="#ctx0" brushRef="#br0" timeOffset="29325">8892 6027 9344,'-29'30'4608,"-1"-1"-6016,30-29 8319,-29 0-7551,29 0 0,0 0-1663,0 0 127,-30 0 1152,30 0 128</inkml:trace>
-          <inkml:trace contextRef="#ctx0" brushRef="#br0" timeOffset="28399">8103 5574 4608,'-19'-20'2304,"-1"1"-1024,20 19 2304,0 0-3072,-20-20 128,20 20 128,-19 0 128,19 0-1152,-20 20 0,1-1 768,19 1 128,-20-20-384,0 0 0,0 19-128,20 21 128,-19 0-128,19-1 0,0 19-256,19 2 128,-19-2-256,20-38 0,0 19-768,19-19 128,-19-20-1152,19 0 0</inkml:trace>
-          <inkml:trace contextRef="#ctx0" brushRef="#br0" timeOffset="27506">8144 5239 6656,'0'0'3328,"0"0"-3584,0 19 5760,0-19-5248,0 20 0,0-20 0,0 20 128,20 0-512,-20-20 0,19 19 384,1-19-1,0 20-255,0-20 128,-1 0-128,1 0 128,19 0-256,-19-20 0,19 20-511,1-19 127,-21-21-1664,20 20 128</inkml:trace>
-          <inkml:trace contextRef="#ctx0" brushRef="#br0" timeOffset="28792">8341 5613 5888,'-40'0'2944,"21"-20"-1792,19 20 4608,-20 0-5760,20 20 128,0-20-128,-20 19 128,20-19-128,-20 20 0,1-40 0,19 40 0,0-20 0,-20 0 0,20 20 0,0-20 0,20 20-128,-20-20 128,0 19 0,19-19 0,-19 20 0,20 0 0,0-20 0,0 19 0,-1 1 0,1-20 0,-20 19 0,20 1 0,-1 0 0,-19 0 128,0-1-128,-19 1 0,19 19-256,-20-19 128,0-1-896,1 1 128,-1-20-1152,20 0 128</inkml:trace>
-          <inkml:trace contextRef="#ctx0" brushRef="#br0" timeOffset="27176">8320 4924 5120,'-20'0'2560,"20"20"-1792,0-20 2560,0 0-3200,20 19 128,-20-19 384,0 0 128,0 0-896,0 0 128,0 20 512,0 0 0,0 0-128,0 19 0,-20 0-256,20 0 128,0 1-512,0-20 0,-19 19-768,19-39 0,0 19-896,19 1 0</inkml:trace>
-          <inkml:trace contextRef="#ctx0" brushRef="#br0" timeOffset="29143">8458 5770 7680,'0'20'3840,"39"-59"-5376,-19 39 6912,0 0-5376,-1-20 128,20 40-384,-19-20 128,-20 19 0,20 1 128,-20 0-128,0 0 0,0 19 0,-20-20 128,0 1 128,1 20 128,-20-20 0,19-1 128,20-19 128,-20 20 127,0-1-255,20-19 128,0 0-256,20 20 128,0-20-512,-20 0 128,39 0-1024,-19 0 1,19-20-1281,0 20 0</inkml:trace>
-          <inkml:trace contextRef="#ctx0" brushRef="#br0" timeOffset="29325">8892 6027 9344,'-29'30'4608,"-1"-1"-6016,30-29 8319,-29 0-7551,29 0 0,0 0-1663,0 0 127,-30 0 1152,30 0 128</inkml:trace>
-          <inkml:trace contextRef="#ctx0" brushRef="#br0" timeOffset="29765">8891 5888 8704,'-19'0'4352,"19"-19"-5760,0-1 8575,19 20-7167,1-20 0,0 0-512,20 20 128,-1-19-256,0 19 0,20 0-1663,-20 0-1</inkml:trace>
-          <inkml:trace contextRef="#ctx0" brushRef="#br0" timeOffset="77436">13913 3822 5632,'-20'-20'2816,"20"0"-1024,0 20 2816,0 0-4352,0-19 0,0 19 128,0 0 0,20-20-512,-1 20 128,1 0 256,20 20 127,-1-1-127,20-19 0,-20 20-128,1 0 0,-21 0 0,20 19 128,-19-20-128,-20 1 0,20 0 0,-40 20 0,0-21-128,1 20 128,-20-19-128,19 20 0,-20-21 0,1 1 0,20-1 0,-1 1 0,1-20 0,19 0 0,-20 20 0,40-20 0,-1 20 128,1-1 0,19 1-128,-20 0 128,21-1 0,-20 1 0,-1 20 0,1-21 0,-20-19-128,0 40 0,0-20 0,0-1 0,-20 1 0,1-1 128,-1 1-128,0 0 0,0-20 0,1 20 0,19 0 0,-20-1 0,20-19 0,0 20 0,20-20 0,-20 19 128,19 1 0,1 0 0,0 0 0,-20-1 128,20 20-128,-20-19 128,19 20-256,-19-1 128,0-39-128,-19 20 128,-1 19-128,0-19 0,-19 0-512,-20 19 0,20-20-2176,-1-19 129</inkml:trace>
-          <inkml:trace contextRef="#ctx0" brushRef="#br0" timeOffset="29325">8892 6027 9344,'-29'30'4608,"-1"-1"-6016,30-29 8319,-29 0-7551,29 0 0,0 0-1663,0 0 127,-30 0 1152,30 0 128</inkml:trace>
+          <inkml:trace contextRef="#ctx0" brushRef="#br0" timeOffset="28399">8103 5711 4608,'-19'-21'2304,"-1"0"-1024,20 21 2304,0 0-3072,-20-21 128,20 21 128,-19 0 128,19 0-1152,-20 21 0,1 0 768,19 0 128,-20-21-384,0 0 0,0 20-128,20 23 128,-19 0-128,19-1 0,0 21-256,19 1 128,-19-1-256,20-42 0,0 21-768,19-21 128,-19-21-1152,19 0 0</inkml:trace>
+          <inkml:trace contextRef="#ctx0" brushRef="#br0" timeOffset="27506">8144 5351 6656,'0'0'3328,"0"0"-3584,0 20 5760,0-20-5248,0 22 0,0-22 0,0 21 128,20 1-512,-20-22 0,19 20 384,1-20-1,0 22-255,0-22 128,-1 0-128,1 0 128,19 0-256,-19-22 0,19 22-511,1-20 127,-21-23-1664,20 21 128</inkml:trace>
+          <inkml:trace contextRef="#ctx0" brushRef="#br0" timeOffset="28792">8341 5753 5888,'-40'0'2944,"21"-22"-1792,19 22 4608,-20 0-5760,20 22 128,0-22-128,-20 20 128,20-20-128,-20 22 0,1-44 0,19 44 0,0-22 0,-20 0 0,20 21 0,0-21 0,20 22-128,-20-22 128,0 20 0,19-20 0,-19 22 0,20-1 0,0-21 0,0 21 0,-1 0 0,1-21 0,-20 21 0,20 0 0,-1 1 0,-19-1 128,0 0-128,-19 0 0,19 21-256,-20-21 128,0 0-896,1 0 128,-1-21-1152,20 0 128</inkml:trace>
+          <inkml:trace contextRef="#ctx0" brushRef="#br0" timeOffset="27176">8320 5012 5120,'-20'0'2560,"20"22"-1792,0-22 2560,0 0-3200,20 20 128,-20-20 384,0 0 128,0 0-896,0 0 128,0 22 512,0-1 0,0 1-128,0 20 0,-20 0-256,20 0 128,0 1-512,0-22 0,-19 21-768,19-42 0,0 20-896,19 2 0</inkml:trace>
+          <inkml:trace contextRef="#ctx0" brushRef="#br0" timeOffset="29143">8458 5922 7680,'0'21'3840,"39"-63"-5376,-19 42 6912,0 0-5376,-1-21 128,20 42-384,-19-21 128,-20 21 0,20 0 128,-20 1-128,0-1 0,0 21 0,-20-21 128,0 0 128,1 22 128,-20-21 0,19-2 128,20-20 128,-20 21 127,0 0-255,20-21 128,0 0-256,20 21 128,0-21-512,-20 0 128,39 0-1024,-19 0 1,19-21-1281,0 21 0</inkml:trace>
+          <inkml:trace contextRef="#ctx0" brushRef="#br0" timeOffset="29325">8892 6198 9344,'-29'32'4608,"-1"-1"-6016,30-31 8319,-29 0-7551,29 0 0,0 0-1663,0 0 127,-30 0 1152,30 0 128</inkml:trace>
+          <inkml:trace contextRef="#ctx0" brushRef="#br0" timeOffset="28399">8103 5711 4608,'-19'-21'2304,"-1"0"-1024,20 21 2304,0 0-3072,-20-21 128,20 21 128,-19 0 128,19 0-1152,-20 21 0,1 0 768,19 0 128,-20-21-384,0 0 0,0 20-128,20 23 128,-19 0-128,19-1 0,0 21-256,19 1 128,-19-1-256,20-42 0,0 21-768,19-21 128,-19-21-1152,19 0 0</inkml:trace>
+          <inkml:trace contextRef="#ctx0" brushRef="#br0" timeOffset="27506">8144 5351 6656,'0'0'3328,"0"0"-3584,0 20 5760,0-20-5248,0 22 0,0-22 0,0 21 128,20 1-512,-20-22 0,19 20 384,1-20-1,0 22-255,0-22 128,-1 0-128,1 0 128,19 0-256,-19-22 0,19 22-511,1-20 127,-21-23-1664,20 21 128</inkml:trace>
+          <inkml:trace contextRef="#ctx0" brushRef="#br0" timeOffset="28792">8341 5753 5888,'-40'0'2944,"21"-22"-1792,19 22 4608,-20 0-5760,20 22 128,0-22-128,-20 20 128,20-20-128,-20 22 0,1-44 0,19 44 0,0-22 0,-20 0 0,20 21 0,0-21 0,20 22-128,-20-22 128,0 20 0,19-20 0,-19 22 0,20-1 0,0-21 0,0 21 0,-1 0 0,1-21 0,-20 21 0,20 0 0,-1 1 0,-19-1 128,0 0-128,-19 0 0,19 21-256,-20-21 128,0 0-896,1 0 128,-1-21-1152,20 0 128</inkml:trace>
+          <inkml:trace contextRef="#ctx0" brushRef="#br0" timeOffset="27176">8320 5012 5120,'-20'0'2560,"20"22"-1792,0-22 2560,0 0-3200,20 20 128,-20-20 384,0 0 128,0 0-896,0 0 128,0 22 512,0-1 0,0 1-128,0 20 0,-20 0-256,20 0 128,0 1-512,0-22 0,-19 21-768,19-42 0,0 20-896,19 2 0</inkml:trace>
+          <inkml:trace contextRef="#ctx0" brushRef="#br0" timeOffset="29143">8458 5922 7680,'0'21'3840,"39"-63"-5376,-19 42 6912,0 0-5376,-1-21 128,20 42-384,-19-21 128,-20 21 0,20 0 128,-20 1-128,0-1 0,0 21 0,-20-21 128,0 0 128,1 22 128,-20-21 0,19-2 128,20-20 128,-20 21 127,0 0-255,20-21 128,0 0-256,20 21 128,0-21-512,-20 0 128,39 0-1024,-19 0 1,19-21-1281,0 21 0</inkml:trace>
+          <inkml:trace contextRef="#ctx0" brushRef="#br0" timeOffset="29325">8892 6198 9344,'-29'32'4608,"-1"-1"-6016,30-31 8319,-29 0-7551,29 0 0,0 0-1663,0 0 127,-30 0 1152,30 0 128</inkml:trace>
+          <inkml:trace contextRef="#ctx0" brushRef="#br0" timeOffset="29765">8891 6049 8704,'-19'0'4352,"19"-21"-5760,0 0 8575,19 21-7167,1-22 0,0 1-512,20 21 128,-1-21-256,0 21 0,20 0-1663,-20 0-1</inkml:trace>
+          <inkml:trace contextRef="#ctx0" brushRef="#br0" timeOffset="77436">13913 3828 5632,'-20'-22'2816,"20"1"-1024,0 21 2816,0 0-4352,0-21 0,0 21 128,0 0 0,20-21-512,-1 21 128,1 0 256,20 21 127,-1 0-127,20-21 0,-20 21-128,1 1 0,-21-1 0,20 21 128,-19-21-128,-20 0 0,20 1 0,-40 21 0,0-23-128,1 22 128,-20-20-128,19 21 0,-20-23 0,1 1 0,20 0 0,-1 0 0,1-21 0,19 0 0,-20 22 0,40-22 0,-1 21 128,1 0 0,19 0-128,-20 1 128,21-2 0,-20 2 0,-1 21 0,1-23 0,-20-20-128,0 43 0,0-21 0,0-2 0,-20 2 0,1-2 128,-1 1-128,0 1 0,0-22 0,1 21 0,19 1 0,-20-2 0,20-20 0,0 22 0,20-22 0,-20 20 128,19 2 0,1-1 0,0 1 0,-20-2 128,20 22-128,-20-20 128,19 21-256,-19-1 128,0-42-128,-19 21 128,-1 21-128,0-21 0,-19 1-512,-20 20 0,20-22-2176,-1-20 129</inkml:trace>
+          <inkml:trace contextRef="#ctx0" brushRef="#br0" timeOffset="29325">8892 6198 9344,'-29'32'4608,"-1"-1"-6016,30-31 8319,-29 0-7551,29 0 0,0 0-1663,0 0 127,-30 0 1152,30 0 128</inkml:trace>
         </inkml:traceGroup>
         <inkml:traceGroup>
           <inkml:annotationXML>
@@ -12167,16 +12177,16 @@
               </emma:one-of>
             </emma:emma>
           </inkml:annotationXML>
-          <inkml:trace contextRef="#ctx0" brushRef="#br0" timeOffset="34787">13244 5337 7936,'-20'39'3968,"40"-78"-3712,-20 59 6399,19-1-6399,-19 21 128,20 0 0,0-1 128,19-19-640,-19 0 128,-1 19 384,21-39 0,-20 19-128,19 1 128,0-20-256,0-39 128,1 0-256,-1-1 0,20-19-768,-19 19 128,-1-19-1280,-19 20 128,-1-1-1023,1 21 127</inkml:trace>
-          <inkml:trace contextRef="#ctx0" brushRef="#br0" timeOffset="34515">13282 4963 9472,'0'0'4736,"19"-39"-4096,-19 39 4735,20 20-5375,0 19 128,19 1-128,-19 18 128,0-17-256,20-2 128,-21 20-384,1-39 0,-1-1-640,-19 1 0,20-1-1535,-20 1 127</inkml:trace>
-          <inkml:trace contextRef="#ctx0" brushRef="#br0" timeOffset="35299">13007 5652 5760,'-19'0'2816,"-1"0"-1024,1 0 4224,19 0-5889,-20 0 129,0 0 0,0 20 128,1 39-384,-21 0 128,21-20 128,-21 20 128,20 0-128,1 0 128,-1 0-128,20 0 0,20 0-512,19-20 128,-19-19-640,19 0 128,20-20-1791,1-20 127</inkml:trace>
-          <inkml:trace contextRef="#ctx0" brushRef="#br0" timeOffset="35653">13380 5731 9728,'-58'0'4864,"18"20"-6016,40-20 8319,0 39-7167,-20-19 0,1 0 0,19 19 0,-20 0-128,1 1 128,-1-21-128,20-19 128,0 20-128,0 0 128,0-20 0,20 19 0,-1-19 0,1 0 128,19 0 0,1 0 0,-1 0-128,0 0 128,-19 0-128,-1 20 0,1-20 128,-20 0 0,0 19-128,0 1 128,-39-20-384,19 40 0,-19-21-896,0 1 128,-1-20-1663,20 19 127</inkml:trace>
-          <inkml:trace contextRef="#ctx0" brushRef="#br0" timeOffset="35995">13597 6046 7552,'0'19'3712,"-19"21"-3456,19-40 5631,0 20-5887,0-20 128,0 19 128,0 1 0,0 0-384,-20 0 0,20-1 256,0-19 0,0 0 0,0 0 0,0 0-128,0 0 0,20-19 0,-1-1 128,1 0-256,0 0 0,0 1 128,-1-1 128,1 0 0,0 20 0,-1-20 0,1 20 128,-20 0 0,19 0 128,-19 20-640,20-20 0,-20 40-896,0-21 128,-20 21-1407,40-1-1</inkml:trace>
-          <inkml:trace contextRef="#ctx0" brushRef="#br0" timeOffset="36213">14110 6125 8192,'0'0'4096,"0"0"-4096,0 0 6783,0 29-6783,0 1 128,0-1-256,0 1 0,-29-1-640,-1 31 128,1-60-1663,-1 29-1</inkml:trace>
-          <inkml:trace contextRef="#ctx0" brushRef="#br0" timeOffset="36842">14149 6066 8832,'-59'0'4352,"78"-20"-4608,-19 20 7935,0 0-7679,40 0 0,-20 0 0,-1 0 0,20 20-640,21-20 128,-1 0-1536,0-20 129,-20 20-641,20 20 0</inkml:trace>
-          <inkml:trace contextRef="#ctx0" brushRef="#br0" timeOffset="36631">14483 5652 7680,'-39'0'3840,"19"0"-2688,20 20 5759,-20-40-6783,20 20 128,-19 20 0,19-1 0,-20 21-384,20 19 0,-20 0 256,20-20 0,0 0-256,-20 21 128,20-1-128,0-19 0,-19 18-512,19-18 0,0-1-768,0-19 1,0 0-1153,19-1 128</inkml:trace>
-          <inkml:trace contextRef="#ctx0" brushRef="#br0" timeOffset="37562">14641 6066 7296,'0'0'3584,"0"39"-3840,0-39 6655,0 20-5887,0 0 0,0 0 0,0 19 128,0-20-896,0 1 0,0-20 512,0 20 128,0-1-384,0-19 128,0 0-128,0 0 128,0 0-128,19-19 0,-19-1 0,20 0 128,20 1-128,-21-20 0,1 19 0,19 0 0,-19 0 0,0 20 128,0 0-128,-1 20 128,-19-20-384,20 40 0,-20-1-640,0-20 128,0 1-1663,19 0-1</inkml:trace>
-          <inkml:trace contextRef="#ctx0" brushRef="#br0" timeOffset="37786">15074 5652 8064,'20'0'3968,"20"0"-2944,-40 0 6271,20 0-6911,-1 0 0,-19 0 128,20 39 128,-1 1-896,-19 38 0,0-38 384,0 38 128,-19 2-1024,-1-2 128,1-19-1920,-21 0 129,0 20-385,1-1 128</inkml:trace>
+          <inkml:trace contextRef="#ctx0" brushRef="#br0" timeOffset="34787">13244 5456 7936,'-20'42'3968,"40"-84"-3712,-20 64 6399,19-2-6399,-19 23 128,20 0 0,0-1 128,19-20-640,-19-1 128,-1 21 384,21-42 0,-20 20-128,19 2 128,0-22-256,0-42 128,1 0-256,-1-1 0,20-20-768,-19 20 128,-1-21-1280,-19 22 128,-1-1-1023,1 23 127</inkml:trace>
+          <inkml:trace contextRef="#ctx0" brushRef="#br0" timeOffset="34515">13282 5054 9472,'0'0'4736,"19"-42"-4096,-19 42 4735,20 22-5375,0 20 128,19 1-128,-19 19 128,0-18-256,20-2 128,-21 22-384,1-43 0,-1-1-640,-19 2 0,20-2-1535,-20 2 127</inkml:trace>
+          <inkml:trace contextRef="#ctx0" brushRef="#br0" timeOffset="35299">13007 5795 5760,'-19'0'2816,"-1"0"-1024,1 0 4224,19 0-5889,-20 0 129,0 0 0,0 21 128,1 43-384,-21-1 128,21-21 128,-21 22 128,20-1-128,1 0 128,-1 1-128,20-1 0,20 1-512,19-22 128,-19-21-640,19 1 128,20-22-1791,1-22 127</inkml:trace>
+          <inkml:trace contextRef="#ctx0" brushRef="#br0" timeOffset="35653">13380 5880 9728,'-58'0'4864,"18"21"-6016,40-21 8319,0 42-7167,-20-20 0,1-1 0,19 21 0,-20 0-128,1 1 128,-1-23-128,20-20 128,0 22-128,0-1 128,0-21 0,20 21 0,-1-21 0,1 0 128,19 0 0,1 0 0,-1 0-128,0 0 128,-19 0-128,-1 21 0,1-21 128,-20 0 0,0 21-128,0 0 128,-39-21-384,19 43 0,-19-22-896,0 0 128,-1-21-1663,20 21 127</inkml:trace>
+          <inkml:trace contextRef="#ctx0" brushRef="#br0" timeOffset="35995">13597 6218 7552,'0'21'3712,"-19"22"-3456,19-43 5631,0 21-5887,0-21 128,0 21 128,0 0 0,0 1-384,-20-1 0,20 0 256,0-21 0,0 0 0,0 0 0,0 0-128,0 0 0,20-21 0,-1 0 128,1-1-256,0 1 0,0 0 128,-1 0 128,1-1 0,0 22 0,-1-21 0,1 21 128,-20 0 0,19 0 128,-19 21-640,20-21 0,-20 43-896,0-22 128,-20 22-1407,40-1-1</inkml:trace>
+          <inkml:trace contextRef="#ctx0" brushRef="#br0" timeOffset="36213">14110 6303 8192,'0'0'4096,"0"0"-4096,0 0 6783,0 31-6783,0 2 128,0-2-256,0 1 0,-29-1-640,-1 34 128,1-65-1663,-1 31-1</inkml:trace>
+          <inkml:trace contextRef="#ctx0" brushRef="#br0" timeOffset="36842">14149 6240 8832,'-59'0'4352,"78"-22"-4608,-19 22 7935,0 0-7679,40 0 0,-20 0 0,-1 0 0,20 22-640,21-22 128,-1 0-1536,0-22 129,-20 22-641,20 22 0</inkml:trace>
+          <inkml:trace contextRef="#ctx0" brushRef="#br0" timeOffset="36631">14483 5795 7680,'-39'0'3840,"19"0"-2688,20 21 5759,-20-42-6783,20 21 128,-19 21 0,19 0 0,-20 22-384,20 20 0,-20 1 256,20-22 0,0-1-256,-20 24 128,20-2-128,0-20 0,-19 20-512,19-20 0,0-1-768,0-21 1,0 1-1153,19-2 128</inkml:trace>
+          <inkml:trace contextRef="#ctx0" brushRef="#br0" timeOffset="37562">14641 6240 7296,'0'0'3584,"0"42"-3840,0-42 6655,0 21-5887,0 1 0,0-1 0,0 21 128,0-21-896,0 0 0,0-21 512,0 22 128,0-2-384,0-20 128,0 0-128,0 0 128,0 0-128,19-20 0,-19-2 0,20 1 128,20 0-128,-21-21 0,1 21 0,19-1 0,-19 1 0,0 21 128,0 0-128,-1 21 128,-19-21-384,20 43 0,-20-1-640,0-21 128,0 0-1663,19 1-1</inkml:trace>
+          <inkml:trace contextRef="#ctx0" brushRef="#br0" timeOffset="37786">15074 5795 8064,'20'0'3968,"20"0"-2944,-40 0 6271,20 0-6911,-1 0 0,-19 0 128,20 42 128,-1 1-896,-19 41 0,0-41 384,0 40 128,-19 3-1024,-1-2 128,1-20-1920,-21-1 129,0 22-385,1-1 128</inkml:trace>
         </inkml:traceGroup>
       </inkml:traceGroup>
     </inkml:traceGroup>
@@ -15624,8 +15634,8 @@
           </a:p>
         </p:txBody>
       </p:sp>
-      <mc:AlternateContent xmlns:mc="http://schemas.openxmlformats.org/markup-compatibility/2006">
-        <mc:Choice xmlns:p14="http://schemas.microsoft.com/office/powerpoint/2010/main" Requires="p14">
+      <mc:AlternateContent xmlns:mc="http://schemas.openxmlformats.org/markup-compatibility/2006" xmlns:p14="http://schemas.microsoft.com/office/powerpoint/2010/main">
+        <mc:Choice Requires="p14">
           <p:contentPart p14:bwMode="auto" r:id="rId2">
             <p14:nvContentPartPr>
               <p14:cNvPr id="88" name="Ink 87"/>
@@ -15638,7 +15648,7 @@
             </p14:xfrm>
           </p:contentPart>
         </mc:Choice>
-        <mc:Fallback>
+        <mc:Fallback xmlns="">
           <p:pic>
             <p:nvPicPr>
               <p:cNvPr id="88" name="Ink 87"/>
@@ -15663,8 +15673,8 @@
           </p:pic>
         </mc:Fallback>
       </mc:AlternateContent>
-      <mc:AlternateContent xmlns:mc="http://schemas.openxmlformats.org/markup-compatibility/2006">
-        <mc:Choice xmlns:p14="http://schemas.microsoft.com/office/powerpoint/2010/main" Requires="p14">
+      <mc:AlternateContent xmlns:mc="http://schemas.openxmlformats.org/markup-compatibility/2006" xmlns:p14="http://schemas.microsoft.com/office/powerpoint/2010/main">
+        <mc:Choice Requires="p14">
           <p:contentPart p14:bwMode="auto" r:id="rId4">
             <p14:nvContentPartPr>
               <p14:cNvPr id="97" name="Ink 96"/>
@@ -15677,7 +15687,7 @@
             </p14:xfrm>
           </p:contentPart>
         </mc:Choice>
-        <mc:Fallback>
+        <mc:Fallback xmlns="">
           <p:pic>
             <p:nvPicPr>
               <p:cNvPr id="97" name="Ink 96"/>
@@ -15702,8 +15712,8 @@
           </p:pic>
         </mc:Fallback>
       </mc:AlternateContent>
-      <mc:AlternateContent xmlns:mc="http://schemas.openxmlformats.org/markup-compatibility/2006">
-        <mc:Choice xmlns:p14="http://schemas.microsoft.com/office/powerpoint/2010/main" Requires="p14">
+      <mc:AlternateContent xmlns:mc="http://schemas.openxmlformats.org/markup-compatibility/2006" xmlns:p14="http://schemas.microsoft.com/office/powerpoint/2010/main">
+        <mc:Choice Requires="p14">
           <p:contentPart p14:bwMode="auto" r:id="rId6">
             <p14:nvContentPartPr>
               <p14:cNvPr id="111" name="Ink 110"/>
@@ -15716,7 +15726,7 @@
             </p14:xfrm>
           </p:contentPart>
         </mc:Choice>
-        <mc:Fallback>
+        <mc:Fallback xmlns="">
           <p:pic>
             <p:nvPicPr>
               <p:cNvPr id="111" name="Ink 110"/>
@@ -15741,8 +15751,8 @@
           </p:pic>
         </mc:Fallback>
       </mc:AlternateContent>
-      <mc:AlternateContent xmlns:mc="http://schemas.openxmlformats.org/markup-compatibility/2006">
-        <mc:Choice xmlns:p14="http://schemas.microsoft.com/office/powerpoint/2010/main" Requires="p14">
+      <mc:AlternateContent xmlns:mc="http://schemas.openxmlformats.org/markup-compatibility/2006" xmlns:p14="http://schemas.microsoft.com/office/powerpoint/2010/main">
+        <mc:Choice Requires="p14">
           <p:contentPart p14:bwMode="auto" r:id="rId8">
             <p14:nvContentPartPr>
               <p14:cNvPr id="116" name="Ink 115"/>
@@ -15755,7 +15765,7 @@
             </p14:xfrm>
           </p:contentPart>
         </mc:Choice>
-        <mc:Fallback>
+        <mc:Fallback xmlns="">
           <p:pic>
             <p:nvPicPr>
               <p:cNvPr id="116" name="Ink 115"/>
@@ -15780,8 +15790,8 @@
           </p:pic>
         </mc:Fallback>
       </mc:AlternateContent>
-      <mc:AlternateContent xmlns:mc="http://schemas.openxmlformats.org/markup-compatibility/2006">
-        <mc:Choice xmlns:p14="http://schemas.microsoft.com/office/powerpoint/2010/main" Requires="p14">
+      <mc:AlternateContent xmlns:mc="http://schemas.openxmlformats.org/markup-compatibility/2006" xmlns:p14="http://schemas.microsoft.com/office/powerpoint/2010/main">
+        <mc:Choice Requires="p14">
           <p:contentPart p14:bwMode="auto" r:id="rId10">
             <p14:nvContentPartPr>
               <p14:cNvPr id="122" name="Ink 121"/>
@@ -15794,7 +15804,7 @@
             </p14:xfrm>
           </p:contentPart>
         </mc:Choice>
-        <mc:Fallback>
+        <mc:Fallback xmlns="">
           <p:pic>
             <p:nvPicPr>
               <p:cNvPr id="122" name="Ink 121"/>
@@ -15819,8 +15829,8 @@
           </p:pic>
         </mc:Fallback>
       </mc:AlternateContent>
-      <mc:AlternateContent xmlns:mc="http://schemas.openxmlformats.org/markup-compatibility/2006">
-        <mc:Choice xmlns:p14="http://schemas.microsoft.com/office/powerpoint/2010/main" Requires="p14">
+      <mc:AlternateContent xmlns:mc="http://schemas.openxmlformats.org/markup-compatibility/2006" xmlns:p14="http://schemas.microsoft.com/office/powerpoint/2010/main">
+        <mc:Choice Requires="p14">
           <p:contentPart p14:bwMode="auto" r:id="rId12">
             <p14:nvContentPartPr>
               <p14:cNvPr id="126" name="Ink 125"/>
@@ -15833,7 +15843,7 @@
             </p14:xfrm>
           </p:contentPart>
         </mc:Choice>
-        <mc:Fallback>
+        <mc:Fallback xmlns="">
           <p:pic>
             <p:nvPicPr>
               <p:cNvPr id="126" name="Ink 125"/>
@@ -15858,8 +15868,8 @@
           </p:pic>
         </mc:Fallback>
       </mc:AlternateContent>
-      <mc:AlternateContent xmlns:mc="http://schemas.openxmlformats.org/markup-compatibility/2006">
-        <mc:Choice xmlns:p14="http://schemas.microsoft.com/office/powerpoint/2010/main" Requires="p14">
+      <mc:AlternateContent xmlns:mc="http://schemas.openxmlformats.org/markup-compatibility/2006" xmlns:p14="http://schemas.microsoft.com/office/powerpoint/2010/main">
+        <mc:Choice Requires="p14">
           <p:contentPart p14:bwMode="auto" r:id="rId14">
             <p14:nvContentPartPr>
               <p14:cNvPr id="127" name="Ink 126"/>
@@ -15872,7 +15882,7 @@
             </p14:xfrm>
           </p:contentPart>
         </mc:Choice>
-        <mc:Fallback>
+        <mc:Fallback xmlns="">
           <p:pic>
             <p:nvPicPr>
               <p:cNvPr id="127" name="Ink 126"/>
@@ -15897,8 +15907,8 @@
           </p:pic>
         </mc:Fallback>
       </mc:AlternateContent>
-      <mc:AlternateContent xmlns:mc="http://schemas.openxmlformats.org/markup-compatibility/2006">
-        <mc:Choice xmlns:p14="http://schemas.microsoft.com/office/powerpoint/2010/main" Requires="p14">
+      <mc:AlternateContent xmlns:mc="http://schemas.openxmlformats.org/markup-compatibility/2006" xmlns:p14="http://schemas.microsoft.com/office/powerpoint/2010/main">
+        <mc:Choice Requires="p14">
           <p:contentPart p14:bwMode="auto" r:id="rId16">
             <p14:nvContentPartPr>
               <p14:cNvPr id="128" name="Ink 127"/>
@@ -15911,7 +15921,7 @@
             </p14:xfrm>
           </p:contentPart>
         </mc:Choice>
-        <mc:Fallback>
+        <mc:Fallback xmlns="">
           <p:pic>
             <p:nvPicPr>
               <p:cNvPr id="128" name="Ink 127"/>
@@ -15936,8 +15946,8 @@
           </p:pic>
         </mc:Fallback>
       </mc:AlternateContent>
-      <mc:AlternateContent xmlns:mc="http://schemas.openxmlformats.org/markup-compatibility/2006">
-        <mc:Choice xmlns:p14="http://schemas.microsoft.com/office/powerpoint/2010/main" Requires="p14">
+      <mc:AlternateContent xmlns:mc="http://schemas.openxmlformats.org/markup-compatibility/2006" xmlns:p14="http://schemas.microsoft.com/office/powerpoint/2010/main">
+        <mc:Choice Requires="p14">
           <p:contentPart p14:bwMode="auto" r:id="rId18">
             <p14:nvContentPartPr>
               <p14:cNvPr id="129" name="Ink 128"/>
@@ -15950,7 +15960,7 @@
             </p14:xfrm>
           </p:contentPart>
         </mc:Choice>
-        <mc:Fallback>
+        <mc:Fallback xmlns="">
           <p:pic>
             <p:nvPicPr>
               <p:cNvPr id="129" name="Ink 128"/>
@@ -15975,8 +15985,8 @@
           </p:pic>
         </mc:Fallback>
       </mc:AlternateContent>
-      <mc:AlternateContent xmlns:mc="http://schemas.openxmlformats.org/markup-compatibility/2006">
-        <mc:Choice xmlns:p14="http://schemas.microsoft.com/office/powerpoint/2010/main" Requires="p14">
+      <mc:AlternateContent xmlns:mc="http://schemas.openxmlformats.org/markup-compatibility/2006" xmlns:p14="http://schemas.microsoft.com/office/powerpoint/2010/main">
+        <mc:Choice Requires="p14">
           <p:contentPart p14:bwMode="auto" r:id="rId20">
             <p14:nvContentPartPr>
               <p14:cNvPr id="132" name="Ink 131"/>
@@ -15989,7 +15999,7 @@
             </p14:xfrm>
           </p:contentPart>
         </mc:Choice>
-        <mc:Fallback>
+        <mc:Fallback xmlns="">
           <p:pic>
             <p:nvPicPr>
               <p:cNvPr id="132" name="Ink 131"/>
@@ -16014,8 +16024,8 @@
           </p:pic>
         </mc:Fallback>
       </mc:AlternateContent>
-      <mc:AlternateContent xmlns:mc="http://schemas.openxmlformats.org/markup-compatibility/2006">
-        <mc:Choice xmlns:p14="http://schemas.microsoft.com/office/powerpoint/2010/main" Requires="p14">
+      <mc:AlternateContent xmlns:mc="http://schemas.openxmlformats.org/markup-compatibility/2006" xmlns:p14="http://schemas.microsoft.com/office/powerpoint/2010/main">
+        <mc:Choice Requires="p14">
           <p:contentPart p14:bwMode="auto" r:id="rId22">
             <p14:nvContentPartPr>
               <p14:cNvPr id="133" name="Ink 132"/>
@@ -16028,7 +16038,7 @@
             </p14:xfrm>
           </p:contentPart>
         </mc:Choice>
-        <mc:Fallback>
+        <mc:Fallback xmlns="">
           <p:pic>
             <p:nvPicPr>
               <p:cNvPr id="133" name="Ink 132"/>
@@ -16053,8 +16063,8 @@
           </p:pic>
         </mc:Fallback>
       </mc:AlternateContent>
-      <mc:AlternateContent xmlns:mc="http://schemas.openxmlformats.org/markup-compatibility/2006">
-        <mc:Choice xmlns:p14="http://schemas.microsoft.com/office/powerpoint/2010/main" Requires="p14">
+      <mc:AlternateContent xmlns:mc="http://schemas.openxmlformats.org/markup-compatibility/2006" xmlns:p14="http://schemas.microsoft.com/office/powerpoint/2010/main">
+        <mc:Choice Requires="p14">
           <p:contentPart p14:bwMode="auto" r:id="rId24">
             <p14:nvContentPartPr>
               <p14:cNvPr id="134" name="Ink 133"/>
@@ -16067,7 +16077,7 @@
             </p14:xfrm>
           </p:contentPart>
         </mc:Choice>
-        <mc:Fallback>
+        <mc:Fallback xmlns="">
           <p:pic>
             <p:nvPicPr>
               <p:cNvPr id="134" name="Ink 133"/>
@@ -16092,8 +16102,8 @@
           </p:pic>
         </mc:Fallback>
       </mc:AlternateContent>
-      <mc:AlternateContent xmlns:mc="http://schemas.openxmlformats.org/markup-compatibility/2006">
-        <mc:Choice xmlns:p14="http://schemas.microsoft.com/office/powerpoint/2010/main" Requires="p14">
+      <mc:AlternateContent xmlns:mc="http://schemas.openxmlformats.org/markup-compatibility/2006" xmlns:p14="http://schemas.microsoft.com/office/powerpoint/2010/main">
+        <mc:Choice Requires="p14">
           <p:contentPart p14:bwMode="auto" r:id="rId26">
             <p14:nvContentPartPr>
               <p14:cNvPr id="135" name="Ink 134"/>
@@ -16106,7 +16116,7 @@
             </p14:xfrm>
           </p:contentPart>
         </mc:Choice>
-        <mc:Fallback>
+        <mc:Fallback xmlns="">
           <p:pic>
             <p:nvPicPr>
               <p:cNvPr id="135" name="Ink 134"/>
@@ -16131,8 +16141,8 @@
           </p:pic>
         </mc:Fallback>
       </mc:AlternateContent>
-      <mc:AlternateContent xmlns:mc="http://schemas.openxmlformats.org/markup-compatibility/2006">
-        <mc:Choice xmlns:p14="http://schemas.microsoft.com/office/powerpoint/2010/main" Requires="p14">
+      <mc:AlternateContent xmlns:mc="http://schemas.openxmlformats.org/markup-compatibility/2006" xmlns:p14="http://schemas.microsoft.com/office/powerpoint/2010/main">
+        <mc:Choice Requires="p14">
           <p:contentPart p14:bwMode="auto" r:id="rId28">
             <p14:nvContentPartPr>
               <p14:cNvPr id="139" name="Ink 138"/>
@@ -16145,7 +16155,7 @@
             </p14:xfrm>
           </p:contentPart>
         </mc:Choice>
-        <mc:Fallback>
+        <mc:Fallback xmlns="">
           <p:pic>
             <p:nvPicPr>
               <p:cNvPr id="139" name="Ink 138"/>
@@ -16170,8 +16180,8 @@
           </p:pic>
         </mc:Fallback>
       </mc:AlternateContent>
-      <mc:AlternateContent xmlns:mc="http://schemas.openxmlformats.org/markup-compatibility/2006">
-        <mc:Choice xmlns:p14="http://schemas.microsoft.com/office/powerpoint/2010/main" Requires="p14">
+      <mc:AlternateContent xmlns:mc="http://schemas.openxmlformats.org/markup-compatibility/2006" xmlns:p14="http://schemas.microsoft.com/office/powerpoint/2010/main">
+        <mc:Choice Requires="p14">
           <p:contentPart p14:bwMode="auto" r:id="rId30">
             <p14:nvContentPartPr>
               <p14:cNvPr id="140" name="Ink 139"/>
@@ -16184,7 +16194,7 @@
             </p14:xfrm>
           </p:contentPart>
         </mc:Choice>
-        <mc:Fallback>
+        <mc:Fallback xmlns="">
           <p:pic>
             <p:nvPicPr>
               <p:cNvPr id="140" name="Ink 139"/>
@@ -16209,8 +16219,8 @@
           </p:pic>
         </mc:Fallback>
       </mc:AlternateContent>
-      <mc:AlternateContent xmlns:mc="http://schemas.openxmlformats.org/markup-compatibility/2006">
-        <mc:Choice xmlns:p14="http://schemas.microsoft.com/office/powerpoint/2010/main" Requires="p14">
+      <mc:AlternateContent xmlns:mc="http://schemas.openxmlformats.org/markup-compatibility/2006" xmlns:p14="http://schemas.microsoft.com/office/powerpoint/2010/main">
+        <mc:Choice Requires="p14">
           <p:contentPart p14:bwMode="auto" r:id="rId32">
             <p14:nvContentPartPr>
               <p14:cNvPr id="141" name="Ink 140"/>
@@ -16223,7 +16233,7 @@
             </p14:xfrm>
           </p:contentPart>
         </mc:Choice>
-        <mc:Fallback>
+        <mc:Fallback xmlns="">
           <p:pic>
             <p:nvPicPr>
               <p:cNvPr id="141" name="Ink 140"/>
@@ -16248,8 +16258,8 @@
           </p:pic>
         </mc:Fallback>
       </mc:AlternateContent>
-      <mc:AlternateContent xmlns:mc="http://schemas.openxmlformats.org/markup-compatibility/2006">
-        <mc:Choice xmlns:p14="http://schemas.microsoft.com/office/powerpoint/2010/main" Requires="p14">
+      <mc:AlternateContent xmlns:mc="http://schemas.openxmlformats.org/markup-compatibility/2006" xmlns:p14="http://schemas.microsoft.com/office/powerpoint/2010/main">
+        <mc:Choice Requires="p14">
           <p:contentPart p14:bwMode="auto" r:id="rId34">
             <p14:nvContentPartPr>
               <p14:cNvPr id="142" name="Ink 141"/>
@@ -16262,7 +16272,7 @@
             </p14:xfrm>
           </p:contentPart>
         </mc:Choice>
-        <mc:Fallback>
+        <mc:Fallback xmlns="">
           <p:pic>
             <p:nvPicPr>
               <p:cNvPr id="142" name="Ink 141"/>
@@ -16287,8 +16297,8 @@
           </p:pic>
         </mc:Fallback>
       </mc:AlternateContent>
-      <mc:AlternateContent xmlns:mc="http://schemas.openxmlformats.org/markup-compatibility/2006">
-        <mc:Choice xmlns:p14="http://schemas.microsoft.com/office/powerpoint/2010/main" Requires="p14">
+      <mc:AlternateContent xmlns:mc="http://schemas.openxmlformats.org/markup-compatibility/2006" xmlns:p14="http://schemas.microsoft.com/office/powerpoint/2010/main">
+        <mc:Choice Requires="p14">
           <p:contentPart p14:bwMode="auto" r:id="rId36">
             <p14:nvContentPartPr>
               <p14:cNvPr id="144" name="Ink 143"/>
@@ -16301,7 +16311,7 @@
             </p14:xfrm>
           </p:contentPart>
         </mc:Choice>
-        <mc:Fallback>
+        <mc:Fallback xmlns="">
           <p:pic>
             <p:nvPicPr>
               <p:cNvPr id="144" name="Ink 143"/>
@@ -16326,8 +16336,8 @@
           </p:pic>
         </mc:Fallback>
       </mc:AlternateContent>
-      <mc:AlternateContent xmlns:mc="http://schemas.openxmlformats.org/markup-compatibility/2006">
-        <mc:Choice xmlns:p14="http://schemas.microsoft.com/office/powerpoint/2010/main" Requires="p14">
+      <mc:AlternateContent xmlns:mc="http://schemas.openxmlformats.org/markup-compatibility/2006" xmlns:p14="http://schemas.microsoft.com/office/powerpoint/2010/main">
+        <mc:Choice Requires="p14">
           <p:contentPart p14:bwMode="auto" r:id="rId38">
             <p14:nvContentPartPr>
               <p14:cNvPr id="145" name="Ink 144"/>
@@ -16340,7 +16350,7 @@
             </p14:xfrm>
           </p:contentPart>
         </mc:Choice>
-        <mc:Fallback>
+        <mc:Fallback xmlns="">
           <p:pic>
             <p:nvPicPr>
               <p:cNvPr id="145" name="Ink 144"/>
@@ -16365,8 +16375,8 @@
           </p:pic>
         </mc:Fallback>
       </mc:AlternateContent>
-      <mc:AlternateContent xmlns:mc="http://schemas.openxmlformats.org/markup-compatibility/2006">
-        <mc:Choice xmlns:p14="http://schemas.microsoft.com/office/powerpoint/2010/main" Requires="p14">
+      <mc:AlternateContent xmlns:mc="http://schemas.openxmlformats.org/markup-compatibility/2006" xmlns:p14="http://schemas.microsoft.com/office/powerpoint/2010/main">
+        <mc:Choice Requires="p14">
           <p:contentPart p14:bwMode="auto" r:id="rId40">
             <p14:nvContentPartPr>
               <p14:cNvPr id="146" name="Ink 145"/>
@@ -16379,7 +16389,7 @@
             </p14:xfrm>
           </p:contentPart>
         </mc:Choice>
-        <mc:Fallback>
+        <mc:Fallback xmlns="">
           <p:pic>
             <p:nvPicPr>
               <p:cNvPr id="146" name="Ink 145"/>
@@ -16404,8 +16414,8 @@
           </p:pic>
         </mc:Fallback>
       </mc:AlternateContent>
-      <mc:AlternateContent xmlns:mc="http://schemas.openxmlformats.org/markup-compatibility/2006">
-        <mc:Choice xmlns:p14="http://schemas.microsoft.com/office/powerpoint/2010/main" Requires="p14">
+      <mc:AlternateContent xmlns:mc="http://schemas.openxmlformats.org/markup-compatibility/2006" xmlns:p14="http://schemas.microsoft.com/office/powerpoint/2010/main">
+        <mc:Choice Requires="p14">
           <p:contentPart p14:bwMode="auto" r:id="rId42">
             <p14:nvContentPartPr>
               <p14:cNvPr id="147" name="Ink 146"/>
@@ -16418,7 +16428,7 @@
             </p14:xfrm>
           </p:contentPart>
         </mc:Choice>
-        <mc:Fallback>
+        <mc:Fallback xmlns="">
           <p:pic>
             <p:nvPicPr>
               <p:cNvPr id="147" name="Ink 146"/>
@@ -16443,8 +16453,8 @@
           </p:pic>
         </mc:Fallback>
       </mc:AlternateContent>
-      <mc:AlternateContent xmlns:mc="http://schemas.openxmlformats.org/markup-compatibility/2006">
-        <mc:Choice xmlns:p14="http://schemas.microsoft.com/office/powerpoint/2010/main" Requires="p14">
+      <mc:AlternateContent xmlns:mc="http://schemas.openxmlformats.org/markup-compatibility/2006" xmlns:p14="http://schemas.microsoft.com/office/powerpoint/2010/main">
+        <mc:Choice Requires="p14">
           <p:contentPart p14:bwMode="auto" r:id="rId44">
             <p14:nvContentPartPr>
               <p14:cNvPr id="148" name="Ink 147"/>
@@ -16457,7 +16467,7 @@
             </p14:xfrm>
           </p:contentPart>
         </mc:Choice>
-        <mc:Fallback>
+        <mc:Fallback xmlns="">
           <p:pic>
             <p:nvPicPr>
               <p:cNvPr id="148" name="Ink 147"/>
@@ -16512,8 +16522,8 @@
           <a:chExt cx="0" cy="0"/>
         </a:xfrm>
       </p:grpSpPr>
-      <mc:AlternateContent xmlns:mc="http://schemas.openxmlformats.org/markup-compatibility/2006">
-        <mc:Choice xmlns:a14="http://schemas.microsoft.com/office/drawing/2010/main" Requires="a14">
+      <mc:AlternateContent xmlns:mc="http://schemas.openxmlformats.org/markup-compatibility/2006" xmlns:a14="http://schemas.microsoft.com/office/drawing/2010/main">
+        <mc:Choice Requires="a14">
           <p:sp>
             <p:nvSpPr>
               <p:cNvPr id="3" name="Content Placeholder 2"/>
@@ -16560,7 +16570,7 @@
                         <m:endChr m:val="|"/>
                         <m:ctrlPr>
                           <a:rPr lang="en-CA" sz="2600" b="0" i="1" smtClean="0">
-                            <a:latin typeface="Cambria Math" panose="02040503050406030204" pitchFamily="18" charset="0"/>
+                            <a:latin typeface="Cambria Math" charset="0"/>
                           </a:rPr>
                         </m:ctrlPr>
                       </m:dPr>
@@ -16575,7 +16585,7 @@
                           <m:dPr>
                             <m:ctrlPr>
                               <a:rPr lang="en-CA" sz="2600" b="0" i="1" smtClean="0">
-                                <a:latin typeface="Cambria Math" panose="02040503050406030204" pitchFamily="18" charset="0"/>
+                                <a:latin typeface="Cambria Math" charset="0"/>
                               </a:rPr>
                             </m:ctrlPr>
                           </m:dPr>
@@ -16602,7 +16612,7 @@
                         <m:endChr m:val="|"/>
                         <m:ctrlPr>
                           <a:rPr lang="en-CA" sz="2600" b="0" i="1" smtClean="0">
-                            <a:latin typeface="Cambria Math" panose="02040503050406030204" pitchFamily="18" charset="0"/>
+                            <a:latin typeface="Cambria Math" charset="0"/>
                           </a:rPr>
                         </m:ctrlPr>
                       </m:dPr>
@@ -16617,7 +16627,7 @@
                           <m:dPr>
                             <m:ctrlPr>
                               <a:rPr lang="en-CA" sz="2600" b="0" i="1" smtClean="0">
-                                <a:latin typeface="Cambria Math" panose="02040503050406030204" pitchFamily="18" charset="0"/>
+                                <a:latin typeface="Cambria Math" charset="0"/>
                               </a:rPr>
                             </m:ctrlPr>
                           </m:dPr>
@@ -16644,7 +16654,7 @@
                         <m:endChr m:val="|"/>
                         <m:ctrlPr>
                           <a:rPr lang="en-CA" sz="2600" b="0" i="1" smtClean="0">
-                            <a:latin typeface="Cambria Math" panose="02040503050406030204" pitchFamily="18" charset="0"/>
+                            <a:latin typeface="Cambria Math" charset="0"/>
                           </a:rPr>
                         </m:ctrlPr>
                       </m:dPr>
@@ -16659,7 +16669,7 @@
                           <m:dPr>
                             <m:ctrlPr>
                               <a:rPr lang="en-CA" sz="2600" b="0" i="1" smtClean="0">
-                                <a:latin typeface="Cambria Math" panose="02040503050406030204" pitchFamily="18" charset="0"/>
+                                <a:latin typeface="Cambria Math" charset="0"/>
                               </a:rPr>
                             </m:ctrlPr>
                           </m:dPr>
@@ -16686,7 +16696,7 @@
                         <m:endChr m:val="|"/>
                         <m:ctrlPr>
                           <a:rPr lang="en-CA" sz="2600" b="0" i="1" smtClean="0">
-                            <a:latin typeface="Cambria Math" panose="02040503050406030204" pitchFamily="18" charset="0"/>
+                            <a:latin typeface="Cambria Math" charset="0"/>
                           </a:rPr>
                         </m:ctrlPr>
                       </m:dPr>
@@ -16701,7 +16711,7 @@
                           <m:dPr>
                             <m:ctrlPr>
                               <a:rPr lang="en-CA" sz="2600" b="0" i="1" smtClean="0">
-                                <a:latin typeface="Cambria Math" panose="02040503050406030204" pitchFamily="18" charset="0"/>
+                                <a:latin typeface="Cambria Math" charset="0"/>
                               </a:rPr>
                             </m:ctrlPr>
                           </m:dPr>
@@ -16752,7 +16762,7 @@
                       <m:dPr>
                         <m:ctrlPr>
                           <a:rPr lang="en-CA" sz="2600" b="0" i="1" smtClean="0">
-                            <a:latin typeface="Cambria Math" panose="02040503050406030204" pitchFamily="18" charset="0"/>
+                            <a:latin typeface="Cambria Math" charset="0"/>
                           </a:rPr>
                         </m:ctrlPr>
                       </m:dPr>
@@ -16784,7 +16794,7 @@
                       <m:dPr>
                         <m:ctrlPr>
                           <a:rPr lang="en-CA" sz="2600" b="0" i="1" smtClean="0">
-                            <a:latin typeface="Cambria Math" panose="02040503050406030204" pitchFamily="18" charset="0"/>
+                            <a:latin typeface="Cambria Math" charset="0"/>
                           </a:rPr>
                         </m:ctrlPr>
                       </m:dPr>
@@ -16847,7 +16857,7 @@
                       <m:dPr>
                         <m:ctrlPr>
                           <a:rPr lang="en-CA" sz="2600" b="0" i="1" smtClean="0">
-                            <a:latin typeface="Cambria Math" panose="02040503050406030204" pitchFamily="18" charset="0"/>
+                            <a:latin typeface="Cambria Math" charset="0"/>
                           </a:rPr>
                         </m:ctrlPr>
                       </m:dPr>
@@ -16879,7 +16889,7 @@
                       <m:dPr>
                         <m:ctrlPr>
                           <a:rPr lang="en-CA" sz="2600" b="0" i="1" smtClean="0">
-                            <a:latin typeface="Cambria Math" panose="02040503050406030204" pitchFamily="18" charset="0"/>
+                            <a:latin typeface="Cambria Math" charset="0"/>
                           </a:rPr>
                         </m:ctrlPr>
                       </m:dPr>
@@ -16931,7 +16941,7 @@
                       <m:dPr>
                         <m:ctrlPr>
                           <a:rPr lang="en-CA" sz="2600" b="0" i="1" smtClean="0">
-                            <a:latin typeface="Cambria Math" panose="02040503050406030204" pitchFamily="18" charset="0"/>
+                            <a:latin typeface="Cambria Math" charset="0"/>
                           </a:rPr>
                         </m:ctrlPr>
                       </m:dPr>
@@ -16963,7 +16973,7 @@
                       <m:dPr>
                         <m:ctrlPr>
                           <a:rPr lang="en-CA" sz="2600" b="0" i="1" smtClean="0">
-                            <a:latin typeface="Cambria Math" panose="02040503050406030204" pitchFamily="18" charset="0"/>
+                            <a:latin typeface="Cambria Math" charset="0"/>
                           </a:rPr>
                         </m:ctrlPr>
                       </m:dPr>
@@ -17012,7 +17022,7 @@
                       <m:dPr>
                         <m:ctrlPr>
                           <a:rPr lang="en-CA" sz="2600" b="0" i="1" smtClean="0">
-                            <a:latin typeface="Cambria Math" panose="02040503050406030204" pitchFamily="18" charset="0"/>
+                            <a:latin typeface="Cambria Math" charset="0"/>
                           </a:rPr>
                         </m:ctrlPr>
                       </m:dPr>
@@ -17044,7 +17054,7 @@
                       <m:dPr>
                         <m:ctrlPr>
                           <a:rPr lang="en-CA" sz="2600" b="0" i="1" smtClean="0">
-                            <a:latin typeface="Cambria Math" panose="02040503050406030204" pitchFamily="18" charset="0"/>
+                            <a:latin typeface="Cambria Math" charset="0"/>
                           </a:rPr>
                         </m:ctrlPr>
                       </m:dPr>
@@ -17138,7 +17148,7 @@
             </p:txBody>
           </p:sp>
         </mc:Choice>
-        <mc:Fallback>
+        <mc:Fallback xmlns="">
           <p:sp>
             <p:nvSpPr>
               <p:cNvPr id="3" name="Content Placeholder 2"/>
@@ -17251,8 +17261,8 @@
           </a:p>
         </p:txBody>
       </p:sp>
-      <mc:AlternateContent xmlns:mc="http://schemas.openxmlformats.org/markup-compatibility/2006">
-        <mc:Choice xmlns:a14="http://schemas.microsoft.com/office/drawing/2010/main" Requires="a14">
+      <mc:AlternateContent xmlns:mc="http://schemas.openxmlformats.org/markup-compatibility/2006" xmlns:a14="http://schemas.microsoft.com/office/drawing/2010/main">
+        <mc:Choice Requires="a14">
           <p:sp>
             <p:nvSpPr>
               <p:cNvPr id="3" name="Content Placeholder 2"/>
@@ -17579,7 +17589,7 @@
                       <m:sSupPr>
                         <m:ctrlPr>
                           <a:rPr lang="en-CA" b="0" i="1" smtClean="0">
-                            <a:latin typeface="Cambria Math" panose="02040503050406030204" pitchFamily="18" charset="0"/>
+                            <a:latin typeface="Cambria Math" charset="0"/>
                           </a:rPr>
                         </m:ctrlPr>
                       </m:sSupPr>
@@ -17625,7 +17635,7 @@
                       <m:sSupPr>
                         <m:ctrlPr>
                           <a:rPr lang="en-CA" b="0" i="1" smtClean="0">
-                            <a:latin typeface="Cambria Math" panose="02040503050406030204" pitchFamily="18" charset="0"/>
+                            <a:latin typeface="Cambria Math" charset="0"/>
                           </a:rPr>
                         </m:ctrlPr>
                       </m:sSupPr>
@@ -17846,7 +17856,7 @@
                       <m:sSupPr>
                         <m:ctrlPr>
                           <a:rPr lang="en-CA" b="0" i="1" smtClean="0">
-                            <a:latin typeface="Cambria Math" panose="02040503050406030204" pitchFamily="18" charset="0"/>
+                            <a:latin typeface="Cambria Math" charset="0"/>
                           </a:rPr>
                         </m:ctrlPr>
                       </m:sSupPr>
@@ -17891,7 +17901,7 @@
                         <m:endChr m:val="}"/>
                         <m:ctrlPr>
                           <a:rPr lang="en-CA" b="0" i="1" smtClean="0">
-                            <a:latin typeface="Cambria Math" panose="02040503050406030204" pitchFamily="18" charset="0"/>
+                            <a:latin typeface="Cambria Math" charset="0"/>
                           </a:rPr>
                         </m:ctrlPr>
                       </m:dPr>
@@ -17916,7 +17926,7 @@
                         <m:endChr m:val="}"/>
                         <m:ctrlPr>
                           <a:rPr lang="en-CA" b="0" i="1" smtClean="0">
-                            <a:latin typeface="Cambria Math" panose="02040503050406030204" pitchFamily="18" charset="0"/>
+                            <a:latin typeface="Cambria Math" charset="0"/>
                           </a:rPr>
                         </m:ctrlPr>
                       </m:dPr>
@@ -17925,7 +17935,7 @@
                           <m:sSupPr>
                             <m:ctrlPr>
                               <a:rPr lang="en-CA" b="0" i="1" smtClean="0">
-                                <a:latin typeface="Cambria Math" panose="02040503050406030204" pitchFamily="18" charset="0"/>
+                                <a:latin typeface="Cambria Math" charset="0"/>
                               </a:rPr>
                             </m:ctrlPr>
                           </m:sSupPr>
@@ -17956,7 +17966,7 @@
                           <m:sSupPr>
                             <m:ctrlPr>
                               <a:rPr lang="en-CA" b="0" i="1" smtClean="0">
-                                <a:latin typeface="Cambria Math" panose="02040503050406030204" pitchFamily="18" charset="0"/>
+                                <a:latin typeface="Cambria Math" charset="0"/>
                               </a:rPr>
                             </m:ctrlPr>
                           </m:sSupPr>
@@ -18018,7 +18028,7 @@
                       <m:dPr>
                         <m:ctrlPr>
                           <a:rPr lang="en-CA" b="0" i="1" smtClean="0">
-                            <a:latin typeface="Cambria Math" panose="02040503050406030204" pitchFamily="18" charset="0"/>
+                            <a:latin typeface="Cambria Math" charset="0"/>
                           </a:rPr>
                         </m:ctrlPr>
                       </m:dPr>
@@ -18047,7 +18057,7 @@
                       <m:dPr>
                         <m:ctrlPr>
                           <a:rPr lang="en-CA" b="0" i="1" smtClean="0">
-                            <a:latin typeface="Cambria Math" panose="02040503050406030204" pitchFamily="18" charset="0"/>
+                            <a:latin typeface="Cambria Math" charset="0"/>
                           </a:rPr>
                         </m:ctrlPr>
                       </m:dPr>
@@ -18055,8 +18065,8 @@
                         <m:sSup>
                           <m:sSupPr>
                             <m:ctrlPr>
-                              <a:rPr lang="en-CA" b="0" i="0" smtClean="0">
-                                <a:latin typeface="Cambria Math" panose="02040503050406030204" pitchFamily="18" charset="0"/>
+                              <a:rPr lang="en-CA" b="0" i="1" smtClean="0">
+                                <a:latin typeface="Cambria Math" charset="0"/>
                               </a:rPr>
                             </m:ctrlPr>
                           </m:sSupPr>
@@ -18100,8 +18110,8 @@
                     <m:d>
                       <m:dPr>
                         <m:ctrlPr>
-                          <a:rPr lang="en-CA" b="0" i="0" smtClean="0">
-                            <a:latin typeface="Cambria Math" panose="02040503050406030204" pitchFamily="18" charset="0"/>
+                          <a:rPr lang="en-CA" b="0" i="1" smtClean="0">
+                            <a:latin typeface="Cambria Math" charset="0"/>
                           </a:rPr>
                         </m:ctrlPr>
                       </m:dPr>
@@ -18109,8 +18119,8 @@
                         <m:sSup>
                           <m:sSupPr>
                             <m:ctrlPr>
-                              <a:rPr lang="en-CA" b="0" i="0" smtClean="0">
-                                <a:latin typeface="Cambria Math" panose="02040503050406030204" pitchFamily="18" charset="0"/>
+                              <a:rPr lang="en-CA" b="0" i="1" smtClean="0">
+                                <a:latin typeface="Cambria Math" charset="0"/>
                               </a:rPr>
                             </m:ctrlPr>
                           </m:sSupPr>
@@ -18604,7 +18614,7 @@
                       <m:sSupPr>
                         <m:ctrlPr>
                           <a:rPr lang="en-CA" b="0" i="1" smtClean="0">
-                            <a:latin typeface="Cambria Math" panose="02040503050406030204" pitchFamily="18" charset="0"/>
+                            <a:latin typeface="Cambria Math" charset="0"/>
                           </a:rPr>
                         </m:ctrlPr>
                       </m:sSupPr>
@@ -18742,7 +18752,7 @@
                       <m:sSupPr>
                         <m:ctrlPr>
                           <a:rPr lang="en-CA" b="0" i="1" dirty="0" smtClean="0">
-                            <a:latin typeface="Cambria Math" panose="02040503050406030204" pitchFamily="18" charset="0"/>
+                            <a:latin typeface="Cambria Math" charset="0"/>
                           </a:rPr>
                         </m:ctrlPr>
                       </m:sSupPr>
@@ -18788,7 +18798,7 @@
                       <m:sSupPr>
                         <m:ctrlPr>
                           <a:rPr lang="en-CA" b="0" i="1" dirty="0" smtClean="0">
-                            <a:latin typeface="Cambria Math" panose="02040503050406030204" pitchFamily="18" charset="0"/>
+                            <a:latin typeface="Cambria Math" charset="0"/>
                           </a:rPr>
                         </m:ctrlPr>
                       </m:sSupPr>
@@ -18863,7 +18873,7 @@
             </p:txBody>
           </p:sp>
         </mc:Choice>
-        <mc:Fallback>
+        <mc:Fallback xmlns="">
           <p:sp>
             <p:nvSpPr>
               <p:cNvPr id="3" name="Content Placeholder 2"/>
@@ -19018,8 +19028,8 @@
           </a:p>
         </p:txBody>
       </p:sp>
-      <mc:AlternateContent xmlns:mc="http://schemas.openxmlformats.org/markup-compatibility/2006">
-        <mc:Choice xmlns:p14="http://schemas.microsoft.com/office/powerpoint/2010/main" Requires="p14">
+      <mc:AlternateContent xmlns:mc="http://schemas.openxmlformats.org/markup-compatibility/2006" xmlns:p14="http://schemas.microsoft.com/office/powerpoint/2010/main">
+        <mc:Choice Requires="p14">
           <p:contentPart p14:bwMode="auto" r:id="rId2">
             <p14:nvContentPartPr>
               <p14:cNvPr id="89" name="Ink 88"/>
@@ -19032,7 +19042,7 @@
             </p14:xfrm>
           </p:contentPart>
         </mc:Choice>
-        <mc:Fallback>
+        <mc:Fallback xmlns="">
           <p:pic>
             <p:nvPicPr>
               <p:cNvPr id="89" name="Ink 88"/>
@@ -19057,8 +19067,8 @@
           </p:pic>
         </mc:Fallback>
       </mc:AlternateContent>
-      <mc:AlternateContent xmlns:mc="http://schemas.openxmlformats.org/markup-compatibility/2006">
-        <mc:Choice xmlns:p14="http://schemas.microsoft.com/office/powerpoint/2010/main" Requires="p14">
+      <mc:AlternateContent xmlns:mc="http://schemas.openxmlformats.org/markup-compatibility/2006" xmlns:p14="http://schemas.microsoft.com/office/powerpoint/2010/main">
+        <mc:Choice Requires="p14">
           <p:contentPart p14:bwMode="auto" r:id="rId4">
             <p14:nvContentPartPr>
               <p14:cNvPr id="98" name="Ink 97"/>
@@ -19071,7 +19081,7 @@
             </p14:xfrm>
           </p:contentPart>
         </mc:Choice>
-        <mc:Fallback>
+        <mc:Fallback xmlns="">
           <p:pic>
             <p:nvPicPr>
               <p:cNvPr id="98" name="Ink 97"/>
@@ -19096,8 +19106,8 @@
           </p:pic>
         </mc:Fallback>
       </mc:AlternateContent>
-      <mc:AlternateContent xmlns:mc="http://schemas.openxmlformats.org/markup-compatibility/2006">
-        <mc:Choice xmlns:p14="http://schemas.microsoft.com/office/powerpoint/2010/main" Requires="p14">
+      <mc:AlternateContent xmlns:mc="http://schemas.openxmlformats.org/markup-compatibility/2006" xmlns:p14="http://schemas.microsoft.com/office/powerpoint/2010/main">
+        <mc:Choice Requires="p14">
           <p:contentPart p14:bwMode="auto" r:id="rId6">
             <p14:nvContentPartPr>
               <p14:cNvPr id="99" name="Ink 98"/>
@@ -19110,7 +19120,7 @@
             </p14:xfrm>
           </p:contentPart>
         </mc:Choice>
-        <mc:Fallback>
+        <mc:Fallback xmlns="">
           <p:pic>
             <p:nvPicPr>
               <p:cNvPr id="99" name="Ink 98"/>
@@ -19135,8 +19145,8 @@
           </p:pic>
         </mc:Fallback>
       </mc:AlternateContent>
-      <mc:AlternateContent xmlns:mc="http://schemas.openxmlformats.org/markup-compatibility/2006">
-        <mc:Choice xmlns:p14="http://schemas.microsoft.com/office/powerpoint/2010/main" Requires="p14">
+      <mc:AlternateContent xmlns:mc="http://schemas.openxmlformats.org/markup-compatibility/2006" xmlns:p14="http://schemas.microsoft.com/office/powerpoint/2010/main">
+        <mc:Choice Requires="p14">
           <p:contentPart p14:bwMode="auto" r:id="rId8">
             <p14:nvContentPartPr>
               <p14:cNvPr id="100" name="Ink 99"/>
@@ -19149,7 +19159,7 @@
             </p14:xfrm>
           </p:contentPart>
         </mc:Choice>
-        <mc:Fallback>
+        <mc:Fallback xmlns="">
           <p:pic>
             <p:nvPicPr>
               <p:cNvPr id="100" name="Ink 99"/>
@@ -19268,8 +19278,8 @@
           </a:p>
         </p:txBody>
       </p:sp>
-      <mc:AlternateContent xmlns:mc="http://schemas.openxmlformats.org/markup-compatibility/2006">
-        <mc:Choice xmlns:p14="http://schemas.microsoft.com/office/powerpoint/2010/main" Requires="p14">
+      <mc:AlternateContent xmlns:mc="http://schemas.openxmlformats.org/markup-compatibility/2006" xmlns:p14="http://schemas.microsoft.com/office/powerpoint/2010/main">
+        <mc:Choice Requires="p14">
           <p:contentPart p14:bwMode="auto" r:id="rId2">
             <p14:nvContentPartPr>
               <p14:cNvPr id="8" name="Ink 7"/>
@@ -19282,7 +19292,7 @@
             </p14:xfrm>
           </p:contentPart>
         </mc:Choice>
-        <mc:Fallback>
+        <mc:Fallback xmlns="">
           <p:pic>
             <p:nvPicPr>
               <p:cNvPr id="8" name="Ink 7"/>
@@ -19401,8 +19411,8 @@
           </a:p>
         </p:txBody>
       </p:sp>
-      <mc:AlternateContent xmlns:mc="http://schemas.openxmlformats.org/markup-compatibility/2006">
-        <mc:Choice xmlns:p14="http://schemas.microsoft.com/office/powerpoint/2010/main" Requires="p14">
+      <mc:AlternateContent xmlns:mc="http://schemas.openxmlformats.org/markup-compatibility/2006" xmlns:p14="http://schemas.microsoft.com/office/powerpoint/2010/main">
+        <mc:Choice Requires="p14">
           <p:contentPart p14:bwMode="auto" r:id="rId2">
             <p14:nvContentPartPr>
               <p14:cNvPr id="14" name="Ink 13"/>
@@ -19415,7 +19425,7 @@
             </p14:xfrm>
           </p:contentPart>
         </mc:Choice>
-        <mc:Fallback>
+        <mc:Fallback xmlns="">
           <p:pic>
             <p:nvPicPr>
               <p:cNvPr id="14" name="Ink 13"/>
@@ -19440,8 +19450,8 @@
           </p:pic>
         </mc:Fallback>
       </mc:AlternateContent>
-      <mc:AlternateContent xmlns:mc="http://schemas.openxmlformats.org/markup-compatibility/2006">
-        <mc:Choice xmlns:p14="http://schemas.microsoft.com/office/powerpoint/2010/main" Requires="p14">
+      <mc:AlternateContent xmlns:mc="http://schemas.openxmlformats.org/markup-compatibility/2006" xmlns:p14="http://schemas.microsoft.com/office/powerpoint/2010/main">
+        <mc:Choice Requires="p14">
           <p:contentPart p14:bwMode="auto" r:id="rId4">
             <p14:nvContentPartPr>
               <p14:cNvPr id="62" name="Ink 61"/>
@@ -19454,7 +19464,7 @@
             </p14:xfrm>
           </p:contentPart>
         </mc:Choice>
-        <mc:Fallback>
+        <mc:Fallback xmlns="">
           <p:pic>
             <p:nvPicPr>
               <p:cNvPr id="62" name="Ink 61"/>
@@ -19479,8 +19489,8 @@
           </p:pic>
         </mc:Fallback>
       </mc:AlternateContent>
-      <mc:AlternateContent xmlns:mc="http://schemas.openxmlformats.org/markup-compatibility/2006">
-        <mc:Choice xmlns:p14="http://schemas.microsoft.com/office/powerpoint/2010/main" Requires="p14">
+      <mc:AlternateContent xmlns:mc="http://schemas.openxmlformats.org/markup-compatibility/2006" xmlns:p14="http://schemas.microsoft.com/office/powerpoint/2010/main">
+        <mc:Choice Requires="p14">
           <p:contentPart p14:bwMode="auto" r:id="rId6">
             <p14:nvContentPartPr>
               <p14:cNvPr id="63" name="Ink 62"/>
@@ -19493,7 +19503,7 @@
             </p14:xfrm>
           </p:contentPart>
         </mc:Choice>
-        <mc:Fallback>
+        <mc:Fallback xmlns="">
           <p:pic>
             <p:nvPicPr>
               <p:cNvPr id="63" name="Ink 62"/>
@@ -19518,8 +19528,8 @@
           </p:pic>
         </mc:Fallback>
       </mc:AlternateContent>
-      <mc:AlternateContent xmlns:mc="http://schemas.openxmlformats.org/markup-compatibility/2006">
-        <mc:Choice xmlns:p14="http://schemas.microsoft.com/office/powerpoint/2010/main" Requires="p14">
+      <mc:AlternateContent xmlns:mc="http://schemas.openxmlformats.org/markup-compatibility/2006" xmlns:p14="http://schemas.microsoft.com/office/powerpoint/2010/main">
+        <mc:Choice Requires="p14">
           <p:contentPart p14:bwMode="auto" r:id="rId8">
             <p14:nvContentPartPr>
               <p14:cNvPr id="68" name="Ink 67"/>
@@ -19532,7 +19542,7 @@
             </p14:xfrm>
           </p:contentPart>
         </mc:Choice>
-        <mc:Fallback>
+        <mc:Fallback xmlns="">
           <p:pic>
             <p:nvPicPr>
               <p:cNvPr id="68" name="Ink 67"/>
@@ -19557,8 +19567,8 @@
           </p:pic>
         </mc:Fallback>
       </mc:AlternateContent>
-      <mc:AlternateContent xmlns:mc="http://schemas.openxmlformats.org/markup-compatibility/2006">
-        <mc:Choice xmlns:p14="http://schemas.microsoft.com/office/powerpoint/2010/main" Requires="p14">
+      <mc:AlternateContent xmlns:mc="http://schemas.openxmlformats.org/markup-compatibility/2006" xmlns:p14="http://schemas.microsoft.com/office/powerpoint/2010/main">
+        <mc:Choice Requires="p14">
           <p:contentPart p14:bwMode="auto" r:id="rId10">
             <p14:nvContentPartPr>
               <p14:cNvPr id="69" name="Ink 68"/>
@@ -19571,7 +19581,7 @@
             </p14:xfrm>
           </p:contentPart>
         </mc:Choice>
-        <mc:Fallback>
+        <mc:Fallback xmlns="">
           <p:pic>
             <p:nvPicPr>
               <p:cNvPr id="69" name="Ink 68"/>
@@ -19596,8 +19606,8 @@
           </p:pic>
         </mc:Fallback>
       </mc:AlternateContent>
-      <mc:AlternateContent xmlns:mc="http://schemas.openxmlformats.org/markup-compatibility/2006">
-        <mc:Choice xmlns:p14="http://schemas.microsoft.com/office/powerpoint/2010/main" Requires="p14">
+      <mc:AlternateContent xmlns:mc="http://schemas.openxmlformats.org/markup-compatibility/2006" xmlns:p14="http://schemas.microsoft.com/office/powerpoint/2010/main">
+        <mc:Choice Requires="p14">
           <p:contentPart p14:bwMode="auto" r:id="rId12">
             <p14:nvContentPartPr>
               <p14:cNvPr id="70" name="Ink 69"/>
@@ -19610,7 +19620,7 @@
             </p14:xfrm>
           </p:contentPart>
         </mc:Choice>
-        <mc:Fallback>
+        <mc:Fallback xmlns="">
           <p:pic>
             <p:nvPicPr>
               <p:cNvPr id="70" name="Ink 69"/>
@@ -19635,8 +19645,8 @@
           </p:pic>
         </mc:Fallback>
       </mc:AlternateContent>
-      <mc:AlternateContent xmlns:mc="http://schemas.openxmlformats.org/markup-compatibility/2006">
-        <mc:Choice xmlns:p14="http://schemas.microsoft.com/office/powerpoint/2010/main" Requires="p14">
+      <mc:AlternateContent xmlns:mc="http://schemas.openxmlformats.org/markup-compatibility/2006" xmlns:p14="http://schemas.microsoft.com/office/powerpoint/2010/main">
+        <mc:Choice Requires="p14">
           <p:contentPart p14:bwMode="auto" r:id="rId14">
             <p14:nvContentPartPr>
               <p14:cNvPr id="71" name="Ink 70"/>
@@ -19649,7 +19659,7 @@
             </p14:xfrm>
           </p:contentPart>
         </mc:Choice>
-        <mc:Fallback>
+        <mc:Fallback xmlns="">
           <p:pic>
             <p:nvPicPr>
               <p:cNvPr id="71" name="Ink 70"/>
@@ -19674,8 +19684,8 @@
           </p:pic>
         </mc:Fallback>
       </mc:AlternateContent>
-      <mc:AlternateContent xmlns:mc="http://schemas.openxmlformats.org/markup-compatibility/2006">
-        <mc:Choice xmlns:p14="http://schemas.microsoft.com/office/powerpoint/2010/main" Requires="p14">
+      <mc:AlternateContent xmlns:mc="http://schemas.openxmlformats.org/markup-compatibility/2006" xmlns:p14="http://schemas.microsoft.com/office/powerpoint/2010/main">
+        <mc:Choice Requires="p14">
           <p:contentPart p14:bwMode="auto" r:id="rId16">
             <p14:nvContentPartPr>
               <p14:cNvPr id="72" name="Ink 71"/>
@@ -19688,7 +19698,7 @@
             </p14:xfrm>
           </p:contentPart>
         </mc:Choice>
-        <mc:Fallback>
+        <mc:Fallback xmlns="">
           <p:pic>
             <p:nvPicPr>
               <p:cNvPr id="72" name="Ink 71"/>
@@ -19713,8 +19723,8 @@
           </p:pic>
         </mc:Fallback>
       </mc:AlternateContent>
-      <mc:AlternateContent xmlns:mc="http://schemas.openxmlformats.org/markup-compatibility/2006">
-        <mc:Choice xmlns:p14="http://schemas.microsoft.com/office/powerpoint/2010/main" Requires="p14">
+      <mc:AlternateContent xmlns:mc="http://schemas.openxmlformats.org/markup-compatibility/2006" xmlns:p14="http://schemas.microsoft.com/office/powerpoint/2010/main">
+        <mc:Choice Requires="p14">
           <p:contentPart p14:bwMode="auto" r:id="rId18">
             <p14:nvContentPartPr>
               <p14:cNvPr id="73" name="Ink 72"/>
@@ -19727,7 +19737,7 @@
             </p14:xfrm>
           </p:contentPart>
         </mc:Choice>
-        <mc:Fallback>
+        <mc:Fallback xmlns="">
           <p:pic>
             <p:nvPicPr>
               <p:cNvPr id="73" name="Ink 72"/>
@@ -19752,8 +19762,8 @@
           </p:pic>
         </mc:Fallback>
       </mc:AlternateContent>
-      <mc:AlternateContent xmlns:mc="http://schemas.openxmlformats.org/markup-compatibility/2006">
-        <mc:Choice xmlns:p14="http://schemas.microsoft.com/office/powerpoint/2010/main" Requires="p14">
+      <mc:AlternateContent xmlns:mc="http://schemas.openxmlformats.org/markup-compatibility/2006" xmlns:p14="http://schemas.microsoft.com/office/powerpoint/2010/main">
+        <mc:Choice Requires="p14">
           <p:contentPart p14:bwMode="auto" r:id="rId20">
             <p14:nvContentPartPr>
               <p14:cNvPr id="74" name="Ink 73"/>
@@ -19766,7 +19776,7 @@
             </p14:xfrm>
           </p:contentPart>
         </mc:Choice>
-        <mc:Fallback>
+        <mc:Fallback xmlns="">
           <p:pic>
             <p:nvPicPr>
               <p:cNvPr id="74" name="Ink 73"/>
@@ -19791,8 +19801,8 @@
           </p:pic>
         </mc:Fallback>
       </mc:AlternateContent>
-      <mc:AlternateContent xmlns:mc="http://schemas.openxmlformats.org/markup-compatibility/2006">
-        <mc:Choice xmlns:p14="http://schemas.microsoft.com/office/powerpoint/2010/main" Requires="p14">
+      <mc:AlternateContent xmlns:mc="http://schemas.openxmlformats.org/markup-compatibility/2006" xmlns:p14="http://schemas.microsoft.com/office/powerpoint/2010/main">
+        <mc:Choice Requires="p14">
           <p:contentPart p14:bwMode="auto" r:id="rId22">
             <p14:nvContentPartPr>
               <p14:cNvPr id="75" name="Ink 74"/>
@@ -19805,7 +19815,7 @@
             </p14:xfrm>
           </p:contentPart>
         </mc:Choice>
-        <mc:Fallback>
+        <mc:Fallback xmlns="">
           <p:pic>
             <p:nvPicPr>
               <p:cNvPr id="75" name="Ink 74"/>
@@ -19830,8 +19840,8 @@
           </p:pic>
         </mc:Fallback>
       </mc:AlternateContent>
-      <mc:AlternateContent xmlns:mc="http://schemas.openxmlformats.org/markup-compatibility/2006">
-        <mc:Choice xmlns:p14="http://schemas.microsoft.com/office/powerpoint/2010/main" Requires="p14">
+      <mc:AlternateContent xmlns:mc="http://schemas.openxmlformats.org/markup-compatibility/2006" xmlns:p14="http://schemas.microsoft.com/office/powerpoint/2010/main">
+        <mc:Choice Requires="p14">
           <p:contentPart p14:bwMode="auto" r:id="rId24">
             <p14:nvContentPartPr>
               <p14:cNvPr id="82" name="Ink 81"/>
@@ -19844,7 +19854,7 @@
             </p14:xfrm>
           </p:contentPart>
         </mc:Choice>
-        <mc:Fallback>
+        <mc:Fallback xmlns="">
           <p:pic>
             <p:nvPicPr>
               <p:cNvPr id="82" name="Ink 81"/>
@@ -19921,8 +19931,8 @@
           </a:p>
         </p:txBody>
       </p:sp>
-      <mc:AlternateContent xmlns:mc="http://schemas.openxmlformats.org/markup-compatibility/2006">
-        <mc:Choice xmlns:a14="http://schemas.microsoft.com/office/drawing/2010/main" Requires="a14">
+      <mc:AlternateContent xmlns:mc="http://schemas.openxmlformats.org/markup-compatibility/2006" xmlns:a14="http://schemas.microsoft.com/office/drawing/2010/main">
+        <mc:Choice Requires="a14">
           <p:sp>
             <p:nvSpPr>
               <p:cNvPr id="3" name="Content Placeholder 2"/>
@@ -20024,7 +20034,7 @@
                         <m:endChr m:val="}"/>
                         <m:ctrlPr>
                           <a:rPr lang="en-CA" sz="1000" b="0" i="1" dirty="0" smtClean="0">
-                            <a:latin typeface="Cambria Math" panose="02040503050406030204" pitchFamily="18" charset="0"/>
+                            <a:latin typeface="Cambria Math" charset="0"/>
                           </a:rPr>
                         </m:ctrlPr>
                       </m:dPr>
@@ -20073,7 +20083,7 @@
                       <m:dPr>
                         <m:ctrlPr>
                           <a:rPr lang="en-CA" sz="1000" b="0" i="1" smtClean="0">
-                            <a:latin typeface="Cambria Math" panose="02040503050406030204" pitchFamily="18" charset="0"/>
+                            <a:latin typeface="Cambria Math" charset="0"/>
                           </a:rPr>
                         </m:ctrlPr>
                       </m:dPr>
@@ -20102,7 +20112,7 @@
                       <m:dPr>
                         <m:ctrlPr>
                           <a:rPr lang="en-CA" sz="1000" b="0" i="1" smtClean="0">
-                            <a:latin typeface="Cambria Math" panose="02040503050406030204" pitchFamily="18" charset="0"/>
+                            <a:latin typeface="Cambria Math" charset="0"/>
                           </a:rPr>
                         </m:ctrlPr>
                       </m:dPr>
@@ -20187,7 +20197,7 @@
                         <m:endChr m:val="|"/>
                         <m:ctrlPr>
                           <a:rPr lang="en-CA" sz="1000" b="0" i="1" smtClean="0">
-                            <a:latin typeface="Cambria Math" panose="02040503050406030204" pitchFamily="18" charset="0"/>
+                            <a:latin typeface="Cambria Math" charset="0"/>
                           </a:rPr>
                         </m:ctrlPr>
                       </m:dPr>
@@ -20287,7 +20297,7 @@
                       <m:sSupPr>
                         <m:ctrlPr>
                           <a:rPr lang="en-CA" sz="1000" b="0" i="1" smtClean="0">
-                            <a:latin typeface="Cambria Math" panose="02040503050406030204" pitchFamily="18" charset="0"/>
+                            <a:latin typeface="Cambria Math" charset="0"/>
                           </a:rPr>
                         </m:ctrlPr>
                       </m:sSupPr>
@@ -20320,7 +20330,7 @@
                       <m:sSupPr>
                         <m:ctrlPr>
                           <a:rPr lang="en-CA" sz="1000" b="0" i="1" smtClean="0">
-                            <a:latin typeface="Cambria Math" panose="02040503050406030204" pitchFamily="18" charset="0"/>
+                            <a:latin typeface="Cambria Math" charset="0"/>
                           </a:rPr>
                         </m:ctrlPr>
                       </m:sSupPr>
@@ -20362,7 +20372,7 @@
                       <m:sSupPr>
                         <m:ctrlPr>
                           <a:rPr lang="en-CA" sz="1000" b="0" i="1" smtClean="0">
-                            <a:latin typeface="Cambria Math" panose="02040503050406030204" pitchFamily="18" charset="0"/>
+                            <a:latin typeface="Cambria Math" charset="0"/>
                           </a:rPr>
                         </m:ctrlPr>
                       </m:sSupPr>
@@ -20395,7 +20405,7 @@
                       <m:sSupPr>
                         <m:ctrlPr>
                           <a:rPr lang="en-CA" sz="1000" b="0" i="1" smtClean="0">
-                            <a:latin typeface="Cambria Math" panose="02040503050406030204" pitchFamily="18" charset="0"/>
+                            <a:latin typeface="Cambria Math" charset="0"/>
                           </a:rPr>
                         </m:ctrlPr>
                       </m:sSupPr>
@@ -20448,7 +20458,7 @@
                       <m:sSupPr>
                         <m:ctrlPr>
                           <a:rPr lang="en-CA" sz="1000" b="0" i="1" smtClean="0">
-                            <a:latin typeface="Cambria Math" panose="02040503050406030204" pitchFamily="18" charset="0"/>
+                            <a:latin typeface="Cambria Math" charset="0"/>
                           </a:rPr>
                         </m:ctrlPr>
                       </m:sSupPr>
@@ -20503,7 +20513,7 @@
                       <m:sSupPr>
                         <m:ctrlPr>
                           <a:rPr lang="en-CA" sz="1000" b="0" i="1" smtClean="0">
-                            <a:latin typeface="Cambria Math" panose="02040503050406030204" pitchFamily="18" charset="0"/>
+                            <a:latin typeface="Cambria Math" charset="0"/>
                           </a:rPr>
                         </m:ctrlPr>
                       </m:sSupPr>
@@ -20534,7 +20544,7 @@
                       <m:sSupPr>
                         <m:ctrlPr>
                           <a:rPr lang="en-CA" sz="1000" b="0" i="1" smtClean="0">
-                            <a:latin typeface="Cambria Math" panose="02040503050406030204" pitchFamily="18" charset="0"/>
+                            <a:latin typeface="Cambria Math" charset="0"/>
                           </a:rPr>
                         </m:ctrlPr>
                       </m:sSupPr>
@@ -20585,7 +20595,7 @@
                       <m:dPr>
                         <m:ctrlPr>
                           <a:rPr lang="en-CA" sz="1000" b="0" i="1" smtClean="0">
-                            <a:latin typeface="Cambria Math" panose="02040503050406030204" pitchFamily="18" charset="0"/>
+                            <a:latin typeface="Cambria Math" charset="0"/>
                           </a:rPr>
                         </m:ctrlPr>
                       </m:dPr>
@@ -20614,7 +20624,7 @@
                       <m:dPr>
                         <m:ctrlPr>
                           <a:rPr lang="en-CA" sz="1000" b="0" i="1" smtClean="0">
-                            <a:latin typeface="Cambria Math" panose="02040503050406030204" pitchFamily="18" charset="0"/>
+                            <a:latin typeface="Cambria Math" charset="0"/>
                           </a:rPr>
                         </m:ctrlPr>
                       </m:dPr>
@@ -20623,7 +20633,7 @@
                           <m:sSupPr>
                             <m:ctrlPr>
                               <a:rPr lang="en-CA" sz="1000" b="0" i="1" smtClean="0">
-                                <a:latin typeface="Cambria Math" panose="02040503050406030204" pitchFamily="18" charset="0"/>
+                                <a:latin typeface="Cambria Math" charset="0"/>
                               </a:rPr>
                             </m:ctrlPr>
                           </m:sSupPr>
@@ -20662,7 +20672,7 @@
                       <m:dPr>
                         <m:ctrlPr>
                           <a:rPr lang="en-CA" sz="1000" b="0" i="1" smtClean="0">
-                            <a:latin typeface="Cambria Math" panose="02040503050406030204" pitchFamily="18" charset="0"/>
+                            <a:latin typeface="Cambria Math" charset="0"/>
                           </a:rPr>
                         </m:ctrlPr>
                       </m:dPr>
@@ -20671,7 +20681,7 @@
                           <m:sSupPr>
                             <m:ctrlPr>
                               <a:rPr lang="en-CA" sz="1000" b="0" i="1" smtClean="0">
-                                <a:latin typeface="Cambria Math" panose="02040503050406030204" pitchFamily="18" charset="0"/>
+                                <a:latin typeface="Cambria Math" charset="0"/>
                               </a:rPr>
                             </m:ctrlPr>
                           </m:sSupPr>
@@ -20714,7 +20724,7 @@
                         <m:endChr m:val="|"/>
                         <m:ctrlPr>
                           <a:rPr lang="en-CA" sz="1000" b="0" i="1" smtClean="0">
-                            <a:latin typeface="Cambria Math" panose="02040503050406030204" pitchFamily="18" charset="0"/>
+                            <a:latin typeface="Cambria Math" charset="0"/>
                           </a:rPr>
                         </m:ctrlPr>
                       </m:dPr>
@@ -20723,7 +20733,7 @@
                           <m:sSupPr>
                             <m:ctrlPr>
                               <a:rPr lang="en-CA" sz="1000" b="0" i="1" smtClean="0">
-                                <a:latin typeface="Cambria Math" panose="02040503050406030204" pitchFamily="18" charset="0"/>
+                                <a:latin typeface="Cambria Math" charset="0"/>
                               </a:rPr>
                             </m:ctrlPr>
                           </m:sSupPr>
@@ -20796,7 +20806,7 @@
                       <m:sSupPr>
                         <m:ctrlPr>
                           <a:rPr lang="en-CA" sz="1000" b="0" i="1" smtClean="0">
-                            <a:latin typeface="Cambria Math" panose="02040503050406030204" pitchFamily="18" charset="0"/>
+                            <a:latin typeface="Cambria Math" charset="0"/>
                           </a:rPr>
                         </m:ctrlPr>
                       </m:sSupPr>
@@ -20841,7 +20851,7 @@
                       <m:dPr>
                         <m:ctrlPr>
                           <a:rPr lang="en-CA" sz="1000" b="0" i="1" smtClean="0">
-                            <a:latin typeface="Cambria Math" panose="02040503050406030204" pitchFamily="18" charset="0"/>
+                            <a:latin typeface="Cambria Math" charset="0"/>
                           </a:rPr>
                         </m:ctrlPr>
                       </m:dPr>
@@ -20866,7 +20876,7 @@
                         <m:supHide m:val="on"/>
                         <m:ctrlPr>
                           <a:rPr lang="en-CA" sz="1000" b="0" i="1" smtClean="0">
-                            <a:latin typeface="Cambria Math" panose="02040503050406030204" pitchFamily="18" charset="0"/>
+                            <a:latin typeface="Cambria Math" charset="0"/>
                           </a:rPr>
                         </m:ctrlPr>
                       </m:naryPr>
@@ -20905,7 +20915,7 @@
                           <m:dPr>
                             <m:ctrlPr>
                               <a:rPr lang="en-CA" sz="1000" b="0" i="1" smtClean="0">
-                                <a:latin typeface="Cambria Math" panose="02040503050406030204" pitchFamily="18" charset="0"/>
+                                <a:latin typeface="Cambria Math" charset="0"/>
                               </a:rPr>
                             </m:ctrlPr>
                           </m:dPr>
@@ -20930,7 +20940,7 @@
                             <m:endChr m:val="|"/>
                             <m:ctrlPr>
                               <a:rPr lang="en-CA" sz="1000" b="0" i="1" smtClean="0">
-                                <a:latin typeface="Cambria Math" panose="02040503050406030204" pitchFamily="18" charset="0"/>
+                                <a:latin typeface="Cambria Math" charset="0"/>
                               </a:rPr>
                             </m:ctrlPr>
                           </m:dPr>
@@ -20945,7 +20955,7 @@
                               <m:dPr>
                                 <m:ctrlPr>
                                   <a:rPr lang="en-CA" sz="1000" b="0" i="1" smtClean="0">
-                                    <a:latin typeface="Cambria Math" panose="02040503050406030204" pitchFamily="18" charset="0"/>
+                                    <a:latin typeface="Cambria Math" charset="0"/>
                                   </a:rPr>
                                 </m:ctrlPr>
                               </m:dPr>
@@ -20988,7 +20998,7 @@
                         <m:supHide m:val="on"/>
                         <m:ctrlPr>
                           <a:rPr lang="en-CA" sz="1000" b="0" i="1" smtClean="0">
-                            <a:latin typeface="Cambria Math" panose="02040503050406030204" pitchFamily="18" charset="0"/>
+                            <a:latin typeface="Cambria Math" charset="0"/>
                           </a:rPr>
                         </m:ctrlPr>
                       </m:naryPr>
@@ -21030,7 +21040,7 @@
                           <m:sSupPr>
                             <m:ctrlPr>
                               <a:rPr lang="en-CA" sz="1000" b="0" i="1" smtClean="0">
-                                <a:latin typeface="Cambria Math" panose="02040503050406030204" pitchFamily="18" charset="0"/>
+                                <a:latin typeface="Cambria Math" charset="0"/>
                               </a:rPr>
                             </m:ctrlPr>
                           </m:sSupPr>
@@ -21064,7 +21074,7 @@
                           <m:sSupPr>
                             <m:ctrlPr>
                               <a:rPr lang="en-CA" sz="1000" b="0" i="1" smtClean="0">
-                                <a:latin typeface="Cambria Math" panose="02040503050406030204" pitchFamily="18" charset="0"/>
+                                <a:latin typeface="Cambria Math" charset="0"/>
                               </a:rPr>
                             </m:ctrlPr>
                           </m:sSupPr>
@@ -21104,7 +21114,7 @@
                           <m:dPr>
                             <m:ctrlPr>
                               <a:rPr lang="en-CA" sz="1000" b="0" i="1" smtClean="0">
-                                <a:latin typeface="Cambria Math" panose="02040503050406030204" pitchFamily="18" charset="0"/>
+                                <a:latin typeface="Cambria Math" charset="0"/>
                               </a:rPr>
                             </m:ctrlPr>
                           </m:dPr>
@@ -21123,7 +21133,7 @@
                             <m:endChr m:val="|"/>
                             <m:ctrlPr>
                               <a:rPr lang="en-CA" sz="1000" b="0" i="1" smtClean="0">
-                                <a:latin typeface="Cambria Math" panose="02040503050406030204" pitchFamily="18" charset="0"/>
+                                <a:latin typeface="Cambria Math" charset="0"/>
                               </a:rPr>
                             </m:ctrlPr>
                           </m:dPr>
@@ -21138,7 +21148,7 @@
                               <m:dPr>
                                 <m:ctrlPr>
                                   <a:rPr lang="en-CA" sz="1000" b="0" i="1" smtClean="0">
-                                    <a:latin typeface="Cambria Math" panose="02040503050406030204" pitchFamily="18" charset="0"/>
+                                    <a:latin typeface="Cambria Math" charset="0"/>
                                   </a:rPr>
                                 </m:ctrlPr>
                               </m:dPr>
@@ -21171,7 +21181,7 @@
                       <m:dPr>
                         <m:ctrlPr>
                           <a:rPr lang="en-CA" sz="1000" b="0" i="1" smtClean="0">
-                            <a:latin typeface="Cambria Math" panose="02040503050406030204" pitchFamily="18" charset="0"/>
+                            <a:latin typeface="Cambria Math" charset="0"/>
                           </a:rPr>
                         </m:ctrlPr>
                       </m:dPr>
@@ -21180,7 +21190,7 @@
                           <m:sSupPr>
                             <m:ctrlPr>
                               <a:rPr lang="en-CA" sz="1000" b="0" i="1" smtClean="0">
-                                <a:latin typeface="Cambria Math" panose="02040503050406030204" pitchFamily="18" charset="0"/>
+                                <a:latin typeface="Cambria Math" charset="0"/>
                               </a:rPr>
                             </m:ctrlPr>
                           </m:sSupPr>
@@ -21209,7 +21219,7 @@
                         <m:endChr m:val="|"/>
                         <m:ctrlPr>
                           <a:rPr lang="en-CA" sz="1000" b="0" i="1" smtClean="0">
-                            <a:latin typeface="Cambria Math" panose="02040503050406030204" pitchFamily="18" charset="0"/>
+                            <a:latin typeface="Cambria Math" charset="0"/>
                           </a:rPr>
                         </m:ctrlPr>
                       </m:dPr>
@@ -21224,7 +21234,7 @@
                           <m:dPr>
                             <m:ctrlPr>
                               <a:rPr lang="en-CA" sz="1000" b="0" i="1" smtClean="0">
-                                <a:latin typeface="Cambria Math" panose="02040503050406030204" pitchFamily="18" charset="0"/>
+                                <a:latin typeface="Cambria Math" charset="0"/>
                               </a:rPr>
                             </m:ctrlPr>
                           </m:dPr>
@@ -21233,7 +21243,7 @@
                               <m:sSupPr>
                                 <m:ctrlPr>
                                   <a:rPr lang="en-CA" sz="1000" b="0" i="1" smtClean="0">
-                                    <a:latin typeface="Cambria Math" panose="02040503050406030204" pitchFamily="18" charset="0"/>
+                                    <a:latin typeface="Cambria Math" charset="0"/>
                                   </a:rPr>
                                 </m:ctrlPr>
                               </m:sSupPr>
@@ -21274,7 +21284,7 @@
                       <m:dPr>
                         <m:ctrlPr>
                           <a:rPr lang="en-CA" sz="1000" b="0" i="1" smtClean="0">
-                            <a:latin typeface="Cambria Math" panose="02040503050406030204" pitchFamily="18" charset="0"/>
+                            <a:latin typeface="Cambria Math" charset="0"/>
                           </a:rPr>
                         </m:ctrlPr>
                       </m:dPr>
@@ -21283,7 +21293,7 @@
                           <m:sSupPr>
                             <m:ctrlPr>
                               <a:rPr lang="en-CA" sz="1000" b="0" i="1" smtClean="0">
-                                <a:latin typeface="Cambria Math" panose="02040503050406030204" pitchFamily="18" charset="0"/>
+                                <a:latin typeface="Cambria Math" charset="0"/>
                               </a:rPr>
                             </m:ctrlPr>
                           </m:sSupPr>
@@ -21312,7 +21322,7 @@
                         <m:endChr m:val="|"/>
                         <m:ctrlPr>
                           <a:rPr lang="en-CA" sz="1000" b="0" i="1" smtClean="0">
-                            <a:latin typeface="Cambria Math" panose="02040503050406030204" pitchFamily="18" charset="0"/>
+                            <a:latin typeface="Cambria Math" charset="0"/>
                           </a:rPr>
                         </m:ctrlPr>
                       </m:dPr>
@@ -21327,7 +21337,7 @@
                           <m:dPr>
                             <m:ctrlPr>
                               <a:rPr lang="en-CA" sz="1000" b="0" i="1" smtClean="0">
-                                <a:latin typeface="Cambria Math" panose="02040503050406030204" pitchFamily="18" charset="0"/>
+                                <a:latin typeface="Cambria Math" charset="0"/>
                               </a:rPr>
                             </m:ctrlPr>
                           </m:dPr>
@@ -21336,7 +21346,7 @@
                               <m:sSupPr>
                                 <m:ctrlPr>
                                   <a:rPr lang="en-CA" sz="1000" b="0" i="1" smtClean="0">
-                                    <a:latin typeface="Cambria Math" panose="02040503050406030204" pitchFamily="18" charset="0"/>
+                                    <a:latin typeface="Cambria Math" charset="0"/>
                                   </a:rPr>
                                 </m:ctrlPr>
                               </m:sSupPr>
@@ -21388,7 +21398,7 @@
                         <m:supHide m:val="on"/>
                         <m:ctrlPr>
                           <a:rPr lang="en-CA" sz="1000" b="0" i="1" smtClean="0">
-                            <a:latin typeface="Cambria Math" panose="02040503050406030204" pitchFamily="18" charset="0"/>
+                            <a:latin typeface="Cambria Math" charset="0"/>
                           </a:rPr>
                         </m:ctrlPr>
                       </m:naryPr>
@@ -21405,7 +21415,7 @@
                           <m:dPr>
                             <m:ctrlPr>
                               <a:rPr lang="en-CA" sz="1000" b="0" i="1" smtClean="0">
-                                <a:latin typeface="Cambria Math" panose="02040503050406030204" pitchFamily="18" charset="0"/>
+                                <a:latin typeface="Cambria Math" charset="0"/>
                               </a:rPr>
                             </m:ctrlPr>
                           </m:dPr>
@@ -21424,7 +21434,7 @@
                             <m:endChr m:val="|"/>
                             <m:ctrlPr>
                               <a:rPr lang="en-CA" sz="1000" b="0" i="1" smtClean="0">
-                                <a:latin typeface="Cambria Math" panose="02040503050406030204" pitchFamily="18" charset="0"/>
+                                <a:latin typeface="Cambria Math" charset="0"/>
                               </a:rPr>
                             </m:ctrlPr>
                           </m:dPr>
@@ -21439,7 +21449,7 @@
                               <m:dPr>
                                 <m:ctrlPr>
                                   <a:rPr lang="en-CA" sz="1000" b="0" i="1" smtClean="0">
-                                    <a:latin typeface="Cambria Math" panose="02040503050406030204" pitchFamily="18" charset="0"/>
+                                    <a:latin typeface="Cambria Math" charset="0"/>
                                   </a:rPr>
                                 </m:ctrlPr>
                               </m:dPr>
@@ -21470,7 +21480,7 @@
                           <m:dPr>
                             <m:ctrlPr>
                               <a:rPr lang="en-CA" sz="1000" b="0" i="1" smtClean="0">
-                                <a:latin typeface="Cambria Math" panose="02040503050406030204" pitchFamily="18" charset="0"/>
+                                <a:latin typeface="Cambria Math" charset="0"/>
                               </a:rPr>
                             </m:ctrlPr>
                           </m:dPr>
@@ -21479,7 +21489,7 @@
                               <m:sSupPr>
                                 <m:ctrlPr>
                                   <a:rPr lang="en-CA" sz="1000" b="0" i="1" smtClean="0">
-                                    <a:latin typeface="Cambria Math" panose="02040503050406030204" pitchFamily="18" charset="0"/>
+                                    <a:latin typeface="Cambria Math" charset="0"/>
                                   </a:rPr>
                                 </m:ctrlPr>
                               </m:sSupPr>
@@ -21518,7 +21528,7 @@
                           <m:dPr>
                             <m:ctrlPr>
                               <a:rPr lang="en-CA" sz="1000" b="0" i="1" smtClean="0">
-                                <a:latin typeface="Cambria Math" panose="02040503050406030204" pitchFamily="18" charset="0"/>
+                                <a:latin typeface="Cambria Math" charset="0"/>
                               </a:rPr>
                             </m:ctrlPr>
                           </m:dPr>
@@ -21527,7 +21537,7 @@
                               <m:sSupPr>
                                 <m:ctrlPr>
                                   <a:rPr lang="en-CA" sz="1000" b="0" i="1" smtClean="0">
-                                    <a:latin typeface="Cambria Math" panose="02040503050406030204" pitchFamily="18" charset="0"/>
+                                    <a:latin typeface="Cambria Math" charset="0"/>
                                   </a:rPr>
                                 </m:ctrlPr>
                               </m:sSupPr>
@@ -21576,7 +21586,7 @@
                       <m:dPr>
                         <m:ctrlPr>
                           <a:rPr lang="en-CA" sz="1000" b="0" i="1" smtClean="0">
-                            <a:latin typeface="Cambria Math" panose="02040503050406030204" pitchFamily="18" charset="0"/>
+                            <a:latin typeface="Cambria Math" charset="0"/>
                           </a:rPr>
                         </m:ctrlPr>
                       </m:dPr>
@@ -21593,13 +21603,7 @@
                       <a:rPr lang="en-CA" sz="1000" b="0" i="1" smtClean="0">
                         <a:latin typeface="Cambria Math" panose="02040503050406030204" pitchFamily="18" charset="0"/>
                       </a:rPr>
-                      <m:t>|+1</m:t>
-                    </m:r>
-                    <m:r>
-                      <a:rPr lang="en-CA" sz="1000" b="0" i="1" smtClean="0">
-                        <a:latin typeface="Cambria Math" panose="02040503050406030204" pitchFamily="18" charset="0"/>
-                      </a:rPr>
-                      <m:t>)</m:t>
+                      <m:t>|+1)</m:t>
                     </m:r>
                   </m:oMath>
                 </a14:m>
@@ -21631,7 +21635,7 @@
                         <m:supHide m:val="on"/>
                         <m:ctrlPr>
                           <a:rPr lang="en-CA" sz="1000" b="0" i="1" smtClean="0">
-                            <a:latin typeface="Cambria Math" panose="02040503050406030204" pitchFamily="18" charset="0"/>
+                            <a:latin typeface="Cambria Math" charset="0"/>
                           </a:rPr>
                         </m:ctrlPr>
                       </m:naryPr>
@@ -21673,7 +21677,7 @@
                           <m:sSupPr>
                             <m:ctrlPr>
                               <a:rPr lang="en-CA" sz="1000" b="0" i="1" smtClean="0">
-                                <a:latin typeface="Cambria Math" panose="02040503050406030204" pitchFamily="18" charset="0"/>
+                                <a:latin typeface="Cambria Math" charset="0"/>
                               </a:rPr>
                             </m:ctrlPr>
                           </m:sSupPr>
@@ -21707,7 +21711,7 @@
                           <m:sSupPr>
                             <m:ctrlPr>
                               <a:rPr lang="en-CA" sz="1000" b="0" i="1" smtClean="0">
-                                <a:latin typeface="Cambria Math" panose="02040503050406030204" pitchFamily="18" charset="0"/>
+                                <a:latin typeface="Cambria Math" charset="0"/>
                               </a:rPr>
                             </m:ctrlPr>
                           </m:sSupPr>
@@ -21747,7 +21751,7 @@
                           <m:dPr>
                             <m:ctrlPr>
                               <a:rPr lang="en-CA" sz="1000" b="0" i="1" smtClean="0">
-                                <a:latin typeface="Cambria Math" panose="02040503050406030204" pitchFamily="18" charset="0"/>
+                                <a:latin typeface="Cambria Math" charset="0"/>
                               </a:rPr>
                             </m:ctrlPr>
                           </m:dPr>
@@ -21772,7 +21776,7 @@
                             <m:endChr m:val="|"/>
                             <m:ctrlPr>
                               <a:rPr lang="en-CA" sz="1000" b="0" i="1" smtClean="0">
-                                <a:latin typeface="Cambria Math" panose="02040503050406030204" pitchFamily="18" charset="0"/>
+                                <a:latin typeface="Cambria Math" charset="0"/>
                               </a:rPr>
                             </m:ctrlPr>
                           </m:dPr>
@@ -21787,7 +21791,7 @@
                               <m:dPr>
                                 <m:ctrlPr>
                                   <a:rPr lang="en-CA" sz="1000" b="0" i="1" smtClean="0">
-                                    <a:latin typeface="Cambria Math" panose="02040503050406030204" pitchFamily="18" charset="0"/>
+                                    <a:latin typeface="Cambria Math" charset="0"/>
                                   </a:rPr>
                                 </m:ctrlPr>
                               </m:dPr>
@@ -21842,7 +21846,7 @@
                           <m:dPr>
                             <m:ctrlPr>
                               <a:rPr lang="en-CA" sz="1000" b="0" i="1" smtClean="0">
-                                <a:latin typeface="Cambria Math" panose="02040503050406030204" pitchFamily="18" charset="0"/>
+                                <a:latin typeface="Cambria Math" charset="0"/>
                               </a:rPr>
                             </m:ctrlPr>
                           </m:dPr>
@@ -21891,7 +21895,7 @@
                         <m:supHide m:val="on"/>
                         <m:ctrlPr>
                           <a:rPr lang="en-CA" sz="1000" b="0" i="1" smtClean="0">
-                            <a:latin typeface="Cambria Math" panose="02040503050406030204" pitchFamily="18" charset="0"/>
+                            <a:latin typeface="Cambria Math" charset="0"/>
                           </a:rPr>
                         </m:ctrlPr>
                       </m:naryPr>
@@ -21933,7 +21937,7 @@
                           <m:sSupPr>
                             <m:ctrlPr>
                               <a:rPr lang="en-CA" sz="1000" b="0" i="1" smtClean="0">
-                                <a:latin typeface="Cambria Math" panose="02040503050406030204" pitchFamily="18" charset="0"/>
+                                <a:latin typeface="Cambria Math" charset="0"/>
                               </a:rPr>
                             </m:ctrlPr>
                           </m:sSupPr>
@@ -21967,7 +21971,7 @@
                           <m:sSupPr>
                             <m:ctrlPr>
                               <a:rPr lang="en-CA" sz="1000" b="0" i="1" smtClean="0">
-                                <a:latin typeface="Cambria Math" panose="02040503050406030204" pitchFamily="18" charset="0"/>
+                                <a:latin typeface="Cambria Math" charset="0"/>
                               </a:rPr>
                             </m:ctrlPr>
                           </m:sSupPr>
@@ -22007,7 +22011,7 @@
                           <m:dPr>
                             <m:ctrlPr>
                               <a:rPr lang="en-CA" sz="1000" b="0" i="1" smtClean="0">
-                                <a:latin typeface="Cambria Math" panose="02040503050406030204" pitchFamily="18" charset="0"/>
+                                <a:latin typeface="Cambria Math" charset="0"/>
                               </a:rPr>
                             </m:ctrlPr>
                           </m:dPr>
@@ -22032,7 +22036,7 @@
                             <m:endChr m:val="|"/>
                             <m:ctrlPr>
                               <a:rPr lang="en-CA" sz="1000" b="0" i="1" smtClean="0">
-                                <a:latin typeface="Cambria Math" panose="02040503050406030204" pitchFamily="18" charset="0"/>
+                                <a:latin typeface="Cambria Math" charset="0"/>
                               </a:rPr>
                             </m:ctrlPr>
                           </m:dPr>
@@ -22047,7 +22051,7 @@
                               <m:dPr>
                                 <m:ctrlPr>
                                   <a:rPr lang="en-CA" sz="1000" b="0" i="1" smtClean="0">
-                                    <a:latin typeface="Cambria Math" panose="02040503050406030204" pitchFamily="18" charset="0"/>
+                                    <a:latin typeface="Cambria Math" charset="0"/>
                                   </a:rPr>
                                 </m:ctrlPr>
                               </m:dPr>
@@ -22124,7 +22128,7 @@
                       <m:dPr>
                         <m:ctrlPr>
                           <a:rPr lang="en-CA" sz="1000" b="0" i="1" smtClean="0">
-                            <a:latin typeface="Cambria Math" panose="02040503050406030204" pitchFamily="18" charset="0"/>
+                            <a:latin typeface="Cambria Math" charset="0"/>
                           </a:rPr>
                         </m:ctrlPr>
                       </m:dPr>
@@ -22133,7 +22137,7 @@
                           <m:sSupPr>
                             <m:ctrlPr>
                               <a:rPr lang="en-CA" sz="1000" b="0" i="1" smtClean="0">
-                                <a:latin typeface="Cambria Math" panose="02040503050406030204" pitchFamily="18" charset="0"/>
+                                <a:latin typeface="Cambria Math" charset="0"/>
                               </a:rPr>
                             </m:ctrlPr>
                           </m:sSupPr>
@@ -22172,7 +22176,7 @@
                       <m:dPr>
                         <m:ctrlPr>
                           <a:rPr lang="en-CA" sz="1000" b="0" i="1" smtClean="0">
-                            <a:latin typeface="Cambria Math" panose="02040503050406030204" pitchFamily="18" charset="0"/>
+                            <a:latin typeface="Cambria Math" charset="0"/>
                           </a:rPr>
                         </m:ctrlPr>
                       </m:dPr>
@@ -22215,7 +22219,7 @@
                       <m:dPr>
                         <m:ctrlPr>
                           <a:rPr lang="en-CA" sz="1000" b="0" i="1" smtClean="0">
-                            <a:latin typeface="Cambria Math" panose="02040503050406030204" pitchFamily="18" charset="0"/>
+                            <a:latin typeface="Cambria Math" charset="0"/>
                           </a:rPr>
                         </m:ctrlPr>
                       </m:dPr>
@@ -22224,7 +22228,7 @@
                           <m:sSupPr>
                             <m:ctrlPr>
                               <a:rPr lang="en-CA" sz="1000" b="0" i="1" smtClean="0">
-                                <a:latin typeface="Cambria Math" panose="02040503050406030204" pitchFamily="18" charset="0"/>
+                                <a:latin typeface="Cambria Math" charset="0"/>
                               </a:rPr>
                             </m:ctrlPr>
                           </m:sSupPr>
@@ -22263,7 +22267,7 @@
                       <m:dPr>
                         <m:ctrlPr>
                           <a:rPr lang="en-CA" sz="1000" b="0" i="1" smtClean="0">
-                            <a:latin typeface="Cambria Math" panose="02040503050406030204" pitchFamily="18" charset="0"/>
+                            <a:latin typeface="Cambria Math" charset="0"/>
                           </a:rPr>
                         </m:ctrlPr>
                       </m:dPr>
@@ -22272,7 +22276,7 @@
                           <m:sSupPr>
                             <m:ctrlPr>
                               <a:rPr lang="en-CA" sz="1000" b="0" i="1" smtClean="0">
-                                <a:latin typeface="Cambria Math" panose="02040503050406030204" pitchFamily="18" charset="0"/>
+                                <a:latin typeface="Cambria Math" charset="0"/>
                               </a:rPr>
                             </m:ctrlPr>
                           </m:sSupPr>
@@ -22317,7 +22321,7 @@
                       <m:sSupPr>
                         <m:ctrlPr>
                           <a:rPr lang="en-CA" sz="1000" b="0" i="1" smtClean="0">
-                            <a:latin typeface="Cambria Math" panose="02040503050406030204" pitchFamily="18" charset="0"/>
+                            <a:latin typeface="Cambria Math" charset="0"/>
                           </a:rPr>
                         </m:ctrlPr>
                       </m:sSupPr>
@@ -22360,7 +22364,7 @@
             </p:txBody>
           </p:sp>
         </mc:Choice>
-        <mc:Fallback>
+        <mc:Fallback xmlns="">
           <p:sp>
             <p:nvSpPr>
               <p:cNvPr id="3" name="Content Placeholder 2"/>
@@ -22421,8 +22425,8 @@
           </a:p>
         </p:txBody>
       </p:sp>
-      <mc:AlternateContent xmlns:mc="http://schemas.openxmlformats.org/markup-compatibility/2006">
-        <mc:Choice xmlns:p14="http://schemas.microsoft.com/office/powerpoint/2010/main" Requires="p14">
+      <mc:AlternateContent xmlns:mc="http://schemas.openxmlformats.org/markup-compatibility/2006" xmlns:p14="http://schemas.microsoft.com/office/powerpoint/2010/main">
+        <mc:Choice Requires="p14">
           <p:contentPart p14:bwMode="auto" r:id="rId3">
             <p14:nvContentPartPr>
               <p14:cNvPr id="22" name="Ink 21"/>
@@ -22435,7 +22439,7 @@
             </p14:xfrm>
           </p:contentPart>
         </mc:Choice>
-        <mc:Fallback>
+        <mc:Fallback xmlns="">
           <p:pic>
             <p:nvPicPr>
               <p:cNvPr id="22" name="Ink 21"/>
@@ -22512,8 +22516,8 @@
           </a:p>
         </p:txBody>
       </p:sp>
-      <mc:AlternateContent xmlns:mc="http://schemas.openxmlformats.org/markup-compatibility/2006">
-        <mc:Choice xmlns:a14="http://schemas.microsoft.com/office/drawing/2010/main" Requires="a14">
+      <mc:AlternateContent xmlns:mc="http://schemas.openxmlformats.org/markup-compatibility/2006" xmlns:a14="http://schemas.microsoft.com/office/drawing/2010/main">
+        <mc:Choice Requires="a14">
           <p:sp>
             <p:nvSpPr>
               <p:cNvPr id="3" name="Content Placeholder 2"/>
@@ -22601,7 +22605,7 @@
                       <m:sSupPr>
                         <m:ctrlPr>
                           <a:rPr lang="en-CA" sz="1600" b="0" i="1" smtClean="0">
-                            <a:latin typeface="Cambria Math" panose="02040503050406030204" pitchFamily="18" charset="0"/>
+                            <a:latin typeface="Cambria Math" charset="0"/>
                           </a:rPr>
                         </m:ctrlPr>
                       </m:sSupPr>
@@ -22634,7 +22638,7 @@
                       <m:sSupPr>
                         <m:ctrlPr>
                           <a:rPr lang="en-CA" sz="1600" b="0" i="1" smtClean="0">
-                            <a:latin typeface="Cambria Math" panose="02040503050406030204" pitchFamily="18" charset="0"/>
+                            <a:latin typeface="Cambria Math" charset="0"/>
                           </a:rPr>
                         </m:ctrlPr>
                       </m:sSupPr>
@@ -22693,7 +22697,7 @@
                       <m:sSupPr>
                         <m:ctrlPr>
                           <a:rPr lang="en-CA" sz="1600" b="0" i="1" smtClean="0">
-                            <a:latin typeface="Cambria Math" panose="02040503050406030204" pitchFamily="18" charset="0"/>
+                            <a:latin typeface="Cambria Math" charset="0"/>
                           </a:rPr>
                         </m:ctrlPr>
                       </m:sSupPr>
@@ -22726,7 +22730,7 @@
                       <m:sSupPr>
                         <m:ctrlPr>
                           <a:rPr lang="en-CA" sz="1600" b="0" i="1" smtClean="0">
-                            <a:latin typeface="Cambria Math" panose="02040503050406030204" pitchFamily="18" charset="0"/>
+                            <a:latin typeface="Cambria Math" charset="0"/>
                           </a:rPr>
                         </m:ctrlPr>
                       </m:sSupPr>
@@ -22796,7 +22800,7 @@
                       <m:dPr>
                         <m:ctrlPr>
                           <a:rPr lang="en-CA" sz="1600" b="0" i="1" smtClean="0">
-                            <a:latin typeface="Cambria Math" panose="02040503050406030204" pitchFamily="18" charset="0"/>
+                            <a:latin typeface="Cambria Math" charset="0"/>
                           </a:rPr>
                         </m:ctrlPr>
                       </m:dPr>
@@ -22825,7 +22829,7 @@
                       <m:dPr>
                         <m:ctrlPr>
                           <a:rPr lang="en-CA" sz="1600" b="0" i="1" smtClean="0">
-                            <a:latin typeface="Cambria Math" panose="02040503050406030204" pitchFamily="18" charset="0"/>
+                            <a:latin typeface="Cambria Math" charset="0"/>
                           </a:rPr>
                         </m:ctrlPr>
                       </m:dPr>
@@ -22834,7 +22838,7 @@
                           <m:sSupPr>
                             <m:ctrlPr>
                               <a:rPr lang="en-CA" sz="1600" b="0" i="1" smtClean="0">
-                                <a:latin typeface="Cambria Math" panose="02040503050406030204" pitchFamily="18" charset="0"/>
+                                <a:latin typeface="Cambria Math" charset="0"/>
                               </a:rPr>
                             </m:ctrlPr>
                           </m:sSupPr>
@@ -22879,7 +22883,7 @@
                       <m:sSupPr>
                         <m:ctrlPr>
                           <a:rPr lang="en-CA" sz="1600" b="0" i="1" smtClean="0">
-                            <a:latin typeface="Cambria Math" panose="02040503050406030204" pitchFamily="18" charset="0"/>
+                            <a:latin typeface="Cambria Math" charset="0"/>
                           </a:rPr>
                         </m:ctrlPr>
                       </m:sSupPr>
@@ -22947,7 +22951,7 @@
                       <m:sSupPr>
                         <m:ctrlPr>
                           <a:rPr lang="en-CA" sz="1600" b="0" i="1" smtClean="0">
-                            <a:latin typeface="Cambria Math" panose="02040503050406030204" pitchFamily="18" charset="0"/>
+                            <a:latin typeface="Cambria Math" charset="0"/>
                           </a:rPr>
                         </m:ctrlPr>
                       </m:sSupPr>
@@ -22992,7 +22996,7 @@
                       <m:dPr>
                         <m:ctrlPr>
                           <a:rPr lang="en-CA" sz="1600" b="0" i="1" smtClean="0">
-                            <a:latin typeface="Cambria Math" panose="02040503050406030204" pitchFamily="18" charset="0"/>
+                            <a:latin typeface="Cambria Math" charset="0"/>
                           </a:rPr>
                         </m:ctrlPr>
                       </m:dPr>
@@ -23001,7 +23005,7 @@
                           <m:sSupPr>
                             <m:ctrlPr>
                               <a:rPr lang="en-CA" sz="1600" b="0" i="1" smtClean="0">
-                                <a:latin typeface="Cambria Math" panose="02040503050406030204" pitchFamily="18" charset="0"/>
+                                <a:latin typeface="Cambria Math" charset="0"/>
                               </a:rPr>
                             </m:ctrlPr>
                           </m:sSupPr>
@@ -23043,7 +23047,7 @@
                       <m:dPr>
                         <m:ctrlPr>
                           <a:rPr lang="en-CA" sz="1600" b="0" i="1" smtClean="0">
-                            <a:latin typeface="Cambria Math" panose="02040503050406030204" pitchFamily="18" charset="0"/>
+                            <a:latin typeface="Cambria Math" charset="0"/>
                           </a:rPr>
                         </m:ctrlPr>
                       </m:dPr>
@@ -23052,7 +23056,7 @@
                           <m:sSupPr>
                             <m:ctrlPr>
                               <a:rPr lang="en-CA" sz="1600" b="0" i="1" smtClean="0">
-                                <a:latin typeface="Cambria Math" panose="02040503050406030204" pitchFamily="18" charset="0"/>
+                                <a:latin typeface="Cambria Math" charset="0"/>
                               </a:rPr>
                             </m:ctrlPr>
                           </m:sSupPr>
@@ -23105,7 +23109,7 @@
                       <m:dPr>
                         <m:ctrlPr>
                           <a:rPr lang="en-CA" sz="1600" b="0" i="1" smtClean="0">
-                            <a:latin typeface="Cambria Math" panose="02040503050406030204" pitchFamily="18" charset="0"/>
+                            <a:latin typeface="Cambria Math" charset="0"/>
                           </a:rPr>
                         </m:ctrlPr>
                       </m:dPr>
@@ -23114,7 +23118,7 @@
                           <m:sSupPr>
                             <m:ctrlPr>
                               <a:rPr lang="en-CA" sz="1600" b="0" i="1" smtClean="0">
-                                <a:latin typeface="Cambria Math" panose="02040503050406030204" pitchFamily="18" charset="0"/>
+                                <a:latin typeface="Cambria Math" charset="0"/>
                               </a:rPr>
                             </m:ctrlPr>
                           </m:sSupPr>
@@ -23156,7 +23160,7 @@
                       <m:dPr>
                         <m:ctrlPr>
                           <a:rPr lang="en-CA" sz="1600" b="0" i="1" smtClean="0">
-                            <a:latin typeface="Cambria Math" panose="02040503050406030204" pitchFamily="18" charset="0"/>
+                            <a:latin typeface="Cambria Math" charset="0"/>
                           </a:rPr>
                         </m:ctrlPr>
                       </m:dPr>
@@ -23165,7 +23169,7 @@
                           <m:sSupPr>
                             <m:ctrlPr>
                               <a:rPr lang="en-CA" sz="1600" b="0" i="1" smtClean="0">
-                                <a:latin typeface="Cambria Math" panose="02040503050406030204" pitchFamily="18" charset="0"/>
+                                <a:latin typeface="Cambria Math" charset="0"/>
                               </a:rPr>
                             </m:ctrlPr>
                           </m:sSupPr>
@@ -23204,7 +23208,7 @@
                       <m:dPr>
                         <m:ctrlPr>
                           <a:rPr lang="en-CA" sz="1600" b="0" i="1" smtClean="0">
-                            <a:latin typeface="Cambria Math" panose="02040503050406030204" pitchFamily="18" charset="0"/>
+                            <a:latin typeface="Cambria Math" charset="0"/>
                           </a:rPr>
                         </m:ctrlPr>
                       </m:dPr>
@@ -23213,7 +23217,7 @@
                           <m:sSupPr>
                             <m:ctrlPr>
                               <a:rPr lang="en-CA" sz="1600" b="0" i="1" smtClean="0">
-                                <a:latin typeface="Cambria Math" panose="02040503050406030204" pitchFamily="18" charset="0"/>
+                                <a:latin typeface="Cambria Math" charset="0"/>
                               </a:rPr>
                             </m:ctrlPr>
                           </m:sSupPr>
@@ -23252,7 +23256,7 @@
                       <m:dPr>
                         <m:ctrlPr>
                           <a:rPr lang="en-CA" sz="1600" b="0" i="1" smtClean="0">
-                            <a:latin typeface="Cambria Math" panose="02040503050406030204" pitchFamily="18" charset="0"/>
+                            <a:latin typeface="Cambria Math" charset="0"/>
                           </a:rPr>
                         </m:ctrlPr>
                       </m:dPr>
@@ -23261,7 +23265,7 @@
                           <m:sSupPr>
                             <m:ctrlPr>
                               <a:rPr lang="en-CA" sz="1600" b="0" i="1" smtClean="0">
-                                <a:latin typeface="Cambria Math" panose="02040503050406030204" pitchFamily="18" charset="0"/>
+                                <a:latin typeface="Cambria Math" charset="0"/>
                               </a:rPr>
                             </m:ctrlPr>
                           </m:sSupPr>
@@ -23300,7 +23304,7 @@
                       <m:dPr>
                         <m:ctrlPr>
                           <a:rPr lang="en-CA" sz="1600" b="0" i="1" smtClean="0">
-                            <a:latin typeface="Cambria Math" panose="02040503050406030204" pitchFamily="18" charset="0"/>
+                            <a:latin typeface="Cambria Math" charset="0"/>
                           </a:rPr>
                         </m:ctrlPr>
                       </m:dPr>
@@ -23309,7 +23313,7 @@
                           <m:sSupPr>
                             <m:ctrlPr>
                               <a:rPr lang="en-CA" sz="1600" b="0" i="1" smtClean="0">
-                                <a:latin typeface="Cambria Math" panose="02040503050406030204" pitchFamily="18" charset="0"/>
+                                <a:latin typeface="Cambria Math" charset="0"/>
                               </a:rPr>
                             </m:ctrlPr>
                           </m:sSupPr>
@@ -23348,7 +23352,7 @@
                       <m:dPr>
                         <m:ctrlPr>
                           <a:rPr lang="en-CA" sz="1600" b="0" i="1" smtClean="0">
-                            <a:latin typeface="Cambria Math" panose="02040503050406030204" pitchFamily="18" charset="0"/>
+                            <a:latin typeface="Cambria Math" charset="0"/>
                           </a:rPr>
                         </m:ctrlPr>
                       </m:dPr>
@@ -23357,7 +23361,7 @@
                           <m:sSupPr>
                             <m:ctrlPr>
                               <a:rPr lang="en-CA" sz="1600" b="0" i="1" smtClean="0">
-                                <a:latin typeface="Cambria Math" panose="02040503050406030204" pitchFamily="18" charset="0"/>
+                                <a:latin typeface="Cambria Math" charset="0"/>
                               </a:rPr>
                             </m:ctrlPr>
                           </m:sSupPr>
@@ -23396,7 +23400,7 @@
                       <m:dPr>
                         <m:ctrlPr>
                           <a:rPr lang="en-CA" sz="1600" b="0" i="1" smtClean="0">
-                            <a:latin typeface="Cambria Math" panose="02040503050406030204" pitchFamily="18" charset="0"/>
+                            <a:latin typeface="Cambria Math" charset="0"/>
                           </a:rPr>
                         </m:ctrlPr>
                       </m:dPr>
@@ -23422,7 +23426,7 @@
             </p:txBody>
           </p:sp>
         </mc:Choice>
-        <mc:Fallback>
+        <mc:Fallback xmlns="">
           <p:sp>
             <p:nvSpPr>
               <p:cNvPr id="3" name="Content Placeholder 2"/>
@@ -23483,8 +23487,8 @@
           </a:p>
         </p:txBody>
       </p:sp>
-      <mc:AlternateContent xmlns:mc="http://schemas.openxmlformats.org/markup-compatibility/2006">
-        <mc:Choice xmlns:p14="http://schemas.microsoft.com/office/powerpoint/2010/main" Requires="p14">
+      <mc:AlternateContent xmlns:mc="http://schemas.openxmlformats.org/markup-compatibility/2006" xmlns:p14="http://schemas.microsoft.com/office/powerpoint/2010/main">
+        <mc:Choice Requires="p14">
           <p:contentPart p14:bwMode="auto" r:id="rId3">
             <p14:nvContentPartPr>
               <p14:cNvPr id="24" name="Ink 23"/>
@@ -23497,7 +23501,7 @@
             </p14:xfrm>
           </p:contentPart>
         </mc:Choice>
-        <mc:Fallback>
+        <mc:Fallback xmlns="">
           <p:pic>
             <p:nvPicPr>
               <p:cNvPr id="24" name="Ink 23"/>
@@ -23640,8 +23644,8 @@
           </a:p>
         </p:txBody>
       </p:sp>
-      <mc:AlternateContent xmlns:mc="http://schemas.openxmlformats.org/markup-compatibility/2006">
-        <mc:Choice xmlns:p14="http://schemas.microsoft.com/office/powerpoint/2010/main" Requires="p14">
+      <mc:AlternateContent xmlns:mc="http://schemas.openxmlformats.org/markup-compatibility/2006" xmlns:p14="http://schemas.microsoft.com/office/powerpoint/2010/main">
+        <mc:Choice Requires="p14">
           <p:contentPart p14:bwMode="auto" r:id="rId2">
             <p14:nvContentPartPr>
               <p14:cNvPr id="9" name="Ink 8"/>
@@ -23654,7 +23658,7 @@
             </p14:xfrm>
           </p:contentPart>
         </mc:Choice>
-        <mc:Fallback>
+        <mc:Fallback xmlns="">
           <p:pic>
             <p:nvPicPr>
               <p:cNvPr id="9" name="Ink 8"/>
@@ -23679,8 +23683,8 @@
           </p:pic>
         </mc:Fallback>
       </mc:AlternateContent>
-      <mc:AlternateContent xmlns:mc="http://schemas.openxmlformats.org/markup-compatibility/2006">
-        <mc:Choice xmlns:p14="http://schemas.microsoft.com/office/powerpoint/2010/main" Requires="p14">
+      <mc:AlternateContent xmlns:mc="http://schemas.openxmlformats.org/markup-compatibility/2006" xmlns:p14="http://schemas.microsoft.com/office/powerpoint/2010/main">
+        <mc:Choice Requires="p14">
           <p:contentPart p14:bwMode="auto" r:id="rId4">
             <p14:nvContentPartPr>
               <p14:cNvPr id="63" name="Ink 62"/>
@@ -23693,7 +23697,7 @@
             </p14:xfrm>
           </p:contentPart>
         </mc:Choice>
-        <mc:Fallback>
+        <mc:Fallback xmlns="">
           <p:pic>
             <p:nvPicPr>
               <p:cNvPr id="63" name="Ink 62"/>
@@ -23718,8 +23722,8 @@
           </p:pic>
         </mc:Fallback>
       </mc:AlternateContent>
-      <mc:AlternateContent xmlns:mc="http://schemas.openxmlformats.org/markup-compatibility/2006">
-        <mc:Choice xmlns:p14="http://schemas.microsoft.com/office/powerpoint/2010/main" Requires="p14">
+      <mc:AlternateContent xmlns:mc="http://schemas.openxmlformats.org/markup-compatibility/2006" xmlns:p14="http://schemas.microsoft.com/office/powerpoint/2010/main">
+        <mc:Choice Requires="p14">
           <p:contentPart p14:bwMode="auto" r:id="rId6">
             <p14:nvContentPartPr>
               <p14:cNvPr id="100" name="Ink 99"/>
@@ -23732,7 +23736,7 @@
             </p14:xfrm>
           </p:contentPart>
         </mc:Choice>
-        <mc:Fallback>
+        <mc:Fallback xmlns="">
           <p:pic>
             <p:nvPicPr>
               <p:cNvPr id="100" name="Ink 99"/>
@@ -23757,8 +23761,8 @@
           </p:pic>
         </mc:Fallback>
       </mc:AlternateContent>
-      <mc:AlternateContent xmlns:mc="http://schemas.openxmlformats.org/markup-compatibility/2006">
-        <mc:Choice xmlns:p14="http://schemas.microsoft.com/office/powerpoint/2010/main" Requires="p14">
+      <mc:AlternateContent xmlns:mc="http://schemas.openxmlformats.org/markup-compatibility/2006" xmlns:p14="http://schemas.microsoft.com/office/powerpoint/2010/main">
+        <mc:Choice Requires="p14">
           <p:contentPart p14:bwMode="auto" r:id="rId8">
             <p14:nvContentPartPr>
               <p14:cNvPr id="101" name="Ink 100"/>
@@ -23771,7 +23775,7 @@
             </p14:xfrm>
           </p:contentPart>
         </mc:Choice>
-        <mc:Fallback>
+        <mc:Fallback xmlns="">
           <p:pic>
             <p:nvPicPr>
               <p:cNvPr id="101" name="Ink 100"/>
@@ -23796,8 +23800,8 @@
           </p:pic>
         </mc:Fallback>
       </mc:AlternateContent>
-      <mc:AlternateContent xmlns:mc="http://schemas.openxmlformats.org/markup-compatibility/2006">
-        <mc:Choice xmlns:p14="http://schemas.microsoft.com/office/powerpoint/2010/main" Requires="p14">
+      <mc:AlternateContent xmlns:mc="http://schemas.openxmlformats.org/markup-compatibility/2006" xmlns:p14="http://schemas.microsoft.com/office/powerpoint/2010/main">
+        <mc:Choice Requires="p14">
           <p:contentPart p14:bwMode="auto" r:id="rId10">
             <p14:nvContentPartPr>
               <p14:cNvPr id="102" name="Ink 101"/>
@@ -23810,7 +23814,7 @@
             </p14:xfrm>
           </p:contentPart>
         </mc:Choice>
-        <mc:Fallback>
+        <mc:Fallback xmlns="">
           <p:pic>
             <p:nvPicPr>
               <p:cNvPr id="102" name="Ink 101"/>
@@ -23835,8 +23839,8 @@
           </p:pic>
         </mc:Fallback>
       </mc:AlternateContent>
-      <mc:AlternateContent xmlns:mc="http://schemas.openxmlformats.org/markup-compatibility/2006">
-        <mc:Choice xmlns:p14="http://schemas.microsoft.com/office/powerpoint/2010/main" Requires="p14">
+      <mc:AlternateContent xmlns:mc="http://schemas.openxmlformats.org/markup-compatibility/2006" xmlns:p14="http://schemas.microsoft.com/office/powerpoint/2010/main">
+        <mc:Choice Requires="p14">
           <p:contentPart p14:bwMode="auto" r:id="rId12">
             <p14:nvContentPartPr>
               <p14:cNvPr id="106" name="Ink 105"/>
@@ -23849,7 +23853,7 @@
             </p14:xfrm>
           </p:contentPart>
         </mc:Choice>
-        <mc:Fallback>
+        <mc:Fallback xmlns="">
           <p:pic>
             <p:nvPicPr>
               <p:cNvPr id="106" name="Ink 105"/>
@@ -23874,8 +23878,8 @@
           </p:pic>
         </mc:Fallback>
       </mc:AlternateContent>
-      <mc:AlternateContent xmlns:mc="http://schemas.openxmlformats.org/markup-compatibility/2006">
-        <mc:Choice xmlns:p14="http://schemas.microsoft.com/office/powerpoint/2010/main" Requires="p14">
+      <mc:AlternateContent xmlns:mc="http://schemas.openxmlformats.org/markup-compatibility/2006" xmlns:p14="http://schemas.microsoft.com/office/powerpoint/2010/main">
+        <mc:Choice Requires="p14">
           <p:contentPart p14:bwMode="auto" r:id="rId14">
             <p14:nvContentPartPr>
               <p14:cNvPr id="107" name="Ink 106"/>
@@ -23888,7 +23892,7 @@
             </p14:xfrm>
           </p:contentPart>
         </mc:Choice>
-        <mc:Fallback>
+        <mc:Fallback xmlns="">
           <p:pic>
             <p:nvPicPr>
               <p:cNvPr id="107" name="Ink 106"/>
@@ -23913,8 +23917,8 @@
           </p:pic>
         </mc:Fallback>
       </mc:AlternateContent>
-      <mc:AlternateContent xmlns:mc="http://schemas.openxmlformats.org/markup-compatibility/2006">
-        <mc:Choice xmlns:p14="http://schemas.microsoft.com/office/powerpoint/2010/main" Requires="p14">
+      <mc:AlternateContent xmlns:mc="http://schemas.openxmlformats.org/markup-compatibility/2006" xmlns:p14="http://schemas.microsoft.com/office/powerpoint/2010/main">
+        <mc:Choice Requires="p14">
           <p:contentPart p14:bwMode="auto" r:id="rId16">
             <p14:nvContentPartPr>
               <p14:cNvPr id="108" name="Ink 107"/>
@@ -23927,7 +23931,7 @@
             </p14:xfrm>
           </p:contentPart>
         </mc:Choice>
-        <mc:Fallback>
+        <mc:Fallback xmlns="">
           <p:pic>
             <p:nvPicPr>
               <p:cNvPr id="108" name="Ink 107"/>
@@ -24046,8 +24050,8 @@
           </a:p>
         </p:txBody>
       </p:sp>
-      <mc:AlternateContent xmlns:mc="http://schemas.openxmlformats.org/markup-compatibility/2006">
-        <mc:Choice xmlns:p14="http://schemas.microsoft.com/office/powerpoint/2010/main" Requires="p14">
+      <mc:AlternateContent xmlns:mc="http://schemas.openxmlformats.org/markup-compatibility/2006" xmlns:p14="http://schemas.microsoft.com/office/powerpoint/2010/main">
+        <mc:Choice Requires="p14">
           <p:contentPart p14:bwMode="auto" r:id="rId2">
             <p14:nvContentPartPr>
               <p14:cNvPr id="7" name="Ink 6"/>
@@ -24060,7 +24064,7 @@
             </p14:xfrm>
           </p:contentPart>
         </mc:Choice>
-        <mc:Fallback>
+        <mc:Fallback xmlns="">
           <p:pic>
             <p:nvPicPr>
               <p:cNvPr id="7" name="Ink 6"/>
@@ -24085,8 +24089,8 @@
           </p:pic>
         </mc:Fallback>
       </mc:AlternateContent>
-      <mc:AlternateContent xmlns:mc="http://schemas.openxmlformats.org/markup-compatibility/2006">
-        <mc:Choice xmlns:p14="http://schemas.microsoft.com/office/powerpoint/2010/main" Requires="p14">
+      <mc:AlternateContent xmlns:mc="http://schemas.openxmlformats.org/markup-compatibility/2006" xmlns:p14="http://schemas.microsoft.com/office/powerpoint/2010/main">
+        <mc:Choice Requires="p14">
           <p:contentPart p14:bwMode="auto" r:id="rId4">
             <p14:nvContentPartPr>
               <p14:cNvPr id="30" name="Ink 29"/>
@@ -24099,7 +24103,7 @@
             </p14:xfrm>
           </p:contentPart>
         </mc:Choice>
-        <mc:Fallback>
+        <mc:Fallback xmlns="">
           <p:pic>
             <p:nvPicPr>
               <p:cNvPr id="30" name="Ink 29"/>
@@ -24124,8 +24128,8 @@
           </p:pic>
         </mc:Fallback>
       </mc:AlternateContent>
-      <mc:AlternateContent xmlns:mc="http://schemas.openxmlformats.org/markup-compatibility/2006">
-        <mc:Choice xmlns:p14="http://schemas.microsoft.com/office/powerpoint/2010/main" Requires="p14">
+      <mc:AlternateContent xmlns:mc="http://schemas.openxmlformats.org/markup-compatibility/2006" xmlns:p14="http://schemas.microsoft.com/office/powerpoint/2010/main">
+        <mc:Choice Requires="p14">
           <p:contentPart p14:bwMode="auto" r:id="rId6">
             <p14:nvContentPartPr>
               <p14:cNvPr id="31" name="Ink 30"/>
@@ -24138,7 +24142,7 @@
             </p14:xfrm>
           </p:contentPart>
         </mc:Choice>
-        <mc:Fallback>
+        <mc:Fallback xmlns="">
           <p:pic>
             <p:nvPicPr>
               <p:cNvPr id="31" name="Ink 30"/>
@@ -24163,8 +24167,8 @@
           </p:pic>
         </mc:Fallback>
       </mc:AlternateContent>
-      <mc:AlternateContent xmlns:mc="http://schemas.openxmlformats.org/markup-compatibility/2006">
-        <mc:Choice xmlns:p14="http://schemas.microsoft.com/office/powerpoint/2010/main" Requires="p14">
+      <mc:AlternateContent xmlns:mc="http://schemas.openxmlformats.org/markup-compatibility/2006" xmlns:p14="http://schemas.microsoft.com/office/powerpoint/2010/main">
+        <mc:Choice Requires="p14">
           <p:contentPart p14:bwMode="auto" r:id="rId8">
             <p14:nvContentPartPr>
               <p14:cNvPr id="35" name="Ink 34"/>
@@ -24177,7 +24181,7 @@
             </p14:xfrm>
           </p:contentPart>
         </mc:Choice>
-        <mc:Fallback>
+        <mc:Fallback xmlns="">
           <p:pic>
             <p:nvPicPr>
               <p:cNvPr id="35" name="Ink 34"/>
@@ -24202,8 +24206,8 @@
           </p:pic>
         </mc:Fallback>
       </mc:AlternateContent>
-      <mc:AlternateContent xmlns:mc="http://schemas.openxmlformats.org/markup-compatibility/2006">
-        <mc:Choice xmlns:p14="http://schemas.microsoft.com/office/powerpoint/2010/main" Requires="p14">
+      <mc:AlternateContent xmlns:mc="http://schemas.openxmlformats.org/markup-compatibility/2006" xmlns:p14="http://schemas.microsoft.com/office/powerpoint/2010/main">
+        <mc:Choice Requires="p14">
           <p:contentPart p14:bwMode="auto" r:id="rId10">
             <p14:nvContentPartPr>
               <p14:cNvPr id="63" name="Ink 62"/>
@@ -24216,7 +24220,7 @@
             </p14:xfrm>
           </p:contentPart>
         </mc:Choice>
-        <mc:Fallback>
+        <mc:Fallback xmlns="">
           <p:pic>
             <p:nvPicPr>
               <p:cNvPr id="63" name="Ink 62"/>
@@ -24241,8 +24245,8 @@
           </p:pic>
         </mc:Fallback>
       </mc:AlternateContent>
-      <mc:AlternateContent xmlns:mc="http://schemas.openxmlformats.org/markup-compatibility/2006">
-        <mc:Choice xmlns:p14="http://schemas.microsoft.com/office/powerpoint/2010/main" Requires="p14">
+      <mc:AlternateContent xmlns:mc="http://schemas.openxmlformats.org/markup-compatibility/2006" xmlns:p14="http://schemas.microsoft.com/office/powerpoint/2010/main">
+        <mc:Choice Requires="p14">
           <p:contentPart p14:bwMode="auto" r:id="rId12">
             <p14:nvContentPartPr>
               <p14:cNvPr id="116" name="Ink 115"/>
@@ -24255,7 +24259,7 @@
             </p14:xfrm>
           </p:contentPart>
         </mc:Choice>
-        <mc:Fallback>
+        <mc:Fallback xmlns="">
           <p:pic>
             <p:nvPicPr>
               <p:cNvPr id="116" name="Ink 115"/>
@@ -24280,8 +24284,8 @@
           </p:pic>
         </mc:Fallback>
       </mc:AlternateContent>
-      <mc:AlternateContent xmlns:mc="http://schemas.openxmlformats.org/markup-compatibility/2006">
-        <mc:Choice xmlns:p14="http://schemas.microsoft.com/office/powerpoint/2010/main" Requires="p14">
+      <mc:AlternateContent xmlns:mc="http://schemas.openxmlformats.org/markup-compatibility/2006" xmlns:p14="http://schemas.microsoft.com/office/powerpoint/2010/main">
+        <mc:Choice Requires="p14">
           <p:contentPart p14:bwMode="auto" r:id="rId14">
             <p14:nvContentPartPr>
               <p14:cNvPr id="117" name="Ink 116"/>
@@ -24294,7 +24298,7 @@
             </p14:xfrm>
           </p:contentPart>
         </mc:Choice>
-        <mc:Fallback>
+        <mc:Fallback xmlns="">
           <p:pic>
             <p:nvPicPr>
               <p:cNvPr id="117" name="Ink 116"/>
@@ -24319,8 +24323,8 @@
           </p:pic>
         </mc:Fallback>
       </mc:AlternateContent>
-      <mc:AlternateContent xmlns:mc="http://schemas.openxmlformats.org/markup-compatibility/2006">
-        <mc:Choice xmlns:p14="http://schemas.microsoft.com/office/powerpoint/2010/main" Requires="p14">
+      <mc:AlternateContent xmlns:mc="http://schemas.openxmlformats.org/markup-compatibility/2006" xmlns:p14="http://schemas.microsoft.com/office/powerpoint/2010/main">
+        <mc:Choice Requires="p14">
           <p:contentPart p14:bwMode="auto" r:id="rId16">
             <p14:nvContentPartPr>
               <p14:cNvPr id="121" name="Ink 120"/>
@@ -24333,7 +24337,7 @@
             </p14:xfrm>
           </p:contentPart>
         </mc:Choice>
-        <mc:Fallback>
+        <mc:Fallback xmlns="">
           <p:pic>
             <p:nvPicPr>
               <p:cNvPr id="121" name="Ink 120"/>
@@ -24358,8 +24362,8 @@
           </p:pic>
         </mc:Fallback>
       </mc:AlternateContent>
-      <mc:AlternateContent xmlns:mc="http://schemas.openxmlformats.org/markup-compatibility/2006">
-        <mc:Choice xmlns:p14="http://schemas.microsoft.com/office/powerpoint/2010/main" Requires="p14">
+      <mc:AlternateContent xmlns:mc="http://schemas.openxmlformats.org/markup-compatibility/2006" xmlns:p14="http://schemas.microsoft.com/office/powerpoint/2010/main">
+        <mc:Choice Requires="p14">
           <p:contentPart p14:bwMode="auto" r:id="rId18">
             <p14:nvContentPartPr>
               <p14:cNvPr id="122" name="Ink 121"/>
@@ -24372,7 +24376,7 @@
             </p14:xfrm>
           </p:contentPart>
         </mc:Choice>
-        <mc:Fallback>
+        <mc:Fallback xmlns="">
           <p:pic>
             <p:nvPicPr>
               <p:cNvPr id="122" name="Ink 121"/>
@@ -24397,8 +24401,8 @@
           </p:pic>
         </mc:Fallback>
       </mc:AlternateContent>
-      <mc:AlternateContent xmlns:mc="http://schemas.openxmlformats.org/markup-compatibility/2006">
-        <mc:Choice xmlns:p14="http://schemas.microsoft.com/office/powerpoint/2010/main" Requires="p14">
+      <mc:AlternateContent xmlns:mc="http://schemas.openxmlformats.org/markup-compatibility/2006" xmlns:p14="http://schemas.microsoft.com/office/powerpoint/2010/main">
+        <mc:Choice Requires="p14">
           <p:contentPart p14:bwMode="auto" r:id="rId20">
             <p14:nvContentPartPr>
               <p14:cNvPr id="123" name="Ink 122"/>
@@ -24411,7 +24415,7 @@
             </p14:xfrm>
           </p:contentPart>
         </mc:Choice>
-        <mc:Fallback>
+        <mc:Fallback xmlns="">
           <p:pic>
             <p:nvPicPr>
               <p:cNvPr id="123" name="Ink 122"/>
@@ -24436,8 +24440,8 @@
           </p:pic>
         </mc:Fallback>
       </mc:AlternateContent>
-      <mc:AlternateContent xmlns:mc="http://schemas.openxmlformats.org/markup-compatibility/2006">
-        <mc:Choice xmlns:p14="http://schemas.microsoft.com/office/powerpoint/2010/main" Requires="p14">
+      <mc:AlternateContent xmlns:mc="http://schemas.openxmlformats.org/markup-compatibility/2006" xmlns:p14="http://schemas.microsoft.com/office/powerpoint/2010/main">
+        <mc:Choice Requires="p14">
           <p:contentPart p14:bwMode="auto" r:id="rId22">
             <p14:nvContentPartPr>
               <p14:cNvPr id="124" name="Ink 123"/>
@@ -24450,7 +24454,7 @@
             </p14:xfrm>
           </p:contentPart>
         </mc:Choice>
-        <mc:Fallback>
+        <mc:Fallback xmlns="">
           <p:pic>
             <p:nvPicPr>
               <p:cNvPr id="124" name="Ink 123"/>
@@ -24475,8 +24479,8 @@
           </p:pic>
         </mc:Fallback>
       </mc:AlternateContent>
-      <mc:AlternateContent xmlns:mc="http://schemas.openxmlformats.org/markup-compatibility/2006">
-        <mc:Choice xmlns:p14="http://schemas.microsoft.com/office/powerpoint/2010/main" Requires="p14">
+      <mc:AlternateContent xmlns:mc="http://schemas.openxmlformats.org/markup-compatibility/2006" xmlns:p14="http://schemas.microsoft.com/office/powerpoint/2010/main">
+        <mc:Choice Requires="p14">
           <p:contentPart p14:bwMode="auto" r:id="rId24">
             <p14:nvContentPartPr>
               <p14:cNvPr id="125" name="Ink 124"/>
@@ -24489,7 +24493,7 @@
             </p14:xfrm>
           </p:contentPart>
         </mc:Choice>
-        <mc:Fallback>
+        <mc:Fallback xmlns="">
           <p:pic>
             <p:nvPicPr>
               <p:cNvPr id="125" name="Ink 124"/>
@@ -24725,8 +24729,8 @@
           </a:p>
         </p:txBody>
       </p:sp>
-      <mc:AlternateContent xmlns:mc="http://schemas.openxmlformats.org/markup-compatibility/2006">
-        <mc:Choice xmlns:p14="http://schemas.microsoft.com/office/powerpoint/2010/main" Requires="p14">
+      <mc:AlternateContent xmlns:mc="http://schemas.openxmlformats.org/markup-compatibility/2006" xmlns:p14="http://schemas.microsoft.com/office/powerpoint/2010/main">
+        <mc:Choice Requires="p14">
           <p:contentPart p14:bwMode="auto" r:id="rId2">
             <p14:nvContentPartPr>
               <p14:cNvPr id="10" name="Ink 9"/>
@@ -24739,7 +24743,7 @@
             </p14:xfrm>
           </p:contentPart>
         </mc:Choice>
-        <mc:Fallback>
+        <mc:Fallback xmlns="">
           <p:pic>
             <p:nvPicPr>
               <p:cNvPr id="10" name="Ink 9"/>
@@ -24764,8 +24768,8 @@
           </p:pic>
         </mc:Fallback>
       </mc:AlternateContent>
-      <mc:AlternateContent xmlns:mc="http://schemas.openxmlformats.org/markup-compatibility/2006">
-        <mc:Choice xmlns:p14="http://schemas.microsoft.com/office/powerpoint/2010/main" Requires="p14">
+      <mc:AlternateContent xmlns:mc="http://schemas.openxmlformats.org/markup-compatibility/2006" xmlns:p14="http://schemas.microsoft.com/office/powerpoint/2010/main">
+        <mc:Choice Requires="p14">
           <p:contentPart p14:bwMode="auto" r:id="rId4">
             <p14:nvContentPartPr>
               <p14:cNvPr id="58" name="Ink 57"/>
@@ -24778,7 +24782,7 @@
             </p14:xfrm>
           </p:contentPart>
         </mc:Choice>
-        <mc:Fallback>
+        <mc:Fallback xmlns="">
           <p:pic>
             <p:nvPicPr>
               <p:cNvPr id="58" name="Ink 57"/>
@@ -24803,8 +24807,8 @@
           </p:pic>
         </mc:Fallback>
       </mc:AlternateContent>
-      <mc:AlternateContent xmlns:mc="http://schemas.openxmlformats.org/markup-compatibility/2006">
-        <mc:Choice xmlns:p14="http://schemas.microsoft.com/office/powerpoint/2010/main" Requires="p14">
+      <mc:AlternateContent xmlns:mc="http://schemas.openxmlformats.org/markup-compatibility/2006" xmlns:p14="http://schemas.microsoft.com/office/powerpoint/2010/main">
+        <mc:Choice Requires="p14">
           <p:contentPart p14:bwMode="auto" r:id="rId6">
             <p14:nvContentPartPr>
               <p14:cNvPr id="59" name="Ink 58"/>
@@ -24817,7 +24821,7 @@
             </p14:xfrm>
           </p:contentPart>
         </mc:Choice>
-        <mc:Fallback>
+        <mc:Fallback xmlns="">
           <p:pic>
             <p:nvPicPr>
               <p:cNvPr id="59" name="Ink 58"/>
@@ -24842,8 +24846,8 @@
           </p:pic>
         </mc:Fallback>
       </mc:AlternateContent>
-      <mc:AlternateContent xmlns:mc="http://schemas.openxmlformats.org/markup-compatibility/2006">
-        <mc:Choice xmlns:p14="http://schemas.microsoft.com/office/powerpoint/2010/main" Requires="p14">
+      <mc:AlternateContent xmlns:mc="http://schemas.openxmlformats.org/markup-compatibility/2006" xmlns:p14="http://schemas.microsoft.com/office/powerpoint/2010/main">
+        <mc:Choice Requires="p14">
           <p:contentPart p14:bwMode="auto" r:id="rId8">
             <p14:nvContentPartPr>
               <p14:cNvPr id="63" name="Ink 62"/>
@@ -24856,7 +24860,7 @@
             </p14:xfrm>
           </p:contentPart>
         </mc:Choice>
-        <mc:Fallback>
+        <mc:Fallback xmlns="">
           <p:pic>
             <p:nvPicPr>
               <p:cNvPr id="63" name="Ink 62"/>
@@ -24881,8 +24885,8 @@
           </p:pic>
         </mc:Fallback>
       </mc:AlternateContent>
-      <mc:AlternateContent xmlns:mc="http://schemas.openxmlformats.org/markup-compatibility/2006">
-        <mc:Choice xmlns:p14="http://schemas.microsoft.com/office/powerpoint/2010/main" Requires="p14">
+      <mc:AlternateContent xmlns:mc="http://schemas.openxmlformats.org/markup-compatibility/2006" xmlns:p14="http://schemas.microsoft.com/office/powerpoint/2010/main">
+        <mc:Choice Requires="p14">
           <p:contentPart p14:bwMode="auto" r:id="rId10">
             <p14:nvContentPartPr>
               <p14:cNvPr id="85" name="Ink 84"/>
@@ -24895,7 +24899,7 @@
             </p14:xfrm>
           </p:contentPart>
         </mc:Choice>
-        <mc:Fallback>
+        <mc:Fallback xmlns="">
           <p:pic>
             <p:nvPicPr>
               <p:cNvPr id="85" name="Ink 84"/>
@@ -24920,8 +24924,8 @@
           </p:pic>
         </mc:Fallback>
       </mc:AlternateContent>
-      <mc:AlternateContent xmlns:mc="http://schemas.openxmlformats.org/markup-compatibility/2006">
-        <mc:Choice xmlns:p14="http://schemas.microsoft.com/office/powerpoint/2010/main" Requires="p14">
+      <mc:AlternateContent xmlns:mc="http://schemas.openxmlformats.org/markup-compatibility/2006" xmlns:p14="http://schemas.microsoft.com/office/powerpoint/2010/main">
+        <mc:Choice Requires="p14">
           <p:contentPart p14:bwMode="auto" r:id="rId12">
             <p14:nvContentPartPr>
               <p14:cNvPr id="96" name="Ink 95"/>
@@ -24934,7 +24938,7 @@
             </p14:xfrm>
           </p:contentPart>
         </mc:Choice>
-        <mc:Fallback>
+        <mc:Fallback xmlns="">
           <p:pic>
             <p:nvPicPr>
               <p:cNvPr id="96" name="Ink 95"/>
@@ -24959,8 +24963,8 @@
           </p:pic>
         </mc:Fallback>
       </mc:AlternateContent>
-      <mc:AlternateContent xmlns:mc="http://schemas.openxmlformats.org/markup-compatibility/2006">
-        <mc:Choice xmlns:p14="http://schemas.microsoft.com/office/powerpoint/2010/main" Requires="p14">
+      <mc:AlternateContent xmlns:mc="http://schemas.openxmlformats.org/markup-compatibility/2006" xmlns:p14="http://schemas.microsoft.com/office/powerpoint/2010/main">
+        <mc:Choice Requires="p14">
           <p:contentPart p14:bwMode="auto" r:id="rId14">
             <p14:nvContentPartPr>
               <p14:cNvPr id="140" name="Ink 139"/>
@@ -24973,7 +24977,7 @@
             </p14:xfrm>
           </p:contentPart>
         </mc:Choice>
-        <mc:Fallback>
+        <mc:Fallback xmlns="">
           <p:pic>
             <p:nvPicPr>
               <p:cNvPr id="140" name="Ink 139"/>
@@ -24998,8 +25002,8 @@
           </p:pic>
         </mc:Fallback>
       </mc:AlternateContent>
-      <mc:AlternateContent xmlns:mc="http://schemas.openxmlformats.org/markup-compatibility/2006">
-        <mc:Choice xmlns:p14="http://schemas.microsoft.com/office/powerpoint/2010/main" Requires="p14">
+      <mc:AlternateContent xmlns:mc="http://schemas.openxmlformats.org/markup-compatibility/2006" xmlns:p14="http://schemas.microsoft.com/office/powerpoint/2010/main">
+        <mc:Choice Requires="p14">
           <p:contentPart p14:bwMode="auto" r:id="rId16">
             <p14:nvContentPartPr>
               <p14:cNvPr id="163" name="Ink 162"/>
@@ -25012,7 +25016,7 @@
             </p14:xfrm>
           </p:contentPart>
         </mc:Choice>
-        <mc:Fallback>
+        <mc:Fallback xmlns="">
           <p:pic>
             <p:nvPicPr>
               <p:cNvPr id="163" name="Ink 162"/>
@@ -25037,8 +25041,8 @@
           </p:pic>
         </mc:Fallback>
       </mc:AlternateContent>
-      <mc:AlternateContent xmlns:mc="http://schemas.openxmlformats.org/markup-compatibility/2006">
-        <mc:Choice xmlns:p14="http://schemas.microsoft.com/office/powerpoint/2010/main" Requires="p14">
+      <mc:AlternateContent xmlns:mc="http://schemas.openxmlformats.org/markup-compatibility/2006" xmlns:p14="http://schemas.microsoft.com/office/powerpoint/2010/main">
+        <mc:Choice Requires="p14">
           <p:contentPart p14:bwMode="auto" r:id="rId18">
             <p14:nvContentPartPr>
               <p14:cNvPr id="164" name="Ink 163"/>
@@ -25051,7 +25055,7 @@
             </p14:xfrm>
           </p:contentPart>
         </mc:Choice>
-        <mc:Fallback>
+        <mc:Fallback xmlns="">
           <p:pic>
             <p:nvPicPr>
               <p:cNvPr id="164" name="Ink 163"/>
@@ -25076,8 +25080,8 @@
           </p:pic>
         </mc:Fallback>
       </mc:AlternateContent>
-      <mc:AlternateContent xmlns:mc="http://schemas.openxmlformats.org/markup-compatibility/2006">
-        <mc:Choice xmlns:p14="http://schemas.microsoft.com/office/powerpoint/2010/main" Requires="p14">
+      <mc:AlternateContent xmlns:mc="http://schemas.openxmlformats.org/markup-compatibility/2006" xmlns:p14="http://schemas.microsoft.com/office/powerpoint/2010/main">
+        <mc:Choice Requires="p14">
           <p:contentPart p14:bwMode="auto" r:id="rId20">
             <p14:nvContentPartPr>
               <p14:cNvPr id="165" name="Ink 164"/>
@@ -25090,7 +25094,7 @@
             </p14:xfrm>
           </p:contentPart>
         </mc:Choice>
-        <mc:Fallback>
+        <mc:Fallback xmlns="">
           <p:pic>
             <p:nvPicPr>
               <p:cNvPr id="165" name="Ink 164"/>
@@ -25280,8 +25284,8 @@
           </a:p>
         </p:txBody>
       </p:sp>
-      <mc:AlternateContent xmlns:mc="http://schemas.openxmlformats.org/markup-compatibility/2006">
-        <mc:Choice xmlns:a14="http://schemas.microsoft.com/office/drawing/2010/main" Requires="a14">
+      <mc:AlternateContent xmlns:mc="http://schemas.openxmlformats.org/markup-compatibility/2006" xmlns:a14="http://schemas.microsoft.com/office/drawing/2010/main">
+        <mc:Choice Requires="a14">
           <p:sp>
             <p:nvSpPr>
               <p:cNvPr id="5" name="Rectangle 4"/>
@@ -25359,7 +25363,7 @@
                       <m:sSubPr>
                         <m:ctrlPr>
                           <a:rPr lang="en-CA" b="0" i="1" smtClean="0">
-                            <a:latin typeface="Cambria Math" panose="02040503050406030204" pitchFamily="18" charset="0"/>
+                            <a:latin typeface="Cambria Math" charset="0"/>
                           </a:rPr>
                         </m:ctrlPr>
                       </m:sSubPr>
@@ -25419,7 +25423,7 @@
                       <m:sSubPr>
                         <m:ctrlPr>
                           <a:rPr lang="en-CA" b="0" i="1" smtClean="0">
-                            <a:latin typeface="Cambria Math" panose="02040503050406030204" pitchFamily="18" charset="0"/>
+                            <a:latin typeface="Cambria Math" charset="0"/>
                           </a:rPr>
                         </m:ctrlPr>
                       </m:sSubPr>
@@ -25467,7 +25471,7 @@
                       <m:sSubPr>
                         <m:ctrlPr>
                           <a:rPr lang="en-CA" b="0" i="1" smtClean="0">
-                            <a:latin typeface="Cambria Math" panose="02040503050406030204" pitchFamily="18" charset="0"/>
+                            <a:latin typeface="Cambria Math" charset="0"/>
                           </a:rPr>
                         </m:ctrlPr>
                       </m:sSubPr>
@@ -25557,7 +25561,7 @@
                       <m:dPr>
                         <m:ctrlPr>
                           <a:rPr lang="en-CA" b="0" i="1" smtClean="0">
-                            <a:latin typeface="Cambria Math" panose="02040503050406030204" pitchFamily="18" charset="0"/>
+                            <a:latin typeface="Cambria Math" charset="0"/>
                           </a:rPr>
                         </m:ctrlPr>
                       </m:dPr>
@@ -25827,7 +25831,7 @@
             </p:txBody>
           </p:sp>
         </mc:Choice>
-        <mc:Fallback>
+        <mc:Fallback xmlns="">
           <p:sp>
             <p:nvSpPr>
               <p:cNvPr id="5" name="Rectangle 4"/>
@@ -25866,8 +25870,8 @@
           </p:sp>
         </mc:Fallback>
       </mc:AlternateContent>
-      <mc:AlternateContent xmlns:mc="http://schemas.openxmlformats.org/markup-compatibility/2006">
-        <mc:Choice xmlns:a14="http://schemas.microsoft.com/office/drawing/2010/main" Requires="a14">
+      <mc:AlternateContent xmlns:mc="http://schemas.openxmlformats.org/markup-compatibility/2006" xmlns:a14="http://schemas.microsoft.com/office/drawing/2010/main">
+        <mc:Choice Requires="a14">
           <p:sp>
             <p:nvSpPr>
               <p:cNvPr id="6" name="TextBox 5"/>
@@ -25900,7 +25904,7 @@
                       <m:sSubPr>
                         <m:ctrlPr>
                           <a:rPr lang="en-CA" b="0" i="1" smtClean="0">
-                            <a:latin typeface="Cambria Math" panose="02040503050406030204" pitchFamily="18" charset="0"/>
+                            <a:latin typeface="Cambria Math" charset="0"/>
                           </a:rPr>
                         </m:ctrlPr>
                       </m:sSubPr>
@@ -25948,7 +25952,7 @@
                       <m:sSubPr>
                         <m:ctrlPr>
                           <a:rPr lang="en-CA" b="0" i="1" smtClean="0">
-                            <a:latin typeface="Cambria Math" panose="02040503050406030204" pitchFamily="18" charset="0"/>
+                            <a:latin typeface="Cambria Math" charset="0"/>
                           </a:rPr>
                         </m:ctrlPr>
                       </m:sSubPr>
@@ -25971,7 +25975,7 @@
                           <m:dPr>
                             <m:ctrlPr>
                               <a:rPr lang="en-CA" b="0" i="1" smtClean="0">
-                                <a:latin typeface="Cambria Math" panose="02040503050406030204" pitchFamily="18" charset="0"/>
+                                <a:latin typeface="Cambria Math" charset="0"/>
                               </a:rPr>
                             </m:ctrlPr>
                           </m:dPr>
@@ -25998,7 +26002,7 @@
                       <m:sSubPr>
                         <m:ctrlPr>
                           <a:rPr lang="en-CA" b="0" i="1" smtClean="0">
-                            <a:latin typeface="Cambria Math" panose="02040503050406030204" pitchFamily="18" charset="0"/>
+                            <a:latin typeface="Cambria Math" charset="0"/>
                           </a:rPr>
                         </m:ctrlPr>
                       </m:sSubPr>
@@ -26048,7 +26052,7 @@
                       <m:sSubPr>
                         <m:ctrlPr>
                           <a:rPr lang="en-CA" b="0" i="1" smtClean="0">
-                            <a:latin typeface="Cambria Math" panose="02040503050406030204" pitchFamily="18" charset="0"/>
+                            <a:latin typeface="Cambria Math" charset="0"/>
                           </a:rPr>
                         </m:ctrlPr>
                       </m:sSubPr>
@@ -26071,7 +26075,7 @@
                           <m:dPr>
                             <m:ctrlPr>
                               <a:rPr lang="en-CA" b="0" i="1" smtClean="0">
-                                <a:latin typeface="Cambria Math" panose="02040503050406030204" pitchFamily="18" charset="0"/>
+                                <a:latin typeface="Cambria Math" charset="0"/>
                               </a:rPr>
                             </m:ctrlPr>
                           </m:dPr>
@@ -26101,7 +26105,7 @@
                       <m:sSubPr>
                         <m:ctrlPr>
                           <a:rPr lang="en-CA" b="0" i="1" smtClean="0">
-                            <a:latin typeface="Cambria Math" panose="02040503050406030204" pitchFamily="18" charset="0"/>
+                            <a:latin typeface="Cambria Math" charset="0"/>
                           </a:rPr>
                         </m:ctrlPr>
                       </m:sSubPr>
@@ -26149,7 +26153,7 @@
                       <m:sSubPr>
                         <m:ctrlPr>
                           <a:rPr lang="en-CA" b="0" i="1" smtClean="0">
-                            <a:latin typeface="Cambria Math" panose="02040503050406030204" pitchFamily="18" charset="0"/>
+                            <a:latin typeface="Cambria Math" charset="0"/>
                           </a:rPr>
                         </m:ctrlPr>
                       </m:sSubPr>
@@ -26183,7 +26187,7 @@
             </p:txBody>
           </p:sp>
         </mc:Choice>
-        <mc:Fallback>
+        <mc:Fallback xmlns="">
           <p:sp>
             <p:nvSpPr>
               <p:cNvPr id="6" name="TextBox 5"/>
@@ -26252,8 +26256,8 @@
           <a:chExt cx="0" cy="0"/>
         </a:xfrm>
       </p:grpSpPr>
-      <mc:AlternateContent xmlns:mc="http://schemas.openxmlformats.org/markup-compatibility/2006">
-        <mc:Choice xmlns:a14="http://schemas.microsoft.com/office/drawing/2010/main" Requires="a14">
+      <mc:AlternateContent xmlns:mc="http://schemas.openxmlformats.org/markup-compatibility/2006" xmlns:a14="http://schemas.microsoft.com/office/drawing/2010/main">
+        <mc:Choice Requires="a14">
           <p:sp>
             <p:nvSpPr>
               <p:cNvPr id="3" name="Content Placeholder 2"/>
@@ -26286,7 +26290,7 @@
                         <m:endChr m:val="}"/>
                         <m:ctrlPr>
                           <a:rPr lang="en-CA" b="0" i="1" smtClean="0">
-                            <a:latin typeface="Cambria Math" panose="02040503050406030204" pitchFamily="18" charset="0"/>
+                            <a:latin typeface="Cambria Math" charset="0"/>
                           </a:rPr>
                         </m:ctrlPr>
                       </m:dPr>
@@ -26295,7 +26299,7 @@
                           <m:sSubPr>
                             <m:ctrlPr>
                               <a:rPr lang="en-CA" b="0" i="1" smtClean="0">
-                                <a:latin typeface="Cambria Math" panose="02040503050406030204" pitchFamily="18" charset="0"/>
+                                <a:latin typeface="Cambria Math" charset="0"/>
                               </a:rPr>
                             </m:ctrlPr>
                           </m:sSubPr>
@@ -26326,7 +26330,7 @@
                           <m:sSubPr>
                             <m:ctrlPr>
                               <a:rPr lang="en-CA" b="0" i="1" smtClean="0">
-                                <a:latin typeface="Cambria Math" panose="02040503050406030204" pitchFamily="18" charset="0"/>
+                                <a:latin typeface="Cambria Math" charset="0"/>
                               </a:rPr>
                             </m:ctrlPr>
                           </m:sSubPr>
@@ -26394,7 +26398,7 @@
             </p:txBody>
           </p:sp>
         </mc:Choice>
-        <mc:Fallback>
+        <mc:Fallback xmlns="">
           <p:sp>
             <p:nvSpPr>
               <p:cNvPr id="3" name="Content Placeholder 2"/>
@@ -26455,8 +26459,8 @@
           </a:p>
         </p:txBody>
       </p:sp>
-      <mc:AlternateContent xmlns:mc="http://schemas.openxmlformats.org/markup-compatibility/2006">
-        <mc:Choice xmlns:a14="http://schemas.microsoft.com/office/drawing/2010/main" Requires="a14">
+      <mc:AlternateContent xmlns:mc="http://schemas.openxmlformats.org/markup-compatibility/2006" xmlns:a14="http://schemas.microsoft.com/office/drawing/2010/main">
+        <mc:Choice Requires="a14">
           <p:sp>
             <p:nvSpPr>
               <p:cNvPr id="7" name="TextBox 6"/>
@@ -26479,6 +26483,7 @@
               </a:bodyPr>
               <a:lstStyle/>
               <a:p>
+                <a:pPr/>
                 <a14:m>
                   <m:oMathPara xmlns:m="http://schemas.openxmlformats.org/officeDocument/2006/math">
                     <m:oMathParaPr>
@@ -26489,7 +26494,7 @@
                         <m:sSubPr>
                           <m:ctrlPr>
                             <a:rPr lang="en-CA" b="0" i="1" smtClean="0">
-                              <a:latin typeface="Cambria Math" panose="02040503050406030204" pitchFamily="18" charset="0"/>
+                              <a:latin typeface="Cambria Math" charset="0"/>
                             </a:rPr>
                           </m:ctrlPr>
                         </m:sSubPr>
@@ -26594,7 +26599,7 @@
                           <m:endChr m:val="}"/>
                           <m:ctrlPr>
                             <a:rPr lang="en-CA" b="0" i="1" smtClean="0">
-                              <a:latin typeface="Cambria Math" panose="02040503050406030204" pitchFamily="18" charset="0"/>
+                              <a:latin typeface="Cambria Math" charset="0"/>
                             </a:rPr>
                           </m:ctrlPr>
                         </m:dPr>
@@ -26603,7 +26608,7 @@
                             <m:sSubPr>
                               <m:ctrlPr>
                                 <a:rPr lang="en-CA" b="0" i="1" smtClean="0">
-                                  <a:latin typeface="Cambria Math" panose="02040503050406030204" pitchFamily="18" charset="0"/>
+                                  <a:latin typeface="Cambria Math" charset="0"/>
                                 </a:rPr>
                               </m:ctrlPr>
                             </m:sSubPr>
@@ -26634,7 +26639,7 @@
                             <m:sSubPr>
                               <m:ctrlPr>
                                 <a:rPr lang="en-CA" b="0" i="1" smtClean="0">
-                                  <a:latin typeface="Cambria Math" panose="02040503050406030204" pitchFamily="18" charset="0"/>
+                                  <a:latin typeface="Cambria Math" charset="0"/>
                                 </a:rPr>
                               </m:ctrlPr>
                             </m:sSubPr>
@@ -26679,7 +26684,7 @@
                       <m:sSubPr>
                         <m:ctrlPr>
                           <a:rPr lang="en-CA" b="0" i="1" smtClean="0">
-                            <a:latin typeface="Cambria Math" panose="02040503050406030204" pitchFamily="18" charset="0"/>
+                            <a:latin typeface="Cambria Math" charset="0"/>
                           </a:rPr>
                         </m:ctrlPr>
                       </m:sSubPr>
@@ -26810,7 +26815,7 @@
                         <m:supHide m:val="on"/>
                         <m:ctrlPr>
                           <a:rPr lang="en-CA" b="0" i="1" smtClean="0">
-                            <a:latin typeface="Cambria Math" panose="02040503050406030204" pitchFamily="18" charset="0"/>
+                            <a:latin typeface="Cambria Math" charset="0"/>
                           </a:rPr>
                         </m:ctrlPr>
                       </m:naryPr>
@@ -26834,7 +26839,7 @@
                           <m:sSubPr>
                             <m:ctrlPr>
                               <a:rPr lang="en-CA" b="0" i="1" smtClean="0">
-                                <a:latin typeface="Cambria Math" panose="02040503050406030204" pitchFamily="18" charset="0"/>
+                                <a:latin typeface="Cambria Math" charset="0"/>
                               </a:rPr>
                             </m:ctrlPr>
                           </m:sSubPr>
@@ -26851,7 +26856,7 @@
                               <m:sSubPr>
                                 <m:ctrlPr>
                                   <a:rPr lang="en-CA" b="0" i="1" smtClean="0">
-                                    <a:latin typeface="Cambria Math" panose="02040503050406030204" pitchFamily="18" charset="0"/>
+                                    <a:latin typeface="Cambria Math" charset="0"/>
                                   </a:rPr>
                                 </m:ctrlPr>
                               </m:sSubPr>
@@ -26881,7 +26886,7 @@
                           <m:sSubPr>
                             <m:ctrlPr>
                               <a:rPr lang="en-CA" b="0" i="1" smtClean="0">
-                                <a:latin typeface="Cambria Math" panose="02040503050406030204" pitchFamily="18" charset="0"/>
+                                <a:latin typeface="Cambria Math" charset="0"/>
                               </a:rPr>
                             </m:ctrlPr>
                           </m:sSubPr>
@@ -26937,7 +26942,7 @@
                       <m:sSubPr>
                         <m:ctrlPr>
                           <a:rPr lang="en-CA" b="0" i="1" smtClean="0">
-                            <a:latin typeface="Cambria Math" panose="02040503050406030204" pitchFamily="18" charset="0"/>
+                            <a:latin typeface="Cambria Math" charset="0"/>
                           </a:rPr>
                         </m:ctrlPr>
                       </m:sSubPr>
@@ -26968,7 +26973,7 @@
                       <m:sSubPr>
                         <m:ctrlPr>
                           <a:rPr lang="en-CA" b="0" i="1" smtClean="0">
-                            <a:latin typeface="Cambria Math" panose="02040503050406030204" pitchFamily="18" charset="0"/>
+                            <a:latin typeface="Cambria Math" charset="0"/>
                           </a:rPr>
                         </m:ctrlPr>
                       </m:sSubPr>
@@ -26985,7 +26990,7 @@
                           <m:sSubPr>
                             <m:ctrlPr>
                               <a:rPr lang="en-CA" b="0" i="1" smtClean="0">
-                                <a:latin typeface="Cambria Math" panose="02040503050406030204" pitchFamily="18" charset="0"/>
+                                <a:latin typeface="Cambria Math" charset="0"/>
                               </a:rPr>
                             </m:ctrlPr>
                           </m:sSubPr>
@@ -27027,7 +27032,7 @@
                       <m:sSubPr>
                         <m:ctrlPr>
                           <a:rPr lang="en-CA" b="0" i="1" smtClean="0">
-                            <a:latin typeface="Cambria Math" panose="02040503050406030204" pitchFamily="18" charset="0"/>
+                            <a:latin typeface="Cambria Math" charset="0"/>
                           </a:rPr>
                         </m:ctrlPr>
                       </m:sSubPr>
@@ -27064,7 +27069,7 @@
                       <m:sSubPr>
                         <m:ctrlPr>
                           <a:rPr lang="en-CA" b="0" i="1" smtClean="0">
-                            <a:latin typeface="Cambria Math" panose="02040503050406030204" pitchFamily="18" charset="0"/>
+                            <a:latin typeface="Cambria Math" charset="0"/>
                           </a:rPr>
                         </m:ctrlPr>
                       </m:sSubPr>
@@ -27087,7 +27092,7 @@
                           <m:dPr>
                             <m:ctrlPr>
                               <a:rPr lang="en-CA" b="0" i="1" smtClean="0">
-                                <a:latin typeface="Cambria Math" panose="02040503050406030204" pitchFamily="18" charset="0"/>
+                                <a:latin typeface="Cambria Math" charset="0"/>
                               </a:rPr>
                             </m:ctrlPr>
                           </m:dPr>
@@ -27112,7 +27117,7 @@
                       <m:sSubPr>
                         <m:ctrlPr>
                           <a:rPr lang="en-CA" b="0" i="1" smtClean="0">
-                            <a:latin typeface="Cambria Math" panose="02040503050406030204" pitchFamily="18" charset="0"/>
+                            <a:latin typeface="Cambria Math" charset="0"/>
                           </a:rPr>
                         </m:ctrlPr>
                       </m:sSubPr>
@@ -27166,7 +27171,7 @@
                       <m:sSubPr>
                         <m:ctrlPr>
                           <a:rPr lang="en-CA" b="0" i="1" smtClean="0">
-                            <a:latin typeface="Cambria Math" panose="02040503050406030204" pitchFamily="18" charset="0"/>
+                            <a:latin typeface="Cambria Math" charset="0"/>
                           </a:rPr>
                         </m:ctrlPr>
                       </m:sSubPr>
@@ -27197,7 +27202,7 @@
                       <m:sSubPr>
                         <m:ctrlPr>
                           <a:rPr lang="en-CA" b="0" i="1" smtClean="0">
-                            <a:latin typeface="Cambria Math" panose="02040503050406030204" pitchFamily="18" charset="0"/>
+                            <a:latin typeface="Cambria Math" charset="0"/>
                           </a:rPr>
                         </m:ctrlPr>
                       </m:sSubPr>
@@ -27214,7 +27219,7 @@
                           <m:sSubPr>
                             <m:ctrlPr>
                               <a:rPr lang="en-CA" b="0" i="1" smtClean="0">
-                                <a:latin typeface="Cambria Math" panose="02040503050406030204" pitchFamily="18" charset="0"/>
+                                <a:latin typeface="Cambria Math" charset="0"/>
                               </a:rPr>
                             </m:ctrlPr>
                           </m:sSubPr>
@@ -27253,7 +27258,7 @@
                       <m:sSubPr>
                         <m:ctrlPr>
                           <a:rPr lang="en-CA" b="0" i="1" smtClean="0">
-                            <a:latin typeface="Cambria Math" panose="02040503050406030204" pitchFamily="18" charset="0"/>
+                            <a:latin typeface="Cambria Math" charset="0"/>
                           </a:rPr>
                         </m:ctrlPr>
                       </m:sSubPr>
@@ -27290,7 +27295,7 @@
                       <m:sSubPr>
                         <m:ctrlPr>
                           <a:rPr lang="en-CA" b="0" i="1" smtClean="0">
-                            <a:latin typeface="Cambria Math" panose="02040503050406030204" pitchFamily="18" charset="0"/>
+                            <a:latin typeface="Cambria Math" charset="0"/>
                           </a:rPr>
                         </m:ctrlPr>
                       </m:sSubPr>
@@ -27338,7 +27343,7 @@
                       <m:sSubPr>
                         <m:ctrlPr>
                           <a:rPr lang="en-CA" b="0" i="1" smtClean="0">
-                            <a:latin typeface="Cambria Math" panose="02040503050406030204" pitchFamily="18" charset="0"/>
+                            <a:latin typeface="Cambria Math" charset="0"/>
                           </a:rPr>
                         </m:ctrlPr>
                       </m:sSubPr>
@@ -27369,7 +27374,7 @@
                       <m:funcPr>
                         <m:ctrlPr>
                           <a:rPr lang="en-CA" b="0" i="1" smtClean="0">
-                            <a:latin typeface="Cambria Math" panose="02040503050406030204" pitchFamily="18" charset="0"/>
+                            <a:latin typeface="Cambria Math" charset="0"/>
                           </a:rPr>
                         </m:ctrlPr>
                       </m:funcPr>
@@ -27391,7 +27396,7 @@
                             <m:endChr m:val="}"/>
                             <m:ctrlPr>
                               <a:rPr lang="en-CA" b="0" i="1" smtClean="0">
-                                <a:latin typeface="Cambria Math" panose="02040503050406030204" pitchFamily="18" charset="0"/>
+                                <a:latin typeface="Cambria Math" charset="0"/>
                               </a:rPr>
                             </m:ctrlPr>
                           </m:dPr>
@@ -27406,7 +27411,7 @@
                               <m:sSubPr>
                                 <m:ctrlPr>
                                   <a:rPr lang="en-CA" b="0" i="1" smtClean="0">
-                                    <a:latin typeface="Cambria Math" panose="02040503050406030204" pitchFamily="18" charset="0"/>
+                                    <a:latin typeface="Cambria Math" charset="0"/>
                                   </a:rPr>
                                 </m:ctrlPr>
                               </m:sSubPr>
@@ -27449,7 +27454,7 @@
                               <m:sSubPr>
                                 <m:ctrlPr>
                                   <a:rPr lang="en-CA" b="0" i="1" smtClean="0">
-                                    <a:latin typeface="Cambria Math" panose="02040503050406030204" pitchFamily="18" charset="0"/>
+                                    <a:latin typeface="Cambria Math" charset="0"/>
                                   </a:rPr>
                                 </m:ctrlPr>
                               </m:sSubPr>
@@ -27472,7 +27477,7 @@
                                   <m:dPr>
                                     <m:ctrlPr>
                                       <a:rPr lang="en-CA" b="0" i="1" smtClean="0">
-                                        <a:latin typeface="Cambria Math" panose="02040503050406030204" pitchFamily="18" charset="0"/>
+                                        <a:latin typeface="Cambria Math" charset="0"/>
                                       </a:rPr>
                                     </m:ctrlPr>
                                   </m:dPr>
@@ -27497,7 +27502,7 @@
                               <m:sSubPr>
                                 <m:ctrlPr>
                                   <a:rPr lang="en-CA" b="0" i="1" smtClean="0">
-                                    <a:latin typeface="Cambria Math" panose="02040503050406030204" pitchFamily="18" charset="0"/>
+                                    <a:latin typeface="Cambria Math" charset="0"/>
                                   </a:rPr>
                                 </m:ctrlPr>
                               </m:sSubPr>
@@ -27558,7 +27563,7 @@
                       <m:sSubPr>
                         <m:ctrlPr>
                           <a:rPr lang="en-CA" b="0" i="1" smtClean="0">
-                            <a:latin typeface="Cambria Math" panose="02040503050406030204" pitchFamily="18" charset="0"/>
+                            <a:latin typeface="Cambria Math" charset="0"/>
                           </a:rPr>
                         </m:ctrlPr>
                       </m:sSubPr>
@@ -27601,7 +27606,7 @@
                       <m:sSubPr>
                         <m:ctrlPr>
                           <a:rPr lang="en-CA" b="0" i="1" smtClean="0">
-                            <a:latin typeface="Cambria Math" panose="02040503050406030204" pitchFamily="18" charset="0"/>
+                            <a:latin typeface="Cambria Math" charset="0"/>
                           </a:rPr>
                         </m:ctrlPr>
                       </m:sSubPr>
@@ -27624,7 +27629,7 @@
                           <m:dPr>
                             <m:ctrlPr>
                               <a:rPr lang="en-CA" b="0" i="1" smtClean="0">
-                                <a:latin typeface="Cambria Math" panose="02040503050406030204" pitchFamily="18" charset="0"/>
+                                <a:latin typeface="Cambria Math" charset="0"/>
                               </a:rPr>
                             </m:ctrlPr>
                           </m:dPr>
@@ -27649,7 +27654,7 @@
                       <m:sSubPr>
                         <m:ctrlPr>
                           <a:rPr lang="en-CA" b="0" i="1" smtClean="0">
-                            <a:latin typeface="Cambria Math" panose="02040503050406030204" pitchFamily="18" charset="0"/>
+                            <a:latin typeface="Cambria Math" charset="0"/>
                           </a:rPr>
                         </m:ctrlPr>
                       </m:sSubPr>
@@ -27700,7 +27705,7 @@
                       <m:sSubPr>
                         <m:ctrlPr>
                           <a:rPr lang="en-CA" b="0" i="1" smtClean="0">
-                            <a:latin typeface="Cambria Math" panose="02040503050406030204" pitchFamily="18" charset="0"/>
+                            <a:latin typeface="Cambria Math" charset="0"/>
                           </a:rPr>
                         </m:ctrlPr>
                       </m:sSubPr>
@@ -27731,7 +27736,7 @@
                       <m:sSubPr>
                         <m:ctrlPr>
                           <a:rPr lang="en-CA" b="0" i="1" smtClean="0">
-                            <a:latin typeface="Cambria Math" panose="02040503050406030204" pitchFamily="18" charset="0"/>
+                            <a:latin typeface="Cambria Math" charset="0"/>
                           </a:rPr>
                         </m:ctrlPr>
                       </m:sSubPr>
@@ -27748,7 +27753,7 @@
                           <m:sSubPr>
                             <m:ctrlPr>
                               <a:rPr lang="en-CA" b="0" i="1" smtClean="0">
-                                <a:latin typeface="Cambria Math" panose="02040503050406030204" pitchFamily="18" charset="0"/>
+                                <a:latin typeface="Cambria Math" charset="0"/>
                               </a:rPr>
                             </m:ctrlPr>
                           </m:sSubPr>
@@ -27806,7 +27811,7 @@
                       <m:sSubPr>
                         <m:ctrlPr>
                           <a:rPr lang="en-CA" b="0" i="1" smtClean="0">
-                            <a:latin typeface="Cambria Math" panose="02040503050406030204" pitchFamily="18" charset="0"/>
+                            <a:latin typeface="Cambria Math" charset="0"/>
                           </a:rPr>
                         </m:ctrlPr>
                       </m:sSubPr>
@@ -27837,7 +27842,7 @@
                       <m:sSubPr>
                         <m:ctrlPr>
                           <a:rPr lang="en-CA" b="0" i="1" smtClean="0">
-                            <a:latin typeface="Cambria Math" panose="02040503050406030204" pitchFamily="18" charset="0"/>
+                            <a:latin typeface="Cambria Math" charset="0"/>
                           </a:rPr>
                         </m:ctrlPr>
                       </m:sSubPr>
@@ -27854,7 +27859,7 @@
                           <m:sSubPr>
                             <m:ctrlPr>
                               <a:rPr lang="en-CA" b="0" i="1" smtClean="0">
-                                <a:latin typeface="Cambria Math" panose="02040503050406030204" pitchFamily="18" charset="0"/>
+                                <a:latin typeface="Cambria Math" charset="0"/>
                               </a:rPr>
                             </m:ctrlPr>
                           </m:sSubPr>
@@ -27890,7 +27895,7 @@
             </p:txBody>
           </p:sp>
         </mc:Choice>
-        <mc:Fallback>
+        <mc:Fallback xmlns="">
           <p:sp>
             <p:nvSpPr>
               <p:cNvPr id="7" name="TextBox 6"/>
@@ -28140,8 +28145,8 @@
           </a:p>
         </p:txBody>
       </p:sp>
-      <mc:AlternateContent xmlns:mc="http://schemas.openxmlformats.org/markup-compatibility/2006">
-        <mc:Choice xmlns:a14="http://schemas.microsoft.com/office/drawing/2010/main" Requires="a14">
+      <mc:AlternateContent xmlns:mc="http://schemas.openxmlformats.org/markup-compatibility/2006" xmlns:a14="http://schemas.microsoft.com/office/drawing/2010/main">
+        <mc:Choice Requires="a14">
           <p:sp>
             <p:nvSpPr>
               <p:cNvPr id="3" name="Content Placeholder 2"/>
@@ -28179,7 +28184,7 @@
                       <m:dPr>
                         <m:ctrlPr>
                           <a:rPr lang="en-CA" b="0" i="1" smtClean="0">
-                            <a:latin typeface="Cambria Math" panose="02040503050406030204" pitchFamily="18" charset="0"/>
+                            <a:latin typeface="Cambria Math" charset="0"/>
                           </a:rPr>
                         </m:ctrlPr>
                       </m:dPr>
@@ -28188,7 +28193,7 @@
                           <m:sSupPr>
                             <m:ctrlPr>
                               <a:rPr lang="en-CA" b="0" i="1" smtClean="0">
-                                <a:latin typeface="Cambria Math" panose="02040503050406030204" pitchFamily="18" charset="0"/>
+                                <a:latin typeface="Cambria Math" charset="0"/>
                               </a:rPr>
                             </m:ctrlPr>
                           </m:sSupPr>
@@ -28218,7 +28223,7 @@
             </p:txBody>
           </p:sp>
         </mc:Choice>
-        <mc:Fallback>
+        <mc:Fallback xmlns="">
           <p:sp>
             <p:nvSpPr>
               <p:cNvPr id="3" name="Content Placeholder 2"/>
@@ -28275,8 +28280,8 @@
           </a:p>
         </p:txBody>
       </p:sp>
-      <mc:AlternateContent xmlns:mc="http://schemas.openxmlformats.org/markup-compatibility/2006">
-        <mc:Choice xmlns:p14="http://schemas.microsoft.com/office/powerpoint/2010/main" Requires="p14">
+      <mc:AlternateContent xmlns:mc="http://schemas.openxmlformats.org/markup-compatibility/2006" xmlns:p14="http://schemas.microsoft.com/office/powerpoint/2010/main">
+        <mc:Choice Requires="p14">
           <p:contentPart p14:bwMode="auto" r:id="rId3">
             <p14:nvContentPartPr>
               <p14:cNvPr id="7" name="Ink 6"/>
@@ -28289,7 +28294,7 @@
             </p14:xfrm>
           </p:contentPart>
         </mc:Choice>
-        <mc:Fallback>
+        <mc:Fallback xmlns="">
           <p:pic>
             <p:nvPicPr>
               <p:cNvPr id="7" name="Ink 6"/>
@@ -28314,8 +28319,8 @@
           </p:pic>
         </mc:Fallback>
       </mc:AlternateContent>
-      <mc:AlternateContent xmlns:mc="http://schemas.openxmlformats.org/markup-compatibility/2006">
-        <mc:Choice xmlns:p14="http://schemas.microsoft.com/office/powerpoint/2010/main" Requires="p14">
+      <mc:AlternateContent xmlns:mc="http://schemas.openxmlformats.org/markup-compatibility/2006" xmlns:p14="http://schemas.microsoft.com/office/powerpoint/2010/main">
+        <mc:Choice Requires="p14">
           <p:contentPart p14:bwMode="auto" r:id="rId5">
             <p14:nvContentPartPr>
               <p14:cNvPr id="24" name="Ink 23"/>
@@ -28328,7 +28333,7 @@
             </p14:xfrm>
           </p:contentPart>
         </mc:Choice>
-        <mc:Fallback>
+        <mc:Fallback xmlns="">
           <p:pic>
             <p:nvPicPr>
               <p:cNvPr id="24" name="Ink 23"/>
@@ -28353,8 +28358,8 @@
           </p:pic>
         </mc:Fallback>
       </mc:AlternateContent>
-      <mc:AlternateContent xmlns:mc="http://schemas.openxmlformats.org/markup-compatibility/2006">
-        <mc:Choice xmlns:p14="http://schemas.microsoft.com/office/powerpoint/2010/main" Requires="p14">
+      <mc:AlternateContent xmlns:mc="http://schemas.openxmlformats.org/markup-compatibility/2006" xmlns:p14="http://schemas.microsoft.com/office/powerpoint/2010/main">
+        <mc:Choice Requires="p14">
           <p:contentPart p14:bwMode="auto" r:id="rId7">
             <p14:nvContentPartPr>
               <p14:cNvPr id="25" name="Ink 24"/>
@@ -28367,7 +28372,7 @@
             </p14:xfrm>
           </p:contentPart>
         </mc:Choice>
-        <mc:Fallback>
+        <mc:Fallback xmlns="">
           <p:pic>
             <p:nvPicPr>
               <p:cNvPr id="25" name="Ink 24"/>
@@ -28392,8 +28397,8 @@
           </p:pic>
         </mc:Fallback>
       </mc:AlternateContent>
-      <mc:AlternateContent xmlns:mc="http://schemas.openxmlformats.org/markup-compatibility/2006">
-        <mc:Choice xmlns:p14="http://schemas.microsoft.com/office/powerpoint/2010/main" Requires="p14">
+      <mc:AlternateContent xmlns:mc="http://schemas.openxmlformats.org/markup-compatibility/2006" xmlns:p14="http://schemas.microsoft.com/office/powerpoint/2010/main">
+        <mc:Choice Requires="p14">
           <p:contentPart p14:bwMode="auto" r:id="rId9">
             <p14:nvContentPartPr>
               <p14:cNvPr id="26" name="Ink 25"/>
@@ -28406,7 +28411,7 @@
             </p14:xfrm>
           </p:contentPart>
         </mc:Choice>
-        <mc:Fallback>
+        <mc:Fallback xmlns="">
           <p:pic>
             <p:nvPicPr>
               <p:cNvPr id="26" name="Ink 25"/>
@@ -28431,8 +28436,8 @@
           </p:pic>
         </mc:Fallback>
       </mc:AlternateContent>
-      <mc:AlternateContent xmlns:mc="http://schemas.openxmlformats.org/markup-compatibility/2006">
-        <mc:Choice xmlns:p14="http://schemas.microsoft.com/office/powerpoint/2010/main" Requires="p14">
+      <mc:AlternateContent xmlns:mc="http://schemas.openxmlformats.org/markup-compatibility/2006" xmlns:p14="http://schemas.microsoft.com/office/powerpoint/2010/main">
+        <mc:Choice Requires="p14">
           <p:contentPart p14:bwMode="auto" r:id="rId11">
             <p14:nvContentPartPr>
               <p14:cNvPr id="27" name="Ink 26"/>
@@ -28445,7 +28450,7 @@
             </p14:xfrm>
           </p:contentPart>
         </mc:Choice>
-        <mc:Fallback>
+        <mc:Fallback xmlns="">
           <p:pic>
             <p:nvPicPr>
               <p:cNvPr id="27" name="Ink 26"/>
@@ -28470,8 +28475,8 @@
           </p:pic>
         </mc:Fallback>
       </mc:AlternateContent>
-      <mc:AlternateContent xmlns:mc="http://schemas.openxmlformats.org/markup-compatibility/2006">
-        <mc:Choice xmlns:p14="http://schemas.microsoft.com/office/powerpoint/2010/main" Requires="p14">
+      <mc:AlternateContent xmlns:mc="http://schemas.openxmlformats.org/markup-compatibility/2006" xmlns:p14="http://schemas.microsoft.com/office/powerpoint/2010/main">
+        <mc:Choice Requires="p14">
           <p:contentPart p14:bwMode="auto" r:id="rId13">
             <p14:nvContentPartPr>
               <p14:cNvPr id="33" name="Ink 32"/>
@@ -28484,7 +28489,7 @@
             </p14:xfrm>
           </p:contentPart>
         </mc:Choice>
-        <mc:Fallback>
+        <mc:Fallback xmlns="">
           <p:pic>
             <p:nvPicPr>
               <p:cNvPr id="33" name="Ink 32"/>
@@ -28509,8 +28514,8 @@
           </p:pic>
         </mc:Fallback>
       </mc:AlternateContent>
-      <mc:AlternateContent xmlns:mc="http://schemas.openxmlformats.org/markup-compatibility/2006">
-        <mc:Choice xmlns:p14="http://schemas.microsoft.com/office/powerpoint/2010/main" Requires="p14">
+      <mc:AlternateContent xmlns:mc="http://schemas.openxmlformats.org/markup-compatibility/2006" xmlns:p14="http://schemas.microsoft.com/office/powerpoint/2010/main">
+        <mc:Choice Requires="p14">
           <p:contentPart p14:bwMode="auto" r:id="rId15">
             <p14:nvContentPartPr>
               <p14:cNvPr id="49" name="Ink 48"/>
@@ -28523,7 +28528,7 @@
             </p14:xfrm>
           </p:contentPart>
         </mc:Choice>
-        <mc:Fallback>
+        <mc:Fallback xmlns="">
           <p:pic>
             <p:nvPicPr>
               <p:cNvPr id="49" name="Ink 48"/>
@@ -28548,8 +28553,8 @@
           </p:pic>
         </mc:Fallback>
       </mc:AlternateContent>
-      <mc:AlternateContent xmlns:mc="http://schemas.openxmlformats.org/markup-compatibility/2006">
-        <mc:Choice xmlns:p14="http://schemas.microsoft.com/office/powerpoint/2010/main" Requires="p14">
+      <mc:AlternateContent xmlns:mc="http://schemas.openxmlformats.org/markup-compatibility/2006" xmlns:p14="http://schemas.microsoft.com/office/powerpoint/2010/main">
+        <mc:Choice Requires="p14">
           <p:contentPart p14:bwMode="auto" r:id="rId17">
             <p14:nvContentPartPr>
               <p14:cNvPr id="62" name="Ink 61"/>
@@ -28562,7 +28567,7 @@
             </p14:xfrm>
           </p:contentPart>
         </mc:Choice>
-        <mc:Fallback>
+        <mc:Fallback xmlns="">
           <p:pic>
             <p:nvPicPr>
               <p:cNvPr id="62" name="Ink 61"/>
@@ -28587,8 +28592,8 @@
           </p:pic>
         </mc:Fallback>
       </mc:AlternateContent>
-      <mc:AlternateContent xmlns:mc="http://schemas.openxmlformats.org/markup-compatibility/2006">
-        <mc:Choice xmlns:p14="http://schemas.microsoft.com/office/powerpoint/2010/main" Requires="p14">
+      <mc:AlternateContent xmlns:mc="http://schemas.openxmlformats.org/markup-compatibility/2006" xmlns:p14="http://schemas.microsoft.com/office/powerpoint/2010/main">
+        <mc:Choice Requires="p14">
           <p:contentPart p14:bwMode="auto" r:id="rId19">
             <p14:nvContentPartPr>
               <p14:cNvPr id="68" name="Ink 67"/>
@@ -28601,7 +28606,7 @@
             </p14:xfrm>
           </p:contentPart>
         </mc:Choice>
-        <mc:Fallback>
+        <mc:Fallback xmlns="">
           <p:pic>
             <p:nvPicPr>
               <p:cNvPr id="68" name="Ink 67"/>
@@ -28626,8 +28631,8 @@
           </p:pic>
         </mc:Fallback>
       </mc:AlternateContent>
-      <mc:AlternateContent xmlns:mc="http://schemas.openxmlformats.org/markup-compatibility/2006">
-        <mc:Choice xmlns:p14="http://schemas.microsoft.com/office/powerpoint/2010/main" Requires="p14">
+      <mc:AlternateContent xmlns:mc="http://schemas.openxmlformats.org/markup-compatibility/2006" xmlns:p14="http://schemas.microsoft.com/office/powerpoint/2010/main">
+        <mc:Choice Requires="p14">
           <p:contentPart p14:bwMode="auto" r:id="rId21">
             <p14:nvContentPartPr>
               <p14:cNvPr id="80" name="Ink 79"/>
@@ -28640,7 +28645,7 @@
             </p14:xfrm>
           </p:contentPart>
         </mc:Choice>
-        <mc:Fallback>
+        <mc:Fallback xmlns="">
           <p:pic>
             <p:nvPicPr>
               <p:cNvPr id="80" name="Ink 79"/>
@@ -28665,8 +28670,8 @@
           </p:pic>
         </mc:Fallback>
       </mc:AlternateContent>
-      <mc:AlternateContent xmlns:mc="http://schemas.openxmlformats.org/markup-compatibility/2006">
-        <mc:Choice xmlns:p14="http://schemas.microsoft.com/office/powerpoint/2010/main" Requires="p14">
+      <mc:AlternateContent xmlns:mc="http://schemas.openxmlformats.org/markup-compatibility/2006" xmlns:p14="http://schemas.microsoft.com/office/powerpoint/2010/main">
+        <mc:Choice Requires="p14">
           <p:contentPart p14:bwMode="auto" r:id="rId23">
             <p14:nvContentPartPr>
               <p14:cNvPr id="81" name="Ink 80"/>
@@ -28679,7 +28684,7 @@
             </p14:xfrm>
           </p:contentPart>
         </mc:Choice>
-        <mc:Fallback>
+        <mc:Fallback xmlns="">
           <p:pic>
             <p:nvPicPr>
               <p:cNvPr id="81" name="Ink 80"/>
@@ -28704,8 +28709,8 @@
           </p:pic>
         </mc:Fallback>
       </mc:AlternateContent>
-      <mc:AlternateContent xmlns:mc="http://schemas.openxmlformats.org/markup-compatibility/2006">
-        <mc:Choice xmlns:p14="http://schemas.microsoft.com/office/powerpoint/2010/main" Requires="p14">
+      <mc:AlternateContent xmlns:mc="http://schemas.openxmlformats.org/markup-compatibility/2006" xmlns:p14="http://schemas.microsoft.com/office/powerpoint/2010/main">
+        <mc:Choice Requires="p14">
           <p:contentPart p14:bwMode="auto" r:id="rId25">
             <p14:nvContentPartPr>
               <p14:cNvPr id="85" name="Ink 84"/>
@@ -28718,7 +28723,7 @@
             </p14:xfrm>
           </p:contentPart>
         </mc:Choice>
-        <mc:Fallback>
+        <mc:Fallback xmlns="">
           <p:pic>
             <p:nvPicPr>
               <p:cNvPr id="85" name="Ink 84"/>
@@ -28743,8 +28748,8 @@
           </p:pic>
         </mc:Fallback>
       </mc:AlternateContent>
-      <mc:AlternateContent xmlns:mc="http://schemas.openxmlformats.org/markup-compatibility/2006">
-        <mc:Choice xmlns:p14="http://schemas.microsoft.com/office/powerpoint/2010/main" Requires="p14">
+      <mc:AlternateContent xmlns:mc="http://schemas.openxmlformats.org/markup-compatibility/2006" xmlns:p14="http://schemas.microsoft.com/office/powerpoint/2010/main">
+        <mc:Choice Requires="p14">
           <p:contentPart p14:bwMode="auto" r:id="rId27">
             <p14:nvContentPartPr>
               <p14:cNvPr id="86" name="Ink 85"/>
@@ -28757,7 +28762,7 @@
             </p14:xfrm>
           </p:contentPart>
         </mc:Choice>
-        <mc:Fallback>
+        <mc:Fallback xmlns="">
           <p:pic>
             <p:nvPicPr>
               <p:cNvPr id="86" name="Ink 85"/>
@@ -28782,8 +28787,8 @@
           </p:pic>
         </mc:Fallback>
       </mc:AlternateContent>
-      <mc:AlternateContent xmlns:mc="http://schemas.openxmlformats.org/markup-compatibility/2006">
-        <mc:Choice xmlns:p14="http://schemas.microsoft.com/office/powerpoint/2010/main" Requires="p14">
+      <mc:AlternateContent xmlns:mc="http://schemas.openxmlformats.org/markup-compatibility/2006" xmlns:p14="http://schemas.microsoft.com/office/powerpoint/2010/main">
+        <mc:Choice Requires="p14">
           <p:contentPart p14:bwMode="auto" r:id="rId29">
             <p14:nvContentPartPr>
               <p14:cNvPr id="90" name="Ink 89"/>
@@ -28796,7 +28801,7 @@
             </p14:xfrm>
           </p:contentPart>
         </mc:Choice>
-        <mc:Fallback>
+        <mc:Fallback xmlns="">
           <p:pic>
             <p:nvPicPr>
               <p:cNvPr id="90" name="Ink 89"/>
@@ -28821,8 +28826,8 @@
           </p:pic>
         </mc:Fallback>
       </mc:AlternateContent>
-      <mc:AlternateContent xmlns:mc="http://schemas.openxmlformats.org/markup-compatibility/2006">
-        <mc:Choice xmlns:p14="http://schemas.microsoft.com/office/powerpoint/2010/main" Requires="p14">
+      <mc:AlternateContent xmlns:mc="http://schemas.openxmlformats.org/markup-compatibility/2006" xmlns:p14="http://schemas.microsoft.com/office/powerpoint/2010/main">
+        <mc:Choice Requires="p14">
           <p:contentPart p14:bwMode="auto" r:id="rId31">
             <p14:nvContentPartPr>
               <p14:cNvPr id="91" name="Ink 90"/>
@@ -28835,7 +28840,7 @@
             </p14:xfrm>
           </p:contentPart>
         </mc:Choice>
-        <mc:Fallback>
+        <mc:Fallback xmlns="">
           <p:pic>
             <p:nvPicPr>
               <p:cNvPr id="91" name="Ink 90"/>
@@ -28860,8 +28865,8 @@
           </p:pic>
         </mc:Fallback>
       </mc:AlternateContent>
-      <mc:AlternateContent xmlns:mc="http://schemas.openxmlformats.org/markup-compatibility/2006">
-        <mc:Choice xmlns:p14="http://schemas.microsoft.com/office/powerpoint/2010/main" Requires="p14">
+      <mc:AlternateContent xmlns:mc="http://schemas.openxmlformats.org/markup-compatibility/2006" xmlns:p14="http://schemas.microsoft.com/office/powerpoint/2010/main">
+        <mc:Choice Requires="p14">
           <p:contentPart p14:bwMode="auto" r:id="rId33">
             <p14:nvContentPartPr>
               <p14:cNvPr id="92" name="Ink 91"/>
@@ -28874,7 +28879,7 @@
             </p14:xfrm>
           </p:contentPart>
         </mc:Choice>
-        <mc:Fallback>
+        <mc:Fallback xmlns="">
           <p:pic>
             <p:nvPicPr>
               <p:cNvPr id="92" name="Ink 91"/>
@@ -28899,8 +28904,8 @@
           </p:pic>
         </mc:Fallback>
       </mc:AlternateContent>
-      <mc:AlternateContent xmlns:mc="http://schemas.openxmlformats.org/markup-compatibility/2006">
-        <mc:Choice xmlns:p14="http://schemas.microsoft.com/office/powerpoint/2010/main" Requires="p14">
+      <mc:AlternateContent xmlns:mc="http://schemas.openxmlformats.org/markup-compatibility/2006" xmlns:p14="http://schemas.microsoft.com/office/powerpoint/2010/main">
+        <mc:Choice Requires="p14">
           <p:contentPart p14:bwMode="auto" r:id="rId35">
             <p14:nvContentPartPr>
               <p14:cNvPr id="93" name="Ink 92"/>
@@ -28913,7 +28918,7 @@
             </p14:xfrm>
           </p:contentPart>
         </mc:Choice>
-        <mc:Fallback>
+        <mc:Fallback xmlns="">
           <p:pic>
             <p:nvPicPr>
               <p:cNvPr id="93" name="Ink 92"/>
@@ -28938,8 +28943,8 @@
           </p:pic>
         </mc:Fallback>
       </mc:AlternateContent>
-      <mc:AlternateContent xmlns:mc="http://schemas.openxmlformats.org/markup-compatibility/2006">
-        <mc:Choice xmlns:p14="http://schemas.microsoft.com/office/powerpoint/2010/main" Requires="p14">
+      <mc:AlternateContent xmlns:mc="http://schemas.openxmlformats.org/markup-compatibility/2006" xmlns:p14="http://schemas.microsoft.com/office/powerpoint/2010/main">
+        <mc:Choice Requires="p14">
           <p:contentPart p14:bwMode="auto" r:id="rId37">
             <p14:nvContentPartPr>
               <p14:cNvPr id="94" name="Ink 93"/>
@@ -28952,7 +28957,7 @@
             </p14:xfrm>
           </p:contentPart>
         </mc:Choice>
-        <mc:Fallback>
+        <mc:Fallback xmlns="">
           <p:pic>
             <p:nvPicPr>
               <p:cNvPr id="94" name="Ink 93"/>
@@ -28977,8 +28982,8 @@
           </p:pic>
         </mc:Fallback>
       </mc:AlternateContent>
-      <mc:AlternateContent xmlns:mc="http://schemas.openxmlformats.org/markup-compatibility/2006">
-        <mc:Choice xmlns:p14="http://schemas.microsoft.com/office/powerpoint/2010/main" Requires="p14">
+      <mc:AlternateContent xmlns:mc="http://schemas.openxmlformats.org/markup-compatibility/2006" xmlns:p14="http://schemas.microsoft.com/office/powerpoint/2010/main">
+        <mc:Choice Requires="p14">
           <p:contentPart p14:bwMode="auto" r:id="rId39">
             <p14:nvContentPartPr>
               <p14:cNvPr id="95" name="Ink 94"/>
@@ -28991,7 +28996,7 @@
             </p14:xfrm>
           </p:contentPart>
         </mc:Choice>
-        <mc:Fallback>
+        <mc:Fallback xmlns="">
           <p:pic>
             <p:nvPicPr>
               <p:cNvPr id="95" name="Ink 94"/>
@@ -29016,8 +29021,8 @@
           </p:pic>
         </mc:Fallback>
       </mc:AlternateContent>
-      <mc:AlternateContent xmlns:mc="http://schemas.openxmlformats.org/markup-compatibility/2006">
-        <mc:Choice xmlns:p14="http://schemas.microsoft.com/office/powerpoint/2010/main" Requires="p14">
+      <mc:AlternateContent xmlns:mc="http://schemas.openxmlformats.org/markup-compatibility/2006" xmlns:p14="http://schemas.microsoft.com/office/powerpoint/2010/main">
+        <mc:Choice Requires="p14">
           <p:contentPart p14:bwMode="auto" r:id="rId41">
             <p14:nvContentPartPr>
               <p14:cNvPr id="96" name="Ink 95"/>
@@ -29030,7 +29035,7 @@
             </p14:xfrm>
           </p:contentPart>
         </mc:Choice>
-        <mc:Fallback>
+        <mc:Fallback xmlns="">
           <p:pic>
             <p:nvPicPr>
               <p:cNvPr id="96" name="Ink 95"/>
@@ -29103,7 +29108,7 @@
         </p:spPr>
         <p:txBody>
           <a:bodyPr>
-            <a:normAutofit fontScale="55000" lnSpcReduction="20000"/>
+            <a:normAutofit fontScale="62500" lnSpcReduction="20000"/>
           </a:bodyPr>
           <a:lstStyle/>
           <a:p>
@@ -29220,19 +29225,21 @@
               <a:buNone/>
             </a:pPr>
             <a:r>
-              <a:rPr lang="en-CA"/>
+              <a:rPr lang="en-CA" dirty="0"/>
               <a:t>	return q</a:t>
             </a:r>
+          </a:p>
+          <a:p>
+            <a:pPr marL="0" indent="0">
+              <a:buNone/>
+            </a:pPr>
             <a:endParaRPr lang="en-CA" dirty="0"/>
           </a:p>
           <a:p>
             <a:pPr marL="0" indent="0">
               <a:buNone/>
             </a:pPr>
-            <a:r>
-              <a:rPr lang="en-CA" dirty="0"/>
-              <a:t>	</a:t>
-            </a:r>
+            <a:endParaRPr lang="en-CA" dirty="0"/>
           </a:p>
         </p:txBody>
       </p:sp>
@@ -29269,10 +29276,17 @@
   <p:clrMapOvr>
     <a:masterClrMapping/>
   </p:clrMapOvr>
+  <p:timing>
+    <p:tnLst>
+      <p:par>
+        <p:cTn id="1" dur="indefinite" restart="never" nodeType="tmRoot"/>
+      </p:par>
+    </p:tnLst>
+  </p:timing>
 </p:sld>
 </file>
 
-<file path=ppt/slides/slide3.xml><?xml version="1.0" encoding="utf-8"?>
+<file path=ppt/slides/slide27.xml><?xml version="1.0" encoding="utf-8"?>
 <p:sld xmlns:a="http://schemas.openxmlformats.org/drawingml/2006/main" xmlns:r="http://schemas.openxmlformats.org/officeDocument/2006/relationships" xmlns:p="http://schemas.openxmlformats.org/presentationml/2006/main">
   <p:cSld>
     <p:spTree>
@@ -29303,6 +29317,803 @@
             </p:nvSpPr>
             <p:spPr>
               <a:xfrm>
+                <a:off x="838200" y="800100"/>
+                <a:ext cx="11170920" cy="5376863"/>
+              </a:xfrm>
+            </p:spPr>
+            <p:txBody>
+              <a:bodyPr/>
+              <a:lstStyle/>
+              <a:p>
+                <a:pPr marL="0" marR="0" lvl="0" indent="0" defTabSz="914400" eaLnBrk="1" fontAlgn="auto" latinLnBrk="0" hangingPunct="1">
+                  <a:lnSpc>
+                    <a:spcPct val="100000"/>
+                  </a:lnSpc>
+                  <a:spcBef>
+                    <a:spcPts val="0"/>
+                  </a:spcBef>
+                  <a:spcAft>
+                    <a:spcPts val="0"/>
+                  </a:spcAft>
+                  <a:buClrTx/>
+                  <a:buSzTx/>
+                  <a:buFontTx/>
+                  <a:buNone/>
+                  <a:tabLst/>
+                  <a:defRPr/>
+                </a:pPr>
+                <a:r>
+                  <a:rPr lang="en-US" dirty="0" smtClean="0"/>
+                  <a:t>Complexity: </a:t>
+                </a:r>
+                <a14:m>
+                  <m:oMath xmlns:m="http://schemas.openxmlformats.org/officeDocument/2006/math">
+                    <m:r>
+                      <m:rPr>
+                        <m:sty m:val="p"/>
+                      </m:rPr>
+                      <a:rPr lang="en-US" b="0" i="0" smtClean="0">
+                        <a:latin typeface="Cambria Math" charset="0"/>
+                      </a:rPr>
+                      <m:t>Ο</m:t>
+                    </m:r>
+                    <m:d>
+                      <m:dPr>
+                        <m:ctrlPr>
+                          <a:rPr lang="en-US" b="0" i="1" smtClean="0">
+                            <a:latin typeface="Cambria Math" charset="0"/>
+                          </a:rPr>
+                        </m:ctrlPr>
+                      </m:dPr>
+                      <m:e>
+                        <m:r>
+                          <a:rPr lang="en-US" b="0" i="1" smtClean="0">
+                            <a:latin typeface="Cambria Math" charset="0"/>
+                          </a:rPr>
+                          <m:t>𝑛</m:t>
+                        </m:r>
+                      </m:e>
+                    </m:d>
+                  </m:oMath>
+                </a14:m>
+                <a:endParaRPr lang="en-US" b="0" dirty="0" smtClean="0"/>
+              </a:p>
+              <a:p>
+                <a:pPr marL="0" marR="0" lvl="0" indent="0" defTabSz="914400" eaLnBrk="1" fontAlgn="auto" latinLnBrk="0" hangingPunct="1">
+                  <a:lnSpc>
+                    <a:spcPct val="100000"/>
+                  </a:lnSpc>
+                  <a:spcBef>
+                    <a:spcPts val="0"/>
+                  </a:spcBef>
+                  <a:spcAft>
+                    <a:spcPts val="0"/>
+                  </a:spcAft>
+                  <a:buClrTx/>
+                  <a:buSzTx/>
+                  <a:buFontTx/>
+                  <a:buNone/>
+                  <a:tabLst/>
+                  <a:defRPr/>
+                </a:pPr>
+                <a:r>
+                  <a:rPr lang="en-US" dirty="0" smtClean="0"/>
+                  <a:t>	each pass writes one entry of </a:t>
+                </a:r>
+                <a14:m>
+                  <m:oMath xmlns:m="http://schemas.openxmlformats.org/officeDocument/2006/math">
+                    <m:r>
+                      <a:rPr lang="en-US" b="0" i="1" smtClean="0">
+                        <a:latin typeface="Cambria Math" charset="0"/>
+                      </a:rPr>
+                      <m:t>𝑀</m:t>
+                    </m:r>
+                  </m:oMath>
+                </a14:m>
+                <a:r>
+                  <a:rPr lang="en-US" dirty="0" smtClean="0"/>
+                  <a:t> and there are only </a:t>
+                </a:r>
+                <a14:m>
+                  <m:oMath xmlns:m="http://schemas.openxmlformats.org/officeDocument/2006/math">
+                    <m:r>
+                      <a:rPr lang="en-US" b="0" i="1" smtClean="0">
+                        <a:latin typeface="Cambria Math" charset="0"/>
+                      </a:rPr>
+                      <m:t>𝑛</m:t>
+                    </m:r>
+                  </m:oMath>
+                </a14:m>
+                <a:r>
+                  <a:rPr lang="en-US" dirty="0" smtClean="0"/>
+                  <a:t> entries to write</a:t>
+                </a:r>
+              </a:p>
+              <a:p>
+                <a:pPr marL="0" marR="0" lvl="0" indent="0" defTabSz="914400" eaLnBrk="1" fontAlgn="auto" latinLnBrk="0" hangingPunct="1">
+                  <a:lnSpc>
+                    <a:spcPct val="100000"/>
+                  </a:lnSpc>
+                  <a:spcBef>
+                    <a:spcPts val="0"/>
+                  </a:spcBef>
+                  <a:spcAft>
+                    <a:spcPts val="0"/>
+                  </a:spcAft>
+                  <a:buClrTx/>
+                  <a:buSzTx/>
+                  <a:buFontTx/>
+                  <a:buNone/>
+                  <a:tabLst/>
+                  <a:defRPr/>
+                </a:pPr>
+                <a:endParaRPr lang="en-US" dirty="0" smtClean="0"/>
+              </a:p>
+              <a:p>
+                <a:pPr marL="0" marR="0" lvl="0" indent="0" defTabSz="914400" eaLnBrk="1" fontAlgn="auto" latinLnBrk="0" hangingPunct="1">
+                  <a:lnSpc>
+                    <a:spcPct val="100000"/>
+                  </a:lnSpc>
+                  <a:spcBef>
+                    <a:spcPts val="0"/>
+                  </a:spcBef>
+                  <a:spcAft>
+                    <a:spcPts val="0"/>
+                  </a:spcAft>
+                  <a:buClrTx/>
+                  <a:buSzTx/>
+                  <a:buFontTx/>
+                  <a:buNone/>
+                  <a:tabLst/>
+                  <a:defRPr/>
+                </a:pPr>
+                <a:r>
+                  <a:rPr lang="en-US" dirty="0" err="1" smtClean="0"/>
+                  <a:t>OPT</a:t>
+                </a:r>
+                <a:r>
+                  <a:rPr lang="en-US" baseline="-25000" dirty="0" err="1" smtClean="0"/>
+                  <a:t>n</a:t>
+                </a:r>
+                <a:r>
+                  <a:rPr lang="en-US" dirty="0" smtClean="0"/>
+                  <a:t>= </a:t>
+                </a:r>
+                <a:r>
+                  <a:rPr lang="en-US" dirty="0" err="1" smtClean="0"/>
+                  <a:t>compute_WIS</a:t>
+                </a:r>
+                <a:r>
+                  <a:rPr lang="en-US" dirty="0" smtClean="0"/>
+                  <a:t>(n, p, M)</a:t>
+                </a:r>
+                <a:endParaRPr lang="en-US" dirty="0"/>
+              </a:p>
+            </p:txBody>
+          </p:sp>
+        </mc:Choice>
+        <mc:Fallback>
+          <p:sp>
+            <p:nvSpPr>
+              <p:cNvPr id="3" name="Content Placeholder 2"/>
+              <p:cNvSpPr>
+                <a:spLocks noGrp="1" noRot="1" noChangeAspect="1" noMove="1" noResize="1" noEditPoints="1" noAdjustHandles="1" noChangeArrowheads="1" noChangeShapeType="1" noTextEdit="1"/>
+              </p:cNvSpPr>
+              <p:nvPr>
+                <p:ph idx="1"/>
+              </p:nvPr>
+            </p:nvSpPr>
+            <p:spPr>
+              <a:xfrm>
+                <a:off x="838200" y="800100"/>
+                <a:ext cx="11170920" cy="5376863"/>
+              </a:xfrm>
+              <a:blipFill rotWithShape="0">
+                <a:blip r:embed="rId2"/>
+                <a:stretch>
+                  <a:fillRect l="-1146" t="-1020"/>
+                </a:stretch>
+              </a:blipFill>
+            </p:spPr>
+            <p:txBody>
+              <a:bodyPr/>
+              <a:lstStyle/>
+              <a:p>
+                <a:r>
+                  <a:rPr lang="en-US">
+                    <a:noFill/>
+                  </a:rPr>
+                  <a:t> </a:t>
+                </a:r>
+              </a:p>
+            </p:txBody>
+          </p:sp>
+        </mc:Fallback>
+      </mc:AlternateContent>
+      <p:sp>
+        <p:nvSpPr>
+          <p:cNvPr id="4" name="Slide Number Placeholder 3"/>
+          <p:cNvSpPr>
+            <a:spLocks noGrp="1"/>
+          </p:cNvSpPr>
+          <p:nvPr>
+            <p:ph type="sldNum" sz="quarter" idx="12"/>
+          </p:nvPr>
+        </p:nvSpPr>
+        <p:spPr/>
+        <p:txBody>
+          <a:bodyPr/>
+          <a:lstStyle/>
+          <a:p>
+            <a:fld id="{D5F75030-1A0A-4829-8411-3D88B8AB4717}" type="slidenum">
+              <a:rPr lang="en-CA" smtClean="0"/>
+              <a:t>27</a:t>
+            </a:fld>
+            <a:endParaRPr lang="en-CA"/>
+          </a:p>
+        </p:txBody>
+      </p:sp>
+      <p:pic>
+        <p:nvPicPr>
+          <p:cNvPr id="1025" name="Picture 1" descr="/Users/Jonathan/Library/Group Containers/UBF8T346G9.Office/msoclip1/01/0E9F21E3-0E06-3E41-B674-8FD6654BC650.png"/>
+          <p:cNvPicPr>
+            <a:picLocks noChangeAspect="1" noChangeArrowheads="1"/>
+          </p:cNvPicPr>
+          <p:nvPr/>
+        </p:nvPicPr>
+        <p:blipFill>
+          <a:blip r:embed="rId3">
+            <a:extLst>
+              <a:ext uri="{28A0092B-C50C-407E-A947-70E740481C1C}">
+                <a14:useLocalDpi xmlns:a14="http://schemas.microsoft.com/office/drawing/2010/main" val="0"/>
+              </a:ext>
+            </a:extLst>
+          </a:blip>
+          <a:srcRect/>
+          <a:stretch>
+            <a:fillRect/>
+          </a:stretch>
+        </p:blipFill>
+        <p:spPr bwMode="auto">
+          <a:xfrm>
+            <a:off x="3657600" y="909828"/>
+            <a:ext cx="381000" cy="323850"/>
+          </a:xfrm>
+          <a:prstGeom prst="rect">
+            <a:avLst/>
+          </a:prstGeom>
+          <a:noFill/>
+          <a:extLst>
+            <a:ext uri="{909E8E84-426E-40DD-AFC4-6F175D3DCCD1}">
+              <a14:hiddenFill xmlns:a14="http://schemas.microsoft.com/office/drawing/2010/main">
+                <a:solidFill>
+                  <a:srgbClr val="FFFFFF"/>
+                </a:solidFill>
+              </a14:hiddenFill>
+            </a:ext>
+          </a:extLst>
+        </p:spPr>
+      </p:pic>
+    </p:spTree>
+    <p:extLst>
+      <p:ext uri="{BB962C8B-B14F-4D97-AF65-F5344CB8AC3E}">
+        <p14:creationId xmlns:p14="http://schemas.microsoft.com/office/powerpoint/2010/main" val="208315548"/>
+      </p:ext>
+    </p:extLst>
+  </p:cSld>
+  <p:clrMapOvr>
+    <a:masterClrMapping/>
+  </p:clrMapOvr>
+  <p:timing>
+    <p:tnLst>
+      <p:par>
+        <p:cTn id="1" dur="indefinite" restart="never" nodeType="tmRoot"/>
+      </p:par>
+    </p:tnLst>
+  </p:timing>
+</p:sld>
+</file>
+
+<file path=ppt/slides/slide28.xml><?xml version="1.0" encoding="utf-8"?>
+<p:sld xmlns:a="http://schemas.openxmlformats.org/drawingml/2006/main" xmlns:r="http://schemas.openxmlformats.org/officeDocument/2006/relationships" xmlns:p="http://schemas.openxmlformats.org/presentationml/2006/main">
+  <p:cSld>
+    <p:spTree>
+      <p:nvGrpSpPr>
+        <p:cNvPr id="1" name=""/>
+        <p:cNvGrpSpPr/>
+        <p:nvPr/>
+      </p:nvGrpSpPr>
+      <p:grpSpPr>
+        <a:xfrm>
+          <a:off x="0" y="0"/>
+          <a:ext cx="0" cy="0"/>
+          <a:chOff x="0" y="0"/>
+          <a:chExt cx="0" cy="0"/>
+        </a:xfrm>
+      </p:grpSpPr>
+      <p:sp>
+        <p:nvSpPr>
+          <p:cNvPr id="3" name="Content Placeholder 2"/>
+          <p:cNvSpPr>
+            <a:spLocks noGrp="1"/>
+          </p:cNvSpPr>
+          <p:nvPr>
+            <p:ph idx="1"/>
+          </p:nvPr>
+        </p:nvSpPr>
+        <p:spPr>
+          <a:xfrm>
+            <a:off x="838200" y="597408"/>
+            <a:ext cx="10515600" cy="5579555"/>
+          </a:xfrm>
+        </p:spPr>
+        <p:txBody>
+          <a:bodyPr/>
+          <a:lstStyle/>
+          <a:p>
+            <a:pPr marL="0" marR="0" lvl="0" indent="0" defTabSz="914400" eaLnBrk="1" fontAlgn="auto" latinLnBrk="0" hangingPunct="1">
+              <a:lnSpc>
+                <a:spcPct val="100000"/>
+              </a:lnSpc>
+              <a:spcBef>
+                <a:spcPts val="0"/>
+              </a:spcBef>
+              <a:spcAft>
+                <a:spcPts val="0"/>
+              </a:spcAft>
+              <a:buClrTx/>
+              <a:buSzTx/>
+              <a:buFontTx/>
+              <a:buNone/>
+              <a:tabLst/>
+              <a:defRPr/>
+            </a:pPr>
+            <a:r>
+              <a:rPr lang="en-US" dirty="0" err="1" smtClean="0"/>
+              <a:t>Compute_WIS_Schedule</a:t>
+            </a:r>
+            <a:r>
+              <a:rPr lang="en-US" dirty="0" smtClean="0"/>
+              <a:t>(j, P, M)</a:t>
+            </a:r>
+          </a:p>
+          <a:p>
+            <a:pPr marL="0" marR="0" lvl="0" indent="0" defTabSz="914400" eaLnBrk="1" fontAlgn="auto" latinLnBrk="0" hangingPunct="1">
+              <a:lnSpc>
+                <a:spcPct val="100000"/>
+              </a:lnSpc>
+              <a:spcBef>
+                <a:spcPts val="0"/>
+              </a:spcBef>
+              <a:spcAft>
+                <a:spcPts val="0"/>
+              </a:spcAft>
+              <a:buClrTx/>
+              <a:buSzTx/>
+              <a:buFontTx/>
+              <a:buNone/>
+              <a:tabLst/>
+              <a:defRPr/>
+            </a:pPr>
+            <a:r>
+              <a:rPr lang="en-US" dirty="0" smtClean="0"/>
+              <a:t>	if M[j] == M[P[j]] + </a:t>
+            </a:r>
+            <a:r>
+              <a:rPr lang="en-US" dirty="0" err="1" smtClean="0"/>
+              <a:t>v_j</a:t>
+            </a:r>
+            <a:endParaRPr lang="en-US" dirty="0" smtClean="0"/>
+          </a:p>
+          <a:p>
+            <a:pPr marL="0" marR="0" lvl="0" indent="0" defTabSz="914400" eaLnBrk="1" fontAlgn="auto" latinLnBrk="0" hangingPunct="1">
+              <a:lnSpc>
+                <a:spcPct val="100000"/>
+              </a:lnSpc>
+              <a:spcBef>
+                <a:spcPts val="0"/>
+              </a:spcBef>
+              <a:spcAft>
+                <a:spcPts val="0"/>
+              </a:spcAft>
+              <a:buClrTx/>
+              <a:buSzTx/>
+              <a:buFontTx/>
+              <a:buNone/>
+              <a:tabLst/>
+              <a:defRPr/>
+            </a:pPr>
+            <a:r>
+              <a:rPr lang="en-US" dirty="0"/>
+              <a:t>	</a:t>
+            </a:r>
+            <a:r>
+              <a:rPr lang="en-US" dirty="0" smtClean="0"/>
+              <a:t>	print </a:t>
+            </a:r>
+            <a:r>
+              <a:rPr lang="en-US" dirty="0" err="1"/>
+              <a:t>v</a:t>
+            </a:r>
+            <a:r>
+              <a:rPr lang="en-US" dirty="0" err="1" smtClean="0"/>
+              <a:t>_j</a:t>
+            </a:r>
+            <a:endParaRPr lang="en-US" dirty="0" smtClean="0"/>
+          </a:p>
+          <a:p>
+            <a:pPr marL="0" marR="0" lvl="0" indent="0" defTabSz="914400" eaLnBrk="1" fontAlgn="auto" latinLnBrk="0" hangingPunct="1">
+              <a:lnSpc>
+                <a:spcPct val="100000"/>
+              </a:lnSpc>
+              <a:spcBef>
+                <a:spcPts val="0"/>
+              </a:spcBef>
+              <a:spcAft>
+                <a:spcPts val="0"/>
+              </a:spcAft>
+              <a:buClrTx/>
+              <a:buSzTx/>
+              <a:buFontTx/>
+              <a:buNone/>
+              <a:tabLst/>
+              <a:defRPr/>
+            </a:pPr>
+            <a:r>
+              <a:rPr lang="en-US" dirty="0"/>
+              <a:t>	</a:t>
+            </a:r>
+            <a:r>
+              <a:rPr lang="en-US" dirty="0" smtClean="0"/>
+              <a:t>	q = P[</a:t>
+            </a:r>
+            <a:r>
+              <a:rPr lang="en-US" dirty="0" err="1" smtClean="0"/>
+              <a:t>i</a:t>
+            </a:r>
+            <a:r>
+              <a:rPr lang="en-US" dirty="0" smtClean="0"/>
+              <a:t>]</a:t>
+            </a:r>
+          </a:p>
+          <a:p>
+            <a:pPr marL="0" marR="0" lvl="0" indent="0" defTabSz="914400" eaLnBrk="1" fontAlgn="auto" latinLnBrk="0" hangingPunct="1">
+              <a:lnSpc>
+                <a:spcPct val="100000"/>
+              </a:lnSpc>
+              <a:spcBef>
+                <a:spcPts val="0"/>
+              </a:spcBef>
+              <a:spcAft>
+                <a:spcPts val="0"/>
+              </a:spcAft>
+              <a:buClrTx/>
+              <a:buSzTx/>
+              <a:buFontTx/>
+              <a:buNone/>
+              <a:tabLst/>
+              <a:defRPr/>
+            </a:pPr>
+            <a:r>
+              <a:rPr lang="en-US" dirty="0"/>
+              <a:t>	</a:t>
+            </a:r>
+            <a:r>
+              <a:rPr lang="en-US" dirty="0" smtClean="0"/>
+              <a:t>else</a:t>
+            </a:r>
+          </a:p>
+          <a:p>
+            <a:pPr marL="0" marR="0" lvl="0" indent="0" defTabSz="914400" eaLnBrk="1" fontAlgn="auto" latinLnBrk="0" hangingPunct="1">
+              <a:lnSpc>
+                <a:spcPct val="100000"/>
+              </a:lnSpc>
+              <a:spcBef>
+                <a:spcPts val="0"/>
+              </a:spcBef>
+              <a:spcAft>
+                <a:spcPts val="0"/>
+              </a:spcAft>
+              <a:buClrTx/>
+              <a:buSzTx/>
+              <a:buFontTx/>
+              <a:buNone/>
+              <a:tabLst/>
+              <a:defRPr/>
+            </a:pPr>
+            <a:r>
+              <a:rPr lang="en-US" dirty="0"/>
+              <a:t>	</a:t>
+            </a:r>
+            <a:r>
+              <a:rPr lang="en-US" dirty="0" smtClean="0"/>
+              <a:t>	q = j </a:t>
+            </a:r>
+            <a:r>
+              <a:rPr lang="mr-IN" dirty="0" smtClean="0"/>
+              <a:t>–</a:t>
+            </a:r>
+            <a:r>
+              <a:rPr lang="en-US" dirty="0" smtClean="0"/>
+              <a:t> 1</a:t>
+            </a:r>
+          </a:p>
+          <a:p>
+            <a:pPr marL="0" marR="0" lvl="0" indent="0" defTabSz="914400" eaLnBrk="1" fontAlgn="auto" latinLnBrk="0" hangingPunct="1">
+              <a:lnSpc>
+                <a:spcPct val="100000"/>
+              </a:lnSpc>
+              <a:spcBef>
+                <a:spcPts val="0"/>
+              </a:spcBef>
+              <a:spcAft>
+                <a:spcPts val="0"/>
+              </a:spcAft>
+              <a:buClrTx/>
+              <a:buSzTx/>
+              <a:buFontTx/>
+              <a:buNone/>
+              <a:tabLst/>
+              <a:defRPr/>
+            </a:pPr>
+            <a:r>
+              <a:rPr lang="en-US" dirty="0"/>
+              <a:t>	</a:t>
+            </a:r>
+            <a:r>
+              <a:rPr lang="en-US" dirty="0" smtClean="0"/>
+              <a:t>return </a:t>
+            </a:r>
+            <a:r>
+              <a:rPr lang="en-US" dirty="0" err="1" smtClean="0"/>
+              <a:t>Compute_WIS_Schedule</a:t>
+            </a:r>
+            <a:r>
+              <a:rPr lang="en-US" dirty="0" smtClean="0"/>
+              <a:t>(q, P, M)</a:t>
+            </a:r>
+            <a:endParaRPr lang="en-US" dirty="0"/>
+          </a:p>
+        </p:txBody>
+      </p:sp>
+      <p:sp>
+        <p:nvSpPr>
+          <p:cNvPr id="4" name="Slide Number Placeholder 3"/>
+          <p:cNvSpPr>
+            <a:spLocks noGrp="1"/>
+          </p:cNvSpPr>
+          <p:nvPr>
+            <p:ph type="sldNum" sz="quarter" idx="12"/>
+          </p:nvPr>
+        </p:nvSpPr>
+        <p:spPr/>
+        <p:txBody>
+          <a:bodyPr/>
+          <a:lstStyle/>
+          <a:p>
+            <a:fld id="{D5F75030-1A0A-4829-8411-3D88B8AB4717}" type="slidenum">
+              <a:rPr lang="en-CA" smtClean="0"/>
+              <a:t>28</a:t>
+            </a:fld>
+            <a:endParaRPr lang="en-CA"/>
+          </a:p>
+        </p:txBody>
+      </p:sp>
+    </p:spTree>
+    <p:extLst>
+      <p:ext uri="{BB962C8B-B14F-4D97-AF65-F5344CB8AC3E}">
+        <p14:creationId xmlns:p14="http://schemas.microsoft.com/office/powerpoint/2010/main" val="288025045"/>
+      </p:ext>
+    </p:extLst>
+  </p:cSld>
+  <p:clrMapOvr>
+    <a:masterClrMapping/>
+  </p:clrMapOvr>
+</p:sld>
+</file>
+
+<file path=ppt/slides/slide29.xml><?xml version="1.0" encoding="utf-8"?>
+<p:sld xmlns:a="http://schemas.openxmlformats.org/drawingml/2006/main" xmlns:r="http://schemas.openxmlformats.org/officeDocument/2006/relationships" xmlns:p="http://schemas.openxmlformats.org/presentationml/2006/main">
+  <p:cSld>
+    <p:spTree>
+      <p:nvGrpSpPr>
+        <p:cNvPr id="1" name=""/>
+        <p:cNvGrpSpPr/>
+        <p:nvPr/>
+      </p:nvGrpSpPr>
+      <p:grpSpPr>
+        <a:xfrm>
+          <a:off x="0" y="0"/>
+          <a:ext cx="0" cy="0"/>
+          <a:chOff x="0" y="0"/>
+          <a:chExt cx="0" cy="0"/>
+        </a:xfrm>
+      </p:grpSpPr>
+      <p:sp>
+        <p:nvSpPr>
+          <p:cNvPr id="2" name="Title 1"/>
+          <p:cNvSpPr>
+            <a:spLocks noGrp="1"/>
+          </p:cNvSpPr>
+          <p:nvPr>
+            <p:ph type="title"/>
+          </p:nvPr>
+        </p:nvSpPr>
+        <p:spPr/>
+        <p:txBody>
+          <a:bodyPr/>
+          <a:lstStyle/>
+          <a:p>
+            <a:r>
+              <a:rPr lang="en-US" altLang="zh-CN" dirty="0" smtClean="0"/>
+              <a:t>Key concepts</a:t>
+            </a:r>
+            <a:endParaRPr lang="en-US" dirty="0"/>
+          </a:p>
+        </p:txBody>
+      </p:sp>
+      <p:sp>
+        <p:nvSpPr>
+          <p:cNvPr id="3" name="Content Placeholder 2"/>
+          <p:cNvSpPr>
+            <a:spLocks noGrp="1"/>
+          </p:cNvSpPr>
+          <p:nvPr>
+            <p:ph idx="1"/>
+          </p:nvPr>
+        </p:nvSpPr>
+        <p:spPr>
+          <a:xfrm>
+            <a:off x="838200" y="1825625"/>
+            <a:ext cx="10515600" cy="1986354"/>
+          </a:xfrm>
+        </p:spPr>
+        <p:txBody>
+          <a:bodyPr/>
+          <a:lstStyle/>
+          <a:p>
+            <a:pPr marL="514350" marR="0" lvl="0" indent="-514350" defTabSz="914400" eaLnBrk="1" fontAlgn="auto" latinLnBrk="0" hangingPunct="1">
+              <a:lnSpc>
+                <a:spcPct val="100000"/>
+              </a:lnSpc>
+              <a:spcBef>
+                <a:spcPts val="0"/>
+              </a:spcBef>
+              <a:spcAft>
+                <a:spcPts val="0"/>
+              </a:spcAft>
+              <a:buClrTx/>
+              <a:buSzTx/>
+              <a:buFontTx/>
+              <a:buAutoNum type="arabicParenR"/>
+              <a:tabLst/>
+              <a:defRPr/>
+            </a:pPr>
+            <a:r>
+              <a:rPr lang="en-US" dirty="0" smtClean="0"/>
+              <a:t>Optimal substructure</a:t>
+            </a:r>
+          </a:p>
+          <a:p>
+            <a:pPr marL="514350" marR="0" lvl="0" indent="-514350" defTabSz="914400" eaLnBrk="1" fontAlgn="auto" latinLnBrk="0" hangingPunct="1">
+              <a:lnSpc>
+                <a:spcPct val="100000"/>
+              </a:lnSpc>
+              <a:spcBef>
+                <a:spcPts val="0"/>
+              </a:spcBef>
+              <a:spcAft>
+                <a:spcPts val="0"/>
+              </a:spcAft>
+              <a:buClrTx/>
+              <a:buSzTx/>
+              <a:buFontTx/>
+              <a:buAutoNum type="arabicParenR"/>
+              <a:tabLst/>
+              <a:defRPr/>
+            </a:pPr>
+            <a:r>
+              <a:rPr lang="en-US" dirty="0" smtClean="0"/>
+              <a:t>Recursion relation between the subproblem and the main problem</a:t>
+            </a:r>
+          </a:p>
+          <a:p>
+            <a:pPr marL="514350" marR="0" lvl="0" indent="-514350" defTabSz="914400" eaLnBrk="1" fontAlgn="auto" latinLnBrk="0" hangingPunct="1">
+              <a:lnSpc>
+                <a:spcPct val="100000"/>
+              </a:lnSpc>
+              <a:spcBef>
+                <a:spcPts val="0"/>
+              </a:spcBef>
+              <a:spcAft>
+                <a:spcPts val="0"/>
+              </a:spcAft>
+              <a:buClrTx/>
+              <a:buSzTx/>
+              <a:buFontTx/>
+              <a:buAutoNum type="arabicParenR"/>
+              <a:tabLst/>
+              <a:defRPr/>
+            </a:pPr>
+            <a:r>
+              <a:rPr lang="en-US" dirty="0" smtClean="0"/>
+              <a:t>Implementing recursion directly will most likely have an exponential growth </a:t>
+            </a:r>
+            <a:endParaRPr lang="en-US" dirty="0"/>
+          </a:p>
+          <a:p>
+            <a:pPr marL="514350" marR="0" lvl="0" indent="-514350" defTabSz="914400" eaLnBrk="1" fontAlgn="auto" latinLnBrk="0" hangingPunct="1">
+              <a:lnSpc>
+                <a:spcPct val="100000"/>
+              </a:lnSpc>
+              <a:spcBef>
+                <a:spcPts val="0"/>
+              </a:spcBef>
+              <a:spcAft>
+                <a:spcPts val="0"/>
+              </a:spcAft>
+              <a:buClrTx/>
+              <a:buSzTx/>
+              <a:buFontTx/>
+              <a:buAutoNum type="arabicParenR"/>
+              <a:tabLst/>
+              <a:defRPr/>
+            </a:pPr>
+            <a:endParaRPr lang="en-US" dirty="0" smtClean="0"/>
+          </a:p>
+        </p:txBody>
+      </p:sp>
+    </p:spTree>
+    <p:extLst>
+      <p:ext uri="{BB962C8B-B14F-4D97-AF65-F5344CB8AC3E}">
+        <p14:creationId xmlns:p14="http://schemas.microsoft.com/office/powerpoint/2010/main" val="794957412"/>
+      </p:ext>
+    </p:extLst>
+  </p:cSld>
+  <p:clrMapOvr>
+    <a:masterClrMapping/>
+  </p:clrMapOvr>
+  <p:timing>
+    <p:tnLst>
+      <p:par>
+        <p:cTn id="1" dur="indefinite" restart="never" nodeType="tmRoot"/>
+      </p:par>
+    </p:tnLst>
+  </p:timing>
+</p:sld>
+</file>
+
+<file path=ppt/slides/slide3.xml><?xml version="1.0" encoding="utf-8"?>
+<p:sld xmlns:a="http://schemas.openxmlformats.org/drawingml/2006/main" xmlns:r="http://schemas.openxmlformats.org/officeDocument/2006/relationships" xmlns:p="http://schemas.openxmlformats.org/presentationml/2006/main">
+  <p:cSld>
+    <p:spTree>
+      <p:nvGrpSpPr>
+        <p:cNvPr id="1" name=""/>
+        <p:cNvGrpSpPr/>
+        <p:nvPr/>
+      </p:nvGrpSpPr>
+      <p:grpSpPr>
+        <a:xfrm>
+          <a:off x="0" y="0"/>
+          <a:ext cx="0" cy="0"/>
+          <a:chOff x="0" y="0"/>
+          <a:chExt cx="0" cy="0"/>
+        </a:xfrm>
+      </p:grpSpPr>
+      <mc:AlternateContent xmlns:mc="http://schemas.openxmlformats.org/markup-compatibility/2006" xmlns:a14="http://schemas.microsoft.com/office/drawing/2010/main">
+        <mc:Choice Requires="a14">
+          <p:sp>
+            <p:nvSpPr>
+              <p:cNvPr id="3" name="Content Placeholder 2"/>
+              <p:cNvSpPr>
+                <a:spLocks noGrp="1"/>
+              </p:cNvSpPr>
+              <p:nvPr>
+                <p:ph idx="1"/>
+              </p:nvPr>
+            </p:nvSpPr>
+            <p:spPr>
+              <a:xfrm>
                 <a:off x="838200" y="765544"/>
                 <a:ext cx="10515600" cy="5411419"/>
               </a:xfrm>
@@ -29330,7 +30141,7 @@
                       <m:dPr>
                         <m:ctrlPr>
                           <a:rPr lang="en-CA" b="0" i="1" smtClean="0">
-                            <a:latin typeface="Cambria Math" panose="02040503050406030204" pitchFamily="18" charset="0"/>
+                            <a:latin typeface="Cambria Math" charset="0"/>
                           </a:rPr>
                         </m:ctrlPr>
                       </m:dPr>
@@ -29355,7 +30166,7 @@
                         <m:supHide m:val="on"/>
                         <m:ctrlPr>
                           <a:rPr lang="en-CA" b="0" i="1" smtClean="0">
-                            <a:latin typeface="Cambria Math" panose="02040503050406030204" pitchFamily="18" charset="0"/>
+                            <a:latin typeface="Cambria Math" charset="0"/>
                           </a:rPr>
                         </m:ctrlPr>
                       </m:naryPr>
@@ -29394,7 +30205,7 @@
                           <m:dPr>
                             <m:ctrlPr>
                               <a:rPr lang="en-CA" b="0" i="1" smtClean="0">
-                                <a:latin typeface="Cambria Math" panose="02040503050406030204" pitchFamily="18" charset="0"/>
+                                <a:latin typeface="Cambria Math" charset="0"/>
                               </a:rPr>
                             </m:ctrlPr>
                           </m:dPr>
@@ -29419,7 +30230,7 @@
                             <m:endChr m:val="|"/>
                             <m:ctrlPr>
                               <a:rPr lang="en-CA" b="0" i="1" smtClean="0">
-                                <a:latin typeface="Cambria Math" panose="02040503050406030204" pitchFamily="18" charset="0"/>
+                                <a:latin typeface="Cambria Math" charset="0"/>
                               </a:rPr>
                             </m:ctrlPr>
                           </m:dPr>
@@ -29434,7 +30245,7 @@
                               <m:dPr>
                                 <m:ctrlPr>
                                   <a:rPr lang="en-CA" b="0" i="1" smtClean="0">
-                                    <a:latin typeface="Cambria Math" panose="02040503050406030204" pitchFamily="18" charset="0"/>
+                                    <a:latin typeface="Cambria Math" charset="0"/>
                                   </a:rPr>
                                 </m:ctrlPr>
                               </m:dPr>
@@ -29510,7 +30321,7 @@
                       <m:dPr>
                         <m:ctrlPr>
                           <a:rPr lang="en-CA" b="0" i="1" smtClean="0">
-                            <a:latin typeface="Cambria Math" panose="02040503050406030204" pitchFamily="18" charset="0"/>
+                            <a:latin typeface="Cambria Math" charset="0"/>
                           </a:rPr>
                         </m:ctrlPr>
                       </m:dPr>
@@ -29631,7 +30442,7 @@
                       <m:dPr>
                         <m:ctrlPr>
                           <a:rPr lang="en-CA" b="0" i="1" smtClean="0">
-                            <a:latin typeface="Cambria Math" panose="02040503050406030204" pitchFamily="18" charset="0"/>
+                            <a:latin typeface="Cambria Math" charset="0"/>
                           </a:rPr>
                         </m:ctrlPr>
                       </m:dPr>
@@ -29726,7 +30537,7 @@
             </p:txBody>
           </p:sp>
         </mc:Choice>
-        <mc:Fallback>
+        <mc:Fallback xmlns="">
           <p:sp>
             <p:nvSpPr>
               <p:cNvPr id="3" name="Content Placeholder 2"/>
@@ -29800,6 +30611,1151 @@
 </p:sld>
 </file>
 
+<file path=ppt/slides/slide30.xml><?xml version="1.0" encoding="utf-8"?>
+<p:sld xmlns:a="http://schemas.openxmlformats.org/drawingml/2006/main" xmlns:r="http://schemas.openxmlformats.org/officeDocument/2006/relationships" xmlns:p="http://schemas.openxmlformats.org/presentationml/2006/main">
+  <p:cSld>
+    <p:spTree>
+      <p:nvGrpSpPr>
+        <p:cNvPr id="1" name=""/>
+        <p:cNvGrpSpPr/>
+        <p:nvPr/>
+      </p:nvGrpSpPr>
+      <p:grpSpPr>
+        <a:xfrm>
+          <a:off x="0" y="0"/>
+          <a:ext cx="0" cy="0"/>
+          <a:chOff x="0" y="0"/>
+          <a:chExt cx="0" cy="0"/>
+        </a:xfrm>
+      </p:grpSpPr>
+      <p:sp>
+        <p:nvSpPr>
+          <p:cNvPr id="2" name="Title 1"/>
+          <p:cNvSpPr>
+            <a:spLocks noGrp="1"/>
+          </p:cNvSpPr>
+          <p:nvPr>
+            <p:ph type="title"/>
+          </p:nvPr>
+        </p:nvSpPr>
+        <p:spPr/>
+        <p:txBody>
+          <a:bodyPr/>
+          <a:lstStyle/>
+          <a:p>
+            <a:r>
+              <a:rPr lang="en-US" dirty="0" smtClean="0"/>
+              <a:t>Memorization</a:t>
+            </a:r>
+            <a:endParaRPr lang="en-US" dirty="0"/>
+          </a:p>
+        </p:txBody>
+      </p:sp>
+      <p:sp>
+        <p:nvSpPr>
+          <p:cNvPr id="3" name="Content Placeholder 2"/>
+          <p:cNvSpPr>
+            <a:spLocks noGrp="1"/>
+          </p:cNvSpPr>
+          <p:nvPr>
+            <p:ph idx="1"/>
+          </p:nvPr>
+        </p:nvSpPr>
+        <p:spPr/>
+        <p:txBody>
+          <a:bodyPr/>
+          <a:lstStyle/>
+          <a:p>
+            <a:r>
+              <a:rPr lang="en-US" dirty="0"/>
+              <a:t>S</a:t>
+            </a:r>
+            <a:r>
+              <a:rPr lang="en-US" dirty="0" smtClean="0"/>
+              <a:t>ave the results. Complexity drops downs from exponential to (pseudo) </a:t>
+            </a:r>
+            <a:r>
+              <a:rPr lang="en-US" dirty="0" smtClean="0"/>
+              <a:t>polynomial</a:t>
+            </a:r>
+          </a:p>
+        </p:txBody>
+      </p:sp>
+    </p:spTree>
+    <p:extLst>
+      <p:ext uri="{BB962C8B-B14F-4D97-AF65-F5344CB8AC3E}">
+        <p14:creationId xmlns:p14="http://schemas.microsoft.com/office/powerpoint/2010/main" val="1353455497"/>
+      </p:ext>
+    </p:extLst>
+  </p:cSld>
+  <p:clrMapOvr>
+    <a:masterClrMapping/>
+  </p:clrMapOvr>
+</p:sld>
+</file>
+
+<file path=ppt/slides/slide31.xml><?xml version="1.0" encoding="utf-8"?>
+<p:sld xmlns:a="http://schemas.openxmlformats.org/drawingml/2006/main" xmlns:r="http://schemas.openxmlformats.org/officeDocument/2006/relationships" xmlns:p="http://schemas.openxmlformats.org/presentationml/2006/main">
+  <p:cSld>
+    <p:spTree>
+      <p:nvGrpSpPr>
+        <p:cNvPr id="1" name=""/>
+        <p:cNvGrpSpPr/>
+        <p:nvPr/>
+      </p:nvGrpSpPr>
+      <p:grpSpPr>
+        <a:xfrm>
+          <a:off x="0" y="0"/>
+          <a:ext cx="0" cy="0"/>
+          <a:chOff x="0" y="0"/>
+          <a:chExt cx="0" cy="0"/>
+        </a:xfrm>
+      </p:grpSpPr>
+      <p:sp>
+        <p:nvSpPr>
+          <p:cNvPr id="2" name="Title 1"/>
+          <p:cNvSpPr>
+            <a:spLocks noGrp="1"/>
+          </p:cNvSpPr>
+          <p:nvPr>
+            <p:ph type="title"/>
+          </p:nvPr>
+        </p:nvSpPr>
+        <p:spPr/>
+        <p:txBody>
+          <a:bodyPr/>
+          <a:lstStyle/>
+          <a:p>
+            <a:r>
+              <a:rPr lang="en-US" dirty="0" smtClean="0"/>
+              <a:t>Divide-and-conquer</a:t>
+            </a:r>
+            <a:endParaRPr lang="en-US" dirty="0"/>
+          </a:p>
+        </p:txBody>
+      </p:sp>
+      <mc:AlternateContent xmlns:mc="http://schemas.openxmlformats.org/markup-compatibility/2006">
+        <mc:Choice xmlns:a14="http://schemas.microsoft.com/office/drawing/2010/main" Requires="a14">
+          <p:sp>
+            <p:nvSpPr>
+              <p:cNvPr id="3" name="Content Placeholder 2"/>
+              <p:cNvSpPr>
+                <a:spLocks noGrp="1"/>
+              </p:cNvSpPr>
+              <p:nvPr>
+                <p:ph idx="1"/>
+              </p:nvPr>
+            </p:nvSpPr>
+            <p:spPr/>
+            <p:txBody>
+              <a:bodyPr/>
+              <a:lstStyle/>
+              <a:p>
+                <a:pPr marL="0" marR="0" lvl="0" indent="0" defTabSz="914400" eaLnBrk="1" fontAlgn="auto" latinLnBrk="0" hangingPunct="1">
+                  <a:lnSpc>
+                    <a:spcPct val="100000"/>
+                  </a:lnSpc>
+                  <a:spcBef>
+                    <a:spcPts val="0"/>
+                  </a:spcBef>
+                  <a:spcAft>
+                    <a:spcPts val="0"/>
+                  </a:spcAft>
+                  <a:buClrTx/>
+                  <a:buSzTx/>
+                  <a:buFontTx/>
+                  <a:buNone/>
+                  <a:tabLst/>
+                  <a:defRPr/>
+                </a:pPr>
+                <a:r>
+                  <a:rPr lang="en-US" dirty="0" smtClean="0"/>
+                  <a:t>O(n</a:t>
+                </a:r>
+                <a:r>
+                  <a:rPr lang="en-US" baseline="30000" dirty="0" smtClean="0"/>
+                  <a:t>2</a:t>
+                </a:r>
+                <a:r>
+                  <a:rPr lang="en-US" dirty="0" smtClean="0"/>
+                  <a:t>) -&gt; O(n ln n)</a:t>
+                </a:r>
+              </a:p>
+              <a:p>
+                <a:pPr marL="0" marR="0" lvl="0" indent="0" defTabSz="914400" eaLnBrk="1" fontAlgn="auto" latinLnBrk="0" hangingPunct="1">
+                  <a:lnSpc>
+                    <a:spcPct val="100000"/>
+                  </a:lnSpc>
+                  <a:spcBef>
+                    <a:spcPts val="0"/>
+                  </a:spcBef>
+                  <a:spcAft>
+                    <a:spcPts val="0"/>
+                  </a:spcAft>
+                  <a:buClrTx/>
+                  <a:buSzTx/>
+                  <a:buFontTx/>
+                  <a:buNone/>
+                  <a:tabLst/>
+                  <a:defRPr/>
+                </a:pPr>
+                <a:r>
+                  <a:rPr lang="en-US" dirty="0" smtClean="0"/>
+                  <a:t>Greedy: O(n</a:t>
+                </a:r>
+                <a:r>
+                  <a:rPr lang="en-US" baseline="30000" dirty="0" smtClean="0"/>
+                  <a:t>2</a:t>
+                </a:r>
+                <a:r>
+                  <a:rPr lang="en-US" dirty="0" smtClean="0"/>
+                  <a:t>) -&gt; </a:t>
+                </a:r>
+                <a14:m>
+                  <m:oMath xmlns:m="http://schemas.openxmlformats.org/officeDocument/2006/math">
+                    <m:r>
+                      <m:rPr>
+                        <m:sty m:val="p"/>
+                      </m:rPr>
+                      <a:rPr lang="en-US" b="0" i="0" smtClean="0">
+                        <a:latin typeface="Cambria Math" charset="0"/>
+                      </a:rPr>
+                      <m:t>Ο</m:t>
+                    </m:r>
+                    <m:d>
+                      <m:dPr>
+                        <m:ctrlPr>
+                          <a:rPr lang="en-US" b="0" i="1" smtClean="0">
+                            <a:latin typeface="Cambria Math" charset="0"/>
+                          </a:rPr>
+                        </m:ctrlPr>
+                      </m:dPr>
+                      <m:e>
+                        <m:func>
+                          <m:funcPr>
+                            <m:ctrlPr>
+                              <a:rPr lang="en-US" b="0" i="1" smtClean="0">
+                                <a:latin typeface="Cambria Math" charset="0"/>
+                              </a:rPr>
+                            </m:ctrlPr>
+                          </m:funcPr>
+                          <m:fName>
+                            <m:sSub>
+                              <m:sSubPr>
+                                <m:ctrlPr>
+                                  <a:rPr lang="en-US" b="0" i="1" smtClean="0">
+                                    <a:latin typeface="Cambria Math" charset="0"/>
+                                  </a:rPr>
+                                </m:ctrlPr>
+                              </m:sSubPr>
+                              <m:e>
+                                <m:r>
+                                  <m:rPr>
+                                    <m:sty m:val="p"/>
+                                  </m:rPr>
+                                  <a:rPr lang="en-US" b="0" i="0" smtClean="0">
+                                    <a:latin typeface="Cambria Math" charset="0"/>
+                                  </a:rPr>
+                                  <m:t>log</m:t>
+                                </m:r>
+                              </m:e>
+                              <m:sub>
+                                <m:r>
+                                  <a:rPr lang="en-US" b="0" i="1" smtClean="0">
+                                    <a:latin typeface="Cambria Math" charset="0"/>
+                                  </a:rPr>
+                                  <m:t>2</m:t>
+                                </m:r>
+                              </m:sub>
+                            </m:sSub>
+                          </m:fName>
+                          <m:e>
+                            <m:r>
+                              <a:rPr lang="en-US" b="0" i="1" smtClean="0">
+                                <a:latin typeface="Cambria Math" charset="0"/>
+                              </a:rPr>
+                              <m:t>7</m:t>
+                            </m:r>
+                          </m:e>
+                        </m:func>
+                      </m:e>
+                    </m:d>
+                  </m:oMath>
+                </a14:m>
+                <a:endParaRPr lang="en-US" dirty="0"/>
+              </a:p>
+            </p:txBody>
+          </p:sp>
+        </mc:Choice>
+        <mc:Fallback>
+          <p:sp>
+            <p:nvSpPr>
+              <p:cNvPr id="3" name="Content Placeholder 2"/>
+              <p:cNvSpPr>
+                <a:spLocks noGrp="1" noRot="1" noChangeAspect="1" noMove="1" noResize="1" noEditPoints="1" noAdjustHandles="1" noChangeArrowheads="1" noChangeShapeType="1" noTextEdit="1"/>
+              </p:cNvSpPr>
+              <p:nvPr>
+                <p:ph idx="1"/>
+              </p:nvPr>
+            </p:nvSpPr>
+            <p:spPr>
+              <a:blipFill rotWithShape="0">
+                <a:blip r:embed="rId2"/>
+                <a:stretch>
+                  <a:fillRect l="-1217" t="-1261"/>
+                </a:stretch>
+              </a:blipFill>
+            </p:spPr>
+            <p:txBody>
+              <a:bodyPr/>
+              <a:lstStyle/>
+              <a:p>
+                <a:r>
+                  <a:rPr lang="en-US">
+                    <a:noFill/>
+                  </a:rPr>
+                  <a:t> </a:t>
+                </a:r>
+              </a:p>
+            </p:txBody>
+          </p:sp>
+        </mc:Fallback>
+      </mc:AlternateContent>
+      <p:sp>
+        <p:nvSpPr>
+          <p:cNvPr id="4" name="Slide Number Placeholder 3"/>
+          <p:cNvSpPr>
+            <a:spLocks noGrp="1"/>
+          </p:cNvSpPr>
+          <p:nvPr>
+            <p:ph type="sldNum" sz="quarter" idx="12"/>
+          </p:nvPr>
+        </p:nvSpPr>
+        <p:spPr/>
+        <p:txBody>
+          <a:bodyPr/>
+          <a:lstStyle/>
+          <a:p>
+            <a:fld id="{D5F75030-1A0A-4829-8411-3D88B8AB4717}" type="slidenum">
+              <a:rPr lang="en-CA" smtClean="0"/>
+              <a:t>31</a:t>
+            </a:fld>
+            <a:endParaRPr lang="en-CA"/>
+          </a:p>
+        </p:txBody>
+      </p:sp>
+    </p:spTree>
+    <p:extLst>
+      <p:ext uri="{BB962C8B-B14F-4D97-AF65-F5344CB8AC3E}">
+        <p14:creationId xmlns:p14="http://schemas.microsoft.com/office/powerpoint/2010/main" val="184468301"/>
+      </p:ext>
+    </p:extLst>
+  </p:cSld>
+  <p:clrMapOvr>
+    <a:masterClrMapping/>
+  </p:clrMapOvr>
+</p:sld>
+</file>
+
+<file path=ppt/slides/slide32.xml><?xml version="1.0" encoding="utf-8"?>
+<p:sld xmlns:a="http://schemas.openxmlformats.org/drawingml/2006/main" xmlns:r="http://schemas.openxmlformats.org/officeDocument/2006/relationships" xmlns:p="http://schemas.openxmlformats.org/presentationml/2006/main">
+  <p:cSld>
+    <p:spTree>
+      <p:nvGrpSpPr>
+        <p:cNvPr id="1" name=""/>
+        <p:cNvGrpSpPr/>
+        <p:nvPr/>
+      </p:nvGrpSpPr>
+      <p:grpSpPr>
+        <a:xfrm>
+          <a:off x="0" y="0"/>
+          <a:ext cx="0" cy="0"/>
+          <a:chOff x="0" y="0"/>
+          <a:chExt cx="0" cy="0"/>
+        </a:xfrm>
+      </p:grpSpPr>
+      <p:sp>
+        <p:nvSpPr>
+          <p:cNvPr id="3" name="Content Placeholder 2"/>
+          <p:cNvSpPr>
+            <a:spLocks noGrp="1"/>
+          </p:cNvSpPr>
+          <p:nvPr>
+            <p:ph idx="1"/>
+          </p:nvPr>
+        </p:nvSpPr>
+        <p:spPr>
+          <a:xfrm>
+            <a:off x="838200" y="487680"/>
+            <a:ext cx="10515600" cy="5689283"/>
+          </a:xfrm>
+        </p:spPr>
+        <p:txBody>
+          <a:bodyPr>
+            <a:normAutofit lnSpcReduction="10000"/>
+          </a:bodyPr>
+          <a:lstStyle/>
+          <a:p>
+            <a:pPr marL="0" marR="0" lvl="0" indent="0" defTabSz="914400" eaLnBrk="1" fontAlgn="auto" latinLnBrk="0" hangingPunct="1">
+              <a:lnSpc>
+                <a:spcPct val="100000"/>
+              </a:lnSpc>
+              <a:spcBef>
+                <a:spcPts val="0"/>
+              </a:spcBef>
+              <a:spcAft>
+                <a:spcPts val="0"/>
+              </a:spcAft>
+              <a:buClrTx/>
+              <a:buSzTx/>
+              <a:buFontTx/>
+              <a:buNone/>
+              <a:tabLst/>
+              <a:defRPr/>
+            </a:pPr>
+            <a:r>
+              <a:rPr lang="en-US" dirty="0" smtClean="0"/>
+              <a:t>Fib(n):</a:t>
+            </a:r>
+          </a:p>
+          <a:p>
+            <a:pPr marL="0" marR="0" lvl="0" indent="0" defTabSz="914400" eaLnBrk="1" fontAlgn="auto" latinLnBrk="0" hangingPunct="1">
+              <a:lnSpc>
+                <a:spcPct val="100000"/>
+              </a:lnSpc>
+              <a:spcBef>
+                <a:spcPts val="0"/>
+              </a:spcBef>
+              <a:spcAft>
+                <a:spcPts val="0"/>
+              </a:spcAft>
+              <a:buClrTx/>
+              <a:buSzTx/>
+              <a:buFontTx/>
+              <a:buNone/>
+              <a:tabLst/>
+              <a:defRPr/>
+            </a:pPr>
+            <a:r>
+              <a:rPr lang="en-US" dirty="0"/>
+              <a:t>	</a:t>
+            </a:r>
+            <a:r>
+              <a:rPr lang="en-US" dirty="0" smtClean="0"/>
+              <a:t>if n == 1 or n == 2</a:t>
+            </a:r>
+          </a:p>
+          <a:p>
+            <a:pPr marL="0" marR="0" lvl="0" indent="0" defTabSz="914400" eaLnBrk="1" fontAlgn="auto" latinLnBrk="0" hangingPunct="1">
+              <a:lnSpc>
+                <a:spcPct val="100000"/>
+              </a:lnSpc>
+              <a:spcBef>
+                <a:spcPts val="0"/>
+              </a:spcBef>
+              <a:spcAft>
+                <a:spcPts val="0"/>
+              </a:spcAft>
+              <a:buClrTx/>
+              <a:buSzTx/>
+              <a:buFontTx/>
+              <a:buNone/>
+              <a:tabLst/>
+              <a:defRPr/>
+            </a:pPr>
+            <a:r>
+              <a:rPr lang="en-US" dirty="0"/>
+              <a:t>	</a:t>
+            </a:r>
+            <a:r>
+              <a:rPr lang="en-US" dirty="0" smtClean="0"/>
+              <a:t>	return 1</a:t>
+            </a:r>
+          </a:p>
+          <a:p>
+            <a:pPr marL="0" marR="0" lvl="0" indent="0" defTabSz="914400" eaLnBrk="1" fontAlgn="auto" latinLnBrk="0" hangingPunct="1">
+              <a:lnSpc>
+                <a:spcPct val="100000"/>
+              </a:lnSpc>
+              <a:spcBef>
+                <a:spcPts val="0"/>
+              </a:spcBef>
+              <a:spcAft>
+                <a:spcPts val="0"/>
+              </a:spcAft>
+              <a:buClrTx/>
+              <a:buSzTx/>
+              <a:buFontTx/>
+              <a:buNone/>
+              <a:tabLst/>
+              <a:defRPr/>
+            </a:pPr>
+            <a:r>
+              <a:rPr lang="en-US" dirty="0"/>
+              <a:t>	</a:t>
+            </a:r>
+            <a:r>
+              <a:rPr lang="en-US" dirty="0" smtClean="0"/>
+              <a:t>return Fib(n-1) + Fib(n-2)</a:t>
+            </a:r>
+          </a:p>
+          <a:p>
+            <a:pPr marL="0" marR="0" lvl="0" indent="0" defTabSz="914400" eaLnBrk="1" fontAlgn="auto" latinLnBrk="0" hangingPunct="1">
+              <a:lnSpc>
+                <a:spcPct val="100000"/>
+              </a:lnSpc>
+              <a:spcBef>
+                <a:spcPts val="0"/>
+              </a:spcBef>
+              <a:spcAft>
+                <a:spcPts val="0"/>
+              </a:spcAft>
+              <a:buClrTx/>
+              <a:buSzTx/>
+              <a:buFontTx/>
+              <a:buNone/>
+              <a:tabLst/>
+              <a:defRPr/>
+            </a:pPr>
+            <a:endParaRPr lang="en-US" dirty="0"/>
+          </a:p>
+          <a:p>
+            <a:pPr marL="0" marR="0" lvl="0" indent="0" defTabSz="914400" eaLnBrk="1" fontAlgn="auto" latinLnBrk="0" hangingPunct="1">
+              <a:lnSpc>
+                <a:spcPct val="100000"/>
+              </a:lnSpc>
+              <a:spcBef>
+                <a:spcPts val="0"/>
+              </a:spcBef>
+              <a:spcAft>
+                <a:spcPts val="0"/>
+              </a:spcAft>
+              <a:buClrTx/>
+              <a:buSzTx/>
+              <a:buFontTx/>
+              <a:buNone/>
+              <a:tabLst/>
+              <a:defRPr/>
+            </a:pPr>
+            <a:endParaRPr lang="en-US" dirty="0" smtClean="0"/>
+          </a:p>
+          <a:p>
+            <a:pPr marL="0" marR="0" lvl="0" indent="0" defTabSz="914400" eaLnBrk="1" fontAlgn="auto" latinLnBrk="0" hangingPunct="1">
+              <a:lnSpc>
+                <a:spcPct val="100000"/>
+              </a:lnSpc>
+              <a:spcBef>
+                <a:spcPts val="0"/>
+              </a:spcBef>
+              <a:spcAft>
+                <a:spcPts val="0"/>
+              </a:spcAft>
+              <a:buClrTx/>
+              <a:buSzTx/>
+              <a:buFontTx/>
+              <a:buNone/>
+              <a:tabLst/>
+              <a:defRPr/>
+            </a:pPr>
+            <a:r>
+              <a:rPr lang="en-US" dirty="0" smtClean="0"/>
+              <a:t>Fib(10)</a:t>
+            </a:r>
+          </a:p>
+          <a:p>
+            <a:pPr marL="0" marR="0" lvl="0" indent="0" defTabSz="914400" eaLnBrk="1" fontAlgn="auto" latinLnBrk="0" hangingPunct="1">
+              <a:lnSpc>
+                <a:spcPct val="100000"/>
+              </a:lnSpc>
+              <a:spcBef>
+                <a:spcPts val="0"/>
+              </a:spcBef>
+              <a:spcAft>
+                <a:spcPts val="0"/>
+              </a:spcAft>
+              <a:buClrTx/>
+              <a:buSzTx/>
+              <a:buFontTx/>
+              <a:buNone/>
+              <a:tabLst/>
+              <a:defRPr/>
+            </a:pPr>
+            <a:r>
+              <a:rPr lang="en-US" dirty="0"/>
+              <a:t> </a:t>
+            </a:r>
+            <a:r>
+              <a:rPr lang="en-US" dirty="0" smtClean="0"/>
+              <a:t>            10</a:t>
+            </a:r>
+          </a:p>
+          <a:p>
+            <a:pPr marL="0" marR="0" lvl="0" indent="0" defTabSz="914400" eaLnBrk="1" fontAlgn="auto" latinLnBrk="0" hangingPunct="1">
+              <a:lnSpc>
+                <a:spcPct val="100000"/>
+              </a:lnSpc>
+              <a:spcBef>
+                <a:spcPts val="0"/>
+              </a:spcBef>
+              <a:spcAft>
+                <a:spcPts val="0"/>
+              </a:spcAft>
+              <a:buClrTx/>
+              <a:buSzTx/>
+              <a:buFontTx/>
+              <a:buNone/>
+              <a:tabLst/>
+              <a:defRPr/>
+            </a:pPr>
+            <a:r>
+              <a:rPr lang="en-US" dirty="0" smtClean="0"/>
+              <a:t>            /    \    </a:t>
+            </a:r>
+            <a:endParaRPr lang="en-US" dirty="0"/>
+          </a:p>
+          <a:p>
+            <a:pPr marL="0" marR="0" lvl="0" indent="0" defTabSz="914400" eaLnBrk="1" fontAlgn="auto" latinLnBrk="0" hangingPunct="1">
+              <a:lnSpc>
+                <a:spcPct val="100000"/>
+              </a:lnSpc>
+              <a:spcBef>
+                <a:spcPts val="0"/>
+              </a:spcBef>
+              <a:spcAft>
+                <a:spcPts val="0"/>
+              </a:spcAft>
+              <a:buClrTx/>
+              <a:buSzTx/>
+              <a:buFontTx/>
+              <a:buNone/>
+              <a:tabLst/>
+              <a:defRPr/>
+            </a:pPr>
+            <a:r>
+              <a:rPr lang="en-US" dirty="0" smtClean="0"/>
+              <a:t>         9          8</a:t>
+            </a:r>
+          </a:p>
+          <a:p>
+            <a:pPr marL="0" marR="0" lvl="0" indent="0" defTabSz="914400" eaLnBrk="1" fontAlgn="auto" latinLnBrk="0" hangingPunct="1">
+              <a:lnSpc>
+                <a:spcPct val="100000"/>
+              </a:lnSpc>
+              <a:spcBef>
+                <a:spcPts val="0"/>
+              </a:spcBef>
+              <a:spcAft>
+                <a:spcPts val="0"/>
+              </a:spcAft>
+              <a:buClrTx/>
+              <a:buSzTx/>
+              <a:buFontTx/>
+              <a:buNone/>
+              <a:tabLst/>
+              <a:defRPr/>
+            </a:pPr>
+            <a:r>
+              <a:rPr lang="en-US" dirty="0" smtClean="0"/>
+              <a:t>        / \        / \</a:t>
+            </a:r>
+          </a:p>
+          <a:p>
+            <a:pPr marL="0" marR="0" lvl="0" indent="0" defTabSz="914400" eaLnBrk="1" fontAlgn="auto" latinLnBrk="0" hangingPunct="1">
+              <a:lnSpc>
+                <a:spcPct val="100000"/>
+              </a:lnSpc>
+              <a:spcBef>
+                <a:spcPts val="0"/>
+              </a:spcBef>
+              <a:spcAft>
+                <a:spcPts val="0"/>
+              </a:spcAft>
+              <a:buClrTx/>
+              <a:buSzTx/>
+              <a:buFontTx/>
+              <a:buNone/>
+              <a:tabLst/>
+              <a:defRPr/>
+            </a:pPr>
+            <a:r>
+              <a:rPr lang="en-US" dirty="0"/>
+              <a:t> </a:t>
+            </a:r>
+            <a:r>
+              <a:rPr lang="en-US" dirty="0" smtClean="0"/>
+              <a:t>    8     7    7    6</a:t>
+            </a:r>
+          </a:p>
+          <a:p>
+            <a:pPr marL="0" marR="0" lvl="0" indent="0" defTabSz="914400" eaLnBrk="1" fontAlgn="auto" latinLnBrk="0" hangingPunct="1">
+              <a:lnSpc>
+                <a:spcPct val="100000"/>
+              </a:lnSpc>
+              <a:spcBef>
+                <a:spcPts val="0"/>
+              </a:spcBef>
+              <a:spcAft>
+                <a:spcPts val="0"/>
+              </a:spcAft>
+              <a:buClrTx/>
+              <a:buSzTx/>
+              <a:buFontTx/>
+              <a:buNone/>
+              <a:tabLst/>
+              <a:defRPr/>
+            </a:pPr>
+            <a:r>
+              <a:rPr lang="en-US" dirty="0"/>
+              <a:t> </a:t>
+            </a:r>
+            <a:r>
+              <a:rPr lang="en-US" dirty="0" smtClean="0"/>
+              <a:t>   / \   / \</a:t>
+            </a:r>
+            <a:endParaRPr lang="en-US" dirty="0"/>
+          </a:p>
+          <a:p>
+            <a:pPr marL="0" marR="0" lvl="0" indent="0" defTabSz="914400" eaLnBrk="1" fontAlgn="auto" latinLnBrk="0" hangingPunct="1">
+              <a:lnSpc>
+                <a:spcPct val="100000"/>
+              </a:lnSpc>
+              <a:spcBef>
+                <a:spcPts val="0"/>
+              </a:spcBef>
+              <a:spcAft>
+                <a:spcPts val="0"/>
+              </a:spcAft>
+              <a:buClrTx/>
+              <a:buSzTx/>
+              <a:buFontTx/>
+              <a:buNone/>
+              <a:tabLst/>
+              <a:defRPr/>
+            </a:pPr>
+            <a:r>
+              <a:rPr lang="en-US" dirty="0" smtClean="0"/>
+              <a:t>   7  6 6  5</a:t>
+            </a:r>
+          </a:p>
+          <a:p>
+            <a:pPr marL="514350" marR="0" lvl="0" indent="-514350" defTabSz="914400" eaLnBrk="1" fontAlgn="auto" latinLnBrk="0" hangingPunct="1">
+              <a:lnSpc>
+                <a:spcPct val="100000"/>
+              </a:lnSpc>
+              <a:spcBef>
+                <a:spcPts val="0"/>
+              </a:spcBef>
+              <a:spcAft>
+                <a:spcPts val="0"/>
+              </a:spcAft>
+              <a:buClrTx/>
+              <a:buSzTx/>
+              <a:buFontTx/>
+              <a:buAutoNum type="arabicPlain" startAt="8"/>
+              <a:tabLst/>
+              <a:defRPr/>
+            </a:pPr>
+            <a:endParaRPr lang="en-US" dirty="0" smtClean="0"/>
+          </a:p>
+          <a:p>
+            <a:pPr marL="514350" marR="0" lvl="0" indent="-514350" defTabSz="914400" eaLnBrk="1" fontAlgn="auto" latinLnBrk="0" hangingPunct="1">
+              <a:lnSpc>
+                <a:spcPct val="100000"/>
+              </a:lnSpc>
+              <a:spcBef>
+                <a:spcPts val="0"/>
+              </a:spcBef>
+              <a:spcAft>
+                <a:spcPts val="0"/>
+              </a:spcAft>
+              <a:buClrTx/>
+              <a:buSzTx/>
+              <a:buFontTx/>
+              <a:buAutoNum type="arabicPlain" startAt="8"/>
+              <a:tabLst/>
+              <a:defRPr/>
+            </a:pPr>
+            <a:endParaRPr lang="en-US" dirty="0"/>
+          </a:p>
+        </p:txBody>
+      </p:sp>
+      <p:sp>
+        <p:nvSpPr>
+          <p:cNvPr id="4" name="Slide Number Placeholder 3"/>
+          <p:cNvSpPr>
+            <a:spLocks noGrp="1"/>
+          </p:cNvSpPr>
+          <p:nvPr>
+            <p:ph type="sldNum" sz="quarter" idx="12"/>
+          </p:nvPr>
+        </p:nvSpPr>
+        <p:spPr/>
+        <p:txBody>
+          <a:bodyPr/>
+          <a:lstStyle/>
+          <a:p>
+            <a:fld id="{D5F75030-1A0A-4829-8411-3D88B8AB4717}" type="slidenum">
+              <a:rPr lang="en-CA" smtClean="0"/>
+              <a:t>32</a:t>
+            </a:fld>
+            <a:endParaRPr lang="en-CA"/>
+          </a:p>
+        </p:txBody>
+      </p:sp>
+    </p:spTree>
+    <p:extLst>
+      <p:ext uri="{BB962C8B-B14F-4D97-AF65-F5344CB8AC3E}">
+        <p14:creationId xmlns:p14="http://schemas.microsoft.com/office/powerpoint/2010/main" val="838909372"/>
+      </p:ext>
+    </p:extLst>
+  </p:cSld>
+  <p:clrMapOvr>
+    <a:masterClrMapping/>
+  </p:clrMapOvr>
+</p:sld>
+</file>
+
+<file path=ppt/slides/slide33.xml><?xml version="1.0" encoding="utf-8"?>
+<p:sld xmlns:a="http://schemas.openxmlformats.org/drawingml/2006/main" xmlns:r="http://schemas.openxmlformats.org/officeDocument/2006/relationships" xmlns:p="http://schemas.openxmlformats.org/presentationml/2006/main">
+  <p:cSld>
+    <p:spTree>
+      <p:nvGrpSpPr>
+        <p:cNvPr id="1" name=""/>
+        <p:cNvGrpSpPr/>
+        <p:nvPr/>
+      </p:nvGrpSpPr>
+      <p:grpSpPr>
+        <a:xfrm>
+          <a:off x="0" y="0"/>
+          <a:ext cx="0" cy="0"/>
+          <a:chOff x="0" y="0"/>
+          <a:chExt cx="0" cy="0"/>
+        </a:xfrm>
+      </p:grpSpPr>
+      <p:sp>
+        <p:nvSpPr>
+          <p:cNvPr id="3" name="Content Placeholder 2"/>
+          <p:cNvSpPr>
+            <a:spLocks noGrp="1"/>
+          </p:cNvSpPr>
+          <p:nvPr>
+            <p:ph idx="1"/>
+          </p:nvPr>
+        </p:nvSpPr>
+        <p:spPr>
+          <a:xfrm>
+            <a:off x="838200" y="841248"/>
+            <a:ext cx="10515600" cy="5335715"/>
+          </a:xfrm>
+        </p:spPr>
+        <p:txBody>
+          <a:bodyPr/>
+          <a:lstStyle/>
+          <a:p>
+            <a:pPr marL="0" marR="0" lvl="0" indent="0" defTabSz="914400" eaLnBrk="1" fontAlgn="auto" latinLnBrk="0" hangingPunct="1">
+              <a:lnSpc>
+                <a:spcPct val="100000"/>
+              </a:lnSpc>
+              <a:spcBef>
+                <a:spcPts val="0"/>
+              </a:spcBef>
+              <a:spcAft>
+                <a:spcPts val="0"/>
+              </a:spcAft>
+              <a:buClrTx/>
+              <a:buSzTx/>
+              <a:buFontTx/>
+              <a:buNone/>
+              <a:tabLst/>
+              <a:defRPr/>
+            </a:pPr>
+            <a:r>
+              <a:rPr lang="en-US" dirty="0" smtClean="0"/>
+              <a:t>Fib(n, M):</a:t>
+            </a:r>
+          </a:p>
+          <a:p>
+            <a:pPr marL="0" marR="0" lvl="0" indent="0" defTabSz="914400" eaLnBrk="1" fontAlgn="auto" latinLnBrk="0" hangingPunct="1">
+              <a:lnSpc>
+                <a:spcPct val="100000"/>
+              </a:lnSpc>
+              <a:spcBef>
+                <a:spcPts val="0"/>
+              </a:spcBef>
+              <a:spcAft>
+                <a:spcPts val="0"/>
+              </a:spcAft>
+              <a:buClrTx/>
+              <a:buSzTx/>
+              <a:buFontTx/>
+              <a:buNone/>
+              <a:tabLst/>
+              <a:defRPr/>
+            </a:pPr>
+            <a:r>
+              <a:rPr lang="en-US" dirty="0"/>
+              <a:t>	</a:t>
+            </a:r>
+            <a:r>
+              <a:rPr lang="en-US" dirty="0" smtClean="0"/>
+              <a:t>if n == 1 or n == 2</a:t>
+            </a:r>
+          </a:p>
+          <a:p>
+            <a:pPr marL="0" marR="0" lvl="0" indent="0" defTabSz="914400" eaLnBrk="1" fontAlgn="auto" latinLnBrk="0" hangingPunct="1">
+              <a:lnSpc>
+                <a:spcPct val="100000"/>
+              </a:lnSpc>
+              <a:spcBef>
+                <a:spcPts val="0"/>
+              </a:spcBef>
+              <a:spcAft>
+                <a:spcPts val="0"/>
+              </a:spcAft>
+              <a:buClrTx/>
+              <a:buSzTx/>
+              <a:buFontTx/>
+              <a:buNone/>
+              <a:tabLst/>
+              <a:defRPr/>
+            </a:pPr>
+            <a:r>
+              <a:rPr lang="en-US" dirty="0"/>
+              <a:t>	</a:t>
+            </a:r>
+            <a:r>
+              <a:rPr lang="en-US" dirty="0" smtClean="0"/>
+              <a:t>	return 1</a:t>
+            </a:r>
+          </a:p>
+          <a:p>
+            <a:pPr marL="0" marR="0" lvl="0" indent="0" defTabSz="914400" eaLnBrk="1" fontAlgn="auto" latinLnBrk="0" hangingPunct="1">
+              <a:lnSpc>
+                <a:spcPct val="100000"/>
+              </a:lnSpc>
+              <a:spcBef>
+                <a:spcPts val="0"/>
+              </a:spcBef>
+              <a:spcAft>
+                <a:spcPts val="0"/>
+              </a:spcAft>
+              <a:buClrTx/>
+              <a:buSzTx/>
+              <a:buFontTx/>
+              <a:buNone/>
+              <a:tabLst/>
+              <a:defRPr/>
+            </a:pPr>
+            <a:r>
+              <a:rPr lang="en-US" dirty="0"/>
+              <a:t>	</a:t>
+            </a:r>
+            <a:r>
+              <a:rPr lang="en-US" dirty="0" smtClean="0"/>
+              <a:t>if M[n] is defined</a:t>
+            </a:r>
+          </a:p>
+          <a:p>
+            <a:pPr marL="0" marR="0" lvl="0" indent="0" defTabSz="914400" eaLnBrk="1" fontAlgn="auto" latinLnBrk="0" hangingPunct="1">
+              <a:lnSpc>
+                <a:spcPct val="100000"/>
+              </a:lnSpc>
+              <a:spcBef>
+                <a:spcPts val="0"/>
+              </a:spcBef>
+              <a:spcAft>
+                <a:spcPts val="0"/>
+              </a:spcAft>
+              <a:buClrTx/>
+              <a:buSzTx/>
+              <a:buFontTx/>
+              <a:buNone/>
+              <a:tabLst/>
+              <a:defRPr/>
+            </a:pPr>
+            <a:r>
+              <a:rPr lang="en-US" dirty="0"/>
+              <a:t>	</a:t>
+            </a:r>
+            <a:r>
+              <a:rPr lang="en-US" dirty="0" smtClean="0"/>
+              <a:t>	return M[n]</a:t>
+            </a:r>
+          </a:p>
+          <a:p>
+            <a:pPr marL="0" marR="0" lvl="0" indent="0" defTabSz="914400" eaLnBrk="1" fontAlgn="auto" latinLnBrk="0" hangingPunct="1">
+              <a:lnSpc>
+                <a:spcPct val="100000"/>
+              </a:lnSpc>
+              <a:spcBef>
+                <a:spcPts val="0"/>
+              </a:spcBef>
+              <a:spcAft>
+                <a:spcPts val="0"/>
+              </a:spcAft>
+              <a:buClrTx/>
+              <a:buSzTx/>
+              <a:buFontTx/>
+              <a:buNone/>
+              <a:tabLst/>
+              <a:defRPr/>
+            </a:pPr>
+            <a:r>
+              <a:rPr lang="en-US" dirty="0" smtClean="0"/>
+              <a:t>	M[n] = Fib(n-1, M) + Fib(n-2, M)</a:t>
+            </a:r>
+          </a:p>
+          <a:p>
+            <a:pPr marL="0" marR="0" lvl="0" indent="0" defTabSz="914400" eaLnBrk="1" fontAlgn="auto" latinLnBrk="0" hangingPunct="1">
+              <a:lnSpc>
+                <a:spcPct val="100000"/>
+              </a:lnSpc>
+              <a:spcBef>
+                <a:spcPts val="0"/>
+              </a:spcBef>
+              <a:spcAft>
+                <a:spcPts val="0"/>
+              </a:spcAft>
+              <a:buClrTx/>
+              <a:buSzTx/>
+              <a:buFontTx/>
+              <a:buNone/>
+              <a:tabLst/>
+              <a:defRPr/>
+            </a:pPr>
+            <a:r>
+              <a:rPr lang="en-US" dirty="0"/>
+              <a:t>	</a:t>
+            </a:r>
+            <a:r>
+              <a:rPr lang="en-US" dirty="0" smtClean="0"/>
+              <a:t>return M[n]</a:t>
+            </a:r>
+          </a:p>
+          <a:p>
+            <a:pPr marL="0" marR="0" lvl="0" indent="0" defTabSz="914400" eaLnBrk="1" fontAlgn="auto" latinLnBrk="0" hangingPunct="1">
+              <a:lnSpc>
+                <a:spcPct val="100000"/>
+              </a:lnSpc>
+              <a:spcBef>
+                <a:spcPts val="0"/>
+              </a:spcBef>
+              <a:spcAft>
+                <a:spcPts val="0"/>
+              </a:spcAft>
+              <a:buClrTx/>
+              <a:buSzTx/>
+              <a:buFontTx/>
+              <a:buNone/>
+              <a:tabLst/>
+              <a:defRPr/>
+            </a:pPr>
+            <a:endParaRPr lang="en-US" dirty="0"/>
+          </a:p>
+          <a:p>
+            <a:pPr marL="0" marR="0" lvl="0" indent="0" defTabSz="914400" eaLnBrk="1" fontAlgn="auto" latinLnBrk="0" hangingPunct="1">
+              <a:lnSpc>
+                <a:spcPct val="100000"/>
+              </a:lnSpc>
+              <a:spcBef>
+                <a:spcPts val="0"/>
+              </a:spcBef>
+              <a:spcAft>
+                <a:spcPts val="0"/>
+              </a:spcAft>
+              <a:buClrTx/>
+              <a:buSzTx/>
+              <a:buFontTx/>
+              <a:buNone/>
+              <a:tabLst/>
+              <a:defRPr/>
+            </a:pPr>
+            <a:endParaRPr lang="en-US" dirty="0" smtClean="0"/>
+          </a:p>
+          <a:p>
+            <a:pPr marL="0" marR="0" lvl="0" indent="0" defTabSz="914400" eaLnBrk="1" fontAlgn="auto" latinLnBrk="0" hangingPunct="1">
+              <a:lnSpc>
+                <a:spcPct val="100000"/>
+              </a:lnSpc>
+              <a:spcBef>
+                <a:spcPts val="0"/>
+              </a:spcBef>
+              <a:spcAft>
+                <a:spcPts val="0"/>
+              </a:spcAft>
+              <a:buClrTx/>
+              <a:buSzTx/>
+              <a:buFontTx/>
+              <a:buNone/>
+              <a:tabLst/>
+              <a:defRPr/>
+            </a:pPr>
+            <a:r>
+              <a:rPr lang="en-US" dirty="0" smtClean="0"/>
+              <a:t>O(n)</a:t>
+            </a:r>
+          </a:p>
+          <a:p>
+            <a:pPr marL="0" marR="0" lvl="0" indent="0" defTabSz="914400" eaLnBrk="1" fontAlgn="auto" latinLnBrk="0" hangingPunct="1">
+              <a:lnSpc>
+                <a:spcPct val="100000"/>
+              </a:lnSpc>
+              <a:spcBef>
+                <a:spcPts val="0"/>
+              </a:spcBef>
+              <a:spcAft>
+                <a:spcPts val="0"/>
+              </a:spcAft>
+              <a:buClrTx/>
+              <a:buSzTx/>
+              <a:buFontTx/>
+              <a:buNone/>
+              <a:tabLst/>
+              <a:defRPr/>
+            </a:pPr>
+            <a:r>
+              <a:rPr lang="en-US" dirty="0"/>
+              <a:t>	</a:t>
+            </a:r>
+          </a:p>
+        </p:txBody>
+      </p:sp>
+      <p:sp>
+        <p:nvSpPr>
+          <p:cNvPr id="4" name="Slide Number Placeholder 3"/>
+          <p:cNvSpPr>
+            <a:spLocks noGrp="1"/>
+          </p:cNvSpPr>
+          <p:nvPr>
+            <p:ph type="sldNum" sz="quarter" idx="12"/>
+          </p:nvPr>
+        </p:nvSpPr>
+        <p:spPr/>
+        <p:txBody>
+          <a:bodyPr/>
+          <a:lstStyle/>
+          <a:p>
+            <a:fld id="{D5F75030-1A0A-4829-8411-3D88B8AB4717}" type="slidenum">
+              <a:rPr lang="en-CA" smtClean="0"/>
+              <a:t>33</a:t>
+            </a:fld>
+            <a:endParaRPr lang="en-CA"/>
+          </a:p>
+        </p:txBody>
+      </p:sp>
+    </p:spTree>
+    <p:extLst>
+      <p:ext uri="{BB962C8B-B14F-4D97-AF65-F5344CB8AC3E}">
+        <p14:creationId xmlns:p14="http://schemas.microsoft.com/office/powerpoint/2010/main" val="1030858507"/>
+      </p:ext>
+    </p:extLst>
+  </p:cSld>
+  <p:clrMapOvr>
+    <a:masterClrMapping/>
+  </p:clrMapOvr>
+</p:sld>
+</file>
+
 <file path=ppt/slides/slide4.xml><?xml version="1.0" encoding="utf-8"?>
 <p:sld xmlns:a="http://schemas.openxmlformats.org/drawingml/2006/main" xmlns:r="http://schemas.openxmlformats.org/officeDocument/2006/relationships" xmlns:p="http://schemas.openxmlformats.org/presentationml/2006/main">
   <p:cSld>
@@ -29839,8 +31795,8 @@
           </a:p>
         </p:txBody>
       </p:sp>
-      <mc:AlternateContent xmlns:mc="http://schemas.openxmlformats.org/markup-compatibility/2006">
-        <mc:Choice xmlns:a14="http://schemas.microsoft.com/office/drawing/2010/main" Requires="a14">
+      <mc:AlternateContent xmlns:mc="http://schemas.openxmlformats.org/markup-compatibility/2006" xmlns:a14="http://schemas.microsoft.com/office/drawing/2010/main">
+        <mc:Choice Requires="a14">
           <p:sp>
             <p:nvSpPr>
               <p:cNvPr id="3" name="Content Placeholder 2"/>
@@ -29878,7 +31834,7 @@
             </p:txBody>
           </p:sp>
         </mc:Choice>
-        <mc:Fallback>
+        <mc:Fallback xmlns="">
           <p:sp>
             <p:nvSpPr>
               <p:cNvPr id="3" name="Content Placeholder 2"/>
@@ -29935,8 +31891,8 @@
           </a:p>
         </p:txBody>
       </p:sp>
-      <mc:AlternateContent xmlns:mc="http://schemas.openxmlformats.org/markup-compatibility/2006">
-        <mc:Choice xmlns:p14="http://schemas.microsoft.com/office/powerpoint/2010/main" Requires="p14">
+      <mc:AlternateContent xmlns:mc="http://schemas.openxmlformats.org/markup-compatibility/2006" xmlns:p14="http://schemas.microsoft.com/office/powerpoint/2010/main">
+        <mc:Choice Requires="p14">
           <p:contentPart p14:bwMode="auto" r:id="rId3">
             <p14:nvContentPartPr>
               <p14:cNvPr id="12" name="Ink 11"/>
@@ -29949,7 +31905,7 @@
             </p14:xfrm>
           </p:contentPart>
         </mc:Choice>
-        <mc:Fallback>
+        <mc:Fallback xmlns="">
           <p:pic>
             <p:nvPicPr>
               <p:cNvPr id="12" name="Ink 11"/>
@@ -29974,8 +31930,8 @@
           </p:pic>
         </mc:Fallback>
       </mc:AlternateContent>
-      <mc:AlternateContent xmlns:mc="http://schemas.openxmlformats.org/markup-compatibility/2006">
-        <mc:Choice xmlns:p14="http://schemas.microsoft.com/office/powerpoint/2010/main" Requires="p14">
+      <mc:AlternateContent xmlns:mc="http://schemas.openxmlformats.org/markup-compatibility/2006" xmlns:p14="http://schemas.microsoft.com/office/powerpoint/2010/main">
+        <mc:Choice Requires="p14">
           <p:contentPart p14:bwMode="auto" r:id="rId5">
             <p14:nvContentPartPr>
               <p14:cNvPr id="37" name="Ink 36"/>
@@ -29988,7 +31944,7 @@
             </p14:xfrm>
           </p:contentPart>
         </mc:Choice>
-        <mc:Fallback>
+        <mc:Fallback xmlns="">
           <p:pic>
             <p:nvPicPr>
               <p:cNvPr id="37" name="Ink 36"/>
@@ -30013,8 +31969,8 @@
           </p:pic>
         </mc:Fallback>
       </mc:AlternateContent>
-      <mc:AlternateContent xmlns:mc="http://schemas.openxmlformats.org/markup-compatibility/2006">
-        <mc:Choice xmlns:p14="http://schemas.microsoft.com/office/powerpoint/2010/main" Requires="p14">
+      <mc:AlternateContent xmlns:mc="http://schemas.openxmlformats.org/markup-compatibility/2006" xmlns:p14="http://schemas.microsoft.com/office/powerpoint/2010/main">
+        <mc:Choice Requires="p14">
           <p:contentPart p14:bwMode="auto" r:id="rId7">
             <p14:nvContentPartPr>
               <p14:cNvPr id="45" name="Ink 44"/>
@@ -30027,7 +31983,7 @@
             </p14:xfrm>
           </p:contentPart>
         </mc:Choice>
-        <mc:Fallback>
+        <mc:Fallback xmlns="">
           <p:pic>
             <p:nvPicPr>
               <p:cNvPr id="45" name="Ink 44"/>
@@ -30052,8 +32008,8 @@
           </p:pic>
         </mc:Fallback>
       </mc:AlternateContent>
-      <mc:AlternateContent xmlns:mc="http://schemas.openxmlformats.org/markup-compatibility/2006">
-        <mc:Choice xmlns:p14="http://schemas.microsoft.com/office/powerpoint/2010/main" Requires="p14">
+      <mc:AlternateContent xmlns:mc="http://schemas.openxmlformats.org/markup-compatibility/2006" xmlns:p14="http://schemas.microsoft.com/office/powerpoint/2010/main">
+        <mc:Choice Requires="p14">
           <p:contentPart p14:bwMode="auto" r:id="rId9">
             <p14:nvContentPartPr>
               <p14:cNvPr id="64" name="Ink 63"/>
@@ -30066,7 +32022,7 @@
             </p14:xfrm>
           </p:contentPart>
         </mc:Choice>
-        <mc:Fallback>
+        <mc:Fallback xmlns="">
           <p:pic>
             <p:nvPicPr>
               <p:cNvPr id="64" name="Ink 63"/>
@@ -30091,8 +32047,8 @@
           </p:pic>
         </mc:Fallback>
       </mc:AlternateContent>
-      <mc:AlternateContent xmlns:mc="http://schemas.openxmlformats.org/markup-compatibility/2006">
-        <mc:Choice xmlns:p14="http://schemas.microsoft.com/office/powerpoint/2010/main" Requires="p14">
+      <mc:AlternateContent xmlns:mc="http://schemas.openxmlformats.org/markup-compatibility/2006" xmlns:p14="http://schemas.microsoft.com/office/powerpoint/2010/main">
+        <mc:Choice Requires="p14">
           <p:contentPart p14:bwMode="auto" r:id="rId11">
             <p14:nvContentPartPr>
               <p14:cNvPr id="67" name="Ink 66"/>
@@ -30105,7 +32061,7 @@
             </p14:xfrm>
           </p:contentPart>
         </mc:Choice>
-        <mc:Fallback>
+        <mc:Fallback xmlns="">
           <p:pic>
             <p:nvPicPr>
               <p:cNvPr id="67" name="Ink 66"/>
@@ -30130,8 +32086,8 @@
           </p:pic>
         </mc:Fallback>
       </mc:AlternateContent>
-      <mc:AlternateContent xmlns:mc="http://schemas.openxmlformats.org/markup-compatibility/2006">
-        <mc:Choice xmlns:p14="http://schemas.microsoft.com/office/powerpoint/2010/main" Requires="p14">
+      <mc:AlternateContent xmlns:mc="http://schemas.openxmlformats.org/markup-compatibility/2006" xmlns:p14="http://schemas.microsoft.com/office/powerpoint/2010/main">
+        <mc:Choice Requires="p14">
           <p:contentPart p14:bwMode="auto" r:id="rId13">
             <p14:nvContentPartPr>
               <p14:cNvPr id="68" name="Ink 67"/>
@@ -30144,7 +32100,7 @@
             </p14:xfrm>
           </p:contentPart>
         </mc:Choice>
-        <mc:Fallback>
+        <mc:Fallback xmlns="">
           <p:pic>
             <p:nvPicPr>
               <p:cNvPr id="68" name="Ink 67"/>
@@ -30169,8 +32125,8 @@
           </p:pic>
         </mc:Fallback>
       </mc:AlternateContent>
-      <mc:AlternateContent xmlns:mc="http://schemas.openxmlformats.org/markup-compatibility/2006">
-        <mc:Choice xmlns:p14="http://schemas.microsoft.com/office/powerpoint/2010/main" Requires="p14">
+      <mc:AlternateContent xmlns:mc="http://schemas.openxmlformats.org/markup-compatibility/2006" xmlns:p14="http://schemas.microsoft.com/office/powerpoint/2010/main">
+        <mc:Choice Requires="p14">
           <p:contentPart p14:bwMode="auto" r:id="rId15">
             <p14:nvContentPartPr>
               <p14:cNvPr id="74" name="Ink 73"/>
@@ -30183,7 +32139,7 @@
             </p14:xfrm>
           </p:contentPart>
         </mc:Choice>
-        <mc:Fallback>
+        <mc:Fallback xmlns="">
           <p:pic>
             <p:nvPicPr>
               <p:cNvPr id="74" name="Ink 73"/>
@@ -30208,8 +32164,8 @@
           </p:pic>
         </mc:Fallback>
       </mc:AlternateContent>
-      <mc:AlternateContent xmlns:mc="http://schemas.openxmlformats.org/markup-compatibility/2006">
-        <mc:Choice xmlns:p14="http://schemas.microsoft.com/office/powerpoint/2010/main" Requires="p14">
+      <mc:AlternateContent xmlns:mc="http://schemas.openxmlformats.org/markup-compatibility/2006" xmlns:p14="http://schemas.microsoft.com/office/powerpoint/2010/main">
+        <mc:Choice Requires="p14">
           <p:contentPart p14:bwMode="auto" r:id="rId17">
             <p14:nvContentPartPr>
               <p14:cNvPr id="77" name="Ink 76"/>
@@ -30222,7 +32178,7 @@
             </p14:xfrm>
           </p:contentPart>
         </mc:Choice>
-        <mc:Fallback>
+        <mc:Fallback xmlns="">
           <p:pic>
             <p:nvPicPr>
               <p:cNvPr id="77" name="Ink 76"/>
@@ -30247,8 +32203,8 @@
           </p:pic>
         </mc:Fallback>
       </mc:AlternateContent>
-      <mc:AlternateContent xmlns:mc="http://schemas.openxmlformats.org/markup-compatibility/2006">
-        <mc:Choice xmlns:p14="http://schemas.microsoft.com/office/powerpoint/2010/main" Requires="p14">
+      <mc:AlternateContent xmlns:mc="http://schemas.openxmlformats.org/markup-compatibility/2006" xmlns:p14="http://schemas.microsoft.com/office/powerpoint/2010/main">
+        <mc:Choice Requires="p14">
           <p:contentPart p14:bwMode="auto" r:id="rId19">
             <p14:nvContentPartPr>
               <p14:cNvPr id="81" name="Ink 80"/>
@@ -30261,7 +32217,7 @@
             </p14:xfrm>
           </p:contentPart>
         </mc:Choice>
-        <mc:Fallback>
+        <mc:Fallback xmlns="">
           <p:pic>
             <p:nvPicPr>
               <p:cNvPr id="81" name="Ink 80"/>
@@ -30286,8 +32242,8 @@
           </p:pic>
         </mc:Fallback>
       </mc:AlternateContent>
-      <mc:AlternateContent xmlns:mc="http://schemas.openxmlformats.org/markup-compatibility/2006">
-        <mc:Choice xmlns:p14="http://schemas.microsoft.com/office/powerpoint/2010/main" Requires="p14">
+      <mc:AlternateContent xmlns:mc="http://schemas.openxmlformats.org/markup-compatibility/2006" xmlns:p14="http://schemas.microsoft.com/office/powerpoint/2010/main">
+        <mc:Choice Requires="p14">
           <p:contentPart p14:bwMode="auto" r:id="rId21">
             <p14:nvContentPartPr>
               <p14:cNvPr id="82" name="Ink 81"/>
@@ -30300,7 +32256,7 @@
             </p14:xfrm>
           </p:contentPart>
         </mc:Choice>
-        <mc:Fallback>
+        <mc:Fallback xmlns="">
           <p:pic>
             <p:nvPicPr>
               <p:cNvPr id="82" name="Ink 81"/>
@@ -30325,8 +32281,8 @@
           </p:pic>
         </mc:Fallback>
       </mc:AlternateContent>
-      <mc:AlternateContent xmlns:mc="http://schemas.openxmlformats.org/markup-compatibility/2006">
-        <mc:Choice xmlns:p14="http://schemas.microsoft.com/office/powerpoint/2010/main" Requires="p14">
+      <mc:AlternateContent xmlns:mc="http://schemas.openxmlformats.org/markup-compatibility/2006" xmlns:p14="http://schemas.microsoft.com/office/powerpoint/2010/main">
+        <mc:Choice Requires="p14">
           <p:contentPart p14:bwMode="auto" r:id="rId23">
             <p14:nvContentPartPr>
               <p14:cNvPr id="83" name="Ink 82"/>
@@ -30339,7 +32295,7 @@
             </p14:xfrm>
           </p:contentPart>
         </mc:Choice>
-        <mc:Fallback>
+        <mc:Fallback xmlns="">
           <p:pic>
             <p:nvPicPr>
               <p:cNvPr id="83" name="Ink 82"/>
@@ -30364,8 +32320,8 @@
           </p:pic>
         </mc:Fallback>
       </mc:AlternateContent>
-      <mc:AlternateContent xmlns:mc="http://schemas.openxmlformats.org/markup-compatibility/2006">
-        <mc:Choice xmlns:p14="http://schemas.microsoft.com/office/powerpoint/2010/main" Requires="p14">
+      <mc:AlternateContent xmlns:mc="http://schemas.openxmlformats.org/markup-compatibility/2006" xmlns:p14="http://schemas.microsoft.com/office/powerpoint/2010/main">
+        <mc:Choice Requires="p14">
           <p:contentPart p14:bwMode="auto" r:id="rId25">
             <p14:nvContentPartPr>
               <p14:cNvPr id="84" name="Ink 83"/>
@@ -30378,7 +32334,7 @@
             </p14:xfrm>
           </p:contentPart>
         </mc:Choice>
-        <mc:Fallback>
+        <mc:Fallback xmlns="">
           <p:pic>
             <p:nvPicPr>
               <p:cNvPr id="84" name="Ink 83"/>
@@ -30403,8 +32359,8 @@
           </p:pic>
         </mc:Fallback>
       </mc:AlternateContent>
-      <mc:AlternateContent xmlns:mc="http://schemas.openxmlformats.org/markup-compatibility/2006">
-        <mc:Choice xmlns:p14="http://schemas.microsoft.com/office/powerpoint/2010/main" Requires="p14">
+      <mc:AlternateContent xmlns:mc="http://schemas.openxmlformats.org/markup-compatibility/2006" xmlns:p14="http://schemas.microsoft.com/office/powerpoint/2010/main">
+        <mc:Choice Requires="p14">
           <p:contentPart p14:bwMode="auto" r:id="rId27">
             <p14:nvContentPartPr>
               <p14:cNvPr id="92" name="Ink 91"/>
@@ -30417,7 +32373,7 @@
             </p14:xfrm>
           </p:contentPart>
         </mc:Choice>
-        <mc:Fallback>
+        <mc:Fallback xmlns="">
           <p:pic>
             <p:nvPicPr>
               <p:cNvPr id="92" name="Ink 91"/>
@@ -30442,8 +32398,8 @@
           </p:pic>
         </mc:Fallback>
       </mc:AlternateContent>
-      <mc:AlternateContent xmlns:mc="http://schemas.openxmlformats.org/markup-compatibility/2006">
-        <mc:Choice xmlns:p14="http://schemas.microsoft.com/office/powerpoint/2010/main" Requires="p14">
+      <mc:AlternateContent xmlns:mc="http://schemas.openxmlformats.org/markup-compatibility/2006" xmlns:p14="http://schemas.microsoft.com/office/powerpoint/2010/main">
+        <mc:Choice Requires="p14">
           <p:contentPart p14:bwMode="auto" r:id="rId29">
             <p14:nvContentPartPr>
               <p14:cNvPr id="93" name="Ink 92"/>
@@ -30456,7 +32412,7 @@
             </p14:xfrm>
           </p:contentPart>
         </mc:Choice>
-        <mc:Fallback>
+        <mc:Fallback xmlns="">
           <p:pic>
             <p:nvPicPr>
               <p:cNvPr id="93" name="Ink 92"/>
@@ -30481,8 +32437,8 @@
           </p:pic>
         </mc:Fallback>
       </mc:AlternateContent>
-      <mc:AlternateContent xmlns:mc="http://schemas.openxmlformats.org/markup-compatibility/2006">
-        <mc:Choice xmlns:p14="http://schemas.microsoft.com/office/powerpoint/2010/main" Requires="p14">
+      <mc:AlternateContent xmlns:mc="http://schemas.openxmlformats.org/markup-compatibility/2006" xmlns:p14="http://schemas.microsoft.com/office/powerpoint/2010/main">
+        <mc:Choice Requires="p14">
           <p:contentPart p14:bwMode="auto" r:id="rId31">
             <p14:nvContentPartPr>
               <p14:cNvPr id="94" name="Ink 93"/>
@@ -30495,7 +32451,7 @@
             </p14:xfrm>
           </p:contentPart>
         </mc:Choice>
-        <mc:Fallback>
+        <mc:Fallback xmlns="">
           <p:pic>
             <p:nvPicPr>
               <p:cNvPr id="94" name="Ink 93"/>
@@ -30520,8 +32476,8 @@
           </p:pic>
         </mc:Fallback>
       </mc:AlternateContent>
-      <mc:AlternateContent xmlns:mc="http://schemas.openxmlformats.org/markup-compatibility/2006">
-        <mc:Choice xmlns:p14="http://schemas.microsoft.com/office/powerpoint/2010/main" Requires="p14">
+      <mc:AlternateContent xmlns:mc="http://schemas.openxmlformats.org/markup-compatibility/2006" xmlns:p14="http://schemas.microsoft.com/office/powerpoint/2010/main">
+        <mc:Choice Requires="p14">
           <p:contentPart p14:bwMode="auto" r:id="rId33">
             <p14:nvContentPartPr>
               <p14:cNvPr id="95" name="Ink 94"/>
@@ -30534,7 +32490,7 @@
             </p14:xfrm>
           </p:contentPart>
         </mc:Choice>
-        <mc:Fallback>
+        <mc:Fallback xmlns="">
           <p:pic>
             <p:nvPicPr>
               <p:cNvPr id="95" name="Ink 94"/>
@@ -30559,8 +32515,8 @@
           </p:pic>
         </mc:Fallback>
       </mc:AlternateContent>
-      <mc:AlternateContent xmlns:mc="http://schemas.openxmlformats.org/markup-compatibility/2006">
-        <mc:Choice xmlns:p14="http://schemas.microsoft.com/office/powerpoint/2010/main" Requires="p14">
+      <mc:AlternateContent xmlns:mc="http://schemas.openxmlformats.org/markup-compatibility/2006" xmlns:p14="http://schemas.microsoft.com/office/powerpoint/2010/main">
+        <mc:Choice Requires="p14">
           <p:contentPart p14:bwMode="auto" r:id="rId35">
             <p14:nvContentPartPr>
               <p14:cNvPr id="96" name="Ink 95"/>
@@ -30573,7 +32529,7 @@
             </p14:xfrm>
           </p:contentPart>
         </mc:Choice>
-        <mc:Fallback>
+        <mc:Fallback xmlns="">
           <p:pic>
             <p:nvPicPr>
               <p:cNvPr id="96" name="Ink 95"/>
@@ -30598,8 +32554,8 @@
           </p:pic>
         </mc:Fallback>
       </mc:AlternateContent>
-      <mc:AlternateContent xmlns:mc="http://schemas.openxmlformats.org/markup-compatibility/2006">
-        <mc:Choice xmlns:p14="http://schemas.microsoft.com/office/powerpoint/2010/main" Requires="p14">
+      <mc:AlternateContent xmlns:mc="http://schemas.openxmlformats.org/markup-compatibility/2006" xmlns:p14="http://schemas.microsoft.com/office/powerpoint/2010/main">
+        <mc:Choice Requires="p14">
           <p:contentPart p14:bwMode="auto" r:id="rId37">
             <p14:nvContentPartPr>
               <p14:cNvPr id="97" name="Ink 96"/>
@@ -30612,7 +32568,7 @@
             </p14:xfrm>
           </p:contentPart>
         </mc:Choice>
-        <mc:Fallback>
+        <mc:Fallback xmlns="">
           <p:pic>
             <p:nvPicPr>
               <p:cNvPr id="97" name="Ink 96"/>
@@ -30637,8 +32593,8 @@
           </p:pic>
         </mc:Fallback>
       </mc:AlternateContent>
-      <mc:AlternateContent xmlns:mc="http://schemas.openxmlformats.org/markup-compatibility/2006">
-        <mc:Choice xmlns:p14="http://schemas.microsoft.com/office/powerpoint/2010/main" Requires="p14">
+      <mc:AlternateContent xmlns:mc="http://schemas.openxmlformats.org/markup-compatibility/2006" xmlns:p14="http://schemas.microsoft.com/office/powerpoint/2010/main">
+        <mc:Choice Requires="p14">
           <p:contentPart p14:bwMode="auto" r:id="rId39">
             <p14:nvContentPartPr>
               <p14:cNvPr id="98" name="Ink 97"/>
@@ -30651,7 +32607,7 @@
             </p14:xfrm>
           </p:contentPart>
         </mc:Choice>
-        <mc:Fallback>
+        <mc:Fallback xmlns="">
           <p:pic>
             <p:nvPicPr>
               <p:cNvPr id="98" name="Ink 97"/>
@@ -30728,8 +32684,8 @@
           </a:p>
         </p:txBody>
       </p:sp>
-      <mc:AlternateContent xmlns:mc="http://schemas.openxmlformats.org/markup-compatibility/2006">
-        <mc:Choice xmlns:p14="http://schemas.microsoft.com/office/powerpoint/2010/main" Requires="p14">
+      <mc:AlternateContent xmlns:mc="http://schemas.openxmlformats.org/markup-compatibility/2006" xmlns:p14="http://schemas.microsoft.com/office/powerpoint/2010/main">
+        <mc:Choice Requires="p14">
           <p:contentPart p14:bwMode="auto" r:id="rId2">
             <p14:nvContentPartPr>
               <p14:cNvPr id="8" name="Ink 7"/>
@@ -30742,7 +32698,7 @@
             </p14:xfrm>
           </p:contentPart>
         </mc:Choice>
-        <mc:Fallback>
+        <mc:Fallback xmlns="">
           <p:pic>
             <p:nvPicPr>
               <p:cNvPr id="8" name="Ink 7"/>
@@ -30767,8 +32723,8 @@
           </p:pic>
         </mc:Fallback>
       </mc:AlternateContent>
-      <mc:AlternateContent xmlns:mc="http://schemas.openxmlformats.org/markup-compatibility/2006">
-        <mc:Choice xmlns:p14="http://schemas.microsoft.com/office/powerpoint/2010/main" Requires="p14">
+      <mc:AlternateContent xmlns:mc="http://schemas.openxmlformats.org/markup-compatibility/2006" xmlns:p14="http://schemas.microsoft.com/office/powerpoint/2010/main">
+        <mc:Choice Requires="p14">
           <p:contentPart p14:bwMode="auto" r:id="rId4">
             <p14:nvContentPartPr>
               <p14:cNvPr id="85" name="Ink 84"/>
@@ -30781,7 +32737,7 @@
             </p14:xfrm>
           </p:contentPart>
         </mc:Choice>
-        <mc:Fallback>
+        <mc:Fallback xmlns="">
           <p:pic>
             <p:nvPicPr>
               <p:cNvPr id="85" name="Ink 84"/>
@@ -30806,8 +32762,8 @@
           </p:pic>
         </mc:Fallback>
       </mc:AlternateContent>
-      <mc:AlternateContent xmlns:mc="http://schemas.openxmlformats.org/markup-compatibility/2006">
-        <mc:Choice xmlns:p14="http://schemas.microsoft.com/office/powerpoint/2010/main" Requires="p14">
+      <mc:AlternateContent xmlns:mc="http://schemas.openxmlformats.org/markup-compatibility/2006" xmlns:p14="http://schemas.microsoft.com/office/powerpoint/2010/main">
+        <mc:Choice Requires="p14">
           <p:contentPart p14:bwMode="auto" r:id="rId6">
             <p14:nvContentPartPr>
               <p14:cNvPr id="140" name="Ink 139"/>
@@ -30820,7 +32776,7 @@
             </p14:xfrm>
           </p:contentPart>
         </mc:Choice>
-        <mc:Fallback>
+        <mc:Fallback xmlns="">
           <p:pic>
             <p:nvPicPr>
               <p:cNvPr id="140" name="Ink 139"/>
@@ -30845,8 +32801,8 @@
           </p:pic>
         </mc:Fallback>
       </mc:AlternateContent>
-      <mc:AlternateContent xmlns:mc="http://schemas.openxmlformats.org/markup-compatibility/2006">
-        <mc:Choice xmlns:p14="http://schemas.microsoft.com/office/powerpoint/2010/main" Requires="p14">
+      <mc:AlternateContent xmlns:mc="http://schemas.openxmlformats.org/markup-compatibility/2006" xmlns:p14="http://schemas.microsoft.com/office/powerpoint/2010/main">
+        <mc:Choice Requires="p14">
           <p:contentPart p14:bwMode="auto" r:id="rId8">
             <p14:nvContentPartPr>
               <p14:cNvPr id="142" name="Ink 141"/>
@@ -30859,7 +32815,7 @@
             </p14:xfrm>
           </p:contentPart>
         </mc:Choice>
-        <mc:Fallback>
+        <mc:Fallback xmlns="">
           <p:pic>
             <p:nvPicPr>
               <p:cNvPr id="142" name="Ink 141"/>
@@ -30884,8 +32840,8 @@
           </p:pic>
         </mc:Fallback>
       </mc:AlternateContent>
-      <mc:AlternateContent xmlns:mc="http://schemas.openxmlformats.org/markup-compatibility/2006">
-        <mc:Choice xmlns:p14="http://schemas.microsoft.com/office/powerpoint/2010/main" Requires="p14">
+      <mc:AlternateContent xmlns:mc="http://schemas.openxmlformats.org/markup-compatibility/2006" xmlns:p14="http://schemas.microsoft.com/office/powerpoint/2010/main">
+        <mc:Choice Requires="p14">
           <p:contentPart p14:bwMode="auto" r:id="rId10">
             <p14:nvContentPartPr>
               <p14:cNvPr id="144" name="Ink 143"/>
@@ -30898,7 +32854,7 @@
             </p14:xfrm>
           </p:contentPart>
         </mc:Choice>
-        <mc:Fallback>
+        <mc:Fallback xmlns="">
           <p:pic>
             <p:nvPicPr>
               <p:cNvPr id="144" name="Ink 143"/>
@@ -30923,8 +32879,8 @@
           </p:pic>
         </mc:Fallback>
       </mc:AlternateContent>
-      <mc:AlternateContent xmlns:mc="http://schemas.openxmlformats.org/markup-compatibility/2006">
-        <mc:Choice xmlns:p14="http://schemas.microsoft.com/office/powerpoint/2010/main" Requires="p14">
+      <mc:AlternateContent xmlns:mc="http://schemas.openxmlformats.org/markup-compatibility/2006" xmlns:p14="http://schemas.microsoft.com/office/powerpoint/2010/main">
+        <mc:Choice Requires="p14">
           <p:contentPart p14:bwMode="auto" r:id="rId12">
             <p14:nvContentPartPr>
               <p14:cNvPr id="145" name="Ink 144"/>
@@ -30937,7 +32893,7 @@
             </p14:xfrm>
           </p:contentPart>
         </mc:Choice>
-        <mc:Fallback>
+        <mc:Fallback xmlns="">
           <p:pic>
             <p:nvPicPr>
               <p:cNvPr id="145" name="Ink 144"/>
@@ -30962,8 +32918,8 @@
           </p:pic>
         </mc:Fallback>
       </mc:AlternateContent>
-      <mc:AlternateContent xmlns:mc="http://schemas.openxmlformats.org/markup-compatibility/2006">
-        <mc:Choice xmlns:p14="http://schemas.microsoft.com/office/powerpoint/2010/main" Requires="p14">
+      <mc:AlternateContent xmlns:mc="http://schemas.openxmlformats.org/markup-compatibility/2006" xmlns:p14="http://schemas.microsoft.com/office/powerpoint/2010/main">
+        <mc:Choice Requires="p14">
           <p:contentPart p14:bwMode="auto" r:id="rId14">
             <p14:nvContentPartPr>
               <p14:cNvPr id="146" name="Ink 145"/>
@@ -30976,7 +32932,7 @@
             </p14:xfrm>
           </p:contentPart>
         </mc:Choice>
-        <mc:Fallback>
+        <mc:Fallback xmlns="">
           <p:pic>
             <p:nvPicPr>
               <p:cNvPr id="146" name="Ink 145"/>
@@ -31001,8 +32957,8 @@
           </p:pic>
         </mc:Fallback>
       </mc:AlternateContent>
-      <mc:AlternateContent xmlns:mc="http://schemas.openxmlformats.org/markup-compatibility/2006">
-        <mc:Choice xmlns:p14="http://schemas.microsoft.com/office/powerpoint/2010/main" Requires="p14">
+      <mc:AlternateContent xmlns:mc="http://schemas.openxmlformats.org/markup-compatibility/2006" xmlns:p14="http://schemas.microsoft.com/office/powerpoint/2010/main">
+        <mc:Choice Requires="p14">
           <p:contentPart p14:bwMode="auto" r:id="rId16">
             <p14:nvContentPartPr>
               <p14:cNvPr id="147" name="Ink 146"/>
@@ -31015,7 +32971,7 @@
             </p14:xfrm>
           </p:contentPart>
         </mc:Choice>
-        <mc:Fallback>
+        <mc:Fallback xmlns="">
           <p:pic>
             <p:nvPicPr>
               <p:cNvPr id="147" name="Ink 146"/>
@@ -31040,8 +32996,8 @@
           </p:pic>
         </mc:Fallback>
       </mc:AlternateContent>
-      <mc:AlternateContent xmlns:mc="http://schemas.openxmlformats.org/markup-compatibility/2006">
-        <mc:Choice xmlns:p14="http://schemas.microsoft.com/office/powerpoint/2010/main" Requires="p14">
+      <mc:AlternateContent xmlns:mc="http://schemas.openxmlformats.org/markup-compatibility/2006" xmlns:p14="http://schemas.microsoft.com/office/powerpoint/2010/main">
+        <mc:Choice Requires="p14">
           <p:contentPart p14:bwMode="auto" r:id="rId18">
             <p14:nvContentPartPr>
               <p14:cNvPr id="148" name="Ink 147"/>
@@ -31054,7 +33010,7 @@
             </p14:xfrm>
           </p:contentPart>
         </mc:Choice>
-        <mc:Fallback>
+        <mc:Fallback xmlns="">
           <p:pic>
             <p:nvPicPr>
               <p:cNvPr id="148" name="Ink 147"/>
@@ -31079,8 +33035,8 @@
           </p:pic>
         </mc:Fallback>
       </mc:AlternateContent>
-      <mc:AlternateContent xmlns:mc="http://schemas.openxmlformats.org/markup-compatibility/2006">
-        <mc:Choice xmlns:p14="http://schemas.microsoft.com/office/powerpoint/2010/main" Requires="p14">
+      <mc:AlternateContent xmlns:mc="http://schemas.openxmlformats.org/markup-compatibility/2006" xmlns:p14="http://schemas.microsoft.com/office/powerpoint/2010/main">
+        <mc:Choice Requires="p14">
           <p:contentPart p14:bwMode="auto" r:id="rId20">
             <p14:nvContentPartPr>
               <p14:cNvPr id="149" name="Ink 148"/>
@@ -31093,7 +33049,7 @@
             </p14:xfrm>
           </p:contentPart>
         </mc:Choice>
-        <mc:Fallback>
+        <mc:Fallback xmlns="">
           <p:pic>
             <p:nvPicPr>
               <p:cNvPr id="149" name="Ink 148"/>
@@ -31118,8 +33074,8 @@
           </p:pic>
         </mc:Fallback>
       </mc:AlternateContent>
-      <mc:AlternateContent xmlns:mc="http://schemas.openxmlformats.org/markup-compatibility/2006">
-        <mc:Choice xmlns:p14="http://schemas.microsoft.com/office/powerpoint/2010/main" Requires="p14">
+      <mc:AlternateContent xmlns:mc="http://schemas.openxmlformats.org/markup-compatibility/2006" xmlns:p14="http://schemas.microsoft.com/office/powerpoint/2010/main">
+        <mc:Choice Requires="p14">
           <p:contentPart p14:bwMode="auto" r:id="rId22">
             <p14:nvContentPartPr>
               <p14:cNvPr id="150" name="Ink 149"/>
@@ -31132,7 +33088,7 @@
             </p14:xfrm>
           </p:contentPart>
         </mc:Choice>
-        <mc:Fallback>
+        <mc:Fallback xmlns="">
           <p:pic>
             <p:nvPicPr>
               <p:cNvPr id="150" name="Ink 149"/>
@@ -31157,8 +33113,8 @@
           </p:pic>
         </mc:Fallback>
       </mc:AlternateContent>
-      <mc:AlternateContent xmlns:mc="http://schemas.openxmlformats.org/markup-compatibility/2006">
-        <mc:Choice xmlns:p14="http://schemas.microsoft.com/office/powerpoint/2010/main" Requires="p14">
+      <mc:AlternateContent xmlns:mc="http://schemas.openxmlformats.org/markup-compatibility/2006" xmlns:p14="http://schemas.microsoft.com/office/powerpoint/2010/main">
+        <mc:Choice Requires="p14">
           <p:contentPart p14:bwMode="auto" r:id="rId24">
             <p14:nvContentPartPr>
               <p14:cNvPr id="151" name="Ink 150"/>
@@ -31171,7 +33127,7 @@
             </p14:xfrm>
           </p:contentPart>
         </mc:Choice>
-        <mc:Fallback>
+        <mc:Fallback xmlns="">
           <p:pic>
             <p:nvPicPr>
               <p:cNvPr id="151" name="Ink 150"/>
@@ -31271,8 +33227,8 @@
           </a:p>
         </p:txBody>
       </p:sp>
-      <mc:AlternateContent xmlns:mc="http://schemas.openxmlformats.org/markup-compatibility/2006">
-        <mc:Choice xmlns:p14="http://schemas.microsoft.com/office/powerpoint/2010/main" Requires="p14">
+      <mc:AlternateContent xmlns:mc="http://schemas.openxmlformats.org/markup-compatibility/2006" xmlns:p14="http://schemas.microsoft.com/office/powerpoint/2010/main">
+        <mc:Choice Requires="p14">
           <p:contentPart p14:bwMode="auto" r:id="rId2">
             <p14:nvContentPartPr>
               <p14:cNvPr id="16" name="Ink 15"/>
@@ -31285,7 +33241,7 @@
             </p14:xfrm>
           </p:contentPart>
         </mc:Choice>
-        <mc:Fallback>
+        <mc:Fallback xmlns="">
           <p:pic>
             <p:nvPicPr>
               <p:cNvPr id="16" name="Ink 15"/>
@@ -31310,8 +33266,8 @@
           </p:pic>
         </mc:Fallback>
       </mc:AlternateContent>
-      <mc:AlternateContent xmlns:mc="http://schemas.openxmlformats.org/markup-compatibility/2006">
-        <mc:Choice xmlns:p14="http://schemas.microsoft.com/office/powerpoint/2010/main" Requires="p14">
+      <mc:AlternateContent xmlns:mc="http://schemas.openxmlformats.org/markup-compatibility/2006" xmlns:p14="http://schemas.microsoft.com/office/powerpoint/2010/main">
+        <mc:Choice Requires="p14">
           <p:contentPart p14:bwMode="auto" r:id="rId4">
             <p14:nvContentPartPr>
               <p14:cNvPr id="219" name="Ink 218"/>
@@ -31324,7 +33280,7 @@
             </p14:xfrm>
           </p:contentPart>
         </mc:Choice>
-        <mc:Fallback>
+        <mc:Fallback xmlns="">
           <p:pic>
             <p:nvPicPr>
               <p:cNvPr id="219" name="Ink 218"/>
@@ -31349,8 +33305,8 @@
           </p:pic>
         </mc:Fallback>
       </mc:AlternateContent>
-      <mc:AlternateContent xmlns:mc="http://schemas.openxmlformats.org/markup-compatibility/2006">
-        <mc:Choice xmlns:p14="http://schemas.microsoft.com/office/powerpoint/2010/main" Requires="p14">
+      <mc:AlternateContent xmlns:mc="http://schemas.openxmlformats.org/markup-compatibility/2006" xmlns:p14="http://schemas.microsoft.com/office/powerpoint/2010/main">
+        <mc:Choice Requires="p14">
           <p:contentPart p14:bwMode="auto" r:id="rId6">
             <p14:nvContentPartPr>
               <p14:cNvPr id="222" name="Ink 221"/>
@@ -31363,7 +33319,7 @@
             </p14:xfrm>
           </p:contentPart>
         </mc:Choice>
-        <mc:Fallback>
+        <mc:Fallback xmlns="">
           <p:pic>
             <p:nvPicPr>
               <p:cNvPr id="222" name="Ink 221"/>
@@ -31388,8 +33344,8 @@
           </p:pic>
         </mc:Fallback>
       </mc:AlternateContent>
-      <mc:AlternateContent xmlns:mc="http://schemas.openxmlformats.org/markup-compatibility/2006">
-        <mc:Choice xmlns:p14="http://schemas.microsoft.com/office/powerpoint/2010/main" Requires="p14">
+      <mc:AlternateContent xmlns:mc="http://schemas.openxmlformats.org/markup-compatibility/2006" xmlns:p14="http://schemas.microsoft.com/office/powerpoint/2010/main">
+        <mc:Choice Requires="p14">
           <p:contentPart p14:bwMode="auto" r:id="rId8">
             <p14:nvContentPartPr>
               <p14:cNvPr id="223" name="Ink 222"/>
@@ -31402,7 +33358,7 @@
             </p14:xfrm>
           </p:contentPart>
         </mc:Choice>
-        <mc:Fallback>
+        <mc:Fallback xmlns="">
           <p:pic>
             <p:nvPicPr>
               <p:cNvPr id="223" name="Ink 222"/>
@@ -31427,8 +33383,8 @@
           </p:pic>
         </mc:Fallback>
       </mc:AlternateContent>
-      <mc:AlternateContent xmlns:mc="http://schemas.openxmlformats.org/markup-compatibility/2006">
-        <mc:Choice xmlns:p14="http://schemas.microsoft.com/office/powerpoint/2010/main" Requires="p14">
+      <mc:AlternateContent xmlns:mc="http://schemas.openxmlformats.org/markup-compatibility/2006" xmlns:p14="http://schemas.microsoft.com/office/powerpoint/2010/main">
+        <mc:Choice Requires="p14">
           <p:contentPart p14:bwMode="auto" r:id="rId10">
             <p14:nvContentPartPr>
               <p14:cNvPr id="224" name="Ink 223"/>
@@ -31441,7 +33397,7 @@
             </p14:xfrm>
           </p:contentPart>
         </mc:Choice>
-        <mc:Fallback>
+        <mc:Fallback xmlns="">
           <p:pic>
             <p:nvPicPr>
               <p:cNvPr id="224" name="Ink 223"/>
@@ -31466,8 +33422,8 @@
           </p:pic>
         </mc:Fallback>
       </mc:AlternateContent>
-      <mc:AlternateContent xmlns:mc="http://schemas.openxmlformats.org/markup-compatibility/2006">
-        <mc:Choice xmlns:p14="http://schemas.microsoft.com/office/powerpoint/2010/main" Requires="p14">
+      <mc:AlternateContent xmlns:mc="http://schemas.openxmlformats.org/markup-compatibility/2006" xmlns:p14="http://schemas.microsoft.com/office/powerpoint/2010/main">
+        <mc:Choice Requires="p14">
           <p:contentPart p14:bwMode="auto" r:id="rId12">
             <p14:nvContentPartPr>
               <p14:cNvPr id="225" name="Ink 224"/>
@@ -31480,7 +33436,7 @@
             </p14:xfrm>
           </p:contentPart>
         </mc:Choice>
-        <mc:Fallback>
+        <mc:Fallback xmlns="">
           <p:pic>
             <p:nvPicPr>
               <p:cNvPr id="225" name="Ink 224"/>
@@ -31596,8 +33552,8 @@
           </a:p>
         </p:txBody>
       </p:sp>
-      <mc:AlternateContent xmlns:mc="http://schemas.openxmlformats.org/markup-compatibility/2006">
-        <mc:Choice xmlns:p14="http://schemas.microsoft.com/office/powerpoint/2010/main" Requires="p14">
+      <mc:AlternateContent xmlns:mc="http://schemas.openxmlformats.org/markup-compatibility/2006" xmlns:p14="http://schemas.microsoft.com/office/powerpoint/2010/main">
+        <mc:Choice Requires="p14">
           <p:contentPart p14:bwMode="auto" r:id="rId2">
             <p14:nvContentPartPr>
               <p14:cNvPr id="23" name="Ink 22"/>
@@ -31610,7 +33566,7 @@
             </p14:xfrm>
           </p:contentPart>
         </mc:Choice>
-        <mc:Fallback>
+        <mc:Fallback xmlns="">
           <p:pic>
             <p:nvPicPr>
               <p:cNvPr id="23" name="Ink 22"/>
@@ -31635,8 +33591,8 @@
           </p:pic>
         </mc:Fallback>
       </mc:AlternateContent>
-      <mc:AlternateContent xmlns:mc="http://schemas.openxmlformats.org/markup-compatibility/2006">
-        <mc:Choice xmlns:p14="http://schemas.microsoft.com/office/powerpoint/2010/main" Requires="p14">
+      <mc:AlternateContent xmlns:mc="http://schemas.openxmlformats.org/markup-compatibility/2006" xmlns:p14="http://schemas.microsoft.com/office/powerpoint/2010/main">
+        <mc:Choice Requires="p14">
           <p:contentPart p14:bwMode="auto" r:id="rId4">
             <p14:nvContentPartPr>
               <p14:cNvPr id="24" name="Ink 23"/>
@@ -31649,7 +33605,7 @@
             </p14:xfrm>
           </p:contentPart>
         </mc:Choice>
-        <mc:Fallback>
+        <mc:Fallback xmlns="">
           <p:pic>
             <p:nvPicPr>
               <p:cNvPr id="24" name="Ink 23"/>
@@ -31674,8 +33630,8 @@
           </p:pic>
         </mc:Fallback>
       </mc:AlternateContent>
-      <mc:AlternateContent xmlns:mc="http://schemas.openxmlformats.org/markup-compatibility/2006">
-        <mc:Choice xmlns:p14="http://schemas.microsoft.com/office/powerpoint/2010/main" Requires="p14">
+      <mc:AlternateContent xmlns:mc="http://schemas.openxmlformats.org/markup-compatibility/2006" xmlns:p14="http://schemas.microsoft.com/office/powerpoint/2010/main">
+        <mc:Choice Requires="p14">
           <p:contentPart p14:bwMode="auto" r:id="rId6">
             <p14:nvContentPartPr>
               <p14:cNvPr id="29" name="Ink 28"/>
@@ -31688,7 +33644,7 @@
             </p14:xfrm>
           </p:contentPart>
         </mc:Choice>
-        <mc:Fallback>
+        <mc:Fallback xmlns="">
           <p:pic>
             <p:nvPicPr>
               <p:cNvPr id="29" name="Ink 28"/>
@@ -31713,8 +33669,8 @@
           </p:pic>
         </mc:Fallback>
       </mc:AlternateContent>
-      <mc:AlternateContent xmlns:mc="http://schemas.openxmlformats.org/markup-compatibility/2006">
-        <mc:Choice xmlns:p14="http://schemas.microsoft.com/office/powerpoint/2010/main" Requires="p14">
+      <mc:AlternateContent xmlns:mc="http://schemas.openxmlformats.org/markup-compatibility/2006" xmlns:p14="http://schemas.microsoft.com/office/powerpoint/2010/main">
+        <mc:Choice Requires="p14">
           <p:contentPart p14:bwMode="auto" r:id="rId8">
             <p14:nvContentPartPr>
               <p14:cNvPr id="41" name="Ink 40"/>
@@ -31727,7 +33683,7 @@
             </p14:xfrm>
           </p:contentPart>
         </mc:Choice>
-        <mc:Fallback>
+        <mc:Fallback xmlns="">
           <p:pic>
             <p:nvPicPr>
               <p:cNvPr id="41" name="Ink 40"/>
@@ -31752,8 +33708,8 @@
           </p:pic>
         </mc:Fallback>
       </mc:AlternateContent>
-      <mc:AlternateContent xmlns:mc="http://schemas.openxmlformats.org/markup-compatibility/2006">
-        <mc:Choice xmlns:p14="http://schemas.microsoft.com/office/powerpoint/2010/main" Requires="p14">
+      <mc:AlternateContent xmlns:mc="http://schemas.openxmlformats.org/markup-compatibility/2006" xmlns:p14="http://schemas.microsoft.com/office/powerpoint/2010/main">
+        <mc:Choice Requires="p14">
           <p:contentPart p14:bwMode="auto" r:id="rId10">
             <p14:nvContentPartPr>
               <p14:cNvPr id="56" name="Ink 55"/>
@@ -31766,7 +33722,7 @@
             </p14:xfrm>
           </p:contentPart>
         </mc:Choice>
-        <mc:Fallback>
+        <mc:Fallback xmlns="">
           <p:pic>
             <p:nvPicPr>
               <p:cNvPr id="56" name="Ink 55"/>
@@ -31791,8 +33747,8 @@
           </p:pic>
         </mc:Fallback>
       </mc:AlternateContent>
-      <mc:AlternateContent xmlns:mc="http://schemas.openxmlformats.org/markup-compatibility/2006">
-        <mc:Choice xmlns:p14="http://schemas.microsoft.com/office/powerpoint/2010/main" Requires="p14">
+      <mc:AlternateContent xmlns:mc="http://schemas.openxmlformats.org/markup-compatibility/2006" xmlns:p14="http://schemas.microsoft.com/office/powerpoint/2010/main">
+        <mc:Choice Requires="p14">
           <p:contentPart p14:bwMode="auto" r:id="rId12">
             <p14:nvContentPartPr>
               <p14:cNvPr id="57" name="Ink 56"/>
@@ -31805,7 +33761,7 @@
             </p14:xfrm>
           </p:contentPart>
         </mc:Choice>
-        <mc:Fallback>
+        <mc:Fallback xmlns="">
           <p:pic>
             <p:nvPicPr>
               <p:cNvPr id="57" name="Ink 56"/>
@@ -31830,8 +33786,8 @@
           </p:pic>
         </mc:Fallback>
       </mc:AlternateContent>
-      <mc:AlternateContent xmlns:mc="http://schemas.openxmlformats.org/markup-compatibility/2006">
-        <mc:Choice xmlns:p14="http://schemas.microsoft.com/office/powerpoint/2010/main" Requires="p14">
+      <mc:AlternateContent xmlns:mc="http://schemas.openxmlformats.org/markup-compatibility/2006" xmlns:p14="http://schemas.microsoft.com/office/powerpoint/2010/main">
+        <mc:Choice Requires="p14">
           <p:contentPart p14:bwMode="auto" r:id="rId14">
             <p14:nvContentPartPr>
               <p14:cNvPr id="66" name="Ink 65"/>
@@ -31844,7 +33800,7 @@
             </p14:xfrm>
           </p:contentPart>
         </mc:Choice>
-        <mc:Fallback>
+        <mc:Fallback xmlns="">
           <p:pic>
             <p:nvPicPr>
               <p:cNvPr id="66" name="Ink 65"/>
@@ -31869,8 +33825,8 @@
           </p:pic>
         </mc:Fallback>
       </mc:AlternateContent>
-      <mc:AlternateContent xmlns:mc="http://schemas.openxmlformats.org/markup-compatibility/2006">
-        <mc:Choice xmlns:p14="http://schemas.microsoft.com/office/powerpoint/2010/main" Requires="p14">
+      <mc:AlternateContent xmlns:mc="http://schemas.openxmlformats.org/markup-compatibility/2006" xmlns:p14="http://schemas.microsoft.com/office/powerpoint/2010/main">
+        <mc:Choice Requires="p14">
           <p:contentPart p14:bwMode="auto" r:id="rId16">
             <p14:nvContentPartPr>
               <p14:cNvPr id="74" name="Ink 73"/>
@@ -31883,7 +33839,7 @@
             </p14:xfrm>
           </p:contentPart>
         </mc:Choice>
-        <mc:Fallback>
+        <mc:Fallback xmlns="">
           <p:pic>
             <p:nvPicPr>
               <p:cNvPr id="74" name="Ink 73"/>
@@ -31908,8 +33864,8 @@
           </p:pic>
         </mc:Fallback>
       </mc:AlternateContent>
-      <mc:AlternateContent xmlns:mc="http://schemas.openxmlformats.org/markup-compatibility/2006">
-        <mc:Choice xmlns:p14="http://schemas.microsoft.com/office/powerpoint/2010/main" Requires="p14">
+      <mc:AlternateContent xmlns:mc="http://schemas.openxmlformats.org/markup-compatibility/2006" xmlns:p14="http://schemas.microsoft.com/office/powerpoint/2010/main">
+        <mc:Choice Requires="p14">
           <p:contentPart p14:bwMode="auto" r:id="rId18">
             <p14:nvContentPartPr>
               <p14:cNvPr id="75" name="Ink 74"/>
@@ -31922,7 +33878,7 @@
             </p14:xfrm>
           </p:contentPart>
         </mc:Choice>
-        <mc:Fallback>
+        <mc:Fallback xmlns="">
           <p:pic>
             <p:nvPicPr>
               <p:cNvPr id="75" name="Ink 74"/>
@@ -31947,8 +33903,8 @@
           </p:pic>
         </mc:Fallback>
       </mc:AlternateContent>
-      <mc:AlternateContent xmlns:mc="http://schemas.openxmlformats.org/markup-compatibility/2006">
-        <mc:Choice xmlns:p14="http://schemas.microsoft.com/office/powerpoint/2010/main" Requires="p14">
+      <mc:AlternateContent xmlns:mc="http://schemas.openxmlformats.org/markup-compatibility/2006" xmlns:p14="http://schemas.microsoft.com/office/powerpoint/2010/main">
+        <mc:Choice Requires="p14">
           <p:contentPart p14:bwMode="auto" r:id="rId20">
             <p14:nvContentPartPr>
               <p14:cNvPr id="76" name="Ink 75"/>
@@ -31961,7 +33917,7 @@
             </p14:xfrm>
           </p:contentPart>
         </mc:Choice>
-        <mc:Fallback>
+        <mc:Fallback xmlns="">
           <p:pic>
             <p:nvPicPr>
               <p:cNvPr id="76" name="Ink 75"/>
@@ -31986,8 +33942,8 @@
           </p:pic>
         </mc:Fallback>
       </mc:AlternateContent>
-      <mc:AlternateContent xmlns:mc="http://schemas.openxmlformats.org/markup-compatibility/2006">
-        <mc:Choice xmlns:p14="http://schemas.microsoft.com/office/powerpoint/2010/main" Requires="p14">
+      <mc:AlternateContent xmlns:mc="http://schemas.openxmlformats.org/markup-compatibility/2006" xmlns:p14="http://schemas.microsoft.com/office/powerpoint/2010/main">
+        <mc:Choice Requires="p14">
           <p:contentPart p14:bwMode="auto" r:id="rId22">
             <p14:nvContentPartPr>
               <p14:cNvPr id="79" name="Ink 78"/>
@@ -32000,7 +33956,7 @@
             </p14:xfrm>
           </p:contentPart>
         </mc:Choice>
-        <mc:Fallback>
+        <mc:Fallback xmlns="">
           <p:pic>
             <p:nvPicPr>
               <p:cNvPr id="79" name="Ink 78"/>
@@ -32025,8 +33981,8 @@
           </p:pic>
         </mc:Fallback>
       </mc:AlternateContent>
-      <mc:AlternateContent xmlns:mc="http://schemas.openxmlformats.org/markup-compatibility/2006">
-        <mc:Choice xmlns:p14="http://schemas.microsoft.com/office/powerpoint/2010/main" Requires="p14">
+      <mc:AlternateContent xmlns:mc="http://schemas.openxmlformats.org/markup-compatibility/2006" xmlns:p14="http://schemas.microsoft.com/office/powerpoint/2010/main">
+        <mc:Choice Requires="p14">
           <p:contentPart p14:bwMode="auto" r:id="rId24">
             <p14:nvContentPartPr>
               <p14:cNvPr id="92" name="Ink 91"/>
@@ -32039,7 +33995,7 @@
             </p14:xfrm>
           </p:contentPart>
         </mc:Choice>
-        <mc:Fallback>
+        <mc:Fallback xmlns="">
           <p:pic>
             <p:nvPicPr>
               <p:cNvPr id="92" name="Ink 91"/>
@@ -32064,8 +34020,8 @@
           </p:pic>
         </mc:Fallback>
       </mc:AlternateContent>
-      <mc:AlternateContent xmlns:mc="http://schemas.openxmlformats.org/markup-compatibility/2006">
-        <mc:Choice xmlns:p14="http://schemas.microsoft.com/office/powerpoint/2010/main" Requires="p14">
+      <mc:AlternateContent xmlns:mc="http://schemas.openxmlformats.org/markup-compatibility/2006" xmlns:p14="http://schemas.microsoft.com/office/powerpoint/2010/main">
+        <mc:Choice Requires="p14">
           <p:contentPart p14:bwMode="auto" r:id="rId26">
             <p14:nvContentPartPr>
               <p14:cNvPr id="93" name="Ink 92"/>
@@ -32078,7 +34034,7 @@
             </p14:xfrm>
           </p:contentPart>
         </mc:Choice>
-        <mc:Fallback>
+        <mc:Fallback xmlns="">
           <p:pic>
             <p:nvPicPr>
               <p:cNvPr id="93" name="Ink 92"/>
@@ -32103,8 +34059,8 @@
           </p:pic>
         </mc:Fallback>
       </mc:AlternateContent>
-      <mc:AlternateContent xmlns:mc="http://schemas.openxmlformats.org/markup-compatibility/2006">
-        <mc:Choice xmlns:p14="http://schemas.microsoft.com/office/powerpoint/2010/main" Requires="p14">
+      <mc:AlternateContent xmlns:mc="http://schemas.openxmlformats.org/markup-compatibility/2006" xmlns:p14="http://schemas.microsoft.com/office/powerpoint/2010/main">
+        <mc:Choice Requires="p14">
           <p:contentPart p14:bwMode="auto" r:id="rId28">
             <p14:nvContentPartPr>
               <p14:cNvPr id="94" name="Ink 93"/>
@@ -32117,7 +34073,7 @@
             </p14:xfrm>
           </p:contentPart>
         </mc:Choice>
-        <mc:Fallback>
+        <mc:Fallback xmlns="">
           <p:pic>
             <p:nvPicPr>
               <p:cNvPr id="94" name="Ink 93"/>
@@ -32172,8 +34128,8 @@
           <a:chExt cx="0" cy="0"/>
         </a:xfrm>
       </p:grpSpPr>
-      <mc:AlternateContent xmlns:mc="http://schemas.openxmlformats.org/markup-compatibility/2006">
-        <mc:Choice xmlns:a14="http://schemas.microsoft.com/office/drawing/2010/main" Requires="a14">
+      <mc:AlternateContent xmlns:mc="http://schemas.openxmlformats.org/markup-compatibility/2006" xmlns:a14="http://schemas.microsoft.com/office/drawing/2010/main">
+        <mc:Choice Requires="a14">
           <p:sp>
             <p:nvSpPr>
               <p:cNvPr id="3" name="Content Placeholder 2"/>
@@ -32263,7 +34219,7 @@
             </p:txBody>
           </p:sp>
         </mc:Choice>
-        <mc:Fallback>
+        <mc:Fallback xmlns="">
           <p:sp>
             <p:nvSpPr>
               <p:cNvPr id="3" name="Content Placeholder 2"/>
@@ -32354,8 +34310,8 @@
           <a:chExt cx="0" cy="0"/>
         </a:xfrm>
       </p:grpSpPr>
-      <mc:AlternateContent xmlns:mc="http://schemas.openxmlformats.org/markup-compatibility/2006">
-        <mc:Choice xmlns:a14="http://schemas.microsoft.com/office/drawing/2010/main" Requires="a14">
+      <mc:AlternateContent xmlns:mc="http://schemas.openxmlformats.org/markup-compatibility/2006" xmlns:a14="http://schemas.microsoft.com/office/drawing/2010/main">
+        <mc:Choice Requires="a14">
           <p:sp>
             <p:nvSpPr>
               <p:cNvPr id="3" name="Content Placeholder 2"/>
@@ -32484,7 +34440,7 @@
                       <m:dPr>
                         <m:ctrlPr>
                           <a:rPr lang="en-CA" sz="2000" b="0" i="1" smtClean="0">
-                            <a:latin typeface="Cambria Math" panose="02040503050406030204" pitchFamily="18" charset="0"/>
+                            <a:latin typeface="Cambria Math" charset="0"/>
                           </a:rPr>
                         </m:ctrlPr>
                       </m:dPr>
@@ -32551,7 +34507,7 @@
                       <a:rPr lang="en-CA" b="0" i="0" smtClean="0">
                         <a:latin typeface="Cambria Math" panose="02040503050406030204" pitchFamily="18" charset="0"/>
                       </a:rPr>
-                      <m:t>-</m:t>
+                      <m:t>−</m:t>
                     </m:r>
                     <m:r>
                       <m:rPr>
@@ -32741,7 +34697,7 @@
                         <m:endChr m:val="|"/>
                         <m:ctrlPr>
                           <a:rPr lang="en-CA" b="0" i="1" smtClean="0">
-                            <a:latin typeface="Cambria Math" panose="02040503050406030204" pitchFamily="18" charset="0"/>
+                            <a:latin typeface="Cambria Math" charset="0"/>
                           </a:rPr>
                         </m:ctrlPr>
                       </m:dPr>
@@ -32756,7 +34712,7 @@
                           <m:dPr>
                             <m:ctrlPr>
                               <a:rPr lang="en-CA" b="0" i="1" smtClean="0">
-                                <a:latin typeface="Cambria Math" panose="02040503050406030204" pitchFamily="18" charset="0"/>
+                                <a:latin typeface="Cambria Math" charset="0"/>
                               </a:rPr>
                             </m:ctrlPr>
                           </m:dPr>
@@ -32783,7 +34739,7 @@
                         <m:endChr m:val="|"/>
                         <m:ctrlPr>
                           <a:rPr lang="en-CA" b="0" i="1" smtClean="0">
-                            <a:latin typeface="Cambria Math" panose="02040503050406030204" pitchFamily="18" charset="0"/>
+                            <a:latin typeface="Cambria Math" charset="0"/>
                           </a:rPr>
                         </m:ctrlPr>
                       </m:dPr>
@@ -32798,7 +34754,7 @@
                           <m:dPr>
                             <m:ctrlPr>
                               <a:rPr lang="en-CA" b="0" i="1" smtClean="0">
-                                <a:latin typeface="Cambria Math" panose="02040503050406030204" pitchFamily="18" charset="0"/>
+                                <a:latin typeface="Cambria Math" charset="0"/>
                               </a:rPr>
                             </m:ctrlPr>
                           </m:dPr>
@@ -32922,7 +34878,7 @@
                       <m:dPr>
                         <m:ctrlPr>
                           <a:rPr lang="en-CA" b="0" i="1" smtClean="0">
-                            <a:latin typeface="Cambria Math" panose="02040503050406030204" pitchFamily="18" charset="0"/>
+                            <a:latin typeface="Cambria Math" charset="0"/>
                           </a:rPr>
                         </m:ctrlPr>
                       </m:dPr>
@@ -32954,7 +34910,7 @@
                       <m:dPr>
                         <m:ctrlPr>
                           <a:rPr lang="en-CA" b="0" i="1" smtClean="0">
-                            <a:latin typeface="Cambria Math" panose="02040503050406030204" pitchFamily="18" charset="0"/>
+                            <a:latin typeface="Cambria Math" charset="0"/>
                           </a:rPr>
                         </m:ctrlPr>
                       </m:dPr>
@@ -32983,7 +34939,7 @@
                       <m:dPr>
                         <m:ctrlPr>
                           <a:rPr lang="en-CA" b="0" i="1" smtClean="0">
-                            <a:latin typeface="Cambria Math" panose="02040503050406030204" pitchFamily="18" charset="0"/>
+                            <a:latin typeface="Cambria Math" charset="0"/>
                           </a:rPr>
                         </m:ctrlPr>
                       </m:dPr>
@@ -33008,7 +34964,7 @@
                         <m:endChr m:val="|"/>
                         <m:ctrlPr>
                           <a:rPr lang="en-CA" b="0" i="1" smtClean="0">
-                            <a:latin typeface="Cambria Math" panose="02040503050406030204" pitchFamily="18" charset="0"/>
+                            <a:latin typeface="Cambria Math" charset="0"/>
                           </a:rPr>
                         </m:ctrlPr>
                       </m:dPr>
@@ -33023,7 +34979,7 @@
                           <m:dPr>
                             <m:ctrlPr>
                               <a:rPr lang="en-CA" b="0" i="1" smtClean="0">
-                                <a:latin typeface="Cambria Math" panose="02040503050406030204" pitchFamily="18" charset="0"/>
+                                <a:latin typeface="Cambria Math" charset="0"/>
                               </a:rPr>
                             </m:ctrlPr>
                           </m:dPr>
@@ -33062,7 +35018,7 @@
                       <m:dPr>
                         <m:ctrlPr>
                           <a:rPr lang="en-CA" b="0" i="1" smtClean="0">
-                            <a:latin typeface="Cambria Math" panose="02040503050406030204" pitchFamily="18" charset="0"/>
+                            <a:latin typeface="Cambria Math" charset="0"/>
                           </a:rPr>
                         </m:ctrlPr>
                       </m:dPr>
@@ -33087,7 +35043,7 @@
                         <m:endChr m:val="|"/>
                         <m:ctrlPr>
                           <a:rPr lang="en-CA" b="0" i="1" smtClean="0">
-                            <a:latin typeface="Cambria Math" panose="02040503050406030204" pitchFamily="18" charset="0"/>
+                            <a:latin typeface="Cambria Math" charset="0"/>
                           </a:rPr>
                         </m:ctrlPr>
                       </m:dPr>
@@ -33102,7 +35058,7 @@
                           <m:dPr>
                             <m:ctrlPr>
                               <a:rPr lang="en-CA" b="0" i="1" smtClean="0">
-                                <a:latin typeface="Cambria Math" panose="02040503050406030204" pitchFamily="18" charset="0"/>
+                                <a:latin typeface="Cambria Math" charset="0"/>
                               </a:rPr>
                             </m:ctrlPr>
                           </m:dPr>
@@ -33133,7 +35089,7 @@
                       <m:dPr>
                         <m:ctrlPr>
                           <a:rPr lang="en-CA" b="0" i="1" smtClean="0">
-                            <a:latin typeface="Cambria Math" panose="02040503050406030204" pitchFamily="18" charset="0"/>
+                            <a:latin typeface="Cambria Math" charset="0"/>
                           </a:rPr>
                         </m:ctrlPr>
                       </m:dPr>
@@ -33158,7 +35114,7 @@
                         <m:endChr m:val="|"/>
                         <m:ctrlPr>
                           <a:rPr lang="en-CA" b="0" i="1" smtClean="0">
-                            <a:latin typeface="Cambria Math" panose="02040503050406030204" pitchFamily="18" charset="0"/>
+                            <a:latin typeface="Cambria Math" charset="0"/>
                           </a:rPr>
                         </m:ctrlPr>
                       </m:dPr>
@@ -33173,7 +35129,7 @@
                           <m:dPr>
                             <m:ctrlPr>
                               <a:rPr lang="en-CA" b="0" i="1" smtClean="0">
-                                <a:latin typeface="Cambria Math" panose="02040503050406030204" pitchFamily="18" charset="0"/>
+                                <a:latin typeface="Cambria Math" charset="0"/>
                               </a:rPr>
                             </m:ctrlPr>
                           </m:dPr>
@@ -33204,7 +35160,7 @@
                       <m:dPr>
                         <m:ctrlPr>
                           <a:rPr lang="en-CA" b="0" i="1" smtClean="0">
-                            <a:latin typeface="Cambria Math" panose="02040503050406030204" pitchFamily="18" charset="0"/>
+                            <a:latin typeface="Cambria Math" charset="0"/>
                           </a:rPr>
                         </m:ctrlPr>
                       </m:dPr>
@@ -33229,7 +35185,7 @@
                         <m:endChr m:val="|"/>
                         <m:ctrlPr>
                           <a:rPr lang="en-CA" b="0" i="1" smtClean="0">
-                            <a:latin typeface="Cambria Math" panose="02040503050406030204" pitchFamily="18" charset="0"/>
+                            <a:latin typeface="Cambria Math" charset="0"/>
                           </a:rPr>
                         </m:ctrlPr>
                       </m:dPr>
@@ -33244,7 +35200,7 @@
                           <m:dPr>
                             <m:ctrlPr>
                               <a:rPr lang="en-CA" b="0" i="1" smtClean="0">
-                                <a:latin typeface="Cambria Math" panose="02040503050406030204" pitchFamily="18" charset="0"/>
+                                <a:latin typeface="Cambria Math" charset="0"/>
                               </a:rPr>
                             </m:ctrlPr>
                           </m:dPr>
@@ -33289,7 +35245,7 @@
                       <m:dPr>
                         <m:ctrlPr>
                           <a:rPr lang="en-CA" b="0" i="1" smtClean="0">
-                            <a:latin typeface="Cambria Math" panose="02040503050406030204" pitchFamily="18" charset="0"/>
+                            <a:latin typeface="Cambria Math" charset="0"/>
                           </a:rPr>
                         </m:ctrlPr>
                       </m:dPr>
@@ -33304,7 +35260,7 @@
                           <m:dPr>
                             <m:ctrlPr>
                               <a:rPr lang="en-CA" b="0" i="1" smtClean="0">
-                                <a:latin typeface="Cambria Math" panose="02040503050406030204" pitchFamily="18" charset="0"/>
+                                <a:latin typeface="Cambria Math" charset="0"/>
                               </a:rPr>
                             </m:ctrlPr>
                           </m:dPr>
@@ -33333,7 +35289,7 @@
                           <m:dPr>
                             <m:ctrlPr>
                               <a:rPr lang="en-CA" b="0" i="1" smtClean="0">
-                                <a:latin typeface="Cambria Math" panose="02040503050406030204" pitchFamily="18" charset="0"/>
+                                <a:latin typeface="Cambria Math" charset="0"/>
                               </a:rPr>
                             </m:ctrlPr>
                           </m:dPr>
@@ -33352,7 +35308,7 @@
                       <m:dPr>
                         <m:ctrlPr>
                           <a:rPr lang="en-CA" b="0" i="1" smtClean="0">
-                            <a:latin typeface="Cambria Math" panose="02040503050406030204" pitchFamily="18" charset="0"/>
+                            <a:latin typeface="Cambria Math" charset="0"/>
                           </a:rPr>
                         </m:ctrlPr>
                       </m:dPr>
@@ -33363,7 +35319,7 @@
                             <m:endChr m:val="|"/>
                             <m:ctrlPr>
                               <a:rPr lang="en-CA" b="0" i="1" smtClean="0">
-                                <a:latin typeface="Cambria Math" panose="02040503050406030204" pitchFamily="18" charset="0"/>
+                                <a:latin typeface="Cambria Math" charset="0"/>
                               </a:rPr>
                             </m:ctrlPr>
                           </m:dPr>
@@ -33378,7 +35334,7 @@
                               <m:dPr>
                                 <m:ctrlPr>
                                   <a:rPr lang="en-CA" b="0" i="1" smtClean="0">
-                                    <a:latin typeface="Cambria Math" panose="02040503050406030204" pitchFamily="18" charset="0"/>
+                                    <a:latin typeface="Cambria Math" charset="0"/>
                                   </a:rPr>
                                 </m:ctrlPr>
                               </m:dPr>
@@ -33405,7 +35361,7 @@
                             <m:endChr m:val="|"/>
                             <m:ctrlPr>
                               <a:rPr lang="en-CA" b="0" i="1" smtClean="0">
-                                <a:latin typeface="Cambria Math" panose="02040503050406030204" pitchFamily="18" charset="0"/>
+                                <a:latin typeface="Cambria Math" charset="0"/>
                               </a:rPr>
                             </m:ctrlPr>
                           </m:dPr>
@@ -33420,7 +35376,7 @@
                               <m:dPr>
                                 <m:ctrlPr>
                                   <a:rPr lang="en-CA" b="0" i="1" smtClean="0">
-                                    <a:latin typeface="Cambria Math" panose="02040503050406030204" pitchFamily="18" charset="0"/>
+                                    <a:latin typeface="Cambria Math" charset="0"/>
                                   </a:rPr>
                                 </m:ctrlPr>
                               </m:dPr>
@@ -33453,7 +35409,7 @@
             </p:txBody>
           </p:sp>
         </mc:Choice>
-        <mc:Fallback>
+        <mc:Fallback xmlns="">
           <p:sp>
             <p:nvSpPr>
               <p:cNvPr id="3" name="Content Placeholder 2"/>
@@ -33514,8 +35470,8 @@
           </a:p>
         </p:txBody>
       </p:sp>
-      <mc:AlternateContent xmlns:mc="http://schemas.openxmlformats.org/markup-compatibility/2006">
-        <mc:Choice xmlns:p14="http://schemas.microsoft.com/office/powerpoint/2010/main" Requires="p14">
+      <mc:AlternateContent xmlns:mc="http://schemas.openxmlformats.org/markup-compatibility/2006" xmlns:p14="http://schemas.microsoft.com/office/powerpoint/2010/main">
+        <mc:Choice Requires="p14">
           <p:contentPart p14:bwMode="auto" r:id="rId3">
             <p14:nvContentPartPr>
               <p14:cNvPr id="12" name="Ink 11"/>
@@ -33528,7 +35484,7 @@
             </p14:xfrm>
           </p:contentPart>
         </mc:Choice>
-        <mc:Fallback>
+        <mc:Fallback xmlns="">
           <p:pic>
             <p:nvPicPr>
               <p:cNvPr id="12" name="Ink 11"/>
@@ -33553,8 +35509,8 @@
           </p:pic>
         </mc:Fallback>
       </mc:AlternateContent>
-      <mc:AlternateContent xmlns:mc="http://schemas.openxmlformats.org/markup-compatibility/2006">
-        <mc:Choice xmlns:p14="http://schemas.microsoft.com/office/powerpoint/2010/main" Requires="p14">
+      <mc:AlternateContent xmlns:mc="http://schemas.openxmlformats.org/markup-compatibility/2006" xmlns:p14="http://schemas.microsoft.com/office/powerpoint/2010/main">
+        <mc:Choice Requires="p14">
           <p:contentPart p14:bwMode="auto" r:id="rId5">
             <p14:nvContentPartPr>
               <p14:cNvPr id="15" name="Ink 14"/>
@@ -33567,7 +35523,7 @@
             </p14:xfrm>
           </p:contentPart>
         </mc:Choice>
-        <mc:Fallback>
+        <mc:Fallback xmlns="">
           <p:pic>
             <p:nvPicPr>
               <p:cNvPr id="15" name="Ink 14"/>
@@ -33592,8 +35548,8 @@
           </p:pic>
         </mc:Fallback>
       </mc:AlternateContent>
-      <mc:AlternateContent xmlns:mc="http://schemas.openxmlformats.org/markup-compatibility/2006">
-        <mc:Choice xmlns:p14="http://schemas.microsoft.com/office/powerpoint/2010/main" Requires="p14">
+      <mc:AlternateContent xmlns:mc="http://schemas.openxmlformats.org/markup-compatibility/2006" xmlns:p14="http://schemas.microsoft.com/office/powerpoint/2010/main">
+        <mc:Choice Requires="p14">
           <p:contentPart p14:bwMode="auto" r:id="rId7">
             <p14:nvContentPartPr>
               <p14:cNvPr id="16" name="Ink 15"/>
@@ -33606,7 +35562,7 @@
             </p14:xfrm>
           </p:contentPart>
         </mc:Choice>
-        <mc:Fallback>
+        <mc:Fallback xmlns="">
           <p:pic>
             <p:nvPicPr>
               <p:cNvPr id="16" name="Ink 15"/>
@@ -33631,8 +35587,8 @@
           </p:pic>
         </mc:Fallback>
       </mc:AlternateContent>
-      <mc:AlternateContent xmlns:mc="http://schemas.openxmlformats.org/markup-compatibility/2006">
-        <mc:Choice xmlns:p14="http://schemas.microsoft.com/office/powerpoint/2010/main" Requires="p14">
+      <mc:AlternateContent xmlns:mc="http://schemas.openxmlformats.org/markup-compatibility/2006" xmlns:p14="http://schemas.microsoft.com/office/powerpoint/2010/main">
+        <mc:Choice Requires="p14">
           <p:contentPart p14:bwMode="auto" r:id="rId9">
             <p14:nvContentPartPr>
               <p14:cNvPr id="17" name="Ink 16"/>
@@ -33645,7 +35601,7 @@
             </p14:xfrm>
           </p:contentPart>
         </mc:Choice>
-        <mc:Fallback>
+        <mc:Fallback xmlns="">
           <p:pic>
             <p:nvPicPr>
               <p:cNvPr id="17" name="Ink 16"/>
@@ -33670,8 +35626,8 @@
           </p:pic>
         </mc:Fallback>
       </mc:AlternateContent>
-      <mc:AlternateContent xmlns:mc="http://schemas.openxmlformats.org/markup-compatibility/2006">
-        <mc:Choice xmlns:p14="http://schemas.microsoft.com/office/powerpoint/2010/main" Requires="p14">
+      <mc:AlternateContent xmlns:mc="http://schemas.openxmlformats.org/markup-compatibility/2006" xmlns:p14="http://schemas.microsoft.com/office/powerpoint/2010/main">
+        <mc:Choice Requires="p14">
           <p:contentPart p14:bwMode="auto" r:id="rId11">
             <p14:nvContentPartPr>
               <p14:cNvPr id="18" name="Ink 17"/>
@@ -33684,7 +35640,7 @@
             </p14:xfrm>
           </p:contentPart>
         </mc:Choice>
-        <mc:Fallback>
+        <mc:Fallback xmlns="">
           <p:pic>
             <p:nvPicPr>
               <p:cNvPr id="18" name="Ink 17"/>
